--- a/Project_2_Presentation.pptx
+++ b/Project_2_Presentation.pptx
@@ -5,7 +5,7 @@
     <p:sldMasterId id="2147483648" r:id="rId4"/>
   </p:sldMasterIdLst>
   <p:notesMasterIdLst>
-    <p:notesMasterId r:id="rId24"/>
+    <p:notesMasterId r:id="rId36"/>
   </p:notesMasterIdLst>
   <p:sldIdLst>
     <p:sldId id="530" r:id="rId5"/>
@@ -23,10 +23,22 @@
     <p:sldId id="562" r:id="rId17"/>
     <p:sldId id="565" r:id="rId18"/>
     <p:sldId id="559" r:id="rId19"/>
-    <p:sldId id="552" r:id="rId20"/>
-    <p:sldId id="553" r:id="rId21"/>
-    <p:sldId id="549" r:id="rId22"/>
-    <p:sldId id="544" r:id="rId23"/>
+    <p:sldId id="569" r:id="rId20"/>
+    <p:sldId id="570" r:id="rId21"/>
+    <p:sldId id="571" r:id="rId22"/>
+    <p:sldId id="572" r:id="rId23"/>
+    <p:sldId id="573" r:id="rId24"/>
+    <p:sldId id="574" r:id="rId25"/>
+    <p:sldId id="575" r:id="rId26"/>
+    <p:sldId id="576" r:id="rId27"/>
+    <p:sldId id="577" r:id="rId28"/>
+    <p:sldId id="578" r:id="rId29"/>
+    <p:sldId id="579" r:id="rId30"/>
+    <p:sldId id="580" r:id="rId31"/>
+    <p:sldId id="552" r:id="rId32"/>
+    <p:sldId id="553" r:id="rId33"/>
+    <p:sldId id="549" r:id="rId34"/>
+    <p:sldId id="544" r:id="rId35"/>
   </p:sldIdLst>
   <p:sldSz cx="12192000" cy="6858000"/>
   <p:notesSz cx="6858000" cy="9144000"/>
@@ -227,7 +239,7 @@
           <a:p>
             <a:fld id="{3F00BCFC-AFFD-334C-A183-6116BAFDF92B}" type="datetimeFigureOut">
               <a:rPr lang="en-US" smtClean="0"/>
-              <a:t>2/28/2024</a:t>
+              <a:t>2/29/2024</a:t>
             </a:fld>
             <a:endParaRPr lang="en-US" dirty="0"/>
           </a:p>
@@ -17323,7 +17335,7 @@
             </a:pPr>
             <a:r>
               <a:rPr lang="en-US" sz="2400" dirty="0"/>
-              <a:t>Referee favorability resulted in X and should be an individual contributing factor.</a:t>
+              <a:t>Referee favorability resulted in X and should be an individual contributing factor. Joe?</a:t>
             </a:r>
           </a:p>
           <a:p>
@@ -17402,11 +17414,41 @@
           <a:p>
             <a:r>
               <a:rPr lang="en-US" dirty="0"/>
-              <a:t>Historical data - Graph</a:t>
-            </a:r>
-          </a:p>
-        </p:txBody>
-      </p:sp>
+              <a:t>Best Accuracies</a:t>
+            </a:r>
+          </a:p>
+        </p:txBody>
+      </p:sp>
+      <p:pic>
+        <p:nvPicPr>
+          <p:cNvPr id="4" name="Picture 3" descr="A graph showing different colored rectangles&#10;&#10;Description automatically generated">
+            <a:extLst>
+              <a:ext uri="{FF2B5EF4-FFF2-40B4-BE49-F238E27FC236}">
+                <a16:creationId xmlns:a16="http://schemas.microsoft.com/office/drawing/2014/main" id="{77E85F82-8487-3EE2-2D02-D6D40D8C7357}"/>
+              </a:ext>
+            </a:extLst>
+          </p:cNvPr>
+          <p:cNvPicPr>
+            <a:picLocks noChangeAspect="1"/>
+          </p:cNvPicPr>
+          <p:nvPr/>
+        </p:nvPicPr>
+        <p:blipFill>
+          <a:blip r:embed="rId2"/>
+          <a:stretch>
+            <a:fillRect/>
+          </a:stretch>
+        </p:blipFill>
+        <p:spPr>
+          <a:xfrm>
+            <a:off x="2100261" y="1566520"/>
+            <a:ext cx="7735839" cy="4983490"/>
+          </a:xfrm>
+          <a:prstGeom prst="rect">
+            <a:avLst/>
+          </a:prstGeom>
+        </p:spPr>
+      </p:pic>
     </p:spTree>
     <p:extLst>
       <p:ext uri="{BB962C8B-B14F-4D97-AF65-F5344CB8AC3E}">
@@ -17465,11 +17507,41 @@
           <a:p>
             <a:r>
               <a:rPr lang="en-US" dirty="0"/>
-              <a:t>Historical data - Graph</a:t>
-            </a:r>
-          </a:p>
-        </p:txBody>
-      </p:sp>
+              <a:t>Decision Boundary</a:t>
+            </a:r>
+          </a:p>
+        </p:txBody>
+      </p:sp>
+      <p:pic>
+        <p:nvPicPr>
+          <p:cNvPr id="4" name="Picture 3" descr="A graph showing a line between two different colors&#10;&#10;Description automatically generated with medium confidence">
+            <a:extLst>
+              <a:ext uri="{FF2B5EF4-FFF2-40B4-BE49-F238E27FC236}">
+                <a16:creationId xmlns:a16="http://schemas.microsoft.com/office/drawing/2014/main" id="{731E9B80-96D8-A542-C6DE-1F3D66675F94}"/>
+              </a:ext>
+            </a:extLst>
+          </p:cNvPr>
+          <p:cNvPicPr>
+            <a:picLocks noChangeAspect="1"/>
+          </p:cNvPicPr>
+          <p:nvPr/>
+        </p:nvPicPr>
+        <p:blipFill>
+          <a:blip r:embed="rId2"/>
+          <a:stretch>
+            <a:fillRect/>
+          </a:stretch>
+        </p:blipFill>
+        <p:spPr>
+          <a:xfrm>
+            <a:off x="1523991" y="1299078"/>
+            <a:ext cx="9144018" cy="5486411"/>
+          </a:xfrm>
+          <a:prstGeom prst="rect">
+            <a:avLst/>
+          </a:prstGeom>
+        </p:spPr>
+      </p:pic>
     </p:spTree>
     <p:extLst>
       <p:ext uri="{BB962C8B-B14F-4D97-AF65-F5344CB8AC3E}">
@@ -17528,11 +17600,49 @@
           <a:p>
             <a:r>
               <a:rPr lang="en-US" dirty="0"/>
-              <a:t>Historical data - Graph</a:t>
-            </a:r>
-          </a:p>
-        </p:txBody>
-      </p:sp>
+              <a:t>ELO </a:t>
+            </a:r>
+            <a:r>
+              <a:rPr lang="en-US" dirty="0" err="1"/>
+              <a:t>Probablity</a:t>
+            </a:r>
+            <a:r>
+              <a:rPr lang="en-US" dirty="0"/>
+              <a:t> vs score</a:t>
+            </a:r>
+          </a:p>
+        </p:txBody>
+      </p:sp>
+      <p:pic>
+        <p:nvPicPr>
+          <p:cNvPr id="4" name="Picture 3" descr="A red and blue diagram&#10;&#10;Description automatically generated">
+            <a:extLst>
+              <a:ext uri="{FF2B5EF4-FFF2-40B4-BE49-F238E27FC236}">
+                <a16:creationId xmlns:a16="http://schemas.microsoft.com/office/drawing/2014/main" id="{E64CAED2-EBA7-5E67-A710-59CFCD97AE98}"/>
+              </a:ext>
+            </a:extLst>
+          </p:cNvPr>
+          <p:cNvPicPr>
+            <a:picLocks noChangeAspect="1"/>
+          </p:cNvPicPr>
+          <p:nvPr/>
+        </p:nvPicPr>
+        <p:blipFill>
+          <a:blip r:embed="rId2"/>
+          <a:stretch>
+            <a:fillRect/>
+          </a:stretch>
+        </p:blipFill>
+        <p:spPr>
+          <a:xfrm>
+            <a:off x="1523991" y="1216736"/>
+            <a:ext cx="9144018" cy="5486411"/>
+          </a:xfrm>
+          <a:prstGeom prst="rect">
+            <a:avLst/>
+          </a:prstGeom>
+        </p:spPr>
+      </p:pic>
     </p:spTree>
     <p:extLst>
       <p:ext uri="{BB962C8B-B14F-4D97-AF65-F5344CB8AC3E}">
@@ -17591,11 +17701,41 @@
           <a:p>
             <a:r>
               <a:rPr lang="en-US" dirty="0"/>
-              <a:t>Historical data - Graph</a:t>
-            </a:r>
-          </a:p>
-        </p:txBody>
-      </p:sp>
+              <a:t>ELO rating vs winner</a:t>
+            </a:r>
+          </a:p>
+        </p:txBody>
+      </p:sp>
+      <p:pic>
+        <p:nvPicPr>
+          <p:cNvPr id="4" name="Picture 3" descr="A yellow and purple dots&#10;&#10;Description automatically generated">
+            <a:extLst>
+              <a:ext uri="{FF2B5EF4-FFF2-40B4-BE49-F238E27FC236}">
+                <a16:creationId xmlns:a16="http://schemas.microsoft.com/office/drawing/2014/main" id="{5B8FBACB-89E4-CE3F-13C9-4B7B6DB8B4CE}"/>
+              </a:ext>
+            </a:extLst>
+          </p:cNvPr>
+          <p:cNvPicPr>
+            <a:picLocks noChangeAspect="1"/>
+          </p:cNvPicPr>
+          <p:nvPr/>
+        </p:nvPicPr>
+        <p:blipFill>
+          <a:blip r:embed="rId2"/>
+          <a:stretch>
+            <a:fillRect/>
+          </a:stretch>
+        </p:blipFill>
+        <p:spPr>
+          <a:xfrm>
+            <a:off x="1680087" y="1145835"/>
+            <a:ext cx="8568248" cy="5712165"/>
+          </a:xfrm>
+          <a:prstGeom prst="rect">
+            <a:avLst/>
+          </a:prstGeom>
+        </p:spPr>
+      </p:pic>
     </p:spTree>
     <p:extLst>
       <p:ext uri="{BB962C8B-B14F-4D97-AF65-F5344CB8AC3E}">
@@ -17654,11 +17794,41 @@
           <a:p>
             <a:r>
               <a:rPr lang="en-US" dirty="0"/>
-              <a:t>Historical data - Graph</a:t>
-            </a:r>
-          </a:p>
-        </p:txBody>
-      </p:sp>
+              <a:t>Elo pregame vs winner</a:t>
+            </a:r>
+          </a:p>
+        </p:txBody>
+      </p:sp>
+      <p:pic>
+        <p:nvPicPr>
+          <p:cNvPr id="4" name="Picture 3" descr="A screen shot of a computer screen&#10;&#10;Description automatically generated">
+            <a:extLst>
+              <a:ext uri="{FF2B5EF4-FFF2-40B4-BE49-F238E27FC236}">
+                <a16:creationId xmlns:a16="http://schemas.microsoft.com/office/drawing/2014/main" id="{00F6D499-5AD1-077A-49C2-1708906E2A61}"/>
+              </a:ext>
+            </a:extLst>
+          </p:cNvPr>
+          <p:cNvPicPr>
+            <a:picLocks noChangeAspect="1"/>
+          </p:cNvPicPr>
+          <p:nvPr/>
+        </p:nvPicPr>
+        <p:blipFill>
+          <a:blip r:embed="rId2"/>
+          <a:stretch>
+            <a:fillRect/>
+          </a:stretch>
+        </p:blipFill>
+        <p:spPr>
+          <a:xfrm>
+            <a:off x="1523991" y="1391756"/>
+            <a:ext cx="8868706" cy="5321224"/>
+          </a:xfrm>
+          <a:prstGeom prst="rect">
+            <a:avLst/>
+          </a:prstGeom>
+        </p:spPr>
+      </p:pic>
     </p:spTree>
     <p:extLst>
       <p:ext uri="{BB962C8B-B14F-4D97-AF65-F5344CB8AC3E}">
@@ -17677,7 +17847,13 @@
   <p:cSld>
     <p:spTree>
       <p:nvGrpSpPr>
-        <p:cNvPr id="1" name=""/>
+        <p:cNvPr id="1" name="">
+          <a:extLst>
+            <a:ext uri="{FF2B5EF4-FFF2-40B4-BE49-F238E27FC236}">
+              <a16:creationId xmlns:a16="http://schemas.microsoft.com/office/drawing/2014/main" id="{EE6D1B3F-A669-53AE-563E-BAFFAB9D7AC3}"/>
+            </a:ext>
+          </a:extLst>
+        </p:cNvPr>
         <p:cNvGrpSpPr/>
         <p:nvPr/>
       </p:nvGrpSpPr>
@@ -17694,7 +17870,7 @@
           <p:cNvPr id="2" name="Title 1">
             <a:extLst>
               <a:ext uri="{FF2B5EF4-FFF2-40B4-BE49-F238E27FC236}">
-                <a16:creationId xmlns:a16="http://schemas.microsoft.com/office/drawing/2014/main" id="{F41F0E99-07CC-9576-AFD7-C52151AD0EA3}"/>
+                <a16:creationId xmlns:a16="http://schemas.microsoft.com/office/drawing/2014/main" id="{27262F0A-B1FC-F1B7-AC6B-E69D72B528B4}"/>
               </a:ext>
             </a:extLst>
           </p:cNvPr>
@@ -17707,8 +17883,8 @@
         </p:nvSpPr>
         <p:spPr>
           <a:xfrm>
-            <a:off x="1987455" y="72511"/>
-            <a:ext cx="8776797" cy="1069848"/>
+            <a:off x="1155032" y="72511"/>
+            <a:ext cx="8568248" cy="1069848"/>
           </a:xfrm>
         </p:spPr>
         <p:txBody>
@@ -17717,63 +17893,58 @@
           <a:p>
             <a:r>
               <a:rPr lang="en-US" dirty="0"/>
-              <a:t>Findings and implications</a:t>
-            </a:r>
-          </a:p>
-        </p:txBody>
-      </p:sp>
-      <p:sp>
-        <p:nvSpPr>
-          <p:cNvPr id="3" name="Subtitle 2">
-            <a:extLst>
-              <a:ext uri="{FF2B5EF4-FFF2-40B4-BE49-F238E27FC236}">
-                <a16:creationId xmlns:a16="http://schemas.microsoft.com/office/drawing/2014/main" id="{5A82A8B0-333F-633E-3FA7-D38DBFB10971}"/>
-              </a:ext>
-            </a:extLst>
-          </p:cNvPr>
-          <p:cNvSpPr>
-            <a:spLocks noGrp="1"/>
-          </p:cNvSpPr>
-          <p:nvPr>
-            <p:ph type="subTitle" idx="1"/>
-          </p:nvPr>
-        </p:nvSpPr>
+              <a:t>Difference in </a:t>
+            </a:r>
+            <a:r>
+              <a:rPr lang="en-US" dirty="0" err="1"/>
+              <a:t>qb</a:t>
+            </a:r>
+            <a:r>
+              <a:rPr lang="en-US" dirty="0"/>
+              <a:t> </a:t>
+            </a:r>
+            <a:r>
+              <a:rPr lang="en-US" dirty="0" err="1"/>
+              <a:t>elo</a:t>
+            </a:r>
+            <a:endParaRPr lang="en-US" dirty="0"/>
+          </a:p>
+        </p:txBody>
+      </p:sp>
+      <p:pic>
+        <p:nvPicPr>
+          <p:cNvPr id="4" name="Picture 3" descr="A blue line graph with white text&#10;&#10;Description automatically generated">
+            <a:extLst>
+              <a:ext uri="{FF2B5EF4-FFF2-40B4-BE49-F238E27FC236}">
+                <a16:creationId xmlns:a16="http://schemas.microsoft.com/office/drawing/2014/main" id="{93EB53C2-6BF7-4FC0-9F6E-A967385B4B28}"/>
+              </a:ext>
+            </a:extLst>
+          </p:cNvPr>
+          <p:cNvPicPr>
+            <a:picLocks noChangeAspect="1"/>
+          </p:cNvPicPr>
+          <p:nvPr/>
+        </p:nvPicPr>
+        <p:blipFill>
+          <a:blip r:embed="rId2"/>
+          <a:stretch>
+            <a:fillRect/>
+          </a:stretch>
+        </p:blipFill>
         <p:spPr>
           <a:xfrm>
-            <a:off x="505325" y="1259305"/>
-            <a:ext cx="11269579" cy="5430253"/>
-          </a:xfrm>
-        </p:spPr>
-        <p:txBody>
-          <a:bodyPr/>
-          <a:lstStyle/>
-          <a:p>
-            <a:br>
-              <a:rPr lang="en-US" sz="2800" b="0" dirty="0">
-                <a:solidFill>
-                  <a:srgbClr val="CCCCCC"/>
-                </a:solidFill>
-                <a:effectLst/>
-                <a:latin typeface="Consolas" panose="020B0609020204030204" pitchFamily="49" charset="0"/>
-              </a:rPr>
-            </a:br>
-            <a:endParaRPr lang="en-US" sz="2800" b="0" dirty="0">
-              <a:solidFill>
-                <a:srgbClr val="CCCCCC"/>
-              </a:solidFill>
-              <a:effectLst/>
-              <a:latin typeface="Consolas" panose="020B0609020204030204" pitchFamily="49" charset="0"/>
-            </a:endParaRPr>
-          </a:p>
-          <a:p>
-            <a:endParaRPr lang="en-US" dirty="0"/>
-          </a:p>
-        </p:txBody>
-      </p:sp>
+            <a:off x="1912369" y="1765132"/>
+            <a:ext cx="8367261" cy="5020357"/>
+          </a:xfrm>
+          <a:prstGeom prst="rect">
+            <a:avLst/>
+          </a:prstGeom>
+        </p:spPr>
+      </p:pic>
     </p:spTree>
     <p:extLst>
       <p:ext uri="{BB962C8B-B14F-4D97-AF65-F5344CB8AC3E}">
-        <p14:creationId xmlns:p14="http://schemas.microsoft.com/office/powerpoint/2010/main" val="4174470146"/>
+        <p14:creationId xmlns:p14="http://schemas.microsoft.com/office/powerpoint/2010/main" val="3392102013"/>
       </p:ext>
     </p:extLst>
   </p:cSld>
@@ -17788,7 +17959,13 @@
   <p:cSld>
     <p:spTree>
       <p:nvGrpSpPr>
-        <p:cNvPr id="1" name=""/>
+        <p:cNvPr id="1" name="">
+          <a:extLst>
+            <a:ext uri="{FF2B5EF4-FFF2-40B4-BE49-F238E27FC236}">
+              <a16:creationId xmlns:a16="http://schemas.microsoft.com/office/drawing/2014/main" id="{C533DD14-A3D8-CDB7-8668-236F9A117E6B}"/>
+            </a:ext>
+          </a:extLst>
+        </p:cNvPr>
         <p:cNvGrpSpPr/>
         <p:nvPr/>
       </p:nvGrpSpPr>
@@ -17805,7 +17982,7 @@
           <p:cNvPr id="2" name="Title 1">
             <a:extLst>
               <a:ext uri="{FF2B5EF4-FFF2-40B4-BE49-F238E27FC236}">
-                <a16:creationId xmlns:a16="http://schemas.microsoft.com/office/drawing/2014/main" id="{F41F0E99-07CC-9576-AFD7-C52151AD0EA3}"/>
+                <a16:creationId xmlns:a16="http://schemas.microsoft.com/office/drawing/2014/main" id="{FD3D1DDD-8A9B-B2EA-AB3F-8A3C898735A0}"/>
               </a:ext>
             </a:extLst>
           </p:cNvPr>
@@ -17818,8 +17995,8 @@
         </p:nvSpPr>
         <p:spPr>
           <a:xfrm>
-            <a:off x="1987456" y="72511"/>
-            <a:ext cx="8937218" cy="1069848"/>
+            <a:off x="1155032" y="72511"/>
+            <a:ext cx="8568248" cy="1069848"/>
           </a:xfrm>
         </p:spPr>
         <p:txBody>
@@ -17828,93 +18005,61 @@
           <a:p>
             <a:r>
               <a:rPr lang="en-US" dirty="0"/>
-              <a:t>Software version control</a:t>
-            </a:r>
-          </a:p>
-        </p:txBody>
-      </p:sp>
-      <p:sp>
-        <p:nvSpPr>
-          <p:cNvPr id="3" name="Subtitle 2">
-            <a:extLst>
-              <a:ext uri="{FF2B5EF4-FFF2-40B4-BE49-F238E27FC236}">
-                <a16:creationId xmlns:a16="http://schemas.microsoft.com/office/drawing/2014/main" id="{5A82A8B0-333F-633E-3FA7-D38DBFB10971}"/>
-              </a:ext>
-            </a:extLst>
-          </p:cNvPr>
-          <p:cNvSpPr>
-            <a:spLocks noGrp="1"/>
-          </p:cNvSpPr>
-          <p:nvPr>
-            <p:ph type="subTitle" idx="1"/>
-          </p:nvPr>
-        </p:nvSpPr>
+              <a:t>Difference in </a:t>
+            </a:r>
+            <a:r>
+              <a:rPr lang="en-US" dirty="0" err="1"/>
+              <a:t>qb</a:t>
+            </a:r>
+            <a:r>
+              <a:rPr lang="en-US" dirty="0"/>
+              <a:t> </a:t>
+            </a:r>
+            <a:r>
+              <a:rPr lang="en-US" dirty="0" err="1"/>
+              <a:t>elo</a:t>
+            </a:r>
+            <a:r>
+              <a:rPr lang="en-US" dirty="0"/>
+              <a:t> when team 1 wins</a:t>
+            </a:r>
+          </a:p>
+        </p:txBody>
+      </p:sp>
+      <p:pic>
+        <p:nvPicPr>
+          <p:cNvPr id="4" name="Picture 3" descr="A blue line graph with white text&#10;&#10;Description automatically generated">
+            <a:extLst>
+              <a:ext uri="{FF2B5EF4-FFF2-40B4-BE49-F238E27FC236}">
+                <a16:creationId xmlns:a16="http://schemas.microsoft.com/office/drawing/2014/main" id="{CF3C8DDA-A65C-BEC6-0AA3-1FD838920564}"/>
+              </a:ext>
+            </a:extLst>
+          </p:cNvPr>
+          <p:cNvPicPr>
+            <a:picLocks noChangeAspect="1"/>
+          </p:cNvPicPr>
+          <p:nvPr/>
+        </p:nvPicPr>
+        <p:blipFill>
+          <a:blip r:embed="rId2"/>
+          <a:stretch>
+            <a:fillRect/>
+          </a:stretch>
+        </p:blipFill>
         <p:spPr>
           <a:xfrm>
-            <a:off x="505325" y="1259305"/>
-            <a:ext cx="11269579" cy="5430253"/>
-          </a:xfrm>
-        </p:spPr>
-        <p:txBody>
-          <a:bodyPr/>
-          <a:lstStyle/>
-          <a:p>
-            <a:pPr marL="457200" indent="-457200" algn="l">
-              <a:buFont typeface="Arial" panose="020B0604020202020204" pitchFamily="34" charset="0"/>
-              <a:buChar char="•"/>
-            </a:pPr>
-            <a:r>
-              <a:rPr lang="en-US" sz="2800" b="0" dirty="0">
-                <a:solidFill>
-                  <a:srgbClr val="CCCCCC"/>
-                </a:solidFill>
-                <a:effectLst/>
-                <a:latin typeface="Consolas" panose="020B0609020204030204" pitchFamily="49" charset="0"/>
-              </a:rPr>
-              <a:t>A GitHub repository was created - all group members contributed to repository.</a:t>
-            </a:r>
-          </a:p>
-          <a:p>
-            <a:pPr marL="457200" indent="-457200" algn="l">
-              <a:buFont typeface="Arial" panose="020B0604020202020204" pitchFamily="34" charset="0"/>
-              <a:buChar char="•"/>
-            </a:pPr>
-            <a:r>
-              <a:rPr lang="en-US" sz="2800" b="0" dirty="0">
-                <a:solidFill>
-                  <a:srgbClr val="CCCCCC"/>
-                </a:solidFill>
-                <a:effectLst/>
-                <a:latin typeface="Consolas" panose="020B0609020204030204" pitchFamily="49" charset="0"/>
-              </a:rPr>
-              <a:t>Each GitHub commit was annotated to ensure proper communication between group members.</a:t>
-            </a:r>
-          </a:p>
-          <a:p>
-            <a:pPr marL="457200" indent="-457200" algn="l">
-              <a:buFont typeface="Arial" panose="020B0604020202020204" pitchFamily="34" charset="0"/>
-              <a:buChar char="•"/>
-            </a:pPr>
-            <a:r>
-              <a:rPr lang="en-US" sz="2800" b="0" dirty="0">
-                <a:solidFill>
-                  <a:srgbClr val="CCCCCC"/>
-                </a:solidFill>
-                <a:effectLst/>
-                <a:latin typeface="Consolas" panose="020B0609020204030204" pitchFamily="49" charset="0"/>
-              </a:rPr>
-              <a:t>Supporting files were also uploaded and evaluated by the group.</a:t>
-            </a:r>
-          </a:p>
-          <a:p>
-            <a:endParaRPr lang="en-US" dirty="0"/>
-          </a:p>
-        </p:txBody>
-      </p:sp>
+            <a:off x="1921624" y="1646897"/>
+            <a:ext cx="8357428" cy="5014457"/>
+          </a:xfrm>
+          <a:prstGeom prst="rect">
+            <a:avLst/>
+          </a:prstGeom>
+        </p:spPr>
+      </p:pic>
     </p:spTree>
     <p:extLst>
       <p:ext uri="{BB962C8B-B14F-4D97-AF65-F5344CB8AC3E}">
-        <p14:creationId xmlns:p14="http://schemas.microsoft.com/office/powerpoint/2010/main" val="4153323784"/>
+        <p14:creationId xmlns:p14="http://schemas.microsoft.com/office/powerpoint/2010/main" val="1589518959"/>
       </p:ext>
     </p:extLst>
   </p:cSld>
@@ -17929,7 +18074,13 @@
   <p:cSld>
     <p:spTree>
       <p:nvGrpSpPr>
-        <p:cNvPr id="1" name=""/>
+        <p:cNvPr id="1" name="">
+          <a:extLst>
+            <a:ext uri="{FF2B5EF4-FFF2-40B4-BE49-F238E27FC236}">
+              <a16:creationId xmlns:a16="http://schemas.microsoft.com/office/drawing/2014/main" id="{2884CA1B-86B1-7E7A-8764-A483CB4BBA9A}"/>
+            </a:ext>
+          </a:extLst>
+        </p:cNvPr>
         <p:cNvGrpSpPr/>
         <p:nvPr/>
       </p:nvGrpSpPr>
@@ -17946,7 +18097,7 @@
           <p:cNvPr id="2" name="Title 1">
             <a:extLst>
               <a:ext uri="{FF2B5EF4-FFF2-40B4-BE49-F238E27FC236}">
-                <a16:creationId xmlns:a16="http://schemas.microsoft.com/office/drawing/2014/main" id="{F41F0E99-07CC-9576-AFD7-C52151AD0EA3}"/>
+                <a16:creationId xmlns:a16="http://schemas.microsoft.com/office/drawing/2014/main" id="{9D2ADB80-D04A-704E-3B2E-1C3E26A50FD2}"/>
               </a:ext>
             </a:extLst>
           </p:cNvPr>
@@ -17959,8 +18110,8 @@
         </p:nvSpPr>
         <p:spPr>
           <a:xfrm>
-            <a:off x="1987456" y="72511"/>
-            <a:ext cx="7735824" cy="1069848"/>
+            <a:off x="1155032" y="72511"/>
+            <a:ext cx="8568248" cy="1069848"/>
           </a:xfrm>
         </p:spPr>
         <p:txBody>
@@ -17969,61 +18120,61 @@
           <a:p>
             <a:r>
               <a:rPr lang="en-US" dirty="0"/>
-              <a:t>Future development</a:t>
-            </a:r>
-          </a:p>
-        </p:txBody>
-      </p:sp>
-      <p:sp>
-        <p:nvSpPr>
-          <p:cNvPr id="3" name="Subtitle 2">
-            <a:extLst>
-              <a:ext uri="{FF2B5EF4-FFF2-40B4-BE49-F238E27FC236}">
-                <a16:creationId xmlns:a16="http://schemas.microsoft.com/office/drawing/2014/main" id="{5A82A8B0-333F-633E-3FA7-D38DBFB10971}"/>
-              </a:ext>
-            </a:extLst>
-          </p:cNvPr>
-          <p:cNvSpPr>
-            <a:spLocks noGrp="1"/>
-          </p:cNvSpPr>
-          <p:nvPr>
-            <p:ph type="subTitle" idx="1"/>
-          </p:nvPr>
-        </p:nvSpPr>
+              <a:t>Difference in </a:t>
+            </a:r>
+            <a:r>
+              <a:rPr lang="en-US" dirty="0" err="1"/>
+              <a:t>qb</a:t>
+            </a:r>
+            <a:r>
+              <a:rPr lang="en-US" dirty="0"/>
+              <a:t> </a:t>
+            </a:r>
+            <a:r>
+              <a:rPr lang="en-US" dirty="0" err="1"/>
+              <a:t>elo</a:t>
+            </a:r>
+            <a:r>
+              <a:rPr lang="en-US" dirty="0"/>
+              <a:t> when team 2 wins</a:t>
+            </a:r>
+          </a:p>
+        </p:txBody>
+      </p:sp>
+      <p:pic>
+        <p:nvPicPr>
+          <p:cNvPr id="4" name="Picture 3" descr="A blue line graph with white text&#10;&#10;Description automatically generated">
+            <a:extLst>
+              <a:ext uri="{FF2B5EF4-FFF2-40B4-BE49-F238E27FC236}">
+                <a16:creationId xmlns:a16="http://schemas.microsoft.com/office/drawing/2014/main" id="{E3B897F0-51C7-E94D-85F9-F9B23BE654C5}"/>
+              </a:ext>
+            </a:extLst>
+          </p:cNvPr>
+          <p:cNvPicPr>
+            <a:picLocks noChangeAspect="1"/>
+          </p:cNvPicPr>
+          <p:nvPr/>
+        </p:nvPicPr>
+        <p:blipFill>
+          <a:blip r:embed="rId2"/>
+          <a:stretch>
+            <a:fillRect/>
+          </a:stretch>
+        </p:blipFill>
         <p:spPr>
           <a:xfrm>
-            <a:off x="505325" y="1259305"/>
-            <a:ext cx="11269579" cy="5430253"/>
-          </a:xfrm>
-        </p:spPr>
-        <p:txBody>
-          <a:bodyPr/>
-          <a:lstStyle/>
-          <a:p>
-            <a:pPr marL="457200" indent="-457200" algn="l">
-              <a:buFont typeface="Arial" panose="020B0604020202020204" pitchFamily="34" charset="0"/>
-              <a:buChar char="•"/>
-            </a:pPr>
-            <a:r>
-              <a:rPr lang="en-US" sz="2800" b="0" dirty="0">
-                <a:solidFill>
-                  <a:srgbClr val="CCCCCC"/>
-                </a:solidFill>
-                <a:effectLst/>
-                <a:latin typeface="Consolas" panose="020B0609020204030204" pitchFamily="49" charset="0"/>
-              </a:rPr>
-              <a:t>Future development includes</a:t>
-            </a:r>
-          </a:p>
-          <a:p>
-            <a:endParaRPr lang="en-US" dirty="0"/>
-          </a:p>
-        </p:txBody>
-      </p:sp>
+            <a:off x="1641978" y="1564555"/>
+            <a:ext cx="8701557" cy="5220934"/>
+          </a:xfrm>
+          <a:prstGeom prst="rect">
+            <a:avLst/>
+          </a:prstGeom>
+        </p:spPr>
+      </p:pic>
     </p:spTree>
     <p:extLst>
       <p:ext uri="{BB962C8B-B14F-4D97-AF65-F5344CB8AC3E}">
-        <p14:creationId xmlns:p14="http://schemas.microsoft.com/office/powerpoint/2010/main" val="87203755"/>
+        <p14:creationId xmlns:p14="http://schemas.microsoft.com/office/powerpoint/2010/main" val="769914348"/>
       </p:ext>
     </p:extLst>
   </p:cSld>
@@ -18038,7 +18189,13 @@
   <p:cSld>
     <p:spTree>
       <p:nvGrpSpPr>
-        <p:cNvPr id="1" name=""/>
+        <p:cNvPr id="1" name="">
+          <a:extLst>
+            <a:ext uri="{FF2B5EF4-FFF2-40B4-BE49-F238E27FC236}">
+              <a16:creationId xmlns:a16="http://schemas.microsoft.com/office/drawing/2014/main" id="{5D3A9BDB-384A-6DFE-C125-2AC7FC5C5E30}"/>
+            </a:ext>
+          </a:extLst>
+        </p:cNvPr>
         <p:cNvGrpSpPr/>
         <p:nvPr/>
       </p:nvGrpSpPr>
@@ -18055,7 +18212,7 @@
           <p:cNvPr id="2" name="Title 1">
             <a:extLst>
               <a:ext uri="{FF2B5EF4-FFF2-40B4-BE49-F238E27FC236}">
-                <a16:creationId xmlns:a16="http://schemas.microsoft.com/office/drawing/2014/main" id="{2C9E1892-81E6-551C-7B5A-DEA68224520B}"/>
+                <a16:creationId xmlns:a16="http://schemas.microsoft.com/office/drawing/2014/main" id="{68C5D0CA-7E48-8DE2-7B7F-355CD07F3C88}"/>
               </a:ext>
             </a:extLst>
           </p:cNvPr>
@@ -18063,35 +18220,72 @@
             <a:spLocks noGrp="1"/>
           </p:cNvSpPr>
           <p:nvPr>
-            <p:ph type="title"/>
+            <p:ph type="ctrTitle"/>
           </p:nvPr>
         </p:nvSpPr>
-        <p:spPr/>
+        <p:spPr>
+          <a:xfrm>
+            <a:off x="1155032" y="72511"/>
+            <a:ext cx="8568248" cy="1069848"/>
+          </a:xfrm>
+        </p:spPr>
         <p:txBody>
           <a:bodyPr/>
           <a:lstStyle/>
           <a:p>
             <a:r>
-              <a:rPr lang="en-US" sz="4800" b="1" spc="600" dirty="0">
-                <a:ln w="28575">
-                  <a:noFill/>
-                  <a:prstDash val="solid"/>
-                </a:ln>
-                <a:solidFill>
-                  <a:schemeClr val="bg1"/>
-                </a:solidFill>
-                <a:latin typeface="Tw Cen MT" panose="020B0602020104020603" pitchFamily="34" charset="77"/>
-              </a:rPr>
-              <a:t>THANK YOU</a:t>
-            </a:r>
-            <a:endParaRPr lang="en-US" dirty="0"/>
-          </a:p>
-        </p:txBody>
-      </p:sp>
+              <a:rPr lang="en-US" dirty="0" err="1"/>
+              <a:t>Qb</a:t>
+            </a:r>
+            <a:r>
+              <a:rPr lang="en-US" dirty="0"/>
+              <a:t> adjusted </a:t>
+            </a:r>
+            <a:r>
+              <a:rPr lang="en-US" dirty="0" err="1"/>
+              <a:t>elo</a:t>
+            </a:r>
+            <a:r>
+              <a:rPr lang="en-US" dirty="0"/>
+              <a:t> difference vs winner</a:t>
+            </a:r>
+          </a:p>
+        </p:txBody>
+      </p:sp>
+      <p:pic>
+        <p:nvPicPr>
+          <p:cNvPr id="4" name="Picture 3" descr="A screen shot of a graph&#10;&#10;Description automatically generated">
+            <a:extLst>
+              <a:ext uri="{FF2B5EF4-FFF2-40B4-BE49-F238E27FC236}">
+                <a16:creationId xmlns:a16="http://schemas.microsoft.com/office/drawing/2014/main" id="{D4C5CD01-15A0-B346-2363-906DE03E7DB6}"/>
+              </a:ext>
+            </a:extLst>
+          </p:cNvPr>
+          <p:cNvPicPr>
+            <a:picLocks noChangeAspect="1"/>
+          </p:cNvPicPr>
+          <p:nvPr/>
+        </p:nvPicPr>
+        <p:blipFill>
+          <a:blip r:embed="rId2"/>
+          <a:stretch>
+            <a:fillRect/>
+          </a:stretch>
+        </p:blipFill>
+        <p:spPr>
+          <a:xfrm>
+            <a:off x="1523991" y="1299078"/>
+            <a:ext cx="9144018" cy="5486411"/>
+          </a:xfrm>
+          <a:prstGeom prst="rect">
+            <a:avLst/>
+          </a:prstGeom>
+        </p:spPr>
+      </p:pic>
     </p:spTree>
     <p:extLst>
       <p:ext uri="{BB962C8B-B14F-4D97-AF65-F5344CB8AC3E}">
-        <p14:creationId xmlns:p14="http://schemas.microsoft.com/office/powerpoint/2010/main" val="1877701230"/>
+        <p14:creationId xmlns:p14="http://schemas.microsoft.com/office/powerpoint/2010/main" val="2948521662"/>
       </p:ext>
     </p:extLst>
   </p:cSld>
@@ -18227,7 +18421,39 @@
                 <a:effectLst/>
                 <a:latin typeface="Consolas" panose="020B0609020204030204" pitchFamily="49" charset="0"/>
               </a:rPr>
-              <a:t>The purpose of the project was to identify - </a:t>
+              <a:t>This page is still in </a:t>
+            </a:r>
+            <a:r>
+              <a:rPr lang="en-US" sz="1800" b="0">
+                <a:solidFill>
+                  <a:srgbClr val="CCCCCC"/>
+                </a:solidFill>
+                <a:effectLst/>
+                <a:latin typeface="Consolas" panose="020B0609020204030204" pitchFamily="49" charset="0"/>
+              </a:rPr>
+              <a:t>editing process – </a:t>
+            </a:r>
+          </a:p>
+          <a:p>
+            <a:r>
+              <a:rPr lang="en-US" sz="1800" b="0">
+                <a:solidFill>
+                  <a:srgbClr val="CCCCCC"/>
+                </a:solidFill>
+                <a:effectLst/>
+                <a:latin typeface="Consolas" panose="020B0609020204030204" pitchFamily="49" charset="0"/>
+              </a:rPr>
+              <a:t>The </a:t>
+            </a:r>
+            <a:r>
+              <a:rPr lang="en-US" sz="1800" b="0" dirty="0">
+                <a:solidFill>
+                  <a:srgbClr val="CCCCCC"/>
+                </a:solidFill>
+                <a:effectLst/>
+                <a:latin typeface="Consolas" panose="020B0609020204030204" pitchFamily="49" charset="0"/>
+              </a:rPr>
+              <a:t>purpose of the project was to identify - </a:t>
             </a:r>
           </a:p>
           <a:p>
@@ -18420,6 +18646,1028 @@
     <p:extLst>
       <p:ext uri="{BB962C8B-B14F-4D97-AF65-F5344CB8AC3E}">
         <p14:creationId xmlns:p14="http://schemas.microsoft.com/office/powerpoint/2010/main" val="3548027083"/>
+      </p:ext>
+    </p:extLst>
+  </p:cSld>
+  <p:clrMapOvr>
+    <a:masterClrMapping/>
+  </p:clrMapOvr>
+</p:sld>
+</file>
+
+<file path=ppt/slides/slide20.xml><?xml version="1.0" encoding="utf-8"?>
+<p:sld xmlns:a="http://schemas.openxmlformats.org/drawingml/2006/main" xmlns:r="http://schemas.openxmlformats.org/officeDocument/2006/relationships" xmlns:p="http://schemas.openxmlformats.org/presentationml/2006/main">
+  <p:cSld>
+    <p:spTree>
+      <p:nvGrpSpPr>
+        <p:cNvPr id="1" name="">
+          <a:extLst>
+            <a:ext uri="{FF2B5EF4-FFF2-40B4-BE49-F238E27FC236}">
+              <a16:creationId xmlns:a16="http://schemas.microsoft.com/office/drawing/2014/main" id="{AB509892-7506-4CDF-3F0F-F326F3A1D1B2}"/>
+            </a:ext>
+          </a:extLst>
+        </p:cNvPr>
+        <p:cNvGrpSpPr/>
+        <p:nvPr/>
+      </p:nvGrpSpPr>
+      <p:grpSpPr>
+        <a:xfrm>
+          <a:off x="0" y="0"/>
+          <a:ext cx="0" cy="0"/>
+          <a:chOff x="0" y="0"/>
+          <a:chExt cx="0" cy="0"/>
+        </a:xfrm>
+      </p:grpSpPr>
+      <p:sp>
+        <p:nvSpPr>
+          <p:cNvPr id="2" name="Title 1">
+            <a:extLst>
+              <a:ext uri="{FF2B5EF4-FFF2-40B4-BE49-F238E27FC236}">
+                <a16:creationId xmlns:a16="http://schemas.microsoft.com/office/drawing/2014/main" id="{A4FC6A8C-974B-78DF-0478-F3A761380694}"/>
+              </a:ext>
+            </a:extLst>
+          </p:cNvPr>
+          <p:cNvSpPr>
+            <a:spLocks noGrp="1"/>
+          </p:cNvSpPr>
+          <p:nvPr>
+            <p:ph type="ctrTitle"/>
+          </p:nvPr>
+        </p:nvSpPr>
+        <p:spPr>
+          <a:xfrm>
+            <a:off x="1155032" y="72511"/>
+            <a:ext cx="8568248" cy="1069848"/>
+          </a:xfrm>
+        </p:spPr>
+        <p:txBody>
+          <a:bodyPr/>
+          <a:lstStyle/>
+          <a:p>
+            <a:r>
+              <a:rPr lang="en-US" dirty="0"/>
+              <a:t>Difference in </a:t>
+            </a:r>
+            <a:r>
+              <a:rPr lang="en-US" dirty="0" err="1"/>
+              <a:t>qb</a:t>
+            </a:r>
+            <a:r>
+              <a:rPr lang="en-US" dirty="0"/>
+              <a:t> </a:t>
+            </a:r>
+            <a:r>
+              <a:rPr lang="en-US" dirty="0" err="1"/>
+              <a:t>elo</a:t>
+            </a:r>
+            <a:endParaRPr lang="en-US" dirty="0"/>
+          </a:p>
+        </p:txBody>
+      </p:sp>
+      <p:pic>
+        <p:nvPicPr>
+          <p:cNvPr id="4" name="Picture 3" descr="A graph of different colored lines&#10;&#10;Description automatically generated">
+            <a:extLst>
+              <a:ext uri="{FF2B5EF4-FFF2-40B4-BE49-F238E27FC236}">
+                <a16:creationId xmlns:a16="http://schemas.microsoft.com/office/drawing/2014/main" id="{75BB222E-6F7B-C3B6-E9A0-6A38770EF42A}"/>
+              </a:ext>
+            </a:extLst>
+          </p:cNvPr>
+          <p:cNvPicPr>
+            <a:picLocks noChangeAspect="1"/>
+          </p:cNvPicPr>
+          <p:nvPr/>
+        </p:nvPicPr>
+        <p:blipFill>
+          <a:blip r:embed="rId2"/>
+          <a:stretch>
+            <a:fillRect/>
+          </a:stretch>
+        </p:blipFill>
+        <p:spPr>
+          <a:xfrm>
+            <a:off x="1523991" y="1299078"/>
+            <a:ext cx="9144018" cy="5486411"/>
+          </a:xfrm>
+          <a:prstGeom prst="rect">
+            <a:avLst/>
+          </a:prstGeom>
+        </p:spPr>
+      </p:pic>
+    </p:spTree>
+    <p:extLst>
+      <p:ext uri="{BB962C8B-B14F-4D97-AF65-F5344CB8AC3E}">
+        <p14:creationId xmlns:p14="http://schemas.microsoft.com/office/powerpoint/2010/main" val="4282081303"/>
+      </p:ext>
+    </p:extLst>
+  </p:cSld>
+  <p:clrMapOvr>
+    <a:masterClrMapping/>
+  </p:clrMapOvr>
+</p:sld>
+</file>
+
+<file path=ppt/slides/slide21.xml><?xml version="1.0" encoding="utf-8"?>
+<p:sld xmlns:a="http://schemas.openxmlformats.org/drawingml/2006/main" xmlns:r="http://schemas.openxmlformats.org/officeDocument/2006/relationships" xmlns:p="http://schemas.openxmlformats.org/presentationml/2006/main">
+  <p:cSld>
+    <p:spTree>
+      <p:nvGrpSpPr>
+        <p:cNvPr id="1" name="">
+          <a:extLst>
+            <a:ext uri="{FF2B5EF4-FFF2-40B4-BE49-F238E27FC236}">
+              <a16:creationId xmlns:a16="http://schemas.microsoft.com/office/drawing/2014/main" id="{6B851E49-7A47-08FD-DA23-73C36F5D4985}"/>
+            </a:ext>
+          </a:extLst>
+        </p:cNvPr>
+        <p:cNvGrpSpPr/>
+        <p:nvPr/>
+      </p:nvGrpSpPr>
+      <p:grpSpPr>
+        <a:xfrm>
+          <a:off x="0" y="0"/>
+          <a:ext cx="0" cy="0"/>
+          <a:chOff x="0" y="0"/>
+          <a:chExt cx="0" cy="0"/>
+        </a:xfrm>
+      </p:grpSpPr>
+      <p:sp>
+        <p:nvSpPr>
+          <p:cNvPr id="2" name="Title 1">
+            <a:extLst>
+              <a:ext uri="{FF2B5EF4-FFF2-40B4-BE49-F238E27FC236}">
+                <a16:creationId xmlns:a16="http://schemas.microsoft.com/office/drawing/2014/main" id="{B058D734-7E33-07E2-F815-C93659055DA8}"/>
+              </a:ext>
+            </a:extLst>
+          </p:cNvPr>
+          <p:cNvSpPr>
+            <a:spLocks noGrp="1"/>
+          </p:cNvSpPr>
+          <p:nvPr>
+            <p:ph type="ctrTitle"/>
+          </p:nvPr>
+        </p:nvSpPr>
+        <p:spPr>
+          <a:xfrm>
+            <a:off x="1155032" y="72511"/>
+            <a:ext cx="9984916" cy="1069848"/>
+          </a:xfrm>
+        </p:spPr>
+        <p:txBody>
+          <a:bodyPr/>
+          <a:lstStyle/>
+          <a:p>
+            <a:r>
+              <a:rPr lang="en-US" sz="3200" dirty="0" err="1"/>
+              <a:t>Qb</a:t>
+            </a:r>
+            <a:r>
+              <a:rPr lang="en-US" sz="3200" dirty="0"/>
+              <a:t> adjusted for </a:t>
+            </a:r>
+            <a:r>
+              <a:rPr lang="en-US" sz="3200" dirty="0" err="1"/>
+              <a:t>elo</a:t>
+            </a:r>
+            <a:r>
+              <a:rPr lang="en-US" sz="3200" dirty="0"/>
+              <a:t> team 1 win probability vs actual winner</a:t>
+            </a:r>
+          </a:p>
+        </p:txBody>
+      </p:sp>
+      <p:pic>
+        <p:nvPicPr>
+          <p:cNvPr id="4" name="Picture 3" descr="A screen shot of a computer screen&#10;&#10;Description automatically generated">
+            <a:extLst>
+              <a:ext uri="{FF2B5EF4-FFF2-40B4-BE49-F238E27FC236}">
+                <a16:creationId xmlns:a16="http://schemas.microsoft.com/office/drawing/2014/main" id="{C5A0712A-352B-D852-B16E-615759FAC443}"/>
+              </a:ext>
+            </a:extLst>
+          </p:cNvPr>
+          <p:cNvPicPr>
+            <a:picLocks noChangeAspect="1"/>
+          </p:cNvPicPr>
+          <p:nvPr/>
+        </p:nvPicPr>
+        <p:blipFill>
+          <a:blip r:embed="rId2"/>
+          <a:stretch>
+            <a:fillRect/>
+          </a:stretch>
+        </p:blipFill>
+        <p:spPr>
+          <a:xfrm>
+            <a:off x="1523991" y="1371589"/>
+            <a:ext cx="9144018" cy="5486411"/>
+          </a:xfrm>
+          <a:prstGeom prst="rect">
+            <a:avLst/>
+          </a:prstGeom>
+        </p:spPr>
+      </p:pic>
+    </p:spTree>
+    <p:extLst>
+      <p:ext uri="{BB962C8B-B14F-4D97-AF65-F5344CB8AC3E}">
+        <p14:creationId xmlns:p14="http://schemas.microsoft.com/office/powerpoint/2010/main" val="3642347434"/>
+      </p:ext>
+    </p:extLst>
+  </p:cSld>
+  <p:clrMapOvr>
+    <a:masterClrMapping/>
+  </p:clrMapOvr>
+</p:sld>
+</file>
+
+<file path=ppt/slides/slide22.xml><?xml version="1.0" encoding="utf-8"?>
+<p:sld xmlns:a="http://schemas.openxmlformats.org/drawingml/2006/main" xmlns:r="http://schemas.openxmlformats.org/officeDocument/2006/relationships" xmlns:p="http://schemas.openxmlformats.org/presentationml/2006/main">
+  <p:cSld>
+    <p:spTree>
+      <p:nvGrpSpPr>
+        <p:cNvPr id="1" name="">
+          <a:extLst>
+            <a:ext uri="{FF2B5EF4-FFF2-40B4-BE49-F238E27FC236}">
+              <a16:creationId xmlns:a16="http://schemas.microsoft.com/office/drawing/2014/main" id="{020E173C-B957-2FCC-2D69-77EDB951E5B4}"/>
+            </a:ext>
+          </a:extLst>
+        </p:cNvPr>
+        <p:cNvGrpSpPr/>
+        <p:nvPr/>
+      </p:nvGrpSpPr>
+      <p:grpSpPr>
+        <a:xfrm>
+          <a:off x="0" y="0"/>
+          <a:ext cx="0" cy="0"/>
+          <a:chOff x="0" y="0"/>
+          <a:chExt cx="0" cy="0"/>
+        </a:xfrm>
+      </p:grpSpPr>
+      <p:sp>
+        <p:nvSpPr>
+          <p:cNvPr id="2" name="Title 1">
+            <a:extLst>
+              <a:ext uri="{FF2B5EF4-FFF2-40B4-BE49-F238E27FC236}">
+                <a16:creationId xmlns:a16="http://schemas.microsoft.com/office/drawing/2014/main" id="{238273A1-329D-37FA-A5B5-2790C3708193}"/>
+              </a:ext>
+            </a:extLst>
+          </p:cNvPr>
+          <p:cNvSpPr>
+            <a:spLocks noGrp="1"/>
+          </p:cNvSpPr>
+          <p:nvPr>
+            <p:ph type="ctrTitle"/>
+          </p:nvPr>
+        </p:nvSpPr>
+        <p:spPr>
+          <a:xfrm>
+            <a:off x="1155032" y="72511"/>
+            <a:ext cx="10063574" cy="1069848"/>
+          </a:xfrm>
+        </p:spPr>
+        <p:txBody>
+          <a:bodyPr/>
+          <a:lstStyle/>
+          <a:p>
+            <a:r>
+              <a:rPr lang="en-US" sz="2800" dirty="0" err="1"/>
+              <a:t>Qb</a:t>
+            </a:r>
+            <a:r>
+              <a:rPr lang="en-US" sz="2800" dirty="0"/>
+              <a:t> adjusted </a:t>
+            </a:r>
+            <a:r>
+              <a:rPr lang="en-US" sz="2800" dirty="0" err="1"/>
+              <a:t>elo</a:t>
+            </a:r>
+            <a:r>
+              <a:rPr lang="en-US" sz="2800" dirty="0"/>
+              <a:t> team 1 wins probability vs actual winner</a:t>
+            </a:r>
+          </a:p>
+        </p:txBody>
+      </p:sp>
+      <p:pic>
+        <p:nvPicPr>
+          <p:cNvPr id="4" name="Picture 3" descr="A blue and orange rectangular bars&#10;&#10;Description automatically generated">
+            <a:extLst>
+              <a:ext uri="{FF2B5EF4-FFF2-40B4-BE49-F238E27FC236}">
+                <a16:creationId xmlns:a16="http://schemas.microsoft.com/office/drawing/2014/main" id="{538BCCBC-4734-D1A2-9F7F-85F96389C27A}"/>
+              </a:ext>
+            </a:extLst>
+          </p:cNvPr>
+          <p:cNvPicPr>
+            <a:picLocks noChangeAspect="1"/>
+          </p:cNvPicPr>
+          <p:nvPr/>
+        </p:nvPicPr>
+        <p:blipFill>
+          <a:blip r:embed="rId2"/>
+          <a:stretch>
+            <a:fillRect/>
+          </a:stretch>
+        </p:blipFill>
+        <p:spPr>
+          <a:xfrm>
+            <a:off x="1523991" y="1299078"/>
+            <a:ext cx="9144018" cy="5486411"/>
+          </a:xfrm>
+          <a:prstGeom prst="rect">
+            <a:avLst/>
+          </a:prstGeom>
+        </p:spPr>
+      </p:pic>
+    </p:spTree>
+    <p:extLst>
+      <p:ext uri="{BB962C8B-B14F-4D97-AF65-F5344CB8AC3E}">
+        <p14:creationId xmlns:p14="http://schemas.microsoft.com/office/powerpoint/2010/main" val="951122994"/>
+      </p:ext>
+    </p:extLst>
+  </p:cSld>
+  <p:clrMapOvr>
+    <a:masterClrMapping/>
+  </p:clrMapOvr>
+</p:sld>
+</file>
+
+<file path=ppt/slides/slide23.xml><?xml version="1.0" encoding="utf-8"?>
+<p:sld xmlns:a="http://schemas.openxmlformats.org/drawingml/2006/main" xmlns:r="http://schemas.openxmlformats.org/officeDocument/2006/relationships" xmlns:p="http://schemas.openxmlformats.org/presentationml/2006/main">
+  <p:cSld>
+    <p:spTree>
+      <p:nvGrpSpPr>
+        <p:cNvPr id="1" name="">
+          <a:extLst>
+            <a:ext uri="{FF2B5EF4-FFF2-40B4-BE49-F238E27FC236}">
+              <a16:creationId xmlns:a16="http://schemas.microsoft.com/office/drawing/2014/main" id="{B563952B-E7A6-7740-701F-9C4CC0209D30}"/>
+            </a:ext>
+          </a:extLst>
+        </p:cNvPr>
+        <p:cNvGrpSpPr/>
+        <p:nvPr/>
+      </p:nvGrpSpPr>
+      <p:grpSpPr>
+        <a:xfrm>
+          <a:off x="0" y="0"/>
+          <a:ext cx="0" cy="0"/>
+          <a:chOff x="0" y="0"/>
+          <a:chExt cx="0" cy="0"/>
+        </a:xfrm>
+      </p:grpSpPr>
+      <p:sp>
+        <p:nvSpPr>
+          <p:cNvPr id="2" name="Title 1">
+            <a:extLst>
+              <a:ext uri="{FF2B5EF4-FFF2-40B4-BE49-F238E27FC236}">
+                <a16:creationId xmlns:a16="http://schemas.microsoft.com/office/drawing/2014/main" id="{1E67CD56-4CE1-38D4-5C34-2813E0F8BD5F}"/>
+              </a:ext>
+            </a:extLst>
+          </p:cNvPr>
+          <p:cNvSpPr>
+            <a:spLocks noGrp="1"/>
+          </p:cNvSpPr>
+          <p:nvPr>
+            <p:ph type="ctrTitle"/>
+          </p:nvPr>
+        </p:nvSpPr>
+        <p:spPr>
+          <a:xfrm>
+            <a:off x="1155031" y="72511"/>
+            <a:ext cx="9837433" cy="1069848"/>
+          </a:xfrm>
+        </p:spPr>
+        <p:txBody>
+          <a:bodyPr/>
+          <a:lstStyle/>
+          <a:p>
+            <a:r>
+              <a:rPr lang="en-US" sz="2800" dirty="0" err="1"/>
+              <a:t>Qb</a:t>
+            </a:r>
+            <a:r>
+              <a:rPr lang="en-US" sz="2800" dirty="0"/>
+              <a:t> adjusted </a:t>
+            </a:r>
+            <a:r>
+              <a:rPr lang="en-US" sz="2800" dirty="0" err="1"/>
+              <a:t>elo</a:t>
+            </a:r>
+            <a:r>
+              <a:rPr lang="en-US" sz="2800" dirty="0"/>
+              <a:t> team 2 wins probability vs actual winner</a:t>
+            </a:r>
+          </a:p>
+        </p:txBody>
+      </p:sp>
+      <p:pic>
+        <p:nvPicPr>
+          <p:cNvPr id="4" name="Picture 3" descr="A screen shot of a computer screen&#10;&#10;Description automatically generated">
+            <a:extLst>
+              <a:ext uri="{FF2B5EF4-FFF2-40B4-BE49-F238E27FC236}">
+                <a16:creationId xmlns:a16="http://schemas.microsoft.com/office/drawing/2014/main" id="{C701BAB4-7437-338D-2085-8008D6D0B24C}"/>
+              </a:ext>
+            </a:extLst>
+          </p:cNvPr>
+          <p:cNvPicPr>
+            <a:picLocks noChangeAspect="1"/>
+          </p:cNvPicPr>
+          <p:nvPr/>
+        </p:nvPicPr>
+        <p:blipFill>
+          <a:blip r:embed="rId2"/>
+          <a:stretch>
+            <a:fillRect/>
+          </a:stretch>
+        </p:blipFill>
+        <p:spPr>
+          <a:xfrm>
+            <a:off x="2005772" y="1826342"/>
+            <a:ext cx="7914977" cy="4748986"/>
+          </a:xfrm>
+          <a:prstGeom prst="rect">
+            <a:avLst/>
+          </a:prstGeom>
+        </p:spPr>
+      </p:pic>
+      <p:pic>
+        <p:nvPicPr>
+          <p:cNvPr id="6" name="Picture 5" descr="A blue and orange squares&#10;&#10;Description automatically generated">
+            <a:extLst>
+              <a:ext uri="{FF2B5EF4-FFF2-40B4-BE49-F238E27FC236}">
+                <a16:creationId xmlns:a16="http://schemas.microsoft.com/office/drawing/2014/main" id="{5EFBDCAD-7718-1103-6E67-B849B9FCFB6A}"/>
+              </a:ext>
+            </a:extLst>
+          </p:cNvPr>
+          <p:cNvPicPr>
+            <a:picLocks noChangeAspect="1"/>
+          </p:cNvPicPr>
+          <p:nvPr/>
+        </p:nvPicPr>
+        <p:blipFill>
+          <a:blip r:embed="rId3"/>
+          <a:stretch>
+            <a:fillRect/>
+          </a:stretch>
+        </p:blipFill>
+        <p:spPr>
+          <a:xfrm>
+            <a:off x="1523991" y="1299077"/>
+            <a:ext cx="9144018" cy="5486411"/>
+          </a:xfrm>
+          <a:prstGeom prst="rect">
+            <a:avLst/>
+          </a:prstGeom>
+        </p:spPr>
+      </p:pic>
+    </p:spTree>
+    <p:extLst>
+      <p:ext uri="{BB962C8B-B14F-4D97-AF65-F5344CB8AC3E}">
+        <p14:creationId xmlns:p14="http://schemas.microsoft.com/office/powerpoint/2010/main" val="3859031446"/>
+      </p:ext>
+    </p:extLst>
+  </p:cSld>
+  <p:clrMapOvr>
+    <a:masterClrMapping/>
+  </p:clrMapOvr>
+</p:sld>
+</file>
+
+<file path=ppt/slides/slide24.xml><?xml version="1.0" encoding="utf-8"?>
+<p:sld xmlns:a="http://schemas.openxmlformats.org/drawingml/2006/main" xmlns:r="http://schemas.openxmlformats.org/officeDocument/2006/relationships" xmlns:p="http://schemas.openxmlformats.org/presentationml/2006/main">
+  <p:cSld>
+    <p:spTree>
+      <p:nvGrpSpPr>
+        <p:cNvPr id="1" name="">
+          <a:extLst>
+            <a:ext uri="{FF2B5EF4-FFF2-40B4-BE49-F238E27FC236}">
+              <a16:creationId xmlns:a16="http://schemas.microsoft.com/office/drawing/2014/main" id="{E364A828-F6A4-346A-BBD5-E12D0403D851}"/>
+            </a:ext>
+          </a:extLst>
+        </p:cNvPr>
+        <p:cNvGrpSpPr/>
+        <p:nvPr/>
+      </p:nvGrpSpPr>
+      <p:grpSpPr>
+        <a:xfrm>
+          <a:off x="0" y="0"/>
+          <a:ext cx="0" cy="0"/>
+          <a:chOff x="0" y="0"/>
+          <a:chExt cx="0" cy="0"/>
+        </a:xfrm>
+      </p:grpSpPr>
+      <p:sp>
+        <p:nvSpPr>
+          <p:cNvPr id="2" name="Title 1">
+            <a:extLst>
+              <a:ext uri="{FF2B5EF4-FFF2-40B4-BE49-F238E27FC236}">
+                <a16:creationId xmlns:a16="http://schemas.microsoft.com/office/drawing/2014/main" id="{12A62508-F905-CB16-2349-FAA3E2BB3BC7}"/>
+              </a:ext>
+            </a:extLst>
+          </p:cNvPr>
+          <p:cNvSpPr>
+            <a:spLocks noGrp="1"/>
+          </p:cNvSpPr>
+          <p:nvPr>
+            <p:ph type="ctrTitle"/>
+          </p:nvPr>
+        </p:nvSpPr>
+        <p:spPr>
+          <a:xfrm>
+            <a:off x="1155032" y="72511"/>
+            <a:ext cx="8568248" cy="1069848"/>
+          </a:xfrm>
+        </p:spPr>
+        <p:txBody>
+          <a:bodyPr/>
+          <a:lstStyle/>
+          <a:p>
+            <a:r>
+              <a:rPr lang="en-US" dirty="0"/>
+              <a:t>Graph Placeholder</a:t>
+            </a:r>
+          </a:p>
+        </p:txBody>
+      </p:sp>
+    </p:spTree>
+    <p:extLst>
+      <p:ext uri="{BB962C8B-B14F-4D97-AF65-F5344CB8AC3E}">
+        <p14:creationId xmlns:p14="http://schemas.microsoft.com/office/powerpoint/2010/main" val="1923138224"/>
+      </p:ext>
+    </p:extLst>
+  </p:cSld>
+  <p:clrMapOvr>
+    <a:masterClrMapping/>
+  </p:clrMapOvr>
+</p:sld>
+</file>
+
+<file path=ppt/slides/slide25.xml><?xml version="1.0" encoding="utf-8"?>
+<p:sld xmlns:a="http://schemas.openxmlformats.org/drawingml/2006/main" xmlns:r="http://schemas.openxmlformats.org/officeDocument/2006/relationships" xmlns:p="http://schemas.openxmlformats.org/presentationml/2006/main">
+  <p:cSld>
+    <p:spTree>
+      <p:nvGrpSpPr>
+        <p:cNvPr id="1" name="">
+          <a:extLst>
+            <a:ext uri="{FF2B5EF4-FFF2-40B4-BE49-F238E27FC236}">
+              <a16:creationId xmlns:a16="http://schemas.microsoft.com/office/drawing/2014/main" id="{FF2E94FD-F10E-263E-9261-584FEE2190D4}"/>
+            </a:ext>
+          </a:extLst>
+        </p:cNvPr>
+        <p:cNvGrpSpPr/>
+        <p:nvPr/>
+      </p:nvGrpSpPr>
+      <p:grpSpPr>
+        <a:xfrm>
+          <a:off x="0" y="0"/>
+          <a:ext cx="0" cy="0"/>
+          <a:chOff x="0" y="0"/>
+          <a:chExt cx="0" cy="0"/>
+        </a:xfrm>
+      </p:grpSpPr>
+      <p:sp>
+        <p:nvSpPr>
+          <p:cNvPr id="2" name="Title 1">
+            <a:extLst>
+              <a:ext uri="{FF2B5EF4-FFF2-40B4-BE49-F238E27FC236}">
+                <a16:creationId xmlns:a16="http://schemas.microsoft.com/office/drawing/2014/main" id="{8A6A3625-685D-E948-48D9-5895794E22AC}"/>
+              </a:ext>
+            </a:extLst>
+          </p:cNvPr>
+          <p:cNvSpPr>
+            <a:spLocks noGrp="1"/>
+          </p:cNvSpPr>
+          <p:nvPr>
+            <p:ph type="ctrTitle"/>
+          </p:nvPr>
+        </p:nvSpPr>
+        <p:spPr>
+          <a:xfrm>
+            <a:off x="1155031" y="72511"/>
+            <a:ext cx="10152065" cy="1069848"/>
+          </a:xfrm>
+        </p:spPr>
+        <p:txBody>
+          <a:bodyPr/>
+          <a:lstStyle/>
+          <a:p>
+            <a:r>
+              <a:rPr lang="en-US" dirty="0"/>
+              <a:t>Graph placeholder</a:t>
+            </a:r>
+          </a:p>
+        </p:txBody>
+      </p:sp>
+    </p:spTree>
+    <p:extLst>
+      <p:ext uri="{BB962C8B-B14F-4D97-AF65-F5344CB8AC3E}">
+        <p14:creationId xmlns:p14="http://schemas.microsoft.com/office/powerpoint/2010/main" val="3410750719"/>
+      </p:ext>
+    </p:extLst>
+  </p:cSld>
+  <p:clrMapOvr>
+    <a:masterClrMapping/>
+  </p:clrMapOvr>
+</p:sld>
+</file>
+
+<file path=ppt/slides/slide26.xml><?xml version="1.0" encoding="utf-8"?>
+<p:sld xmlns:a="http://schemas.openxmlformats.org/drawingml/2006/main" xmlns:r="http://schemas.openxmlformats.org/officeDocument/2006/relationships" xmlns:p="http://schemas.openxmlformats.org/presentationml/2006/main">
+  <p:cSld>
+    <p:spTree>
+      <p:nvGrpSpPr>
+        <p:cNvPr id="1" name="">
+          <a:extLst>
+            <a:ext uri="{FF2B5EF4-FFF2-40B4-BE49-F238E27FC236}">
+              <a16:creationId xmlns:a16="http://schemas.microsoft.com/office/drawing/2014/main" id="{6B7D5307-F546-68F2-09BC-C15C1F7CDB91}"/>
+            </a:ext>
+          </a:extLst>
+        </p:cNvPr>
+        <p:cNvGrpSpPr/>
+        <p:nvPr/>
+      </p:nvGrpSpPr>
+      <p:grpSpPr>
+        <a:xfrm>
+          <a:off x="0" y="0"/>
+          <a:ext cx="0" cy="0"/>
+          <a:chOff x="0" y="0"/>
+          <a:chExt cx="0" cy="0"/>
+        </a:xfrm>
+      </p:grpSpPr>
+      <p:sp>
+        <p:nvSpPr>
+          <p:cNvPr id="2" name="Title 1">
+            <a:extLst>
+              <a:ext uri="{FF2B5EF4-FFF2-40B4-BE49-F238E27FC236}">
+                <a16:creationId xmlns:a16="http://schemas.microsoft.com/office/drawing/2014/main" id="{6C65CB55-A7C3-287A-C181-76AE45EF3ADE}"/>
+              </a:ext>
+            </a:extLst>
+          </p:cNvPr>
+          <p:cNvSpPr>
+            <a:spLocks noGrp="1"/>
+          </p:cNvSpPr>
+          <p:nvPr>
+            <p:ph type="ctrTitle"/>
+          </p:nvPr>
+        </p:nvSpPr>
+        <p:spPr>
+          <a:xfrm>
+            <a:off x="1155031" y="72511"/>
+            <a:ext cx="10004581" cy="1069848"/>
+          </a:xfrm>
+        </p:spPr>
+        <p:txBody>
+          <a:bodyPr/>
+          <a:lstStyle/>
+          <a:p>
+            <a:r>
+              <a:rPr lang="en-US" dirty="0"/>
+              <a:t>Graph placeholder</a:t>
+            </a:r>
+          </a:p>
+        </p:txBody>
+      </p:sp>
+    </p:spTree>
+    <p:extLst>
+      <p:ext uri="{BB962C8B-B14F-4D97-AF65-F5344CB8AC3E}">
+        <p14:creationId xmlns:p14="http://schemas.microsoft.com/office/powerpoint/2010/main" val="500745122"/>
+      </p:ext>
+    </p:extLst>
+  </p:cSld>
+  <p:clrMapOvr>
+    <a:masterClrMapping/>
+  </p:clrMapOvr>
+</p:sld>
+</file>
+
+<file path=ppt/slides/slide27.xml><?xml version="1.0" encoding="utf-8"?>
+<p:sld xmlns:a="http://schemas.openxmlformats.org/drawingml/2006/main" xmlns:r="http://schemas.openxmlformats.org/officeDocument/2006/relationships" xmlns:p="http://schemas.openxmlformats.org/presentationml/2006/main">
+  <p:cSld>
+    <p:spTree>
+      <p:nvGrpSpPr>
+        <p:cNvPr id="1" name="">
+          <a:extLst>
+            <a:ext uri="{FF2B5EF4-FFF2-40B4-BE49-F238E27FC236}">
+              <a16:creationId xmlns:a16="http://schemas.microsoft.com/office/drawing/2014/main" id="{967885AA-9372-AF86-B6BA-15DFE3704374}"/>
+            </a:ext>
+          </a:extLst>
+        </p:cNvPr>
+        <p:cNvGrpSpPr/>
+        <p:nvPr/>
+      </p:nvGrpSpPr>
+      <p:grpSpPr>
+        <a:xfrm>
+          <a:off x="0" y="0"/>
+          <a:ext cx="0" cy="0"/>
+          <a:chOff x="0" y="0"/>
+          <a:chExt cx="0" cy="0"/>
+        </a:xfrm>
+      </p:grpSpPr>
+      <p:sp>
+        <p:nvSpPr>
+          <p:cNvPr id="2" name="Title 1">
+            <a:extLst>
+              <a:ext uri="{FF2B5EF4-FFF2-40B4-BE49-F238E27FC236}">
+                <a16:creationId xmlns:a16="http://schemas.microsoft.com/office/drawing/2014/main" id="{4B9E3436-223B-02A7-55F9-7A1CAEE256C6}"/>
+              </a:ext>
+            </a:extLst>
+          </p:cNvPr>
+          <p:cNvSpPr>
+            <a:spLocks noGrp="1"/>
+          </p:cNvSpPr>
+          <p:nvPr>
+            <p:ph type="ctrTitle"/>
+          </p:nvPr>
+        </p:nvSpPr>
+        <p:spPr>
+          <a:xfrm>
+            <a:off x="1155032" y="72511"/>
+            <a:ext cx="8568248" cy="1069848"/>
+          </a:xfrm>
+        </p:spPr>
+        <p:txBody>
+          <a:bodyPr/>
+          <a:lstStyle/>
+          <a:p>
+            <a:r>
+              <a:rPr lang="en-US" dirty="0"/>
+              <a:t>Graph - placeholder</a:t>
+            </a:r>
+          </a:p>
+        </p:txBody>
+      </p:sp>
+    </p:spTree>
+    <p:extLst>
+      <p:ext uri="{BB962C8B-B14F-4D97-AF65-F5344CB8AC3E}">
+        <p14:creationId xmlns:p14="http://schemas.microsoft.com/office/powerpoint/2010/main" val="3681476119"/>
+      </p:ext>
+    </p:extLst>
+  </p:cSld>
+  <p:clrMapOvr>
+    <a:masterClrMapping/>
+  </p:clrMapOvr>
+</p:sld>
+</file>
+
+<file path=ppt/slides/slide28.xml><?xml version="1.0" encoding="utf-8"?>
+<p:sld xmlns:a="http://schemas.openxmlformats.org/drawingml/2006/main" xmlns:r="http://schemas.openxmlformats.org/officeDocument/2006/relationships" xmlns:p="http://schemas.openxmlformats.org/presentationml/2006/main">
+  <p:cSld>
+    <p:spTree>
+      <p:nvGrpSpPr>
+        <p:cNvPr id="1" name=""/>
+        <p:cNvGrpSpPr/>
+        <p:nvPr/>
+      </p:nvGrpSpPr>
+      <p:grpSpPr>
+        <a:xfrm>
+          <a:off x="0" y="0"/>
+          <a:ext cx="0" cy="0"/>
+          <a:chOff x="0" y="0"/>
+          <a:chExt cx="0" cy="0"/>
+        </a:xfrm>
+      </p:grpSpPr>
+      <p:sp>
+        <p:nvSpPr>
+          <p:cNvPr id="2" name="Title 1">
+            <a:extLst>
+              <a:ext uri="{FF2B5EF4-FFF2-40B4-BE49-F238E27FC236}">
+                <a16:creationId xmlns:a16="http://schemas.microsoft.com/office/drawing/2014/main" id="{F41F0E99-07CC-9576-AFD7-C52151AD0EA3}"/>
+              </a:ext>
+            </a:extLst>
+          </p:cNvPr>
+          <p:cNvSpPr>
+            <a:spLocks noGrp="1"/>
+          </p:cNvSpPr>
+          <p:nvPr>
+            <p:ph type="ctrTitle"/>
+          </p:nvPr>
+        </p:nvSpPr>
+        <p:spPr>
+          <a:xfrm>
+            <a:off x="1987455" y="72511"/>
+            <a:ext cx="8776797" cy="1069848"/>
+          </a:xfrm>
+        </p:spPr>
+        <p:txBody>
+          <a:bodyPr/>
+          <a:lstStyle/>
+          <a:p>
+            <a:r>
+              <a:rPr lang="en-US" dirty="0"/>
+              <a:t>Findings and implications</a:t>
+            </a:r>
+          </a:p>
+        </p:txBody>
+      </p:sp>
+      <p:sp>
+        <p:nvSpPr>
+          <p:cNvPr id="3" name="Subtitle 2">
+            <a:extLst>
+              <a:ext uri="{FF2B5EF4-FFF2-40B4-BE49-F238E27FC236}">
+                <a16:creationId xmlns:a16="http://schemas.microsoft.com/office/drawing/2014/main" id="{5A82A8B0-333F-633E-3FA7-D38DBFB10971}"/>
+              </a:ext>
+            </a:extLst>
+          </p:cNvPr>
+          <p:cNvSpPr>
+            <a:spLocks noGrp="1"/>
+          </p:cNvSpPr>
+          <p:nvPr>
+            <p:ph type="subTitle" idx="1"/>
+          </p:nvPr>
+        </p:nvSpPr>
+        <p:spPr>
+          <a:xfrm>
+            <a:off x="505325" y="1259305"/>
+            <a:ext cx="11269579" cy="5430253"/>
+          </a:xfrm>
+        </p:spPr>
+        <p:txBody>
+          <a:bodyPr/>
+          <a:lstStyle/>
+          <a:p>
+            <a:br>
+              <a:rPr lang="en-US" sz="2800" b="0" dirty="0">
+                <a:solidFill>
+                  <a:srgbClr val="CCCCCC"/>
+                </a:solidFill>
+                <a:effectLst/>
+                <a:latin typeface="Consolas" panose="020B0609020204030204" pitchFamily="49" charset="0"/>
+              </a:rPr>
+            </a:br>
+            <a:endParaRPr lang="en-US" sz="2800" b="0" dirty="0">
+              <a:solidFill>
+                <a:srgbClr val="CCCCCC"/>
+              </a:solidFill>
+              <a:effectLst/>
+              <a:latin typeface="Consolas" panose="020B0609020204030204" pitchFamily="49" charset="0"/>
+            </a:endParaRPr>
+          </a:p>
+          <a:p>
+            <a:endParaRPr lang="en-US" dirty="0"/>
+          </a:p>
+        </p:txBody>
+      </p:sp>
+    </p:spTree>
+    <p:extLst>
+      <p:ext uri="{BB962C8B-B14F-4D97-AF65-F5344CB8AC3E}">
+        <p14:creationId xmlns:p14="http://schemas.microsoft.com/office/powerpoint/2010/main" val="4174470146"/>
+      </p:ext>
+    </p:extLst>
+  </p:cSld>
+  <p:clrMapOvr>
+    <a:masterClrMapping/>
+  </p:clrMapOvr>
+</p:sld>
+</file>
+
+<file path=ppt/slides/slide29.xml><?xml version="1.0" encoding="utf-8"?>
+<p:sld xmlns:a="http://schemas.openxmlformats.org/drawingml/2006/main" xmlns:r="http://schemas.openxmlformats.org/officeDocument/2006/relationships" xmlns:p="http://schemas.openxmlformats.org/presentationml/2006/main">
+  <p:cSld>
+    <p:spTree>
+      <p:nvGrpSpPr>
+        <p:cNvPr id="1" name=""/>
+        <p:cNvGrpSpPr/>
+        <p:nvPr/>
+      </p:nvGrpSpPr>
+      <p:grpSpPr>
+        <a:xfrm>
+          <a:off x="0" y="0"/>
+          <a:ext cx="0" cy="0"/>
+          <a:chOff x="0" y="0"/>
+          <a:chExt cx="0" cy="0"/>
+        </a:xfrm>
+      </p:grpSpPr>
+      <p:sp>
+        <p:nvSpPr>
+          <p:cNvPr id="2" name="Title 1">
+            <a:extLst>
+              <a:ext uri="{FF2B5EF4-FFF2-40B4-BE49-F238E27FC236}">
+                <a16:creationId xmlns:a16="http://schemas.microsoft.com/office/drawing/2014/main" id="{F41F0E99-07CC-9576-AFD7-C52151AD0EA3}"/>
+              </a:ext>
+            </a:extLst>
+          </p:cNvPr>
+          <p:cNvSpPr>
+            <a:spLocks noGrp="1"/>
+          </p:cNvSpPr>
+          <p:nvPr>
+            <p:ph type="ctrTitle"/>
+          </p:nvPr>
+        </p:nvSpPr>
+        <p:spPr>
+          <a:xfrm>
+            <a:off x="1987456" y="72511"/>
+            <a:ext cx="8937218" cy="1069848"/>
+          </a:xfrm>
+        </p:spPr>
+        <p:txBody>
+          <a:bodyPr/>
+          <a:lstStyle/>
+          <a:p>
+            <a:r>
+              <a:rPr lang="en-US" dirty="0"/>
+              <a:t>Software version control</a:t>
+            </a:r>
+          </a:p>
+        </p:txBody>
+      </p:sp>
+      <p:sp>
+        <p:nvSpPr>
+          <p:cNvPr id="3" name="Subtitle 2">
+            <a:extLst>
+              <a:ext uri="{FF2B5EF4-FFF2-40B4-BE49-F238E27FC236}">
+                <a16:creationId xmlns:a16="http://schemas.microsoft.com/office/drawing/2014/main" id="{5A82A8B0-333F-633E-3FA7-D38DBFB10971}"/>
+              </a:ext>
+            </a:extLst>
+          </p:cNvPr>
+          <p:cNvSpPr>
+            <a:spLocks noGrp="1"/>
+          </p:cNvSpPr>
+          <p:nvPr>
+            <p:ph type="subTitle" idx="1"/>
+          </p:nvPr>
+        </p:nvSpPr>
+        <p:spPr>
+          <a:xfrm>
+            <a:off x="505325" y="1259305"/>
+            <a:ext cx="11269579" cy="5430253"/>
+          </a:xfrm>
+        </p:spPr>
+        <p:txBody>
+          <a:bodyPr/>
+          <a:lstStyle/>
+          <a:p>
+            <a:pPr marL="457200" indent="-457200" algn="l">
+              <a:buFont typeface="Arial" panose="020B0604020202020204" pitchFamily="34" charset="0"/>
+              <a:buChar char="•"/>
+            </a:pPr>
+            <a:r>
+              <a:rPr lang="en-US" sz="2800" b="0" dirty="0">
+                <a:solidFill>
+                  <a:srgbClr val="CCCCCC"/>
+                </a:solidFill>
+                <a:effectLst/>
+                <a:latin typeface="Consolas" panose="020B0609020204030204" pitchFamily="49" charset="0"/>
+              </a:rPr>
+              <a:t>Created a GitHub repository.</a:t>
+            </a:r>
+          </a:p>
+          <a:p>
+            <a:pPr marL="457200" indent="-457200" algn="l">
+              <a:buFont typeface="Arial" panose="020B0604020202020204" pitchFamily="34" charset="0"/>
+              <a:buChar char="•"/>
+            </a:pPr>
+            <a:r>
+              <a:rPr lang="en-US" sz="2800" b="0" dirty="0">
+                <a:solidFill>
+                  <a:srgbClr val="CCCCCC"/>
+                </a:solidFill>
+                <a:effectLst/>
+                <a:latin typeface="Consolas" panose="020B0609020204030204" pitchFamily="49" charset="0"/>
+              </a:rPr>
+              <a:t>Members of the group added</a:t>
+            </a:r>
+            <a:r>
+              <a:rPr lang="en-US" sz="2800" dirty="0">
+                <a:solidFill>
+                  <a:srgbClr val="CCCCCC"/>
+                </a:solidFill>
+                <a:latin typeface="Consolas" panose="020B0609020204030204" pitchFamily="49" charset="0"/>
+              </a:rPr>
+              <a:t>/edited to repository</a:t>
+            </a:r>
+            <a:r>
+              <a:rPr lang="en-US" sz="2800" b="0" dirty="0">
+                <a:solidFill>
+                  <a:srgbClr val="CCCCCC"/>
+                </a:solidFill>
+                <a:effectLst/>
+                <a:latin typeface="Consolas" panose="020B0609020204030204" pitchFamily="49" charset="0"/>
+              </a:rPr>
+              <a:t>.</a:t>
+            </a:r>
+          </a:p>
+          <a:p>
+            <a:pPr marL="457200" indent="-457200" algn="l">
+              <a:buFont typeface="Arial" panose="020B0604020202020204" pitchFamily="34" charset="0"/>
+              <a:buChar char="•"/>
+            </a:pPr>
+            <a:r>
+              <a:rPr lang="en-US" sz="2800" b="0" dirty="0">
+                <a:solidFill>
+                  <a:srgbClr val="CCCCCC"/>
+                </a:solidFill>
+                <a:effectLst/>
+                <a:latin typeface="Consolas" panose="020B0609020204030204" pitchFamily="49" charset="0"/>
+              </a:rPr>
+              <a:t>Multiple files uploaded to repository by group members in support of findings.</a:t>
+            </a:r>
+          </a:p>
+          <a:p>
+            <a:endParaRPr lang="en-US" dirty="0"/>
+          </a:p>
+        </p:txBody>
+      </p:sp>
+    </p:spTree>
+    <p:extLst>
+      <p:ext uri="{BB962C8B-B14F-4D97-AF65-F5344CB8AC3E}">
+        <p14:creationId xmlns:p14="http://schemas.microsoft.com/office/powerpoint/2010/main" val="4153323784"/>
       </p:ext>
     </p:extLst>
   </p:cSld>
@@ -18563,6 +19811,236 @@
 </p:sld>
 </file>
 
+<file path=ppt/slides/slide30.xml><?xml version="1.0" encoding="utf-8"?>
+<p:sld xmlns:a="http://schemas.openxmlformats.org/drawingml/2006/main" xmlns:r="http://schemas.openxmlformats.org/officeDocument/2006/relationships" xmlns:p="http://schemas.openxmlformats.org/presentationml/2006/main">
+  <p:cSld>
+    <p:spTree>
+      <p:nvGrpSpPr>
+        <p:cNvPr id="1" name=""/>
+        <p:cNvGrpSpPr/>
+        <p:nvPr/>
+      </p:nvGrpSpPr>
+      <p:grpSpPr>
+        <a:xfrm>
+          <a:off x="0" y="0"/>
+          <a:ext cx="0" cy="0"/>
+          <a:chOff x="0" y="0"/>
+          <a:chExt cx="0" cy="0"/>
+        </a:xfrm>
+      </p:grpSpPr>
+      <p:sp>
+        <p:nvSpPr>
+          <p:cNvPr id="2" name="Title 1">
+            <a:extLst>
+              <a:ext uri="{FF2B5EF4-FFF2-40B4-BE49-F238E27FC236}">
+                <a16:creationId xmlns:a16="http://schemas.microsoft.com/office/drawing/2014/main" id="{F41F0E99-07CC-9576-AFD7-C52151AD0EA3}"/>
+              </a:ext>
+            </a:extLst>
+          </p:cNvPr>
+          <p:cNvSpPr>
+            <a:spLocks noGrp="1"/>
+          </p:cNvSpPr>
+          <p:nvPr>
+            <p:ph type="ctrTitle"/>
+          </p:nvPr>
+        </p:nvSpPr>
+        <p:spPr>
+          <a:xfrm>
+            <a:off x="1987456" y="72511"/>
+            <a:ext cx="7735824" cy="1069848"/>
+          </a:xfrm>
+        </p:spPr>
+        <p:txBody>
+          <a:bodyPr/>
+          <a:lstStyle/>
+          <a:p>
+            <a:r>
+              <a:rPr lang="en-US" dirty="0"/>
+              <a:t>Future development</a:t>
+            </a:r>
+          </a:p>
+        </p:txBody>
+      </p:sp>
+      <p:sp>
+        <p:nvSpPr>
+          <p:cNvPr id="3" name="Subtitle 2">
+            <a:extLst>
+              <a:ext uri="{FF2B5EF4-FFF2-40B4-BE49-F238E27FC236}">
+                <a16:creationId xmlns:a16="http://schemas.microsoft.com/office/drawing/2014/main" id="{5A82A8B0-333F-633E-3FA7-D38DBFB10971}"/>
+              </a:ext>
+            </a:extLst>
+          </p:cNvPr>
+          <p:cNvSpPr>
+            <a:spLocks noGrp="1"/>
+          </p:cNvSpPr>
+          <p:nvPr>
+            <p:ph type="subTitle" idx="1"/>
+          </p:nvPr>
+        </p:nvSpPr>
+        <p:spPr>
+          <a:xfrm>
+            <a:off x="505325" y="1259305"/>
+            <a:ext cx="11269579" cy="5430253"/>
+          </a:xfrm>
+        </p:spPr>
+        <p:txBody>
+          <a:bodyPr/>
+          <a:lstStyle/>
+          <a:p>
+            <a:pPr marL="457200" indent="-457200" algn="l">
+              <a:buFont typeface="Arial" panose="020B0604020202020204" pitchFamily="34" charset="0"/>
+              <a:buChar char="•"/>
+            </a:pPr>
+            <a:r>
+              <a:rPr lang="en-US" sz="2800" b="0" dirty="0">
+                <a:solidFill>
+                  <a:srgbClr val="CCCCCC"/>
+                </a:solidFill>
+                <a:effectLst/>
+                <a:latin typeface="Consolas" panose="020B0609020204030204" pitchFamily="49" charset="0"/>
+              </a:rPr>
+              <a:t>Methodology/ELO Rating and calculation can be applied to any head-to-head match.</a:t>
+            </a:r>
+          </a:p>
+          <a:p>
+            <a:pPr marL="457200" indent="-457200" algn="l">
+              <a:buFont typeface="Arial" panose="020B0604020202020204" pitchFamily="34" charset="0"/>
+              <a:buChar char="•"/>
+            </a:pPr>
+            <a:r>
+              <a:rPr lang="en-US" sz="2800" dirty="0">
+                <a:solidFill>
+                  <a:srgbClr val="CCCCCC"/>
+                </a:solidFill>
+                <a:latin typeface="Consolas" panose="020B0609020204030204" pitchFamily="49" charset="0"/>
+              </a:rPr>
+              <a:t>This can provide predictive participants with a slight edge mathematically.</a:t>
+            </a:r>
+          </a:p>
+          <a:p>
+            <a:pPr marL="457200" indent="-457200" algn="l">
+              <a:buFont typeface="Arial" panose="020B0604020202020204" pitchFamily="34" charset="0"/>
+              <a:buChar char="•"/>
+            </a:pPr>
+            <a:r>
+              <a:rPr lang="en-US" sz="2800" b="0" dirty="0">
+                <a:solidFill>
+                  <a:srgbClr val="CCCCCC"/>
+                </a:solidFill>
+                <a:effectLst/>
+                <a:latin typeface="Consolas" panose="020B0609020204030204" pitchFamily="49" charset="0"/>
+              </a:rPr>
+              <a:t>This edge can also be combined with standard observation factors along with momentum to provide a substantial indication of a predictive “win”.</a:t>
+            </a:r>
+          </a:p>
+          <a:p>
+            <a:pPr marL="457200" indent="-457200" algn="l">
+              <a:buFont typeface="Arial" panose="020B0604020202020204" pitchFamily="34" charset="0"/>
+              <a:buChar char="•"/>
+            </a:pPr>
+            <a:r>
+              <a:rPr lang="en-US" sz="2800" dirty="0">
+                <a:solidFill>
+                  <a:srgbClr val="CCCCCC"/>
+                </a:solidFill>
+                <a:latin typeface="Consolas" panose="020B0609020204030204" pitchFamily="49" charset="0"/>
+              </a:rPr>
+              <a:t>This can be applied not only to sports but to societal events such as an election.</a:t>
+            </a:r>
+            <a:endParaRPr lang="en-US" sz="2800" b="0" dirty="0">
+              <a:solidFill>
+                <a:srgbClr val="CCCCCC"/>
+              </a:solidFill>
+              <a:effectLst/>
+              <a:latin typeface="Consolas" panose="020B0609020204030204" pitchFamily="49" charset="0"/>
+            </a:endParaRPr>
+          </a:p>
+          <a:p>
+            <a:endParaRPr lang="en-US" dirty="0"/>
+          </a:p>
+        </p:txBody>
+      </p:sp>
+    </p:spTree>
+    <p:extLst>
+      <p:ext uri="{BB962C8B-B14F-4D97-AF65-F5344CB8AC3E}">
+        <p14:creationId xmlns:p14="http://schemas.microsoft.com/office/powerpoint/2010/main" val="87203755"/>
+      </p:ext>
+    </p:extLst>
+  </p:cSld>
+  <p:clrMapOvr>
+    <a:masterClrMapping/>
+  </p:clrMapOvr>
+</p:sld>
+</file>
+
+<file path=ppt/slides/slide31.xml><?xml version="1.0" encoding="utf-8"?>
+<p:sld xmlns:a="http://schemas.openxmlformats.org/drawingml/2006/main" xmlns:r="http://schemas.openxmlformats.org/officeDocument/2006/relationships" xmlns:p="http://schemas.openxmlformats.org/presentationml/2006/main">
+  <p:cSld>
+    <p:spTree>
+      <p:nvGrpSpPr>
+        <p:cNvPr id="1" name=""/>
+        <p:cNvGrpSpPr/>
+        <p:nvPr/>
+      </p:nvGrpSpPr>
+      <p:grpSpPr>
+        <a:xfrm>
+          <a:off x="0" y="0"/>
+          <a:ext cx="0" cy="0"/>
+          <a:chOff x="0" y="0"/>
+          <a:chExt cx="0" cy="0"/>
+        </a:xfrm>
+      </p:grpSpPr>
+      <p:sp>
+        <p:nvSpPr>
+          <p:cNvPr id="2" name="Title 1">
+            <a:extLst>
+              <a:ext uri="{FF2B5EF4-FFF2-40B4-BE49-F238E27FC236}">
+                <a16:creationId xmlns:a16="http://schemas.microsoft.com/office/drawing/2014/main" id="{2C9E1892-81E6-551C-7B5A-DEA68224520B}"/>
+              </a:ext>
+            </a:extLst>
+          </p:cNvPr>
+          <p:cNvSpPr>
+            <a:spLocks noGrp="1"/>
+          </p:cNvSpPr>
+          <p:nvPr>
+            <p:ph type="title"/>
+          </p:nvPr>
+        </p:nvSpPr>
+        <p:spPr/>
+        <p:txBody>
+          <a:bodyPr/>
+          <a:lstStyle/>
+          <a:p>
+            <a:r>
+              <a:rPr lang="en-US" sz="4800" b="1" spc="600" dirty="0">
+                <a:ln w="28575">
+                  <a:noFill/>
+                  <a:prstDash val="solid"/>
+                </a:ln>
+                <a:solidFill>
+                  <a:schemeClr val="bg1"/>
+                </a:solidFill>
+                <a:latin typeface="Tw Cen MT" panose="020B0602020104020603" pitchFamily="34" charset="77"/>
+              </a:rPr>
+              <a:t>THANK YOU</a:t>
+            </a:r>
+            <a:endParaRPr lang="en-US" dirty="0"/>
+          </a:p>
+        </p:txBody>
+      </p:sp>
+    </p:spTree>
+    <p:extLst>
+      <p:ext uri="{BB962C8B-B14F-4D97-AF65-F5344CB8AC3E}">
+        <p14:creationId xmlns:p14="http://schemas.microsoft.com/office/powerpoint/2010/main" val="1877701230"/>
+      </p:ext>
+    </p:extLst>
+  </p:cSld>
+  <p:clrMapOvr>
+    <a:masterClrMapping/>
+  </p:clrMapOvr>
+</p:sld>
+</file>
+
 <file path=ppt/slides/slide4.xml><?xml version="1.0" encoding="utf-8"?>
 <p:sld xmlns:a="http://schemas.openxmlformats.org/drawingml/2006/main" xmlns:r="http://schemas.openxmlformats.org/officeDocument/2006/relationships" xmlns:p="http://schemas.openxmlformats.org/presentationml/2006/main">
   <p:cSld>
@@ -18644,7 +20122,7 @@
               <a:buChar char="•"/>
             </a:pPr>
             <a:r>
-              <a:rPr lang="en-US" dirty="0"/>
+              <a:rPr lang="en-US" sz="2400" dirty="0"/>
               <a:t>The purpose of this project was to locate a dataset with reasonably clean data which could be queried to establish a predictive outcome based on an event. </a:t>
             </a:r>
           </a:p>
@@ -18654,7 +20132,7 @@
               <a:buChar char="•"/>
             </a:pPr>
             <a:r>
-              <a:rPr lang="en-US" dirty="0"/>
+              <a:rPr lang="en-US" sz="2400" dirty="0"/>
               <a:t>Sports Statistics was determined to have ample data and the basic research approach could be applied to multiple sports.</a:t>
             </a:r>
           </a:p>
@@ -18664,7 +20142,7 @@
               <a:buChar char="•"/>
             </a:pPr>
             <a:r>
-              <a:rPr lang="en-US" dirty="0"/>
+              <a:rPr lang="en-US" sz="2400" dirty="0"/>
               <a:t>Data would range from 1920 – 2023</a:t>
             </a:r>
           </a:p>
@@ -18674,7 +20152,7 @@
               <a:buChar char="•"/>
             </a:pPr>
             <a:r>
-              <a:rPr lang="en-US" dirty="0"/>
+              <a:rPr lang="en-US" sz="2400" dirty="0"/>
               <a:t>Variables and influencing factors were not consistent across then entire timeframe but consistent in linear blocks of time.  Some variables were not recorded until 1950 – 2023.</a:t>
             </a:r>
           </a:p>
@@ -18684,7 +20162,7 @@
               <a:buChar char="•"/>
             </a:pPr>
             <a:r>
-              <a:rPr lang="en-US" dirty="0"/>
+              <a:rPr lang="en-US" sz="2400" dirty="0"/>
               <a:t>Examined Variables:</a:t>
             </a:r>
           </a:p>
@@ -18694,7 +20172,7 @@
               <a:buChar char="•"/>
             </a:pPr>
             <a:r>
-              <a:rPr lang="en-US" dirty="0"/>
+              <a:rPr lang="en-US" sz="2400" dirty="0"/>
               <a:t>Team ELO ratings</a:t>
             </a:r>
           </a:p>
@@ -18704,7 +20182,7 @@
               <a:buChar char="•"/>
             </a:pPr>
             <a:r>
-              <a:rPr lang="en-US" dirty="0"/>
+              <a:rPr lang="en-US" sz="2400" dirty="0"/>
               <a:t>Quarterback ELO ratings (Brief Exp. of how its achieved)</a:t>
             </a:r>
           </a:p>
@@ -18714,7 +20192,7 @@
               <a:buChar char="•"/>
             </a:pPr>
             <a:r>
-              <a:rPr lang="en-US" dirty="0"/>
+              <a:rPr lang="en-US" sz="2400" dirty="0"/>
               <a:t>Game Location</a:t>
             </a:r>
           </a:p>
@@ -18724,7 +20202,7 @@
               <a:buChar char="•"/>
             </a:pPr>
             <a:r>
-              <a:rPr lang="en-US" dirty="0"/>
+              <a:rPr lang="en-US" sz="2400" dirty="0"/>
               <a:t>Referee Favorability</a:t>
             </a:r>
           </a:p>
@@ -18832,9 +20310,6 @@
             </a:pPr>
             <a:r>
               <a:rPr lang="en-US" sz="2800" b="0" dirty="0">
-                <a:solidFill>
-                  <a:srgbClr val="CCCCCC"/>
-                </a:solidFill>
                 <a:effectLst/>
               </a:rPr>
               <a:t>Artificial Intelligence (ChatGPT) was utilized to take project criteria and develop suggested areas for further research.  </a:t>
@@ -18847,12 +20322,9 @@
             </a:pPr>
             <a:r>
               <a:rPr lang="en-US" sz="2800" b="0" dirty="0">
-                <a:solidFill>
-                  <a:srgbClr val="CCCCCC"/>
-                </a:solidFill>
                 <a:effectLst/>
               </a:rPr>
-              <a:t>The group struggled at first to obtain a dataset that related to a specific query or problem statement.  After much research a topic was determined, and the group obtained a clean dataset.  </a:t>
+              <a:t>The group struggled at first to obtain a dataset that related to a specific query or problem statement.  After much research, a topic was determined, and the group obtained a clean dataset.  </a:t>
             </a:r>
           </a:p>
           <a:p>
@@ -18861,28 +20333,15 @@
               <a:buChar char="•"/>
             </a:pPr>
             <a:r>
-              <a:rPr lang="en-US" sz="2800" dirty="0">
-                <a:solidFill>
-                  <a:srgbClr val="CCCCCC"/>
-                </a:solidFill>
-              </a:rPr>
+              <a:rPr lang="en-US" sz="2800" dirty="0"/>
               <a:t>Dataset location - </a:t>
             </a:r>
             <a:r>
               <a:rPr lang="en-US" sz="2800" b="0" dirty="0">
-                <a:solidFill>
-                  <a:srgbClr val="CE9178"/>
-                </a:solidFill>
                 <a:effectLst/>
               </a:rPr>
               <a:t>https://projects.fivethirtyeight.com/nfl-api/nfl_elo.csv</a:t>
             </a:r>
-            <a:endParaRPr lang="en-US" sz="2800" b="0" dirty="0">
-              <a:solidFill>
-                <a:srgbClr val="CCCCCC"/>
-              </a:solidFill>
-              <a:effectLst/>
-            </a:endParaRPr>
           </a:p>
           <a:p>
             <a:pPr marL="457200" indent="-457200" algn="l">
@@ -18891,12 +20350,9 @@
             </a:pPr>
             <a:r>
               <a:rPr lang="en-US" sz="2800" b="0" dirty="0">
-                <a:solidFill>
-                  <a:srgbClr val="CCCCCC"/>
-                </a:solidFill>
                 <a:effectLst/>
               </a:rPr>
-              <a:t>Referee dataset location  -   </a:t>
+              <a:t>Referee dataset location  -  Joe?</a:t>
             </a:r>
           </a:p>
           <a:p>
@@ -18905,11 +20361,7 @@
               <a:buChar char="•"/>
             </a:pPr>
             <a:r>
-              <a:rPr lang="en-US" sz="2800" dirty="0">
-                <a:solidFill>
-                  <a:srgbClr val="CCCCCC"/>
-                </a:solidFill>
-              </a:rPr>
+              <a:rPr lang="en-US" sz="2800" dirty="0"/>
               <a:t>Data format – CSV file format </a:t>
             </a:r>
           </a:p>
@@ -18920,27 +20372,18 @@
             </a:pPr>
             <a:r>
               <a:rPr lang="en-US" sz="2800" b="0" dirty="0">
-                <a:solidFill>
-                  <a:srgbClr val="CCCCCC"/>
-                </a:solidFill>
                 <a:effectLst/>
               </a:rPr>
               <a:t>The data was trained – multiple logistic regression, decision tree, </a:t>
             </a:r>
             <a:r>
               <a:rPr lang="en-US" sz="2800" b="0" dirty="0" err="1">
-                <a:solidFill>
-                  <a:srgbClr val="CCCCCC"/>
-                </a:solidFill>
                 <a:effectLst/>
               </a:rPr>
               <a:t>sk</a:t>
             </a:r>
             <a:r>
               <a:rPr lang="en-US" sz="2800" b="0" dirty="0">
-                <a:solidFill>
-                  <a:srgbClr val="CCCCCC"/>
-                </a:solidFill>
                 <a:effectLst/>
               </a:rPr>
               <a:t>-learn, et.al</a:t>
@@ -19725,7 +21168,7 @@
             </a:pPr>
             <a:r>
               <a:rPr lang="en-US" sz="2400" dirty="0"/>
-              <a:t>Game location was – Was an influential factor.  Team 1 won slightly more often than the away team.</a:t>
+              <a:t>Game location – Was an influential factor.  Team 1 won slightly more often than the away team.</a:t>
             </a:r>
           </a:p>
           <a:p>
@@ -19737,7 +21180,7 @@
               <a:rPr lang="en-US" sz="2400" b="0" dirty="0">
                 <a:effectLst/>
               </a:rPr>
-              <a:t>Referee involvement revealed – </a:t>
+              <a:t>Referee involvement revealed – Joe?</a:t>
             </a:r>
           </a:p>
           <a:p>
@@ -20280,6 +21723,15 @@
 </file>
 
 <file path=customXml/item1.xml><?xml version="1.0" encoding="utf-8"?>
+<?mso-contentType ?>
+<FormTemplates xmlns="http://schemas.microsoft.com/sharepoint/v3/contenttype/forms">
+  <Display>DocumentLibraryForm</Display>
+  <Edit>DocumentLibraryForm</Edit>
+  <New>DocumentLibraryForm</New>
+</FormTemplates>
+</file>
+
+<file path=customXml/item2.xml><?xml version="1.0" encoding="utf-8"?>
 <ct:contentTypeSchema xmlns:ct="http://schemas.microsoft.com/office/2006/metadata/contentType" xmlns:ma="http://schemas.microsoft.com/office/2006/metadata/properties/metaAttributes" ct:_="" ma:_="" ma:contentTypeName="Document" ma:contentTypeID="0x01010079F111ED35F8CC479449609E8A0923A6" ma:contentTypeVersion="25" ma:contentTypeDescription="Create a new document." ma:contentTypeScope="" ma:versionID="e02306daf00165b375dc6a58966960be">
   <xsd:schema xmlns:xsd="http://www.w3.org/2001/XMLSchema" xmlns:xs="http://www.w3.org/2001/XMLSchema" xmlns:p="http://schemas.microsoft.com/office/2006/metadata/properties" xmlns:ns1="http://schemas.microsoft.com/sharepoint/v3" xmlns:ns2="71af3243-3dd4-4a8d-8c0d-dd76da1f02a5" xmlns:ns3="16c05727-aa75-4e4a-9b5f-8a80a1165891" xmlns:ns4="230e9df3-be65-4c73-a93b-d1236ebd677e" targetNamespace="http://schemas.microsoft.com/office/2006/metadata/properties" ma:root="true" ma:fieldsID="df88fb76bf5f555224557953949c1ec9" ns1:_="" ns2:_="" ns3:_="" ns4:_="">
     <xsd:import namespace="http://schemas.microsoft.com/sharepoint/v3"/>
@@ -20573,15 +22025,6 @@
 </ct:contentTypeSchema>
 </file>
 
-<file path=customXml/item2.xml><?xml version="1.0" encoding="utf-8"?>
-<?mso-contentType ?>
-<FormTemplates xmlns="http://schemas.microsoft.com/sharepoint/v3/contenttype/forms">
-  <Display>DocumentLibraryForm</Display>
-  <Edit>DocumentLibraryForm</Edit>
-  <New>DocumentLibraryForm</New>
-</FormTemplates>
-</file>
-
 <file path=customXml/item3.xml><?xml version="1.0" encoding="utf-8"?>
 <p:properties xmlns:p="http://schemas.microsoft.com/office/2006/metadata/properties" xmlns:xsi="http://www.w3.org/2001/XMLSchema-instance" xmlns:pc="http://schemas.microsoft.com/office/infopath/2007/PartnerControls">
   <documentManagement>
@@ -20603,6 +22046,14 @@
 </file>
 
 <file path=customXml/itemProps1.xml><?xml version="1.0" encoding="utf-8"?>
+<ds:datastoreItem xmlns:ds="http://schemas.openxmlformats.org/officeDocument/2006/customXml" ds:itemID="{4F1F1912-3146-44AF-A389-9E8B77BB3688}">
+  <ds:schemaRefs>
+    <ds:schemaRef ds:uri="http://schemas.microsoft.com/sharepoint/v3/contenttype/forms"/>
+  </ds:schemaRefs>
+</ds:datastoreItem>
+</file>
+
+<file path=customXml/itemProps2.xml><?xml version="1.0" encoding="utf-8"?>
 <ds:datastoreItem xmlns:ds="http://schemas.openxmlformats.org/officeDocument/2006/customXml" ds:itemID="{176493A3-2B83-4E58-86AD-56A2F2A20F12}">
   <ds:schemaRefs>
     <ds:schemaRef ds:uri="http://schemas.microsoft.com/office/2006/metadata/contentType"/>
@@ -20623,14 +22074,6 @@
 </ds:datastoreItem>
 </file>
 
-<file path=customXml/itemProps2.xml><?xml version="1.0" encoding="utf-8"?>
-<ds:datastoreItem xmlns:ds="http://schemas.openxmlformats.org/officeDocument/2006/customXml" ds:itemID="{4F1F1912-3146-44AF-A389-9E8B77BB3688}">
-  <ds:schemaRefs>
-    <ds:schemaRef ds:uri="http://schemas.microsoft.com/sharepoint/v3/contenttype/forms"/>
-  </ds:schemaRefs>
-</ds:datastoreItem>
-</file>
-
 <file path=customXml/itemProps3.xml><?xml version="1.0" encoding="utf-8"?>
 <ds:datastoreItem xmlns:ds="http://schemas.openxmlformats.org/officeDocument/2006/customXml" ds:itemID="{F8B8ECF1-2A9D-464C-AFE8-2B3295D0BF97}">
   <ds:schemaRefs>

--- a/Project_2_Presentation.pptx
+++ b/Project_2_Presentation.pptx
@@ -1,47 +1,48 @@
 
 <file path=ppt/presentation.xml><?xml version="1.0" encoding="utf-8"?>
-<p:presentation xmlns:a="http://schemas.openxmlformats.org/drawingml/2006/main" xmlns:r="http://schemas.openxmlformats.org/officeDocument/2006/relationships" xmlns:p="http://schemas.openxmlformats.org/presentationml/2006/main" xmlns:m="http://schemas.openxmlformats.org/officeDocument/2006/math" xmlns:a14="http://schemas.microsoft.com/office/drawing/2010/main">
+<p:presentation xmlns:a="http://schemas.openxmlformats.org/drawingml/2006/main" xmlns:r="http://schemas.openxmlformats.org/officeDocument/2006/relationships" xmlns:p="http://schemas.openxmlformats.org/presentationml/2006/main">
   <p:sldMasterIdLst>
-    <p:sldMasterId id="2147483648" r:id="rId5"/>
+    <p:sldMasterId id="2147483648" r:id="rId1"/>
   </p:sldMasterIdLst>
   <p:notesMasterIdLst>
-    <p:notesMasterId r:id="rId7"/>
+    <p:notesMasterId r:id="rId37"/>
   </p:notesMasterIdLst>
   <p:sldIdLst>
-    <p:sldId id="256" r:id="rId8"/>
-    <p:sldId id="257" r:id="rId9"/>
-    <p:sldId id="258" r:id="rId10"/>
-    <p:sldId id="259" r:id="rId11"/>
-    <p:sldId id="260" r:id="rId12"/>
-    <p:sldId id="261" r:id="rId13"/>
-    <p:sldId id="262" r:id="rId14"/>
-    <p:sldId id="263" r:id="rId15"/>
-    <p:sldId id="264" r:id="rId16"/>
-    <p:sldId id="265" r:id="rId17"/>
-    <p:sldId id="266" r:id="rId18"/>
-    <p:sldId id="267" r:id="rId19"/>
-    <p:sldId id="268" r:id="rId20"/>
-    <p:sldId id="269" r:id="rId21"/>
-    <p:sldId id="270" r:id="rId22"/>
-    <p:sldId id="271" r:id="rId23"/>
-    <p:sldId id="272" r:id="rId24"/>
-    <p:sldId id="273" r:id="rId25"/>
-    <p:sldId id="274" r:id="rId26"/>
-    <p:sldId id="275" r:id="rId27"/>
-    <p:sldId id="276" r:id="rId28"/>
-    <p:sldId id="277" r:id="rId29"/>
-    <p:sldId id="278" r:id="rId30"/>
-    <p:sldId id="279" r:id="rId31"/>
-    <p:sldId id="280" r:id="rId32"/>
-    <p:sldId id="281" r:id="rId33"/>
-    <p:sldId id="282" r:id="rId34"/>
-    <p:sldId id="283" r:id="rId35"/>
-    <p:sldId id="284" r:id="rId36"/>
-    <p:sldId id="285" r:id="rId37"/>
-    <p:sldId id="286" r:id="rId38"/>
-    <p:sldId id="287" r:id="rId39"/>
-    <p:sldId id="288" r:id="rId40"/>
-    <p:sldId id="289" r:id="rId41"/>
+    <p:sldId id="256" r:id="rId2"/>
+    <p:sldId id="257" r:id="rId3"/>
+    <p:sldId id="258" r:id="rId4"/>
+    <p:sldId id="259" r:id="rId5"/>
+    <p:sldId id="260" r:id="rId6"/>
+    <p:sldId id="261" r:id="rId7"/>
+    <p:sldId id="262" r:id="rId8"/>
+    <p:sldId id="263" r:id="rId9"/>
+    <p:sldId id="264" r:id="rId10"/>
+    <p:sldId id="265" r:id="rId11"/>
+    <p:sldId id="266" r:id="rId12"/>
+    <p:sldId id="267" r:id="rId13"/>
+    <p:sldId id="268" r:id="rId14"/>
+    <p:sldId id="269" r:id="rId15"/>
+    <p:sldId id="270" r:id="rId16"/>
+    <p:sldId id="271" r:id="rId17"/>
+    <p:sldId id="272" r:id="rId18"/>
+    <p:sldId id="273" r:id="rId19"/>
+    <p:sldId id="274" r:id="rId20"/>
+    <p:sldId id="275" r:id="rId21"/>
+    <p:sldId id="276" r:id="rId22"/>
+    <p:sldId id="277" r:id="rId23"/>
+    <p:sldId id="278" r:id="rId24"/>
+    <p:sldId id="279" r:id="rId25"/>
+    <p:sldId id="280" r:id="rId26"/>
+    <p:sldId id="281" r:id="rId27"/>
+    <p:sldId id="282" r:id="rId28"/>
+    <p:sldId id="283" r:id="rId29"/>
+    <p:sldId id="284" r:id="rId30"/>
+    <p:sldId id="285" r:id="rId31"/>
+    <p:sldId id="286" r:id="rId32"/>
+    <p:sldId id="287" r:id="rId33"/>
+    <p:sldId id="288" r:id="rId34"/>
+    <p:sldId id="290" r:id="rId35"/>
+    <p:sldId id="289" r:id="rId36"/>
   </p:sldIdLst>
   <p:sldSz cx="12192000" cy="6858000"/>
   <p:notesSz cx="6858000" cy="9144000"/>
@@ -61,7 +62,7 @@
       <a:buFontTx/>
       <a:buNone/>
       <a:tabLst/>
-      <a:defRPr b="0" baseline="0" cap="none" i="0" spc="0" strike="noStrike" sz="1800" u="none" kumimoji="0" normalizeH="0">
+      <a:defRPr kumimoji="0" sz="1800" b="0" i="0" u="none" strike="noStrike" cap="none" spc="0" normalizeH="0" baseline="0">
         <a:ln>
           <a:noFill/>
         </a:ln>
@@ -87,7 +88,7 @@
       <a:buFontTx/>
       <a:buNone/>
       <a:tabLst/>
-      <a:defRPr b="0" baseline="0" cap="none" i="0" spc="0" strike="noStrike" sz="1800" u="none" kumimoji="0" normalizeH="0">
+      <a:defRPr kumimoji="0" sz="1800" b="0" i="0" u="none" strike="noStrike" cap="none" spc="0" normalizeH="0" baseline="0">
         <a:ln>
           <a:noFill/>
         </a:ln>
@@ -117,7 +118,7 @@
       <a:buFontTx/>
       <a:buNone/>
       <a:tabLst/>
-      <a:defRPr b="0" baseline="0" cap="none" i="0" spc="0" strike="noStrike" sz="1800" u="none" kumimoji="0" normalizeH="0">
+      <a:defRPr kumimoji="0" sz="1800" b="0" i="0" u="none" strike="noStrike" cap="none" spc="0" normalizeH="0" baseline="0">
         <a:ln>
           <a:noFill/>
         </a:ln>
@@ -147,7 +148,7 @@
       <a:buFontTx/>
       <a:buNone/>
       <a:tabLst/>
-      <a:defRPr b="0" baseline="0" cap="none" i="0" spc="0" strike="noStrike" sz="1800" u="none" kumimoji="0" normalizeH="0">
+      <a:defRPr kumimoji="0" sz="1800" b="0" i="0" u="none" strike="noStrike" cap="none" spc="0" normalizeH="0" baseline="0">
         <a:ln>
           <a:noFill/>
         </a:ln>
@@ -177,7 +178,7 @@
       <a:buFontTx/>
       <a:buNone/>
       <a:tabLst/>
-      <a:defRPr b="0" baseline="0" cap="none" i="0" spc="0" strike="noStrike" sz="1800" u="none" kumimoji="0" normalizeH="0">
+      <a:defRPr kumimoji="0" sz="1800" b="0" i="0" u="none" strike="noStrike" cap="none" spc="0" normalizeH="0" baseline="0">
         <a:ln>
           <a:noFill/>
         </a:ln>
@@ -207,7 +208,7 @@
       <a:buFontTx/>
       <a:buNone/>
       <a:tabLst/>
-      <a:defRPr b="0" baseline="0" cap="none" i="0" spc="0" strike="noStrike" sz="1800" u="none" kumimoji="0" normalizeH="0">
+      <a:defRPr kumimoji="0" sz="1800" b="0" i="0" u="none" strike="noStrike" cap="none" spc="0" normalizeH="0" baseline="0">
         <a:ln>
           <a:noFill/>
         </a:ln>
@@ -237,7 +238,7 @@
       <a:buFontTx/>
       <a:buNone/>
       <a:tabLst/>
-      <a:defRPr b="0" baseline="0" cap="none" i="0" spc="0" strike="noStrike" sz="1800" u="none" kumimoji="0" normalizeH="0">
+      <a:defRPr kumimoji="0" sz="1800" b="0" i="0" u="none" strike="noStrike" cap="none" spc="0" normalizeH="0" baseline="0">
         <a:ln>
           <a:noFill/>
         </a:ln>
@@ -267,7 +268,7 @@
       <a:buFontTx/>
       <a:buNone/>
       <a:tabLst/>
-      <a:defRPr b="0" baseline="0" cap="none" i="0" spc="0" strike="noStrike" sz="1800" u="none" kumimoji="0" normalizeH="0">
+      <a:defRPr kumimoji="0" sz="1800" b="0" i="0" u="none" strike="noStrike" cap="none" spc="0" normalizeH="0" baseline="0">
         <a:ln>
           <a:noFill/>
         </a:ln>
@@ -297,7 +298,7 @@
       <a:buFontTx/>
       <a:buNone/>
       <a:tabLst/>
-      <a:defRPr b="0" baseline="0" cap="none" i="0" spc="0" strike="noStrike" sz="1800" u="none" kumimoji="0" normalizeH="0">
+      <a:defRPr kumimoji="0" sz="1800" b="0" i="0" u="none" strike="noStrike" cap="none" spc="0" normalizeH="0" baseline="0">
         <a:ln>
           <a:noFill/>
         </a:ln>
@@ -327,7 +328,7 @@
       <a:buFontTx/>
       <a:buNone/>
       <a:tabLst/>
-      <a:defRPr b="0" baseline="0" cap="none" i="0" spc="0" strike="noStrike" sz="1800" u="none" kumimoji="0" normalizeH="0">
+      <a:defRPr kumimoji="0" sz="1800" b="0" i="0" u="none" strike="noStrike" cap="none" spc="0" normalizeH="0" baseline="0">
         <a:ln>
           <a:noFill/>
         </a:ln>
@@ -346,13 +347,14 @@
 </p:presentation>
 </file>
 
-<file path=ppt/commentAuthors.xml><?xml version="1.0" encoding="utf-8"?>
-<p:cmAuthorLst xmlns:a="http://schemas.openxmlformats.org/drawingml/2006/main" xmlns:r="http://schemas.openxmlformats.org/officeDocument/2006/relationships" xmlns:p="http://schemas.openxmlformats.org/presentationml/2006/main" xmlns:m="http://schemas.openxmlformats.org/officeDocument/2006/math" xmlns:a14="http://schemas.microsoft.com/office/drawing/2010/main"/>
-</file>
-
 <file path=ppt/notesMasters/notesMaster1.xml><?xml version="1.0" encoding="utf-8"?>
-<p:notesMaster xmlns:a="http://schemas.openxmlformats.org/drawingml/2006/main" xmlns:r="http://schemas.openxmlformats.org/officeDocument/2006/relationships" xmlns:p="http://schemas.openxmlformats.org/presentationml/2006/main" xmlns:m="http://schemas.openxmlformats.org/officeDocument/2006/math" xmlns:a14="http://schemas.microsoft.com/office/drawing/2010/main">
+<p:notesMaster xmlns:a="http://schemas.openxmlformats.org/drawingml/2006/main" xmlns:r="http://schemas.openxmlformats.org/officeDocument/2006/relationships" xmlns:p="http://schemas.openxmlformats.org/presentationml/2006/main">
   <p:cSld>
+    <p:bg>
+      <p:bgRef idx="1001">
+        <a:schemeClr val="bg1"/>
+      </p:bgRef>
+    </p:bg>
     <p:spTree>
       <p:nvGrpSpPr>
         <p:cNvPr id="1" name=""/>
@@ -370,7 +372,9 @@
       <p:sp>
         <p:nvSpPr>
           <p:cNvPr id="322" name="Shape 322"/>
-          <p:cNvSpPr/>
+          <p:cNvSpPr>
+            <a:spLocks noGrp="1" noRot="1" noChangeAspect="1"/>
+          </p:cNvSpPr>
           <p:nvPr>
             <p:ph type="sldImg"/>
           </p:nvPr>
@@ -388,14 +392,16 @@
           <a:bodyPr/>
           <a:lstStyle/>
           <a:p>
-            <a:pPr/>
+            <a:endParaRPr/>
           </a:p>
         </p:txBody>
       </p:sp>
       <p:sp>
         <p:nvSpPr>
           <p:cNvPr id="323" name="Shape 323"/>
-          <p:cNvSpPr/>
+          <p:cNvSpPr>
+            <a:spLocks noGrp="1"/>
+          </p:cNvSpPr>
           <p:nvPr>
             <p:ph type="body" sz="quarter" idx="1"/>
           </p:nvPr>
@@ -413,7 +419,7 @@
           <a:bodyPr/>
           <a:lstStyle/>
           <a:p>
-            <a:pPr/>
+            <a:endParaRPr/>
           </a:p>
         </p:txBody>
       </p:sp>
@@ -498,7 +504,7 @@
 </file>
 
 <file path=ppt/slideLayouts/slideLayout1.xml><?xml version="1.0" encoding="utf-8"?>
-<p:sldLayout xmlns:a="http://schemas.openxmlformats.org/drawingml/2006/main" xmlns:r="http://schemas.openxmlformats.org/officeDocument/2006/relationships" xmlns:p="http://schemas.openxmlformats.org/presentationml/2006/main" xmlns:m="http://schemas.openxmlformats.org/officeDocument/2006/math" xmlns:a14="http://schemas.microsoft.com/office/drawing/2010/main" type="title" showMasterSp="0" showMasterPhAnim="1">
+<p:sldLayout xmlns:a="http://schemas.openxmlformats.org/drawingml/2006/main" xmlns:r="http://schemas.openxmlformats.org/officeDocument/2006/relationships" xmlns:p="http://schemas.openxmlformats.org/presentationml/2006/main" showMasterSp="0" type="title">
   <p:cSld name="Title Slide">
     <p:spTree>
       <p:nvGrpSpPr>
@@ -545,7 +551,7 @@
             </a:cxnLst>
             <a:rect l="0" t="0" r="r" b="b"/>
             <a:pathLst>
-              <a:path w="21600" h="21460" fill="norm" stroke="1" extrusionOk="0">
+              <a:path w="21600" h="21460" extrusionOk="0">
                 <a:moveTo>
                   <a:pt x="11117" y="21459"/>
                 </a:moveTo>
@@ -602,6 +608,7 @@
                 </a:solidFill>
               </a:defRPr>
             </a:pPr>
+            <a:endParaRPr/>
           </a:p>
         </p:txBody>
       </p:sp>
@@ -612,7 +619,7 @@
           <p:nvPr/>
         </p:nvSpPr>
         <p:spPr>
-          <a:xfrm flipV="1" rot="710202">
+          <a:xfrm rot="710202" flipV="1">
             <a:off x="-145573" y="4175627"/>
             <a:ext cx="6040007" cy="3240872"/>
           </a:xfrm>
@@ -636,7 +643,7 @@
             </a:cxnLst>
             <a:rect l="0" t="0" r="r" b="b"/>
             <a:pathLst>
-              <a:path w="21600" h="18321" fill="norm" stroke="1" extrusionOk="0">
+              <a:path w="21600" h="18321" extrusionOk="0">
                 <a:moveTo>
                   <a:pt x="1537" y="0"/>
                 </a:moveTo>
@@ -693,6 +700,7 @@
           <a:lstStyle/>
           <a:p>
             <a:pPr algn="ctr"/>
+            <a:endParaRPr/>
           </a:p>
         </p:txBody>
       </p:sp>
@@ -721,7 +729,7 @@
           <a:bodyPr lIns="45719" rIns="45719"/>
           <a:lstStyle/>
           <a:p>
-            <a:pPr/>
+            <a:endParaRPr/>
           </a:p>
         </p:txBody>
       </p:sp>
@@ -756,7 +764,7 @@
             </a:cxnLst>
             <a:rect l="0" t="0" r="r" b="b"/>
             <a:pathLst>
-              <a:path w="21600" h="21600" fill="norm" stroke="1" extrusionOk="0">
+              <a:path w="21600" h="21600" extrusionOk="0">
                 <a:moveTo>
                   <a:pt x="8" y="0"/>
                 </a:moveTo>
@@ -897,6 +905,7 @@
                 </a:solidFill>
               </a:defRPr>
             </a:pPr>
+            <a:endParaRPr/>
           </a:p>
         </p:txBody>
       </p:sp>
@@ -931,7 +940,7 @@
             </a:cxnLst>
             <a:rect l="0" t="0" r="r" b="b"/>
             <a:pathLst>
-              <a:path w="21600" h="21600" fill="norm" stroke="1" extrusionOk="0">
+              <a:path w="21600" h="21600" extrusionOk="0">
                 <a:moveTo>
                   <a:pt x="8" y="0"/>
                 </a:moveTo>
@@ -1070,6 +1079,7 @@
                 </a:solidFill>
               </a:defRPr>
             </a:pPr>
+            <a:endParaRPr/>
           </a:p>
         </p:txBody>
       </p:sp>
@@ -1104,7 +1114,7 @@
             </a:cxnLst>
             <a:rect l="0" t="0" r="r" b="b"/>
             <a:pathLst>
-              <a:path w="21600" h="21460" fill="norm" stroke="1" extrusionOk="0">
+              <a:path w="21600" h="21460" extrusionOk="0">
                 <a:moveTo>
                   <a:pt x="11117" y="21459"/>
                 </a:moveTo>
@@ -1159,6 +1169,7 @@
                 </a:solidFill>
               </a:defRPr>
             </a:pPr>
+            <a:endParaRPr/>
           </a:p>
         </p:txBody>
       </p:sp>
@@ -1169,7 +1180,7 @@
           <p:nvPr/>
         </p:nvSpPr>
         <p:spPr>
-          <a:xfrm flipH="1" rot="710202">
+          <a:xfrm rot="710202" flipH="1">
             <a:off x="6511238" y="-551341"/>
             <a:ext cx="5838133" cy="3132553"/>
           </a:xfrm>
@@ -1193,7 +1204,7 @@
             </a:cxnLst>
             <a:rect l="0" t="0" r="r" b="b"/>
             <a:pathLst>
-              <a:path w="21600" h="18321" fill="norm" stroke="1" extrusionOk="0">
+              <a:path w="21600" h="18321" extrusionOk="0">
                 <a:moveTo>
                   <a:pt x="1537" y="0"/>
                 </a:moveTo>
@@ -1247,13 +1258,16 @@
           <a:lstStyle/>
           <a:p>
             <a:pPr algn="ctr"/>
+            <a:endParaRPr/>
           </a:p>
         </p:txBody>
       </p:sp>
       <p:sp>
         <p:nvSpPr>
           <p:cNvPr id="19" name="Title Text"/>
-          <p:cNvSpPr txBox="1"/>
+          <p:cNvSpPr txBox="1">
+            <a:spLocks noGrp="1"/>
+          </p:cNvSpPr>
           <p:nvPr>
             <p:ph type="title"/>
           </p:nvPr>
@@ -1275,7 +1289,6 @@
             </a:lvl1pPr>
           </a:lstStyle>
           <a:p>
-            <a:pPr/>
             <a:r>
               <a:t>Title Text</a:t>
             </a:r>
@@ -1285,7 +1298,9 @@
       <p:sp>
         <p:nvSpPr>
           <p:cNvPr id="20" name="Body Level One…"/>
-          <p:cNvSpPr txBox="1"/>
+          <p:cNvSpPr txBox="1">
+            <a:spLocks noGrp="1"/>
+          </p:cNvSpPr>
           <p:nvPr>
             <p:ph type="body" sz="quarter" idx="1"/>
           </p:nvPr>
@@ -1301,7 +1316,7 @@
         </p:spPr>
         <p:txBody>
           <a:bodyPr>
-            <a:normAutofit fontScale="100000" lnSpcReduction="0"/>
+            <a:normAutofit/>
           </a:bodyPr>
           <a:lstStyle>
             <a:lvl1pPr marL="0" indent="0" algn="ctr">
@@ -1341,7 +1356,6 @@
             </a:lvl5pPr>
           </a:lstStyle>
           <a:p>
-            <a:pPr/>
             <a:r>
               <a:t>Body Level One</a:t>
             </a:r>
@@ -1375,7 +1389,9 @@
       <p:sp>
         <p:nvSpPr>
           <p:cNvPr id="21" name="Slide Number"/>
-          <p:cNvSpPr txBox="1"/>
+          <p:cNvSpPr txBox="1">
+            <a:spLocks noGrp="1"/>
+          </p:cNvSpPr>
           <p:nvPr>
             <p:ph type="sldNum" sz="quarter" idx="2"/>
           </p:nvPr>
@@ -1393,8 +1409,10 @@
           <a:bodyPr/>
           <a:lstStyle/>
           <a:p>
-            <a:pPr/>
-            <a:fld id="{86CB4B4D-7CA3-9044-876B-883B54F8677D}" type="slidenum"/>
+            <a:fld id="{86CB4B4D-7CA3-9044-876B-883B54F8677D}" type="slidenum">
+              <a:t>‹#›</a:t>
+            </a:fld>
+            <a:endParaRPr/>
           </a:p>
         </p:txBody>
       </p:sp>
@@ -1403,12 +1421,12 @@
   <p:clrMapOvr>
     <a:masterClrMapping/>
   </p:clrMapOvr>
-  <p:transition xmlns:p14="http://schemas.microsoft.com/office/powerpoint/2010/main" spd="med" advClick="1"/>
+  <p:transition spd="med"/>
 </p:sldLayout>
 </file>
 
 <file path=ppt/slideLayouts/slideLayout10.xml><?xml version="1.0" encoding="utf-8"?>
-<p:sldLayout xmlns:a="http://schemas.openxmlformats.org/drawingml/2006/main" xmlns:r="http://schemas.openxmlformats.org/officeDocument/2006/relationships" xmlns:p="http://schemas.openxmlformats.org/presentationml/2006/main" xmlns:m="http://schemas.openxmlformats.org/officeDocument/2006/math" xmlns:a14="http://schemas.microsoft.com/office/drawing/2010/main" type="tx" showMasterSp="1" showMasterPhAnim="1">
+<p:sldLayout xmlns:a="http://schemas.openxmlformats.org/drawingml/2006/main" xmlns:r="http://schemas.openxmlformats.org/officeDocument/2006/relationships" xmlns:p="http://schemas.openxmlformats.org/presentationml/2006/main" type="tx">
   <p:cSld name="Three Column">
     <p:spTree>
       <p:nvGrpSpPr>
@@ -1455,7 +1473,7 @@
             </a:cxnLst>
             <a:rect l="0" t="0" r="r" b="b"/>
             <a:pathLst>
-              <a:path w="20905" h="21600" fill="norm" stroke="1" extrusionOk="0">
+              <a:path w="20905" h="21600" extrusionOk="0">
                 <a:moveTo>
                   <a:pt x="0" y="0"/>
                 </a:moveTo>
@@ -1519,6 +1537,7 @@
           <a:lstStyle/>
           <a:p>
             <a:pPr algn="ctr"/>
+            <a:endParaRPr/>
           </a:p>
         </p:txBody>
       </p:sp>
@@ -1553,7 +1572,7 @@
             </a:cxnLst>
             <a:rect l="0" t="0" r="r" b="b"/>
             <a:pathLst>
-              <a:path w="21600" h="20747" fill="norm" stroke="1" extrusionOk="0">
+              <a:path w="21600" h="20747" extrusionOk="0">
                 <a:moveTo>
                   <a:pt x="0" y="0"/>
                 </a:moveTo>
@@ -1604,6 +1623,7 @@
           <a:lstStyle/>
           <a:p>
             <a:pPr algn="ctr"/>
+            <a:endParaRPr/>
           </a:p>
         </p:txBody>
       </p:sp>
@@ -1638,7 +1658,7 @@
             </a:cxnLst>
             <a:rect l="0" t="0" r="r" b="b"/>
             <a:pathLst>
-              <a:path w="21600" h="20883" fill="norm" stroke="1" extrusionOk="0">
+              <a:path w="21600" h="20883" extrusionOk="0">
                 <a:moveTo>
                   <a:pt x="0" y="0"/>
                 </a:moveTo>
@@ -1688,6 +1708,7 @@
                 </a:solidFill>
               </a:defRPr>
             </a:pPr>
+            <a:endParaRPr/>
           </a:p>
         </p:txBody>
       </p:sp>
@@ -1722,7 +1743,7 @@
             </a:cxnLst>
             <a:rect l="0" t="0" r="r" b="b"/>
             <a:pathLst>
-              <a:path w="21600" h="21600" fill="norm" stroke="1" extrusionOk="0">
+              <a:path w="21600" h="21600" extrusionOk="0">
                 <a:moveTo>
                   <a:pt x="0" y="0"/>
                 </a:moveTo>
@@ -1775,6 +1796,7 @@
           <a:lstStyle/>
           <a:p>
             <a:pPr algn="ctr"/>
+            <a:endParaRPr/>
           </a:p>
         </p:txBody>
       </p:sp>
@@ -1809,7 +1831,7 @@
             </a:cxnLst>
             <a:rect l="0" t="0" r="r" b="b"/>
             <a:pathLst>
-              <a:path w="21600" h="21600" fill="norm" stroke="1" extrusionOk="0">
+              <a:path w="21600" h="21600" extrusionOk="0">
                 <a:moveTo>
                   <a:pt x="21600" y="0"/>
                 </a:moveTo>
@@ -1871,13 +1893,16 @@
                 </a:solidFill>
               </a:defRPr>
             </a:pPr>
+            <a:endParaRPr/>
           </a:p>
         </p:txBody>
       </p:sp>
       <p:sp>
         <p:nvSpPr>
           <p:cNvPr id="173" name="Title Text"/>
-          <p:cNvSpPr txBox="1"/>
+          <p:cNvSpPr txBox="1">
+            <a:spLocks noGrp="1"/>
+          </p:cNvSpPr>
           <p:nvPr>
             <p:ph type="title"/>
           </p:nvPr>
@@ -1895,7 +1920,6 @@
           <a:bodyPr anchor="b"/>
           <a:lstStyle/>
           <a:p>
-            <a:pPr/>
             <a:r>
               <a:t>Title Text</a:t>
             </a:r>
@@ -1905,7 +1929,9 @@
       <p:sp>
         <p:nvSpPr>
           <p:cNvPr id="174" name="Body Level One…"/>
-          <p:cNvSpPr txBox="1"/>
+          <p:cNvSpPr txBox="1">
+            <a:spLocks noGrp="1"/>
+          </p:cNvSpPr>
           <p:nvPr>
             <p:ph type="body" sz="quarter" idx="1"/>
           </p:nvPr>
@@ -1921,7 +1947,7 @@
         </p:spPr>
         <p:txBody>
           <a:bodyPr>
-            <a:normAutofit fontScale="100000" lnSpcReduction="0"/>
+            <a:normAutofit/>
           </a:bodyPr>
           <a:lstStyle>
             <a:lvl1pPr marL="0" indent="0">
@@ -1929,7 +1955,7 @@
               <a:buSzTx/>
               <a:buFontTx/>
               <a:buNone/>
-              <a:defRPr b="1" sz="2400">
+              <a:defRPr sz="2400" b="1">
                 <a:latin typeface="Tw Cen MT"/>
                 <a:ea typeface="Tw Cen MT"/>
                 <a:cs typeface="Tw Cen MT"/>
@@ -1941,7 +1967,7 @@
               <a:buSzTx/>
               <a:buFontTx/>
               <a:buNone/>
-              <a:defRPr b="1" sz="2400">
+              <a:defRPr sz="2400" b="1">
                 <a:latin typeface="Tw Cen MT"/>
                 <a:ea typeface="Tw Cen MT"/>
                 <a:cs typeface="Tw Cen MT"/>
@@ -1953,7 +1979,7 @@
               <a:buSzTx/>
               <a:buFontTx/>
               <a:buNone/>
-              <a:defRPr b="1" sz="2400">
+              <a:defRPr sz="2400" b="1">
                 <a:latin typeface="Tw Cen MT"/>
                 <a:ea typeface="Tw Cen MT"/>
                 <a:cs typeface="Tw Cen MT"/>
@@ -1965,7 +1991,7 @@
               <a:buSzTx/>
               <a:buFontTx/>
               <a:buNone/>
-              <a:defRPr b="1" sz="2400">
+              <a:defRPr sz="2400" b="1">
                 <a:latin typeface="Tw Cen MT"/>
                 <a:ea typeface="Tw Cen MT"/>
                 <a:cs typeface="Tw Cen MT"/>
@@ -1977,7 +2003,7 @@
               <a:buSzTx/>
               <a:buFontTx/>
               <a:buNone/>
-              <a:defRPr b="1" sz="2400">
+              <a:defRPr sz="2400" b="1">
                 <a:latin typeface="Tw Cen MT"/>
                 <a:ea typeface="Tw Cen MT"/>
                 <a:cs typeface="Tw Cen MT"/>
@@ -1986,7 +2012,6 @@
             </a:lvl5pPr>
           </a:lstStyle>
           <a:p>
-            <a:pPr/>
             <a:r>
               <a:t>Body Level One</a:t>
             </a:r>
@@ -2020,7 +2045,9 @@
       <p:sp>
         <p:nvSpPr>
           <p:cNvPr id="175" name="Text Placeholder 4"/>
-          <p:cNvSpPr/>
+          <p:cNvSpPr>
+            <a:spLocks noGrp="1"/>
+          </p:cNvSpPr>
           <p:nvPr>
             <p:ph type="body" sz="quarter" idx="21"/>
           </p:nvPr>
@@ -2036,7 +2063,7 @@
         </p:spPr>
         <p:txBody>
           <a:bodyPr>
-            <a:normAutofit fontScale="100000" lnSpcReduction="0"/>
+            <a:normAutofit/>
           </a:bodyPr>
           <a:lstStyle/>
           <a:p>
@@ -2045,20 +2072,23 @@
               <a:buSzTx/>
               <a:buFontTx/>
               <a:buNone/>
-              <a:defRPr b="1" sz="2400">
+              <a:defRPr sz="2400" b="1">
                 <a:latin typeface="Tw Cen MT"/>
                 <a:ea typeface="Tw Cen MT"/>
                 <a:cs typeface="Tw Cen MT"/>
                 <a:sym typeface="Tw Cen MT"/>
               </a:defRPr>
             </a:pPr>
+            <a:endParaRPr/>
           </a:p>
         </p:txBody>
       </p:sp>
       <p:sp>
         <p:nvSpPr>
           <p:cNvPr id="176" name="Slide Number"/>
-          <p:cNvSpPr txBox="1"/>
+          <p:cNvSpPr txBox="1">
+            <a:spLocks noGrp="1"/>
+          </p:cNvSpPr>
           <p:nvPr>
             <p:ph type="sldNum" sz="quarter" idx="2"/>
           </p:nvPr>
@@ -2072,8 +2102,10 @@
           <a:bodyPr/>
           <a:lstStyle/>
           <a:p>
-            <a:pPr/>
-            <a:fld id="{86CB4B4D-7CA3-9044-876B-883B54F8677D}" type="slidenum"/>
+            <a:fld id="{86CB4B4D-7CA3-9044-876B-883B54F8677D}" type="slidenum">
+              <a:t>‹#›</a:t>
+            </a:fld>
+            <a:endParaRPr/>
           </a:p>
         </p:txBody>
       </p:sp>
@@ -2102,14 +2134,16 @@
           <a:bodyPr lIns="45719" rIns="45719"/>
           <a:lstStyle/>
           <a:p>
-            <a:pPr/>
+            <a:endParaRPr/>
           </a:p>
         </p:txBody>
       </p:sp>
       <p:sp>
         <p:nvSpPr>
           <p:cNvPr id="178" name="Text Placeholder 4"/>
-          <p:cNvSpPr/>
+          <p:cNvSpPr>
+            <a:spLocks noGrp="1"/>
+          </p:cNvSpPr>
           <p:nvPr>
             <p:ph type="body" sz="quarter" idx="22"/>
           </p:nvPr>
@@ -2125,7 +2159,7 @@
         </p:spPr>
         <p:txBody>
           <a:bodyPr>
-            <a:normAutofit fontScale="100000" lnSpcReduction="0"/>
+            <a:normAutofit/>
           </a:bodyPr>
           <a:lstStyle/>
           <a:p>
@@ -2134,13 +2168,14 @@
               <a:buSzTx/>
               <a:buFontTx/>
               <a:buNone/>
-              <a:defRPr b="1" sz="2400">
+              <a:defRPr sz="2400" b="1">
                 <a:latin typeface="Tw Cen MT"/>
                 <a:ea typeface="Tw Cen MT"/>
                 <a:cs typeface="Tw Cen MT"/>
                 <a:sym typeface="Tw Cen MT"/>
               </a:defRPr>
             </a:pPr>
+            <a:endParaRPr/>
           </a:p>
         </p:txBody>
       </p:sp>
@@ -2149,12 +2184,12 @@
   <p:clrMapOvr>
     <a:masterClrMapping/>
   </p:clrMapOvr>
-  <p:transition xmlns:p14="http://schemas.microsoft.com/office/powerpoint/2010/main" spd="med" advClick="1"/>
+  <p:transition spd="med"/>
 </p:sldLayout>
 </file>
 
 <file path=ppt/slideLayouts/slideLayout11.xml><?xml version="1.0" encoding="utf-8"?>
-<p:sldLayout xmlns:a="http://schemas.openxmlformats.org/drawingml/2006/main" xmlns:r="http://schemas.openxmlformats.org/officeDocument/2006/relationships" xmlns:p="http://schemas.openxmlformats.org/presentationml/2006/main" xmlns:m="http://schemas.openxmlformats.org/officeDocument/2006/math" xmlns:a14="http://schemas.microsoft.com/office/drawing/2010/main" type="tx" showMasterSp="1" showMasterPhAnim="1">
+<p:sldLayout xmlns:a="http://schemas.openxmlformats.org/drawingml/2006/main" xmlns:r="http://schemas.openxmlformats.org/officeDocument/2006/relationships" xmlns:p="http://schemas.openxmlformats.org/presentationml/2006/main" type="tx">
   <p:cSld name="Team x4">
     <p:spTree>
       <p:nvGrpSpPr>
@@ -2173,7 +2208,9 @@
       <p:sp>
         <p:nvSpPr>
           <p:cNvPr id="185" name="Title Text"/>
-          <p:cNvSpPr txBox="1"/>
+          <p:cNvSpPr txBox="1">
+            <a:spLocks noGrp="1"/>
+          </p:cNvSpPr>
           <p:nvPr>
             <p:ph type="title"/>
           </p:nvPr>
@@ -2193,7 +2230,6 @@
             <a:lvl1pPr algn="ctr"/>
           </a:lstStyle>
           <a:p>
-            <a:pPr/>
             <a:r>
               <a:t>Title Text</a:t>
             </a:r>
@@ -2203,7 +2239,9 @@
       <p:sp>
         <p:nvSpPr>
           <p:cNvPr id="186" name="Slide Number"/>
-          <p:cNvSpPr txBox="1"/>
+          <p:cNvSpPr txBox="1">
+            <a:spLocks noGrp="1"/>
+          </p:cNvSpPr>
           <p:nvPr>
             <p:ph type="sldNum" sz="quarter" idx="2"/>
           </p:nvPr>
@@ -2217,8 +2255,10 @@
           <a:bodyPr/>
           <a:lstStyle/>
           <a:p>
-            <a:pPr/>
-            <a:fld id="{86CB4B4D-7CA3-9044-876B-883B54F8677D}" type="slidenum"/>
+            <a:fld id="{86CB4B4D-7CA3-9044-876B-883B54F8677D}" type="slidenum">
+              <a:t>‹#›</a:t>
+            </a:fld>
+            <a:endParaRPr/>
           </a:p>
         </p:txBody>
       </p:sp>
@@ -2266,6 +2306,7 @@
                 </a:solidFill>
               </a:defRPr>
             </a:pPr>
+            <a:endParaRPr/>
           </a:p>
         </p:txBody>
       </p:sp>
@@ -2313,6 +2354,7 @@
                 </a:solidFill>
               </a:defRPr>
             </a:pPr>
+            <a:endParaRPr/>
           </a:p>
         </p:txBody>
       </p:sp>
@@ -2360,6 +2402,7 @@
                 </a:solidFill>
               </a:defRPr>
             </a:pPr>
+            <a:endParaRPr/>
           </a:p>
         </p:txBody>
       </p:sp>
@@ -2407,13 +2450,16 @@
                 </a:solidFill>
               </a:defRPr>
             </a:pPr>
+            <a:endParaRPr/>
           </a:p>
         </p:txBody>
       </p:sp>
       <p:sp>
         <p:nvSpPr>
           <p:cNvPr id="191" name="Body Level One…"/>
-          <p:cNvSpPr txBox="1"/>
+          <p:cNvSpPr txBox="1">
+            <a:spLocks noGrp="1"/>
+          </p:cNvSpPr>
           <p:nvPr>
             <p:ph type="body" sz="quarter" idx="1"/>
           </p:nvPr>
@@ -2429,7 +2475,7 @@
         </p:spPr>
         <p:txBody>
           <a:bodyPr lIns="0" tIns="0" rIns="0" bIns="0">
-            <a:normAutofit fontScale="100000" lnSpcReduction="0"/>
+            <a:normAutofit/>
           </a:bodyPr>
           <a:lstStyle>
             <a:lvl1pPr marL="0" indent="0" algn="ctr">
@@ -2443,7 +2489,7 @@
               <a:buSzTx/>
               <a:buFontTx/>
               <a:buNone/>
-              <a:defRPr b="1" sz="2000">
+              <a:defRPr sz="2000" b="1">
                 <a:latin typeface="Tw Cen MT"/>
                 <a:ea typeface="Tw Cen MT"/>
                 <a:cs typeface="Tw Cen MT"/>
@@ -2459,7 +2505,7 @@
               </a:spcBef>
               <a:buClrTx/>
               <a:buFontTx/>
-              <a:defRPr b="1" sz="2000">
+              <a:defRPr sz="2000" b="1">
                 <a:latin typeface="Tw Cen MT"/>
                 <a:ea typeface="Tw Cen MT"/>
                 <a:cs typeface="Tw Cen MT"/>
@@ -2475,7 +2521,7 @@
               </a:spcBef>
               <a:buClrTx/>
               <a:buFontTx/>
-              <a:defRPr b="1" sz="2000">
+              <a:defRPr sz="2000" b="1">
                 <a:latin typeface="Tw Cen MT"/>
                 <a:ea typeface="Tw Cen MT"/>
                 <a:cs typeface="Tw Cen MT"/>
@@ -2491,7 +2537,7 @@
               </a:spcBef>
               <a:buClrTx/>
               <a:buFontTx/>
-              <a:defRPr b="1" sz="2000">
+              <a:defRPr sz="2000" b="1">
                 <a:latin typeface="Tw Cen MT"/>
                 <a:ea typeface="Tw Cen MT"/>
                 <a:cs typeface="Tw Cen MT"/>
@@ -2507,7 +2553,7 @@
               </a:spcBef>
               <a:buClrTx/>
               <a:buFontTx/>
-              <a:defRPr b="1" sz="2000">
+              <a:defRPr sz="2000" b="1">
                 <a:latin typeface="Tw Cen MT"/>
                 <a:ea typeface="Tw Cen MT"/>
                 <a:cs typeface="Tw Cen MT"/>
@@ -2516,7 +2562,6 @@
             </a:lvl5pPr>
           </a:lstStyle>
           <a:p>
-            <a:pPr/>
             <a:r>
               <a:t>Body Level One</a:t>
             </a:r>
@@ -2550,7 +2595,9 @@
       <p:sp>
         <p:nvSpPr>
           <p:cNvPr id="192" name="Text Placeholder 11"/>
-          <p:cNvSpPr/>
+          <p:cNvSpPr>
+            <a:spLocks noGrp="1"/>
+          </p:cNvSpPr>
           <p:nvPr>
             <p:ph type="body" sz="quarter" idx="21"/>
           </p:nvPr>
@@ -2566,7 +2613,7 @@
         </p:spPr>
         <p:txBody>
           <a:bodyPr>
-            <a:normAutofit fontScale="100000" lnSpcReduction="0"/>
+            <a:normAutofit/>
           </a:bodyPr>
           <a:lstStyle/>
           <a:p>
@@ -2583,13 +2630,16 @@
               <a:buNone/>
               <a:defRPr sz="1600"/>
             </a:pPr>
+            <a:endParaRPr/>
           </a:p>
         </p:txBody>
       </p:sp>
       <p:sp>
         <p:nvSpPr>
           <p:cNvPr id="193" name="Text Placeholder 11"/>
-          <p:cNvSpPr/>
+          <p:cNvSpPr>
+            <a:spLocks noGrp="1"/>
+          </p:cNvSpPr>
           <p:nvPr>
             <p:ph type="body" sz="quarter" idx="22"/>
           </p:nvPr>
@@ -2605,7 +2655,7 @@
         </p:spPr>
         <p:txBody>
           <a:bodyPr lIns="0" tIns="0" rIns="0" bIns="0">
-            <a:normAutofit fontScale="100000" lnSpcReduction="0"/>
+            <a:normAutofit/>
           </a:bodyPr>
           <a:lstStyle/>
           <a:p>
@@ -2620,20 +2670,23 @@
               <a:buSzTx/>
               <a:buFontTx/>
               <a:buNone/>
-              <a:defRPr b="1" sz="2000">
+              <a:defRPr sz="2000" b="1">
                 <a:latin typeface="Tw Cen MT"/>
                 <a:ea typeface="Tw Cen MT"/>
                 <a:cs typeface="Tw Cen MT"/>
                 <a:sym typeface="Tw Cen MT"/>
               </a:defRPr>
             </a:pPr>
+            <a:endParaRPr/>
           </a:p>
         </p:txBody>
       </p:sp>
       <p:sp>
         <p:nvSpPr>
           <p:cNvPr id="194" name="Text Placeholder 11"/>
-          <p:cNvSpPr/>
+          <p:cNvSpPr>
+            <a:spLocks noGrp="1"/>
+          </p:cNvSpPr>
           <p:nvPr>
             <p:ph type="body" sz="quarter" idx="23"/>
           </p:nvPr>
@@ -2649,7 +2702,7 @@
         </p:spPr>
         <p:txBody>
           <a:bodyPr>
-            <a:normAutofit fontScale="100000" lnSpcReduction="0"/>
+            <a:normAutofit/>
           </a:bodyPr>
           <a:lstStyle/>
           <a:p>
@@ -2666,13 +2719,16 @@
               <a:buNone/>
               <a:defRPr sz="1600"/>
             </a:pPr>
+            <a:endParaRPr/>
           </a:p>
         </p:txBody>
       </p:sp>
       <p:sp>
         <p:nvSpPr>
           <p:cNvPr id="195" name="Text Placeholder 11"/>
-          <p:cNvSpPr/>
+          <p:cNvSpPr>
+            <a:spLocks noGrp="1"/>
+          </p:cNvSpPr>
           <p:nvPr>
             <p:ph type="body" sz="quarter" idx="24"/>
           </p:nvPr>
@@ -2688,7 +2744,7 @@
         </p:spPr>
         <p:txBody>
           <a:bodyPr lIns="0" tIns="0" rIns="0" bIns="0">
-            <a:normAutofit fontScale="100000" lnSpcReduction="0"/>
+            <a:normAutofit/>
           </a:bodyPr>
           <a:lstStyle/>
           <a:p>
@@ -2703,20 +2759,23 @@
               <a:buSzTx/>
               <a:buFontTx/>
               <a:buNone/>
-              <a:defRPr b="1" sz="2000">
+              <a:defRPr sz="2000" b="1">
                 <a:latin typeface="Tw Cen MT"/>
                 <a:ea typeface="Tw Cen MT"/>
                 <a:cs typeface="Tw Cen MT"/>
                 <a:sym typeface="Tw Cen MT"/>
               </a:defRPr>
             </a:pPr>
+            <a:endParaRPr/>
           </a:p>
         </p:txBody>
       </p:sp>
       <p:sp>
         <p:nvSpPr>
           <p:cNvPr id="196" name="Text Placeholder 11"/>
-          <p:cNvSpPr/>
+          <p:cNvSpPr>
+            <a:spLocks noGrp="1"/>
+          </p:cNvSpPr>
           <p:nvPr>
             <p:ph type="body" sz="quarter" idx="25"/>
           </p:nvPr>
@@ -2732,7 +2791,7 @@
         </p:spPr>
         <p:txBody>
           <a:bodyPr>
-            <a:normAutofit fontScale="100000" lnSpcReduction="0"/>
+            <a:normAutofit/>
           </a:bodyPr>
           <a:lstStyle/>
           <a:p>
@@ -2749,13 +2808,16 @@
               <a:buNone/>
               <a:defRPr sz="1600"/>
             </a:pPr>
+            <a:endParaRPr/>
           </a:p>
         </p:txBody>
       </p:sp>
       <p:sp>
         <p:nvSpPr>
           <p:cNvPr id="197" name="Text Placeholder 11"/>
-          <p:cNvSpPr/>
+          <p:cNvSpPr>
+            <a:spLocks noGrp="1"/>
+          </p:cNvSpPr>
           <p:nvPr>
             <p:ph type="body" sz="quarter" idx="26"/>
           </p:nvPr>
@@ -2771,7 +2833,7 @@
         </p:spPr>
         <p:txBody>
           <a:bodyPr lIns="0" tIns="0" rIns="0" bIns="0">
-            <a:normAutofit fontScale="100000" lnSpcReduction="0"/>
+            <a:normAutofit/>
           </a:bodyPr>
           <a:lstStyle/>
           <a:p>
@@ -2786,20 +2848,23 @@
               <a:buSzTx/>
               <a:buFontTx/>
               <a:buNone/>
-              <a:defRPr b="1" sz="2000">
+              <a:defRPr sz="2000" b="1">
                 <a:latin typeface="Tw Cen MT"/>
                 <a:ea typeface="Tw Cen MT"/>
                 <a:cs typeface="Tw Cen MT"/>
                 <a:sym typeface="Tw Cen MT"/>
               </a:defRPr>
             </a:pPr>
+            <a:endParaRPr/>
           </a:p>
         </p:txBody>
       </p:sp>
       <p:sp>
         <p:nvSpPr>
           <p:cNvPr id="198" name="Text Placeholder 11"/>
-          <p:cNvSpPr/>
+          <p:cNvSpPr>
+            <a:spLocks noGrp="1"/>
+          </p:cNvSpPr>
           <p:nvPr>
             <p:ph type="body" sz="quarter" idx="27"/>
           </p:nvPr>
@@ -2815,7 +2880,7 @@
         </p:spPr>
         <p:txBody>
           <a:bodyPr>
-            <a:normAutofit fontScale="100000" lnSpcReduction="0"/>
+            <a:normAutofit/>
           </a:bodyPr>
           <a:lstStyle/>
           <a:p>
@@ -2832,13 +2897,16 @@
               <a:buNone/>
               <a:defRPr sz="1600"/>
             </a:pPr>
+            <a:endParaRPr/>
           </a:p>
         </p:txBody>
       </p:sp>
       <p:sp>
         <p:nvSpPr>
           <p:cNvPr id="199" name="Picture Placeholder 20"/>
-          <p:cNvSpPr/>
+          <p:cNvSpPr>
+            <a:spLocks noGrp="1"/>
+          </p:cNvSpPr>
           <p:nvPr>
             <p:ph type="pic" sz="quarter" idx="28"/>
           </p:nvPr>
@@ -2856,14 +2924,16 @@
           <a:bodyPr lIns="91439" rIns="91439"/>
           <a:lstStyle/>
           <a:p>
-            <a:pPr/>
+            <a:endParaRPr/>
           </a:p>
         </p:txBody>
       </p:sp>
       <p:sp>
         <p:nvSpPr>
           <p:cNvPr id="200" name="Picture Placeholder 20"/>
-          <p:cNvSpPr/>
+          <p:cNvSpPr>
+            <a:spLocks noGrp="1"/>
+          </p:cNvSpPr>
           <p:nvPr>
             <p:ph type="pic" sz="quarter" idx="29"/>
           </p:nvPr>
@@ -2881,14 +2951,16 @@
           <a:bodyPr lIns="91439" rIns="91439"/>
           <a:lstStyle/>
           <a:p>
-            <a:pPr/>
+            <a:endParaRPr/>
           </a:p>
         </p:txBody>
       </p:sp>
       <p:sp>
         <p:nvSpPr>
           <p:cNvPr id="201" name="Picture Placeholder 20"/>
-          <p:cNvSpPr/>
+          <p:cNvSpPr>
+            <a:spLocks noGrp="1"/>
+          </p:cNvSpPr>
           <p:nvPr>
             <p:ph type="pic" sz="quarter" idx="30"/>
           </p:nvPr>
@@ -2906,14 +2978,16 @@
           <a:bodyPr lIns="91439" rIns="91439"/>
           <a:lstStyle/>
           <a:p>
-            <a:pPr/>
+            <a:endParaRPr/>
           </a:p>
         </p:txBody>
       </p:sp>
       <p:sp>
         <p:nvSpPr>
           <p:cNvPr id="202" name="Picture Placeholder 20"/>
-          <p:cNvSpPr/>
+          <p:cNvSpPr>
+            <a:spLocks noGrp="1"/>
+          </p:cNvSpPr>
           <p:nvPr>
             <p:ph type="pic" sz="quarter" idx="31"/>
           </p:nvPr>
@@ -2931,7 +3005,7 @@
           <a:bodyPr lIns="91439" rIns="91439"/>
           <a:lstStyle/>
           <a:p>
-            <a:pPr/>
+            <a:endParaRPr/>
           </a:p>
         </p:txBody>
       </p:sp>
@@ -2940,12 +3014,12 @@
   <p:clrMapOvr>
     <a:masterClrMapping/>
   </p:clrMapOvr>
-  <p:transition xmlns:p14="http://schemas.microsoft.com/office/powerpoint/2010/main" spd="med" advClick="1"/>
+  <p:transition spd="med"/>
 </p:sldLayout>
 </file>
 
 <file path=ppt/slideLayouts/slideLayout12.xml><?xml version="1.0" encoding="utf-8"?>
-<p:sldLayout xmlns:a="http://schemas.openxmlformats.org/drawingml/2006/main" xmlns:r="http://schemas.openxmlformats.org/officeDocument/2006/relationships" xmlns:p="http://schemas.openxmlformats.org/presentationml/2006/main" xmlns:m="http://schemas.openxmlformats.org/officeDocument/2006/math" xmlns:a14="http://schemas.microsoft.com/office/drawing/2010/main" type="tx" showMasterSp="1" showMasterPhAnim="1">
+<p:sldLayout xmlns:a="http://schemas.openxmlformats.org/drawingml/2006/main" xmlns:r="http://schemas.openxmlformats.org/officeDocument/2006/relationships" xmlns:p="http://schemas.openxmlformats.org/presentationml/2006/main" type="tx">
   <p:cSld name="Team x8">
     <p:spTree>
       <p:nvGrpSpPr>
@@ -3005,6 +3079,7 @@
                 </a:solidFill>
               </a:defRPr>
             </a:pPr>
+            <a:endParaRPr/>
           </a:p>
         </p:txBody>
       </p:sp>
@@ -3052,6 +3127,7 @@
                 </a:solidFill>
               </a:defRPr>
             </a:pPr>
+            <a:endParaRPr/>
           </a:p>
         </p:txBody>
       </p:sp>
@@ -3099,6 +3175,7 @@
                 </a:solidFill>
               </a:defRPr>
             </a:pPr>
+            <a:endParaRPr/>
           </a:p>
         </p:txBody>
       </p:sp>
@@ -3146,6 +3223,7 @@
                 </a:solidFill>
               </a:defRPr>
             </a:pPr>
+            <a:endParaRPr/>
           </a:p>
         </p:txBody>
       </p:sp>
@@ -3193,6 +3271,7 @@
                 </a:solidFill>
               </a:defRPr>
             </a:pPr>
+            <a:endParaRPr/>
           </a:p>
         </p:txBody>
       </p:sp>
@@ -3240,6 +3319,7 @@
                 </a:solidFill>
               </a:defRPr>
             </a:pPr>
+            <a:endParaRPr/>
           </a:p>
         </p:txBody>
       </p:sp>
@@ -3287,6 +3367,7 @@
                 </a:solidFill>
               </a:defRPr>
             </a:pPr>
+            <a:endParaRPr/>
           </a:p>
         </p:txBody>
       </p:sp>
@@ -3334,13 +3415,16 @@
                 </a:solidFill>
               </a:defRPr>
             </a:pPr>
+            <a:endParaRPr/>
           </a:p>
         </p:txBody>
       </p:sp>
       <p:sp>
         <p:nvSpPr>
           <p:cNvPr id="217" name="Title Text"/>
-          <p:cNvSpPr txBox="1"/>
+          <p:cNvSpPr txBox="1">
+            <a:spLocks noGrp="1"/>
+          </p:cNvSpPr>
           <p:nvPr>
             <p:ph type="title"/>
           </p:nvPr>
@@ -3360,7 +3444,6 @@
             <a:lvl1pPr algn="ctr"/>
           </a:lstStyle>
           <a:p>
-            <a:pPr/>
             <a:r>
               <a:t>Title Text</a:t>
             </a:r>
@@ -3370,7 +3453,9 @@
       <p:sp>
         <p:nvSpPr>
           <p:cNvPr id="218" name="Slide Number"/>
-          <p:cNvSpPr txBox="1"/>
+          <p:cNvSpPr txBox="1">
+            <a:spLocks noGrp="1"/>
+          </p:cNvSpPr>
           <p:nvPr>
             <p:ph type="sldNum" sz="quarter" idx="2"/>
           </p:nvPr>
@@ -3384,15 +3469,19 @@
           <a:bodyPr/>
           <a:lstStyle/>
           <a:p>
-            <a:pPr/>
-            <a:fld id="{86CB4B4D-7CA3-9044-876B-883B54F8677D}" type="slidenum"/>
+            <a:fld id="{86CB4B4D-7CA3-9044-876B-883B54F8677D}" type="slidenum">
+              <a:t>‹#›</a:t>
+            </a:fld>
+            <a:endParaRPr/>
           </a:p>
         </p:txBody>
       </p:sp>
       <p:sp>
         <p:nvSpPr>
           <p:cNvPr id="219" name="Body Level One…"/>
-          <p:cNvSpPr txBox="1"/>
+          <p:cNvSpPr txBox="1">
+            <a:spLocks noGrp="1"/>
+          </p:cNvSpPr>
           <p:nvPr>
             <p:ph type="body" sz="quarter" idx="1"/>
           </p:nvPr>
@@ -3408,7 +3497,7 @@
         </p:spPr>
         <p:txBody>
           <a:bodyPr anchor="ctr">
-            <a:normAutofit fontScale="100000" lnSpcReduction="0"/>
+            <a:normAutofit/>
           </a:bodyPr>
           <a:lstStyle>
             <a:lvl1pPr marL="0" indent="0" algn="ctr">
@@ -3422,7 +3511,7 @@
               <a:buSzTx/>
               <a:buFontTx/>
               <a:buNone/>
-              <a:defRPr b="1" spc="20" sz="1600">
+              <a:defRPr sz="1600" b="1" spc="20">
                 <a:latin typeface="Tw Cen MT"/>
                 <a:ea typeface="Tw Cen MT"/>
                 <a:cs typeface="Tw Cen MT"/>
@@ -3438,7 +3527,7 @@
               </a:spcBef>
               <a:buClrTx/>
               <a:buFontTx/>
-              <a:defRPr b="1" spc="20" sz="1600">
+              <a:defRPr sz="1600" b="1" spc="20">
                 <a:latin typeface="Tw Cen MT"/>
                 <a:ea typeface="Tw Cen MT"/>
                 <a:cs typeface="Tw Cen MT"/>
@@ -3454,7 +3543,7 @@
               </a:spcBef>
               <a:buClrTx/>
               <a:buFontTx/>
-              <a:defRPr b="1" spc="20" sz="1600">
+              <a:defRPr sz="1600" b="1" spc="20">
                 <a:latin typeface="Tw Cen MT"/>
                 <a:ea typeface="Tw Cen MT"/>
                 <a:cs typeface="Tw Cen MT"/>
@@ -3470,7 +3559,7 @@
               </a:spcBef>
               <a:buClrTx/>
               <a:buFontTx/>
-              <a:defRPr b="1" spc="20" sz="1600">
+              <a:defRPr sz="1600" b="1" spc="20">
                 <a:latin typeface="Tw Cen MT"/>
                 <a:ea typeface="Tw Cen MT"/>
                 <a:cs typeface="Tw Cen MT"/>
@@ -3486,7 +3575,7 @@
               </a:spcBef>
               <a:buClrTx/>
               <a:buFontTx/>
-              <a:defRPr b="1" spc="20" sz="1600">
+              <a:defRPr sz="1600" b="1" spc="20">
                 <a:latin typeface="Tw Cen MT"/>
                 <a:ea typeface="Tw Cen MT"/>
                 <a:cs typeface="Tw Cen MT"/>
@@ -3495,7 +3584,6 @@
             </a:lvl5pPr>
           </a:lstStyle>
           <a:p>
-            <a:pPr/>
             <a:r>
               <a:t>Body Level One</a:t>
             </a:r>
@@ -3529,7 +3617,9 @@
       <p:sp>
         <p:nvSpPr>
           <p:cNvPr id="220" name="Text Placeholder 11"/>
-          <p:cNvSpPr/>
+          <p:cNvSpPr>
+            <a:spLocks noGrp="1"/>
+          </p:cNvSpPr>
           <p:nvPr>
             <p:ph type="body" sz="quarter" idx="21"/>
           </p:nvPr>
@@ -3545,7 +3635,7 @@
         </p:spPr>
         <p:txBody>
           <a:bodyPr anchor="ctr">
-            <a:normAutofit fontScale="100000" lnSpcReduction="0"/>
+            <a:normAutofit/>
           </a:bodyPr>
           <a:lstStyle/>
           <a:p>
@@ -3562,13 +3652,16 @@
               <a:buNone/>
               <a:defRPr sz="1400"/>
             </a:pPr>
+            <a:endParaRPr/>
           </a:p>
         </p:txBody>
       </p:sp>
       <p:sp>
         <p:nvSpPr>
           <p:cNvPr id="221" name="Text Placeholder 11"/>
-          <p:cNvSpPr/>
+          <p:cNvSpPr>
+            <a:spLocks noGrp="1"/>
+          </p:cNvSpPr>
           <p:nvPr>
             <p:ph type="body" sz="quarter" idx="22"/>
           </p:nvPr>
@@ -3584,7 +3677,7 @@
         </p:spPr>
         <p:txBody>
           <a:bodyPr anchor="ctr">
-            <a:normAutofit fontScale="100000" lnSpcReduction="0"/>
+            <a:normAutofit/>
           </a:bodyPr>
           <a:lstStyle/>
           <a:p>
@@ -3599,20 +3692,23 @@
               <a:buSzTx/>
               <a:buFontTx/>
               <a:buNone/>
-              <a:defRPr b="1" sz="1600">
+              <a:defRPr sz="1600" b="1">
                 <a:latin typeface="Tw Cen MT"/>
                 <a:ea typeface="Tw Cen MT"/>
                 <a:cs typeface="Tw Cen MT"/>
                 <a:sym typeface="Tw Cen MT"/>
               </a:defRPr>
             </a:pPr>
+            <a:endParaRPr/>
           </a:p>
         </p:txBody>
       </p:sp>
       <p:sp>
         <p:nvSpPr>
           <p:cNvPr id="222" name="Text Placeholder 11"/>
-          <p:cNvSpPr/>
+          <p:cNvSpPr>
+            <a:spLocks noGrp="1"/>
+          </p:cNvSpPr>
           <p:nvPr>
             <p:ph type="body" sz="quarter" idx="23"/>
           </p:nvPr>
@@ -3628,7 +3724,7 @@
         </p:spPr>
         <p:txBody>
           <a:bodyPr anchor="ctr">
-            <a:normAutofit fontScale="100000" lnSpcReduction="0"/>
+            <a:normAutofit/>
           </a:bodyPr>
           <a:lstStyle/>
           <a:p>
@@ -3645,13 +3741,16 @@
               <a:buNone/>
               <a:defRPr sz="1400"/>
             </a:pPr>
+            <a:endParaRPr/>
           </a:p>
         </p:txBody>
       </p:sp>
       <p:sp>
         <p:nvSpPr>
           <p:cNvPr id="223" name="Text Placeholder 11"/>
-          <p:cNvSpPr/>
+          <p:cNvSpPr>
+            <a:spLocks noGrp="1"/>
+          </p:cNvSpPr>
           <p:nvPr>
             <p:ph type="body" sz="quarter" idx="24"/>
           </p:nvPr>
@@ -3667,7 +3766,7 @@
         </p:spPr>
         <p:txBody>
           <a:bodyPr anchor="ctr">
-            <a:normAutofit fontScale="100000" lnSpcReduction="0"/>
+            <a:normAutofit/>
           </a:bodyPr>
           <a:lstStyle/>
           <a:p>
@@ -3682,20 +3781,23 @@
               <a:buSzTx/>
               <a:buFontTx/>
               <a:buNone/>
-              <a:defRPr b="1" sz="1600">
+              <a:defRPr sz="1600" b="1">
                 <a:latin typeface="Tw Cen MT"/>
                 <a:ea typeface="Tw Cen MT"/>
                 <a:cs typeface="Tw Cen MT"/>
                 <a:sym typeface="Tw Cen MT"/>
               </a:defRPr>
             </a:pPr>
+            <a:endParaRPr/>
           </a:p>
         </p:txBody>
       </p:sp>
       <p:sp>
         <p:nvSpPr>
           <p:cNvPr id="224" name="Text Placeholder 11"/>
-          <p:cNvSpPr/>
+          <p:cNvSpPr>
+            <a:spLocks noGrp="1"/>
+          </p:cNvSpPr>
           <p:nvPr>
             <p:ph type="body" sz="quarter" idx="25"/>
           </p:nvPr>
@@ -3711,7 +3813,7 @@
         </p:spPr>
         <p:txBody>
           <a:bodyPr anchor="ctr">
-            <a:normAutofit fontScale="100000" lnSpcReduction="0"/>
+            <a:normAutofit/>
           </a:bodyPr>
           <a:lstStyle/>
           <a:p>
@@ -3728,13 +3830,16 @@
               <a:buNone/>
               <a:defRPr sz="1400"/>
             </a:pPr>
+            <a:endParaRPr/>
           </a:p>
         </p:txBody>
       </p:sp>
       <p:sp>
         <p:nvSpPr>
           <p:cNvPr id="225" name="Text Placeholder 11"/>
-          <p:cNvSpPr/>
+          <p:cNvSpPr>
+            <a:spLocks noGrp="1"/>
+          </p:cNvSpPr>
           <p:nvPr>
             <p:ph type="body" sz="quarter" idx="26"/>
           </p:nvPr>
@@ -3750,7 +3855,7 @@
         </p:spPr>
         <p:txBody>
           <a:bodyPr anchor="ctr">
-            <a:normAutofit fontScale="100000" lnSpcReduction="0"/>
+            <a:normAutofit/>
           </a:bodyPr>
           <a:lstStyle/>
           <a:p>
@@ -3765,20 +3870,23 @@
               <a:buSzTx/>
               <a:buFontTx/>
               <a:buNone/>
-              <a:defRPr b="1" sz="1600">
+              <a:defRPr sz="1600" b="1">
                 <a:latin typeface="Tw Cen MT"/>
                 <a:ea typeface="Tw Cen MT"/>
                 <a:cs typeface="Tw Cen MT"/>
                 <a:sym typeface="Tw Cen MT"/>
               </a:defRPr>
             </a:pPr>
+            <a:endParaRPr/>
           </a:p>
         </p:txBody>
       </p:sp>
       <p:sp>
         <p:nvSpPr>
           <p:cNvPr id="226" name="Text Placeholder 11"/>
-          <p:cNvSpPr/>
+          <p:cNvSpPr>
+            <a:spLocks noGrp="1"/>
+          </p:cNvSpPr>
           <p:nvPr>
             <p:ph type="body" sz="quarter" idx="27"/>
           </p:nvPr>
@@ -3794,7 +3902,7 @@
         </p:spPr>
         <p:txBody>
           <a:bodyPr anchor="ctr">
-            <a:normAutofit fontScale="100000" lnSpcReduction="0"/>
+            <a:normAutofit/>
           </a:bodyPr>
           <a:lstStyle/>
           <a:p>
@@ -3811,13 +3919,16 @@
               <a:buNone/>
               <a:defRPr sz="1400"/>
             </a:pPr>
+            <a:endParaRPr/>
           </a:p>
         </p:txBody>
       </p:sp>
       <p:sp>
         <p:nvSpPr>
           <p:cNvPr id="227" name="Picture Placeholder 20"/>
-          <p:cNvSpPr/>
+          <p:cNvSpPr>
+            <a:spLocks noGrp="1"/>
+          </p:cNvSpPr>
           <p:nvPr>
             <p:ph type="pic" sz="quarter" idx="28"/>
           </p:nvPr>
@@ -3835,14 +3946,16 @@
           <a:bodyPr lIns="91439" rIns="91439"/>
           <a:lstStyle/>
           <a:p>
-            <a:pPr/>
+            <a:endParaRPr/>
           </a:p>
         </p:txBody>
       </p:sp>
       <p:sp>
         <p:nvSpPr>
           <p:cNvPr id="228" name="Picture Placeholder 20"/>
-          <p:cNvSpPr/>
+          <p:cNvSpPr>
+            <a:spLocks noGrp="1"/>
+          </p:cNvSpPr>
           <p:nvPr>
             <p:ph type="pic" sz="quarter" idx="29"/>
           </p:nvPr>
@@ -3860,14 +3973,16 @@
           <a:bodyPr lIns="91439" rIns="91439"/>
           <a:lstStyle/>
           <a:p>
-            <a:pPr/>
+            <a:endParaRPr/>
           </a:p>
         </p:txBody>
       </p:sp>
       <p:sp>
         <p:nvSpPr>
           <p:cNvPr id="229" name="Picture Placeholder 20"/>
-          <p:cNvSpPr/>
+          <p:cNvSpPr>
+            <a:spLocks noGrp="1"/>
+          </p:cNvSpPr>
           <p:nvPr>
             <p:ph type="pic" sz="quarter" idx="30"/>
           </p:nvPr>
@@ -3885,14 +4000,16 @@
           <a:bodyPr lIns="91439" rIns="91439"/>
           <a:lstStyle/>
           <a:p>
-            <a:pPr/>
+            <a:endParaRPr/>
           </a:p>
         </p:txBody>
       </p:sp>
       <p:sp>
         <p:nvSpPr>
           <p:cNvPr id="230" name="Picture Placeholder 20"/>
-          <p:cNvSpPr/>
+          <p:cNvSpPr>
+            <a:spLocks noGrp="1"/>
+          </p:cNvSpPr>
           <p:nvPr>
             <p:ph type="pic" sz="quarter" idx="31"/>
           </p:nvPr>
@@ -3910,14 +4027,16 @@
           <a:bodyPr lIns="91439" rIns="91439"/>
           <a:lstStyle/>
           <a:p>
-            <a:pPr/>
+            <a:endParaRPr/>
           </a:p>
         </p:txBody>
       </p:sp>
       <p:sp>
         <p:nvSpPr>
           <p:cNvPr id="231" name="Picture Placeholder 20"/>
-          <p:cNvSpPr/>
+          <p:cNvSpPr>
+            <a:spLocks noGrp="1"/>
+          </p:cNvSpPr>
           <p:nvPr>
             <p:ph type="pic" sz="quarter" idx="32"/>
           </p:nvPr>
@@ -3935,14 +4054,16 @@
           <a:bodyPr lIns="91439" rIns="91439"/>
           <a:lstStyle/>
           <a:p>
-            <a:pPr/>
+            <a:endParaRPr/>
           </a:p>
         </p:txBody>
       </p:sp>
       <p:sp>
         <p:nvSpPr>
           <p:cNvPr id="232" name="Picture Placeholder 20"/>
-          <p:cNvSpPr/>
+          <p:cNvSpPr>
+            <a:spLocks noGrp="1"/>
+          </p:cNvSpPr>
           <p:nvPr>
             <p:ph type="pic" sz="quarter" idx="33"/>
           </p:nvPr>
@@ -3960,14 +4081,16 @@
           <a:bodyPr lIns="91439" rIns="91439"/>
           <a:lstStyle/>
           <a:p>
-            <a:pPr/>
+            <a:endParaRPr/>
           </a:p>
         </p:txBody>
       </p:sp>
       <p:sp>
         <p:nvSpPr>
           <p:cNvPr id="233" name="Picture Placeholder 20"/>
-          <p:cNvSpPr/>
+          <p:cNvSpPr>
+            <a:spLocks noGrp="1"/>
+          </p:cNvSpPr>
           <p:nvPr>
             <p:ph type="pic" sz="quarter" idx="34"/>
           </p:nvPr>
@@ -3985,14 +4108,16 @@
           <a:bodyPr lIns="91439" rIns="91439"/>
           <a:lstStyle/>
           <a:p>
-            <a:pPr/>
+            <a:endParaRPr/>
           </a:p>
         </p:txBody>
       </p:sp>
       <p:sp>
         <p:nvSpPr>
           <p:cNvPr id="234" name="Picture Placeholder 20"/>
-          <p:cNvSpPr/>
+          <p:cNvSpPr>
+            <a:spLocks noGrp="1"/>
+          </p:cNvSpPr>
           <p:nvPr>
             <p:ph type="pic" sz="quarter" idx="35"/>
           </p:nvPr>
@@ -4010,14 +4135,16 @@
           <a:bodyPr lIns="91439" rIns="91439"/>
           <a:lstStyle/>
           <a:p>
-            <a:pPr/>
+            <a:endParaRPr/>
           </a:p>
         </p:txBody>
       </p:sp>
       <p:sp>
         <p:nvSpPr>
           <p:cNvPr id="235" name="Text Placeholder 11"/>
-          <p:cNvSpPr/>
+          <p:cNvSpPr>
+            <a:spLocks noGrp="1"/>
+          </p:cNvSpPr>
           <p:nvPr>
             <p:ph type="body" sz="quarter" idx="36"/>
           </p:nvPr>
@@ -4033,7 +4160,7 @@
         </p:spPr>
         <p:txBody>
           <a:bodyPr anchor="ctr">
-            <a:normAutofit fontScale="100000" lnSpcReduction="0"/>
+            <a:normAutofit/>
           </a:bodyPr>
           <a:lstStyle/>
           <a:p>
@@ -4048,20 +4175,23 @@
               <a:buSzTx/>
               <a:buFontTx/>
               <a:buNone/>
-              <a:defRPr b="1" sz="1600">
+              <a:defRPr sz="1600" b="1">
                 <a:latin typeface="Tw Cen MT"/>
                 <a:ea typeface="Tw Cen MT"/>
                 <a:cs typeface="Tw Cen MT"/>
                 <a:sym typeface="Tw Cen MT"/>
               </a:defRPr>
             </a:pPr>
+            <a:endParaRPr/>
           </a:p>
         </p:txBody>
       </p:sp>
       <p:sp>
         <p:nvSpPr>
           <p:cNvPr id="236" name="Text Placeholder 11"/>
-          <p:cNvSpPr/>
+          <p:cNvSpPr>
+            <a:spLocks noGrp="1"/>
+          </p:cNvSpPr>
           <p:nvPr>
             <p:ph type="body" sz="quarter" idx="37"/>
           </p:nvPr>
@@ -4077,7 +4207,7 @@
         </p:spPr>
         <p:txBody>
           <a:bodyPr anchor="ctr">
-            <a:normAutofit fontScale="100000" lnSpcReduction="0"/>
+            <a:normAutofit/>
           </a:bodyPr>
           <a:lstStyle/>
           <a:p>
@@ -4094,13 +4224,16 @@
               <a:buNone/>
               <a:defRPr sz="1400"/>
             </a:pPr>
+            <a:endParaRPr/>
           </a:p>
         </p:txBody>
       </p:sp>
       <p:sp>
         <p:nvSpPr>
           <p:cNvPr id="237" name="Text Placeholder 11"/>
-          <p:cNvSpPr/>
+          <p:cNvSpPr>
+            <a:spLocks noGrp="1"/>
+          </p:cNvSpPr>
           <p:nvPr>
             <p:ph type="body" sz="quarter" idx="38"/>
           </p:nvPr>
@@ -4116,7 +4249,7 @@
         </p:spPr>
         <p:txBody>
           <a:bodyPr anchor="ctr">
-            <a:normAutofit fontScale="100000" lnSpcReduction="0"/>
+            <a:normAutofit/>
           </a:bodyPr>
           <a:lstStyle/>
           <a:p>
@@ -4131,20 +4264,23 @@
               <a:buSzTx/>
               <a:buFontTx/>
               <a:buNone/>
-              <a:defRPr b="1" sz="1600">
+              <a:defRPr sz="1600" b="1">
                 <a:latin typeface="Tw Cen MT"/>
                 <a:ea typeface="Tw Cen MT"/>
                 <a:cs typeface="Tw Cen MT"/>
                 <a:sym typeface="Tw Cen MT"/>
               </a:defRPr>
             </a:pPr>
+            <a:endParaRPr/>
           </a:p>
         </p:txBody>
       </p:sp>
       <p:sp>
         <p:nvSpPr>
           <p:cNvPr id="238" name="Text Placeholder 11"/>
-          <p:cNvSpPr/>
+          <p:cNvSpPr>
+            <a:spLocks noGrp="1"/>
+          </p:cNvSpPr>
           <p:nvPr>
             <p:ph type="body" sz="quarter" idx="39"/>
           </p:nvPr>
@@ -4160,7 +4296,7 @@
         </p:spPr>
         <p:txBody>
           <a:bodyPr anchor="ctr">
-            <a:normAutofit fontScale="100000" lnSpcReduction="0"/>
+            <a:normAutofit/>
           </a:bodyPr>
           <a:lstStyle/>
           <a:p>
@@ -4177,13 +4313,16 @@
               <a:buNone/>
               <a:defRPr sz="1400"/>
             </a:pPr>
+            <a:endParaRPr/>
           </a:p>
         </p:txBody>
       </p:sp>
       <p:sp>
         <p:nvSpPr>
           <p:cNvPr id="239" name="Text Placeholder 11"/>
-          <p:cNvSpPr/>
+          <p:cNvSpPr>
+            <a:spLocks noGrp="1"/>
+          </p:cNvSpPr>
           <p:nvPr>
             <p:ph type="body" sz="quarter" idx="40"/>
           </p:nvPr>
@@ -4199,7 +4338,7 @@
         </p:spPr>
         <p:txBody>
           <a:bodyPr anchor="ctr">
-            <a:normAutofit fontScale="100000" lnSpcReduction="0"/>
+            <a:normAutofit/>
           </a:bodyPr>
           <a:lstStyle/>
           <a:p>
@@ -4214,20 +4353,23 @@
               <a:buSzTx/>
               <a:buFontTx/>
               <a:buNone/>
-              <a:defRPr b="1" sz="1600">
+              <a:defRPr sz="1600" b="1">
                 <a:latin typeface="Tw Cen MT"/>
                 <a:ea typeface="Tw Cen MT"/>
                 <a:cs typeface="Tw Cen MT"/>
                 <a:sym typeface="Tw Cen MT"/>
               </a:defRPr>
             </a:pPr>
+            <a:endParaRPr/>
           </a:p>
         </p:txBody>
       </p:sp>
       <p:sp>
         <p:nvSpPr>
           <p:cNvPr id="240" name="Text Placeholder 11"/>
-          <p:cNvSpPr/>
+          <p:cNvSpPr>
+            <a:spLocks noGrp="1"/>
+          </p:cNvSpPr>
           <p:nvPr>
             <p:ph type="body" sz="quarter" idx="41"/>
           </p:nvPr>
@@ -4243,7 +4385,7 @@
         </p:spPr>
         <p:txBody>
           <a:bodyPr anchor="ctr">
-            <a:normAutofit fontScale="100000" lnSpcReduction="0"/>
+            <a:normAutofit/>
           </a:bodyPr>
           <a:lstStyle/>
           <a:p>
@@ -4260,13 +4402,16 @@
               <a:buNone/>
               <a:defRPr sz="1400"/>
             </a:pPr>
+            <a:endParaRPr/>
           </a:p>
         </p:txBody>
       </p:sp>
       <p:sp>
         <p:nvSpPr>
           <p:cNvPr id="241" name="Text Placeholder 11"/>
-          <p:cNvSpPr/>
+          <p:cNvSpPr>
+            <a:spLocks noGrp="1"/>
+          </p:cNvSpPr>
           <p:nvPr>
             <p:ph type="body" sz="quarter" idx="42"/>
           </p:nvPr>
@@ -4282,7 +4427,7 @@
         </p:spPr>
         <p:txBody>
           <a:bodyPr anchor="ctr">
-            <a:normAutofit fontScale="100000" lnSpcReduction="0"/>
+            <a:normAutofit/>
           </a:bodyPr>
           <a:lstStyle/>
           <a:p>
@@ -4297,20 +4442,23 @@
               <a:buSzTx/>
               <a:buFontTx/>
               <a:buNone/>
-              <a:defRPr b="1" sz="1600">
+              <a:defRPr sz="1600" b="1">
                 <a:latin typeface="Tw Cen MT"/>
                 <a:ea typeface="Tw Cen MT"/>
                 <a:cs typeface="Tw Cen MT"/>
                 <a:sym typeface="Tw Cen MT"/>
               </a:defRPr>
             </a:pPr>
+            <a:endParaRPr/>
           </a:p>
         </p:txBody>
       </p:sp>
       <p:sp>
         <p:nvSpPr>
           <p:cNvPr id="242" name="Text Placeholder 11"/>
-          <p:cNvSpPr/>
+          <p:cNvSpPr>
+            <a:spLocks noGrp="1"/>
+          </p:cNvSpPr>
           <p:nvPr>
             <p:ph type="body" sz="quarter" idx="43"/>
           </p:nvPr>
@@ -4326,7 +4474,7 @@
         </p:spPr>
         <p:txBody>
           <a:bodyPr anchor="ctr">
-            <a:normAutofit fontScale="100000" lnSpcReduction="0"/>
+            <a:normAutofit/>
           </a:bodyPr>
           <a:lstStyle/>
           <a:p>
@@ -4343,6 +4491,7 @@
               <a:buNone/>
               <a:defRPr sz="1400"/>
             </a:pPr>
+            <a:endParaRPr/>
           </a:p>
         </p:txBody>
       </p:sp>
@@ -4351,12 +4500,12 @@
   <p:clrMapOvr>
     <a:masterClrMapping/>
   </p:clrMapOvr>
-  <p:transition xmlns:p14="http://schemas.microsoft.com/office/powerpoint/2010/main" spd="med" advClick="1"/>
+  <p:transition spd="med"/>
 </p:sldLayout>
 </file>
 
 <file path=ppt/slideLayouts/slideLayout13.xml><?xml version="1.0" encoding="utf-8"?>
-<p:sldLayout xmlns:a="http://schemas.openxmlformats.org/drawingml/2006/main" xmlns:r="http://schemas.openxmlformats.org/officeDocument/2006/relationships" xmlns:p="http://schemas.openxmlformats.org/presentationml/2006/main" xmlns:m="http://schemas.openxmlformats.org/officeDocument/2006/math" xmlns:a14="http://schemas.microsoft.com/office/drawing/2010/main" type="tx" showMasterSp="0" showMasterPhAnim="1">
+<p:sldLayout xmlns:a="http://schemas.openxmlformats.org/drawingml/2006/main" xmlns:r="http://schemas.openxmlformats.org/officeDocument/2006/relationships" xmlns:p="http://schemas.openxmlformats.org/presentationml/2006/main" showMasterSp="0" type="tx">
   <p:cSld name="Summary">
     <p:spTree>
       <p:nvGrpSpPr>
@@ -4403,7 +4552,7 @@
             </a:cxnLst>
             <a:rect l="0" t="0" r="r" b="b"/>
             <a:pathLst>
-              <a:path w="21600" h="21599" fill="norm" stroke="1" extrusionOk="0">
+              <a:path w="21600" h="21599" extrusionOk="0">
                 <a:moveTo>
                   <a:pt x="2516" y="0"/>
                 </a:moveTo>
@@ -4464,6 +4613,7 @@
           <a:lstStyle/>
           <a:p>
             <a:pPr algn="ctr"/>
+            <a:endParaRPr/>
           </a:p>
         </p:txBody>
       </p:sp>
@@ -4498,7 +4648,7 @@
             </a:cxnLst>
             <a:rect l="0" t="0" r="r" b="b"/>
             <a:pathLst>
-              <a:path w="21600" h="21600" fill="norm" stroke="1" extrusionOk="0">
+              <a:path w="21600" h="21600" extrusionOk="0">
                 <a:moveTo>
                   <a:pt x="21600" y="0"/>
                 </a:moveTo>
@@ -4554,6 +4704,7 @@
           <a:lstStyle/>
           <a:p>
             <a:pPr algn="ctr"/>
+            <a:endParaRPr/>
           </a:p>
         </p:txBody>
       </p:sp>
@@ -4588,7 +4739,7 @@
             </a:cxnLst>
             <a:rect l="0" t="0" r="r" b="b"/>
             <a:pathLst>
-              <a:path w="19568" h="21600" fill="norm" stroke="1" extrusionOk="0">
+              <a:path w="19568" h="21600" extrusionOk="0">
                 <a:moveTo>
                   <a:pt x="0" y="0"/>
                 </a:moveTo>
@@ -4641,6 +4792,7 @@
           <a:lstStyle/>
           <a:p>
             <a:pPr algn="ctr"/>
+            <a:endParaRPr/>
           </a:p>
         </p:txBody>
       </p:sp>
@@ -4675,7 +4827,7 @@
             </a:cxnLst>
             <a:rect l="0" t="0" r="r" b="b"/>
             <a:pathLst>
-              <a:path w="21600" h="21600" fill="norm" stroke="1" extrusionOk="0">
+              <a:path w="21600" h="21600" extrusionOk="0">
                 <a:moveTo>
                   <a:pt x="0" y="0"/>
                 </a:moveTo>
@@ -4716,6 +4868,7 @@
           <a:lstStyle/>
           <a:p>
             <a:pPr algn="ctr"/>
+            <a:endParaRPr/>
           </a:p>
         </p:txBody>
       </p:sp>
@@ -4761,7 +4914,7 @@
             <a:miter lim="400000"/>
           </a:ln>
           <a:effectLst>
-            <a:outerShdw sx="100000" sy="100000" kx="0" ky="0" algn="b" rotWithShape="0" blurRad="63500" dist="38100" dir="5400000">
+            <a:outerShdw blurRad="63500" dist="38100" dir="5400000" rotWithShape="0">
               <a:srgbClr val="000000">
                 <a:alpha val="0"/>
               </a:srgbClr>
@@ -4783,13 +4936,16 @@
                 <a:sym typeface="Calibri"/>
               </a:defRPr>
             </a:pPr>
+            <a:endParaRPr/>
           </a:p>
         </p:txBody>
       </p:sp>
       <p:sp>
         <p:nvSpPr>
           <p:cNvPr id="254" name="Title Text"/>
-          <p:cNvSpPr txBox="1"/>
+          <p:cNvSpPr txBox="1">
+            <a:spLocks noGrp="1"/>
+          </p:cNvSpPr>
           <p:nvPr>
             <p:ph type="title"/>
           </p:nvPr>
@@ -4809,7 +4965,6 @@
             <a:lvl1pPr algn="ctr"/>
           </a:lstStyle>
           <a:p>
-            <a:pPr/>
             <a:r>
               <a:t>Title Text</a:t>
             </a:r>
@@ -4819,7 +4974,9 @@
       <p:sp>
         <p:nvSpPr>
           <p:cNvPr id="255" name="Body Level One…"/>
-          <p:cNvSpPr txBox="1"/>
+          <p:cNvSpPr txBox="1">
+            <a:spLocks noGrp="1"/>
+          </p:cNvSpPr>
           <p:nvPr>
             <p:ph type="body" sz="quarter" idx="1"/>
           </p:nvPr>
@@ -4835,7 +4992,7 @@
         </p:spPr>
         <p:txBody>
           <a:bodyPr>
-            <a:normAutofit fontScale="100000" lnSpcReduction="0"/>
+            <a:normAutofit/>
           </a:bodyPr>
           <a:lstStyle>
             <a:lvl1pPr marL="0" indent="0" algn="ctr">
@@ -4890,7 +5047,6 @@
             </a:lvl5pPr>
           </a:lstStyle>
           <a:p>
-            <a:pPr/>
             <a:r>
               <a:t>Body Level One</a:t>
             </a:r>
@@ -4946,7 +5102,7 @@
           <a:bodyPr lIns="45719" rIns="45719"/>
           <a:lstStyle/>
           <a:p>
-            <a:pPr/>
+            <a:endParaRPr/>
           </a:p>
         </p:txBody>
       </p:sp>
@@ -4981,7 +5137,7 @@
             </a:cxnLst>
             <a:rect l="0" t="0" r="r" b="b"/>
             <a:pathLst>
-              <a:path w="21600" h="21600" fill="norm" stroke="1" extrusionOk="0">
+              <a:path w="21600" h="21600" extrusionOk="0">
                 <a:moveTo>
                   <a:pt x="0" y="0"/>
                 </a:moveTo>
@@ -5037,6 +5193,7 @@
           <a:lstStyle/>
           <a:p>
             <a:pPr algn="ctr"/>
+            <a:endParaRPr/>
           </a:p>
         </p:txBody>
       </p:sp>
@@ -5071,7 +5228,7 @@
             </a:cxnLst>
             <a:rect l="0" t="0" r="r" b="b"/>
             <a:pathLst>
-              <a:path w="21600" h="21600" fill="norm" stroke="1" extrusionOk="0">
+              <a:path w="21600" h="21600" extrusionOk="0">
                 <a:moveTo>
                   <a:pt x="1284" y="0"/>
                 </a:moveTo>
@@ -5124,13 +5281,16 @@
           <a:lstStyle/>
           <a:p>
             <a:pPr algn="ctr"/>
+            <a:endParaRPr/>
           </a:p>
         </p:txBody>
       </p:sp>
       <p:sp>
         <p:nvSpPr>
           <p:cNvPr id="259" name="Slide Number"/>
-          <p:cNvSpPr txBox="1"/>
+          <p:cNvSpPr txBox="1">
+            <a:spLocks noGrp="1"/>
+          </p:cNvSpPr>
           <p:nvPr>
             <p:ph type="sldNum" sz="quarter" idx="2"/>
           </p:nvPr>
@@ -5148,8 +5308,10 @@
           <a:bodyPr/>
           <a:lstStyle/>
           <a:p>
-            <a:pPr/>
-            <a:fld id="{86CB4B4D-7CA3-9044-876B-883B54F8677D}" type="slidenum"/>
+            <a:fld id="{86CB4B4D-7CA3-9044-876B-883B54F8677D}" type="slidenum">
+              <a:t>‹#›</a:t>
+            </a:fld>
+            <a:endParaRPr/>
           </a:p>
         </p:txBody>
       </p:sp>
@@ -5158,12 +5320,12 @@
   <p:clrMapOvr>
     <a:masterClrMapping/>
   </p:clrMapOvr>
-  <p:transition xmlns:p14="http://schemas.microsoft.com/office/powerpoint/2010/main" spd="med" advClick="1"/>
+  <p:transition spd="med"/>
 </p:sldLayout>
 </file>
 
 <file path=ppt/slideLayouts/slideLayout14.xml><?xml version="1.0" encoding="utf-8"?>
-<p:sldLayout xmlns:a="http://schemas.openxmlformats.org/drawingml/2006/main" xmlns:r="http://schemas.openxmlformats.org/officeDocument/2006/relationships" xmlns:p="http://schemas.openxmlformats.org/presentationml/2006/main" xmlns:m="http://schemas.openxmlformats.org/officeDocument/2006/math" xmlns:a14="http://schemas.microsoft.com/office/drawing/2010/main" type="tx" showMasterSp="0" showMasterPhAnim="1">
+<p:sldLayout xmlns:a="http://schemas.openxmlformats.org/drawingml/2006/main" xmlns:r="http://schemas.openxmlformats.org/officeDocument/2006/relationships" xmlns:p="http://schemas.openxmlformats.org/presentationml/2006/main" showMasterSp="0" type="tx">
   <p:cSld name="Closing">
     <p:spTree>
       <p:nvGrpSpPr>
@@ -5182,7 +5344,9 @@
       <p:sp>
         <p:nvSpPr>
           <p:cNvPr id="266" name="Title Text"/>
-          <p:cNvSpPr txBox="1"/>
+          <p:cNvSpPr txBox="1">
+            <a:spLocks noGrp="1"/>
+          </p:cNvSpPr>
           <p:nvPr>
             <p:ph type="title"/>
           </p:nvPr>
@@ -5204,7 +5368,6 @@
             </a:lvl1pPr>
           </a:lstStyle>
           <a:p>
-            <a:pPr/>
             <a:r>
               <a:t>Title Text</a:t>
             </a:r>
@@ -5214,7 +5377,9 @@
       <p:sp>
         <p:nvSpPr>
           <p:cNvPr id="267" name="Body Level One…"/>
-          <p:cNvSpPr txBox="1"/>
+          <p:cNvSpPr txBox="1">
+            <a:spLocks noGrp="1"/>
+          </p:cNvSpPr>
           <p:nvPr>
             <p:ph type="body" sz="quarter" idx="1"/>
           </p:nvPr>
@@ -5230,7 +5395,7 @@
         </p:spPr>
         <p:txBody>
           <a:bodyPr>
-            <a:normAutofit fontScale="100000" lnSpcReduction="0"/>
+            <a:normAutofit/>
           </a:bodyPr>
           <a:lstStyle>
             <a:lvl1pPr marL="0" indent="0">
@@ -5270,7 +5435,6 @@
             </a:lvl5pPr>
           </a:lstStyle>
           <a:p>
-            <a:pPr/>
             <a:r>
               <a:t>Body Level One</a:t>
             </a:r>
@@ -5308,7 +5472,7 @@
           <p:nvPr/>
         </p:nvSpPr>
         <p:spPr>
-          <a:xfrm flipH="1" flipV="1" rot="5400000">
+          <a:xfrm rot="5400000" flipH="1" flipV="1">
             <a:off x="-1248967" y="1248968"/>
             <a:ext cx="6858001" cy="4360066"/>
           </a:xfrm>
@@ -5332,7 +5496,7 @@
             </a:cxnLst>
             <a:rect l="0" t="0" r="r" b="b"/>
             <a:pathLst>
-              <a:path w="21600" h="21591" fill="norm" stroke="1" extrusionOk="0">
+              <a:path w="21600" h="21591" extrusionOk="0">
                 <a:moveTo>
                   <a:pt x="21600" y="0"/>
                 </a:moveTo>
@@ -5390,6 +5554,7 @@
                 </a:solidFill>
               </a:defRPr>
             </a:pPr>
+            <a:endParaRPr/>
           </a:p>
         </p:txBody>
       </p:sp>
@@ -5400,7 +5565,7 @@
           <p:nvPr/>
         </p:nvSpPr>
         <p:spPr>
-          <a:xfrm flipH="1" rot="16200000">
+          <a:xfrm rot="16200000" flipH="1">
             <a:off x="-952024" y="952024"/>
             <a:ext cx="6858001" cy="4953952"/>
           </a:xfrm>
@@ -5424,7 +5589,7 @@
             </a:cxnLst>
             <a:rect l="0" t="0" r="r" b="b"/>
             <a:pathLst>
-              <a:path w="21600" h="21582" fill="norm" stroke="1" extrusionOk="0">
+              <a:path w="21600" h="21582" extrusionOk="0">
                 <a:moveTo>
                   <a:pt x="0" y="0"/>
                 </a:moveTo>
@@ -5489,6 +5654,7 @@
                 </a:solidFill>
               </a:defRPr>
             </a:pPr>
+            <a:endParaRPr/>
           </a:p>
         </p:txBody>
       </p:sp>
@@ -5499,7 +5665,7 @@
           <p:nvPr/>
         </p:nvSpPr>
         <p:spPr>
-          <a:xfrm flipH="1" rot="16200000">
+          <a:xfrm rot="16200000" flipH="1">
             <a:off x="-1513890" y="1513890"/>
             <a:ext cx="6858001" cy="3830221"/>
           </a:xfrm>
@@ -5523,7 +5689,7 @@
             </a:cxnLst>
             <a:rect l="0" t="0" r="r" b="b"/>
             <a:pathLst>
-              <a:path w="21600" h="21589" fill="norm" stroke="1" extrusionOk="0">
+              <a:path w="21600" h="21589" extrusionOk="0">
                 <a:moveTo>
                   <a:pt x="0" y="0"/>
                 </a:moveTo>
@@ -5609,6 +5775,7 @@
                 </a:solidFill>
               </a:defRPr>
             </a:pPr>
+            <a:endParaRPr/>
           </a:p>
         </p:txBody>
       </p:sp>
@@ -5637,14 +5804,16 @@
           <a:bodyPr lIns="45719" rIns="45719"/>
           <a:lstStyle/>
           <a:p>
-            <a:pPr/>
+            <a:endParaRPr/>
           </a:p>
         </p:txBody>
       </p:sp>
       <p:sp>
         <p:nvSpPr>
           <p:cNvPr id="272" name="Slide Number"/>
-          <p:cNvSpPr txBox="1"/>
+          <p:cNvSpPr txBox="1">
+            <a:spLocks noGrp="1"/>
+          </p:cNvSpPr>
           <p:nvPr>
             <p:ph type="sldNum" sz="quarter" idx="2"/>
           </p:nvPr>
@@ -5662,8 +5831,10 @@
           <a:bodyPr/>
           <a:lstStyle/>
           <a:p>
-            <a:pPr/>
-            <a:fld id="{86CB4B4D-7CA3-9044-876B-883B54F8677D}" type="slidenum"/>
+            <a:fld id="{86CB4B4D-7CA3-9044-876B-883B54F8677D}" type="slidenum">
+              <a:t>‹#›</a:t>
+            </a:fld>
+            <a:endParaRPr/>
           </a:p>
         </p:txBody>
       </p:sp>
@@ -5672,12 +5843,12 @@
   <p:clrMapOvr>
     <a:masterClrMapping/>
   </p:clrMapOvr>
-  <p:transition xmlns:p14="http://schemas.microsoft.com/office/powerpoint/2010/main" spd="med" advClick="1"/>
+  <p:transition spd="med"/>
 </p:sldLayout>
 </file>
 
 <file path=ppt/slideLayouts/slideLayout15.xml><?xml version="1.0" encoding="utf-8"?>
-<p:sldLayout xmlns:a="http://schemas.openxmlformats.org/drawingml/2006/main" xmlns:r="http://schemas.openxmlformats.org/officeDocument/2006/relationships" xmlns:p="http://schemas.openxmlformats.org/presentationml/2006/main" xmlns:m="http://schemas.openxmlformats.org/officeDocument/2006/math" xmlns:a14="http://schemas.microsoft.com/office/drawing/2010/main" type="tx" showMasterSp="1" showMasterPhAnim="1">
+<p:sldLayout xmlns:a="http://schemas.openxmlformats.org/drawingml/2006/main" xmlns:r="http://schemas.openxmlformats.org/officeDocument/2006/relationships" xmlns:p="http://schemas.openxmlformats.org/presentationml/2006/main" type="tx">
   <p:cSld name="Two Content">
     <p:spTree>
       <p:nvGrpSpPr>
@@ -5696,7 +5867,9 @@
       <p:sp>
         <p:nvSpPr>
           <p:cNvPr id="279" name="Title Text"/>
-          <p:cNvSpPr txBox="1"/>
+          <p:cNvSpPr txBox="1">
+            <a:spLocks noGrp="1"/>
+          </p:cNvSpPr>
           <p:nvPr>
             <p:ph type="title"/>
           </p:nvPr>
@@ -5710,7 +5883,6 @@
           <a:bodyPr/>
           <a:lstStyle/>
           <a:p>
-            <a:pPr/>
             <a:r>
               <a:t>Title Text</a:t>
             </a:r>
@@ -5720,7 +5892,9 @@
       <p:sp>
         <p:nvSpPr>
           <p:cNvPr id="280" name="Body Level One…"/>
-          <p:cNvSpPr txBox="1"/>
+          <p:cNvSpPr txBox="1">
+            <a:spLocks noGrp="1"/>
+          </p:cNvSpPr>
           <p:nvPr>
             <p:ph type="body" sz="half" idx="1"/>
           </p:nvPr>
@@ -5736,11 +5910,10 @@
         </p:spPr>
         <p:txBody>
           <a:bodyPr>
-            <a:normAutofit fontScale="100000" lnSpcReduction="0"/>
+            <a:normAutofit/>
           </a:bodyPr>
           <a:lstStyle/>
           <a:p>
-            <a:pPr/>
             <a:r>
               <a:t>Body Level One</a:t>
             </a:r>
@@ -5774,7 +5947,9 @@
       <p:sp>
         <p:nvSpPr>
           <p:cNvPr id="281" name="Slide Number"/>
-          <p:cNvSpPr txBox="1"/>
+          <p:cNvSpPr txBox="1">
+            <a:spLocks noGrp="1"/>
+          </p:cNvSpPr>
           <p:nvPr>
             <p:ph type="sldNum" sz="quarter" idx="2"/>
           </p:nvPr>
@@ -5788,8 +5963,10 @@
           <a:bodyPr/>
           <a:lstStyle/>
           <a:p>
-            <a:pPr/>
-            <a:fld id="{86CB4B4D-7CA3-9044-876B-883B54F8677D}" type="slidenum"/>
+            <a:fld id="{86CB4B4D-7CA3-9044-876B-883B54F8677D}" type="slidenum">
+              <a:t>‹#›</a:t>
+            </a:fld>
+            <a:endParaRPr/>
           </a:p>
         </p:txBody>
       </p:sp>
@@ -5798,12 +5975,12 @@
   <p:clrMapOvr>
     <a:masterClrMapping/>
   </p:clrMapOvr>
-  <p:transition xmlns:p14="http://schemas.microsoft.com/office/powerpoint/2010/main" spd="med" advClick="1"/>
+  <p:transition spd="med"/>
 </p:sldLayout>
 </file>
 
 <file path=ppt/slideLayouts/slideLayout16.xml><?xml version="1.0" encoding="utf-8"?>
-<p:sldLayout xmlns:a="http://schemas.openxmlformats.org/drawingml/2006/main" xmlns:r="http://schemas.openxmlformats.org/officeDocument/2006/relationships" xmlns:p="http://schemas.openxmlformats.org/presentationml/2006/main" xmlns:m="http://schemas.openxmlformats.org/officeDocument/2006/math" xmlns:a14="http://schemas.microsoft.com/office/drawing/2010/main" type="tx" showMasterSp="1" showMasterPhAnim="1">
+<p:sldLayout xmlns:a="http://schemas.openxmlformats.org/drawingml/2006/main" xmlns:r="http://schemas.openxmlformats.org/officeDocument/2006/relationships" xmlns:p="http://schemas.openxmlformats.org/presentationml/2006/main" type="tx">
   <p:cSld name="Title Only">
     <p:spTree>
       <p:nvGrpSpPr>
@@ -5822,7 +5999,9 @@
       <p:sp>
         <p:nvSpPr>
           <p:cNvPr id="288" name="Title Text"/>
-          <p:cNvSpPr txBox="1"/>
+          <p:cNvSpPr txBox="1">
+            <a:spLocks noGrp="1"/>
+          </p:cNvSpPr>
           <p:nvPr>
             <p:ph type="title"/>
           </p:nvPr>
@@ -5836,7 +6015,6 @@
           <a:bodyPr/>
           <a:lstStyle/>
           <a:p>
-            <a:pPr/>
             <a:r>
               <a:t>Title Text</a:t>
             </a:r>
@@ -5846,7 +6024,9 @@
       <p:sp>
         <p:nvSpPr>
           <p:cNvPr id="289" name="Slide Number"/>
-          <p:cNvSpPr txBox="1"/>
+          <p:cNvSpPr txBox="1">
+            <a:spLocks noGrp="1"/>
+          </p:cNvSpPr>
           <p:nvPr>
             <p:ph type="sldNum" sz="quarter" idx="2"/>
           </p:nvPr>
@@ -5860,8 +6040,10 @@
           <a:bodyPr/>
           <a:lstStyle/>
           <a:p>
-            <a:pPr/>
-            <a:fld id="{86CB4B4D-7CA3-9044-876B-883B54F8677D}" type="slidenum"/>
+            <a:fld id="{86CB4B4D-7CA3-9044-876B-883B54F8677D}" type="slidenum">
+              <a:t>‹#›</a:t>
+            </a:fld>
+            <a:endParaRPr/>
           </a:p>
         </p:txBody>
       </p:sp>
@@ -5870,12 +6052,12 @@
   <p:clrMapOvr>
     <a:masterClrMapping/>
   </p:clrMapOvr>
-  <p:transition xmlns:p14="http://schemas.microsoft.com/office/powerpoint/2010/main" spd="med" advClick="1"/>
+  <p:transition spd="med"/>
 </p:sldLayout>
 </file>
 
 <file path=ppt/slideLayouts/slideLayout17.xml><?xml version="1.0" encoding="utf-8"?>
-<p:sldLayout xmlns:a="http://schemas.openxmlformats.org/drawingml/2006/main" xmlns:r="http://schemas.openxmlformats.org/officeDocument/2006/relationships" xmlns:p="http://schemas.openxmlformats.org/presentationml/2006/main" xmlns:m="http://schemas.openxmlformats.org/officeDocument/2006/math" xmlns:a14="http://schemas.microsoft.com/office/drawing/2010/main" type="tx" showMasterSp="1" showMasterPhAnim="1">
+<p:sldLayout xmlns:a="http://schemas.openxmlformats.org/drawingml/2006/main" xmlns:r="http://schemas.openxmlformats.org/officeDocument/2006/relationships" xmlns:p="http://schemas.openxmlformats.org/presentationml/2006/main" type="tx">
   <p:cSld name="Blank">
     <p:spTree>
       <p:nvGrpSpPr>
@@ -5894,7 +6076,9 @@
       <p:sp>
         <p:nvSpPr>
           <p:cNvPr id="296" name="Slide Number"/>
-          <p:cNvSpPr txBox="1"/>
+          <p:cNvSpPr txBox="1">
+            <a:spLocks noGrp="1"/>
+          </p:cNvSpPr>
           <p:nvPr>
             <p:ph type="sldNum" sz="quarter" idx="2"/>
           </p:nvPr>
@@ -5908,8 +6092,10 @@
           <a:bodyPr/>
           <a:lstStyle/>
           <a:p>
-            <a:pPr/>
-            <a:fld id="{86CB4B4D-7CA3-9044-876B-883B54F8677D}" type="slidenum"/>
+            <a:fld id="{86CB4B4D-7CA3-9044-876B-883B54F8677D}" type="slidenum">
+              <a:t>‹#›</a:t>
+            </a:fld>
+            <a:endParaRPr/>
           </a:p>
         </p:txBody>
       </p:sp>
@@ -5918,12 +6104,12 @@
   <p:clrMapOvr>
     <a:masterClrMapping/>
   </p:clrMapOvr>
-  <p:transition xmlns:p14="http://schemas.microsoft.com/office/powerpoint/2010/main" spd="med" advClick="1"/>
+  <p:transition spd="med"/>
 </p:sldLayout>
 </file>
 
 <file path=ppt/slideLayouts/slideLayout18.xml><?xml version="1.0" encoding="utf-8"?>
-<p:sldLayout xmlns:a="http://schemas.openxmlformats.org/drawingml/2006/main" xmlns:r="http://schemas.openxmlformats.org/officeDocument/2006/relationships" xmlns:p="http://schemas.openxmlformats.org/presentationml/2006/main" xmlns:m="http://schemas.openxmlformats.org/officeDocument/2006/math" xmlns:a14="http://schemas.microsoft.com/office/drawing/2010/main" type="tx" showMasterSp="1" showMasterPhAnim="1">
+<p:sldLayout xmlns:a="http://schemas.openxmlformats.org/drawingml/2006/main" xmlns:r="http://schemas.openxmlformats.org/officeDocument/2006/relationships" xmlns:p="http://schemas.openxmlformats.org/presentationml/2006/main" type="tx">
   <p:cSld name="Content with Caption">
     <p:spTree>
       <p:nvGrpSpPr>
@@ -5942,7 +6128,9 @@
       <p:sp>
         <p:nvSpPr>
           <p:cNvPr id="303" name="Title Text"/>
-          <p:cNvSpPr txBox="1"/>
+          <p:cNvSpPr txBox="1">
+            <a:spLocks noGrp="1"/>
+          </p:cNvSpPr>
           <p:nvPr>
             <p:ph type="title"/>
           </p:nvPr>
@@ -5964,7 +6152,6 @@
             </a:lvl1pPr>
           </a:lstStyle>
           <a:p>
-            <a:pPr/>
             <a:r>
               <a:t>Title Text</a:t>
             </a:r>
@@ -5974,7 +6161,9 @@
       <p:sp>
         <p:nvSpPr>
           <p:cNvPr id="304" name="Body Level One…"/>
-          <p:cNvSpPr txBox="1"/>
+          <p:cNvSpPr txBox="1">
+            <a:spLocks noGrp="1"/>
+          </p:cNvSpPr>
           <p:nvPr>
             <p:ph type="body" sz="half" idx="1"/>
           </p:nvPr>
@@ -5990,7 +6179,7 @@
         </p:spPr>
         <p:txBody>
           <a:bodyPr>
-            <a:normAutofit fontScale="100000" lnSpcReduction="0"/>
+            <a:normAutofit/>
           </a:bodyPr>
           <a:lstStyle>
             <a:lvl1pPr>
@@ -6010,7 +6199,6 @@
             </a:lvl5pPr>
           </a:lstStyle>
           <a:p>
-            <a:pPr/>
             <a:r>
               <a:t>Body Level One</a:t>
             </a:r>
@@ -6044,7 +6232,9 @@
       <p:sp>
         <p:nvSpPr>
           <p:cNvPr id="305" name="Text Placeholder 3"/>
-          <p:cNvSpPr/>
+          <p:cNvSpPr>
+            <a:spLocks noGrp="1"/>
+          </p:cNvSpPr>
           <p:nvPr>
             <p:ph type="body" sz="quarter" idx="21"/>
           </p:nvPr>
@@ -6060,7 +6250,7 @@
         </p:spPr>
         <p:txBody>
           <a:bodyPr>
-            <a:normAutofit fontScale="100000" lnSpcReduction="0"/>
+            <a:normAutofit/>
           </a:bodyPr>
           <a:lstStyle/>
           <a:p>
@@ -6071,13 +6261,16 @@
               <a:buNone/>
               <a:defRPr sz="1600"/>
             </a:pPr>
+            <a:endParaRPr/>
           </a:p>
         </p:txBody>
       </p:sp>
       <p:sp>
         <p:nvSpPr>
           <p:cNvPr id="306" name="Slide Number"/>
-          <p:cNvSpPr txBox="1"/>
+          <p:cNvSpPr txBox="1">
+            <a:spLocks noGrp="1"/>
+          </p:cNvSpPr>
           <p:nvPr>
             <p:ph type="sldNum" sz="quarter" idx="2"/>
           </p:nvPr>
@@ -6091,8 +6284,10 @@
           <a:bodyPr/>
           <a:lstStyle/>
           <a:p>
-            <a:pPr/>
-            <a:fld id="{86CB4B4D-7CA3-9044-876B-883B54F8677D}" type="slidenum"/>
+            <a:fld id="{86CB4B4D-7CA3-9044-876B-883B54F8677D}" type="slidenum">
+              <a:t>‹#›</a:t>
+            </a:fld>
+            <a:endParaRPr/>
           </a:p>
         </p:txBody>
       </p:sp>
@@ -6101,12 +6296,12 @@
   <p:clrMapOvr>
     <a:masterClrMapping/>
   </p:clrMapOvr>
-  <p:transition xmlns:p14="http://schemas.microsoft.com/office/powerpoint/2010/main" spd="med" advClick="1"/>
+  <p:transition spd="med"/>
 </p:sldLayout>
 </file>
 
 <file path=ppt/slideLayouts/slideLayout19.xml><?xml version="1.0" encoding="utf-8"?>
-<p:sldLayout xmlns:a="http://schemas.openxmlformats.org/drawingml/2006/main" xmlns:r="http://schemas.openxmlformats.org/officeDocument/2006/relationships" xmlns:p="http://schemas.openxmlformats.org/presentationml/2006/main" xmlns:m="http://schemas.openxmlformats.org/officeDocument/2006/math" xmlns:a14="http://schemas.microsoft.com/office/drawing/2010/main" type="tx" showMasterSp="1" showMasterPhAnim="1">
+<p:sldLayout xmlns:a="http://schemas.openxmlformats.org/drawingml/2006/main" xmlns:r="http://schemas.openxmlformats.org/officeDocument/2006/relationships" xmlns:p="http://schemas.openxmlformats.org/presentationml/2006/main" type="tx">
   <p:cSld name="Picture with Caption">
     <p:spTree>
       <p:nvGrpSpPr>
@@ -6125,7 +6320,9 @@
       <p:sp>
         <p:nvSpPr>
           <p:cNvPr id="313" name="Title Text"/>
-          <p:cNvSpPr txBox="1"/>
+          <p:cNvSpPr txBox="1">
+            <a:spLocks noGrp="1"/>
+          </p:cNvSpPr>
           <p:nvPr>
             <p:ph type="title"/>
           </p:nvPr>
@@ -6147,7 +6344,6 @@
             </a:lvl1pPr>
           </a:lstStyle>
           <a:p>
-            <a:pPr/>
             <a:r>
               <a:t>Title Text</a:t>
             </a:r>
@@ -6157,7 +6353,9 @@
       <p:sp>
         <p:nvSpPr>
           <p:cNvPr id="314" name="Picture Placeholder 2"/>
-          <p:cNvSpPr/>
+          <p:cNvSpPr>
+            <a:spLocks noGrp="1"/>
+          </p:cNvSpPr>
           <p:nvPr>
             <p:ph type="pic" sz="half" idx="21"/>
           </p:nvPr>
@@ -6175,14 +6373,16 @@
           <a:bodyPr lIns="91439" rIns="91439"/>
           <a:lstStyle/>
           <a:p>
-            <a:pPr/>
+            <a:endParaRPr/>
           </a:p>
         </p:txBody>
       </p:sp>
       <p:sp>
         <p:nvSpPr>
           <p:cNvPr id="315" name="Body Level One…"/>
-          <p:cNvSpPr txBox="1"/>
+          <p:cNvSpPr txBox="1">
+            <a:spLocks noGrp="1"/>
+          </p:cNvSpPr>
           <p:nvPr>
             <p:ph type="body" sz="quarter" idx="1"/>
           </p:nvPr>
@@ -6198,7 +6398,7 @@
         </p:spPr>
         <p:txBody>
           <a:bodyPr>
-            <a:normAutofit fontScale="100000" lnSpcReduction="0"/>
+            <a:normAutofit/>
           </a:bodyPr>
           <a:lstStyle>
             <a:lvl1pPr marL="0" indent="0">
@@ -6238,7 +6438,6 @@
             </a:lvl5pPr>
           </a:lstStyle>
           <a:p>
-            <a:pPr/>
             <a:r>
               <a:t>Body Level One</a:t>
             </a:r>
@@ -6272,7 +6471,9 @@
       <p:sp>
         <p:nvSpPr>
           <p:cNvPr id="316" name="Slide Number"/>
-          <p:cNvSpPr txBox="1"/>
+          <p:cNvSpPr txBox="1">
+            <a:spLocks noGrp="1"/>
+          </p:cNvSpPr>
           <p:nvPr>
             <p:ph type="sldNum" sz="quarter" idx="2"/>
           </p:nvPr>
@@ -6286,8 +6487,10 @@
           <a:bodyPr/>
           <a:lstStyle/>
           <a:p>
-            <a:pPr/>
-            <a:fld id="{86CB4B4D-7CA3-9044-876B-883B54F8677D}" type="slidenum"/>
+            <a:fld id="{86CB4B4D-7CA3-9044-876B-883B54F8677D}" type="slidenum">
+              <a:t>‹#›</a:t>
+            </a:fld>
+            <a:endParaRPr/>
           </a:p>
         </p:txBody>
       </p:sp>
@@ -6296,12 +6499,12 @@
   <p:clrMapOvr>
     <a:masterClrMapping/>
   </p:clrMapOvr>
-  <p:transition xmlns:p14="http://schemas.microsoft.com/office/powerpoint/2010/main" spd="med" advClick="1"/>
+  <p:transition spd="med"/>
 </p:sldLayout>
 </file>
 
 <file path=ppt/slideLayouts/slideLayout2.xml><?xml version="1.0" encoding="utf-8"?>
-<p:sldLayout xmlns:a="http://schemas.openxmlformats.org/drawingml/2006/main" xmlns:r="http://schemas.openxmlformats.org/officeDocument/2006/relationships" xmlns:p="http://schemas.openxmlformats.org/presentationml/2006/main" xmlns:m="http://schemas.openxmlformats.org/officeDocument/2006/math" xmlns:a14="http://schemas.microsoft.com/office/drawing/2010/main" type="tx" showMasterSp="1" showMasterPhAnim="1">
+<p:sldLayout xmlns:a="http://schemas.openxmlformats.org/drawingml/2006/main" xmlns:r="http://schemas.openxmlformats.org/officeDocument/2006/relationships" xmlns:p="http://schemas.openxmlformats.org/presentationml/2006/main" type="tx">
   <p:cSld name="Title and Content">
     <p:spTree>
       <p:nvGrpSpPr>
@@ -6324,7 +6527,7 @@
           <p:nvPr/>
         </p:nvSpPr>
         <p:spPr>
-          <a:xfrm flipV="1" rot="16200000">
+          <a:xfrm rot="16200000" flipV="1">
             <a:off x="6507450" y="1163357"/>
             <a:ext cx="6858001" cy="4531279"/>
           </a:xfrm>
@@ -6348,7 +6551,7 @@
             </a:cxnLst>
             <a:rect l="0" t="0" r="r" b="b"/>
             <a:pathLst>
-              <a:path w="21600" h="21580" fill="norm" stroke="1" extrusionOk="0">
+              <a:path w="21600" h="21580" extrusionOk="0">
                 <a:moveTo>
                   <a:pt x="21600" y="18125"/>
                 </a:moveTo>
@@ -6406,6 +6609,7 @@
                 </a:solidFill>
               </a:defRPr>
             </a:pPr>
+            <a:endParaRPr/>
           </a:p>
         </p:txBody>
       </p:sp>
@@ -6440,7 +6644,7 @@
             </a:cxnLst>
             <a:rect l="0" t="0" r="r" b="b"/>
             <a:pathLst>
-              <a:path w="21600" h="21567" fill="norm" stroke="1" extrusionOk="0">
+              <a:path w="21600" h="21567" extrusionOk="0">
                 <a:moveTo>
                   <a:pt x="0" y="15004"/>
                 </a:moveTo>
@@ -6505,6 +6709,7 @@
                 </a:solidFill>
               </a:defRPr>
             </a:pPr>
+            <a:endParaRPr/>
           </a:p>
         </p:txBody>
       </p:sp>
@@ -6539,7 +6744,7 @@
             </a:cxnLst>
             <a:rect l="0" t="0" r="r" b="b"/>
             <a:pathLst>
-              <a:path w="21600" h="21586" fill="norm" stroke="1" extrusionOk="0">
+              <a:path w="21600" h="21586" extrusionOk="0">
                 <a:moveTo>
                   <a:pt x="0" y="20091"/>
                 </a:moveTo>
@@ -6612,13 +6817,16 @@
                 </a:solidFill>
               </a:defRPr>
             </a:pPr>
+            <a:endParaRPr/>
           </a:p>
         </p:txBody>
       </p:sp>
       <p:sp>
         <p:nvSpPr>
           <p:cNvPr id="31" name="Slide Number"/>
-          <p:cNvSpPr txBox="1"/>
+          <p:cNvSpPr txBox="1">
+            <a:spLocks noGrp="1"/>
+          </p:cNvSpPr>
           <p:nvPr>
             <p:ph type="sldNum" sz="quarter" idx="2"/>
           </p:nvPr>
@@ -6632,15 +6840,19 @@
           <a:bodyPr/>
           <a:lstStyle/>
           <a:p>
-            <a:pPr/>
-            <a:fld id="{86CB4B4D-7CA3-9044-876B-883B54F8677D}" type="slidenum"/>
+            <a:fld id="{86CB4B4D-7CA3-9044-876B-883B54F8677D}" type="slidenum">
+              <a:t>‹#›</a:t>
+            </a:fld>
+            <a:endParaRPr/>
           </a:p>
         </p:txBody>
       </p:sp>
       <p:sp>
         <p:nvSpPr>
           <p:cNvPr id="32" name="Title Text"/>
-          <p:cNvSpPr txBox="1"/>
+          <p:cNvSpPr txBox="1">
+            <a:spLocks noGrp="1"/>
+          </p:cNvSpPr>
           <p:nvPr>
             <p:ph type="title"/>
           </p:nvPr>
@@ -6658,7 +6870,6 @@
           <a:bodyPr anchor="b"/>
           <a:lstStyle/>
           <a:p>
-            <a:pPr/>
             <a:r>
               <a:t>Title Text</a:t>
             </a:r>
@@ -6668,7 +6879,9 @@
       <p:sp>
         <p:nvSpPr>
           <p:cNvPr id="33" name="Body Level One…"/>
-          <p:cNvSpPr txBox="1"/>
+          <p:cNvSpPr txBox="1">
+            <a:spLocks noGrp="1"/>
+          </p:cNvSpPr>
           <p:nvPr>
             <p:ph type="body" sz="half" idx="1"/>
           </p:nvPr>
@@ -6684,7 +6897,7 @@
         </p:spPr>
         <p:txBody>
           <a:bodyPr>
-            <a:normAutofit fontScale="100000" lnSpcReduction="0"/>
+            <a:normAutofit/>
           </a:bodyPr>
           <a:lstStyle>
             <a:lvl1pPr marL="347472">
@@ -6719,7 +6932,6 @@
             </a:lvl5pPr>
           </a:lstStyle>
           <a:p>
-            <a:pPr/>
             <a:r>
               <a:t>Body Level One</a:t>
             </a:r>
@@ -6755,12 +6967,12 @@
   <p:clrMapOvr>
     <a:masterClrMapping/>
   </p:clrMapOvr>
-  <p:transition xmlns:p14="http://schemas.microsoft.com/office/powerpoint/2010/main" spd="med" advClick="1"/>
+  <p:transition spd="med"/>
 </p:sldLayout>
 </file>
 
 <file path=ppt/slideLayouts/slideLayout3.xml><?xml version="1.0" encoding="utf-8"?>
-<p:sldLayout xmlns:a="http://schemas.openxmlformats.org/drawingml/2006/main" xmlns:r="http://schemas.openxmlformats.org/officeDocument/2006/relationships" xmlns:p="http://schemas.openxmlformats.org/presentationml/2006/main" xmlns:m="http://schemas.openxmlformats.org/officeDocument/2006/math" xmlns:a14="http://schemas.microsoft.com/office/drawing/2010/main" type="tx" showMasterSp="0" showMasterPhAnim="1">
+<p:sldLayout xmlns:a="http://schemas.openxmlformats.org/drawingml/2006/main" xmlns:r="http://schemas.openxmlformats.org/officeDocument/2006/relationships" xmlns:p="http://schemas.openxmlformats.org/presentationml/2006/main" showMasterSp="0" type="tx">
   <p:cSld name="Introduction">
     <p:spTree>
       <p:nvGrpSpPr>
@@ -6807,7 +7019,7 @@
             </a:cxnLst>
             <a:rect l="0" t="0" r="r" b="b"/>
             <a:pathLst>
-              <a:path w="21600" h="21600" fill="norm" stroke="1" extrusionOk="0">
+              <a:path w="21600" h="21600" extrusionOk="0">
                 <a:moveTo>
                   <a:pt x="1219" y="0"/>
                 </a:moveTo>
@@ -6868,6 +7080,7 @@
           <a:lstStyle/>
           <a:p>
             <a:pPr algn="ctr"/>
+            <a:endParaRPr/>
           </a:p>
         </p:txBody>
       </p:sp>
@@ -6902,7 +7115,7 @@
             </a:cxnLst>
             <a:rect l="0" t="0" r="r" b="b"/>
             <a:pathLst>
-              <a:path w="21600" h="18537" fill="norm" stroke="1" extrusionOk="0">
+              <a:path w="21600" h="18537" extrusionOk="0">
                 <a:moveTo>
                   <a:pt x="0" y="0"/>
                 </a:moveTo>
@@ -6951,6 +7164,7 @@
           <a:lstStyle/>
           <a:p>
             <a:pPr algn="ctr"/>
+            <a:endParaRPr/>
           </a:p>
         </p:txBody>
       </p:sp>
@@ -6985,7 +7199,7 @@
             </a:cxnLst>
             <a:rect l="0" t="0" r="r" b="b"/>
             <a:pathLst>
-              <a:path w="20025" h="21600" fill="norm" stroke="1" extrusionOk="0">
+              <a:path w="20025" h="21600" extrusionOk="0">
                 <a:moveTo>
                   <a:pt x="20025" y="0"/>
                 </a:moveTo>
@@ -7034,6 +7248,7 @@
           <a:lstStyle/>
           <a:p>
             <a:pPr algn="ctr"/>
+            <a:endParaRPr/>
           </a:p>
         </p:txBody>
       </p:sp>
@@ -7079,7 +7294,7 @@
             <a:miter lim="400000"/>
           </a:ln>
           <a:effectLst>
-            <a:outerShdw sx="100000" sy="100000" kx="0" ky="0" algn="b" rotWithShape="0" blurRad="63500" dist="38100" dir="5400000">
+            <a:outerShdw blurRad="63500" dist="38100" dir="5400000" rotWithShape="0">
               <a:srgbClr val="000000">
                 <a:alpha val="0"/>
               </a:srgbClr>
@@ -7101,13 +7316,16 @@
                 <a:sym typeface="Calibri"/>
               </a:defRPr>
             </a:pPr>
+            <a:endParaRPr/>
           </a:p>
         </p:txBody>
       </p:sp>
       <p:sp>
         <p:nvSpPr>
           <p:cNvPr id="44" name="Title Text"/>
-          <p:cNvSpPr txBox="1"/>
+          <p:cNvSpPr txBox="1">
+            <a:spLocks noGrp="1"/>
+          </p:cNvSpPr>
           <p:nvPr>
             <p:ph type="title"/>
           </p:nvPr>
@@ -7127,7 +7345,6 @@
             <a:lvl1pPr algn="ctr"/>
           </a:lstStyle>
           <a:p>
-            <a:pPr/>
             <a:r>
               <a:t>Title Text</a:t>
             </a:r>
@@ -7137,7 +7354,9 @@
       <p:sp>
         <p:nvSpPr>
           <p:cNvPr id="45" name="Body Level One…"/>
-          <p:cNvSpPr txBox="1"/>
+          <p:cNvSpPr txBox="1">
+            <a:spLocks noGrp="1"/>
+          </p:cNvSpPr>
           <p:nvPr>
             <p:ph type="body" sz="quarter" idx="1"/>
           </p:nvPr>
@@ -7153,7 +7372,7 @@
         </p:spPr>
         <p:txBody>
           <a:bodyPr>
-            <a:normAutofit fontScale="100000" lnSpcReduction="0"/>
+            <a:normAutofit/>
           </a:bodyPr>
           <a:lstStyle>
             <a:lvl1pPr marL="0" indent="0" algn="ctr">
@@ -7208,7 +7427,6 @@
             </a:lvl5pPr>
           </a:lstStyle>
           <a:p>
-            <a:pPr/>
             <a:r>
               <a:t>Body Level One</a:t>
             </a:r>
@@ -7270,7 +7488,7 @@
             </a:cxnLst>
             <a:rect l="0" t="0" r="r" b="b"/>
             <a:pathLst>
-              <a:path w="21600" h="21600" fill="norm" stroke="1" extrusionOk="0">
+              <a:path w="21600" h="21600" extrusionOk="0">
                 <a:moveTo>
                   <a:pt x="0" y="0"/>
                 </a:moveTo>
@@ -7321,6 +7539,7 @@
           <a:lstStyle/>
           <a:p>
             <a:pPr algn="ctr"/>
+            <a:endParaRPr/>
           </a:p>
         </p:txBody>
       </p:sp>
@@ -7349,14 +7568,16 @@
           <a:bodyPr lIns="45719" rIns="45719"/>
           <a:lstStyle/>
           <a:p>
-            <a:pPr/>
+            <a:endParaRPr/>
           </a:p>
         </p:txBody>
       </p:sp>
       <p:sp>
         <p:nvSpPr>
           <p:cNvPr id="48" name="Slide Number"/>
-          <p:cNvSpPr txBox="1"/>
+          <p:cNvSpPr txBox="1">
+            <a:spLocks noGrp="1"/>
+          </p:cNvSpPr>
           <p:nvPr>
             <p:ph type="sldNum" sz="quarter" idx="2"/>
           </p:nvPr>
@@ -7374,8 +7595,10 @@
           <a:bodyPr/>
           <a:lstStyle/>
           <a:p>
-            <a:pPr/>
-            <a:fld id="{86CB4B4D-7CA3-9044-876B-883B54F8677D}" type="slidenum"/>
+            <a:fld id="{86CB4B4D-7CA3-9044-876B-883B54F8677D}" type="slidenum">
+              <a:t>‹#›</a:t>
+            </a:fld>
+            <a:endParaRPr/>
           </a:p>
         </p:txBody>
       </p:sp>
@@ -7384,12 +7607,12 @@
   <p:clrMapOvr>
     <a:masterClrMapping/>
   </p:clrMapOvr>
-  <p:transition xmlns:p14="http://schemas.microsoft.com/office/powerpoint/2010/main" spd="med" advClick="1"/>
+  <p:transition spd="med"/>
 </p:sldLayout>
 </file>
 
 <file path=ppt/slideLayouts/slideLayout4.xml><?xml version="1.0" encoding="utf-8"?>
-<p:sldLayout xmlns:a="http://schemas.openxmlformats.org/drawingml/2006/main" xmlns:r="http://schemas.openxmlformats.org/officeDocument/2006/relationships" xmlns:p="http://schemas.openxmlformats.org/presentationml/2006/main" xmlns:m="http://schemas.openxmlformats.org/officeDocument/2006/math" xmlns:a14="http://schemas.microsoft.com/office/drawing/2010/main" type="tx" showMasterSp="0" showMasterPhAnim="1">
+<p:sldLayout xmlns:a="http://schemas.openxmlformats.org/drawingml/2006/main" xmlns:r="http://schemas.openxmlformats.org/officeDocument/2006/relationships" xmlns:p="http://schemas.openxmlformats.org/presentationml/2006/main" showMasterSp="0" type="tx">
   <p:cSld name="Section Header">
     <p:spTree>
       <p:nvGrpSpPr>
@@ -7408,7 +7631,9 @@
       <p:sp>
         <p:nvSpPr>
           <p:cNvPr id="55" name="Title Text"/>
-          <p:cNvSpPr txBox="1"/>
+          <p:cNvSpPr txBox="1">
+            <a:spLocks noGrp="1"/>
+          </p:cNvSpPr>
           <p:nvPr>
             <p:ph type="title"/>
           </p:nvPr>
@@ -7430,7 +7655,6 @@
             </a:lvl1pPr>
           </a:lstStyle>
           <a:p>
-            <a:pPr/>
             <a:r>
               <a:t>Title Text</a:t>
             </a:r>
@@ -7440,7 +7664,9 @@
       <p:sp>
         <p:nvSpPr>
           <p:cNvPr id="56" name="Body Level One…"/>
-          <p:cNvSpPr txBox="1"/>
+          <p:cNvSpPr txBox="1">
+            <a:spLocks noGrp="1"/>
+          </p:cNvSpPr>
           <p:nvPr>
             <p:ph type="body" sz="quarter" idx="1"/>
           </p:nvPr>
@@ -7456,7 +7682,7 @@
         </p:spPr>
         <p:txBody>
           <a:bodyPr>
-            <a:normAutofit fontScale="100000" lnSpcReduction="0"/>
+            <a:normAutofit/>
           </a:bodyPr>
           <a:lstStyle>
             <a:lvl1pPr marL="0" indent="0" algn="ctr">
@@ -7496,7 +7722,6 @@
             </a:lvl5pPr>
           </a:lstStyle>
           <a:p>
-            <a:pPr/>
             <a:r>
               <a:t>Body Level One</a:t>
             </a:r>
@@ -7558,7 +7783,7 @@
             </a:cxnLst>
             <a:rect l="0" t="0" r="r" b="b"/>
             <a:pathLst>
-              <a:path w="21600" h="21493" fill="norm" stroke="1" extrusionOk="0">
+              <a:path w="21600" h="21493" extrusionOk="0">
                 <a:moveTo>
                   <a:pt x="6836" y="21492"/>
                 </a:moveTo>
@@ -7625,6 +7850,7 @@
                 </a:solidFill>
               </a:defRPr>
             </a:pPr>
+            <a:endParaRPr/>
           </a:p>
         </p:txBody>
       </p:sp>
@@ -7659,7 +7885,7 @@
             </a:cxnLst>
             <a:rect l="0" t="0" r="r" b="b"/>
             <a:pathLst>
-              <a:path w="21600" h="21485" fill="norm" stroke="1" extrusionOk="0">
+              <a:path w="21600" h="21485" extrusionOk="0">
                 <a:moveTo>
                   <a:pt x="10455" y="21484"/>
                 </a:moveTo>
@@ -7716,6 +7942,7 @@
                 </a:solidFill>
               </a:defRPr>
             </a:pPr>
+            <a:endParaRPr/>
           </a:p>
         </p:txBody>
       </p:sp>
@@ -7750,7 +7977,7 @@
             </a:cxnLst>
             <a:rect l="0" t="0" r="r" b="b"/>
             <a:pathLst>
-              <a:path w="21600" h="21460" fill="norm" stroke="1" extrusionOk="0">
+              <a:path w="21600" h="21460" extrusionOk="0">
                 <a:moveTo>
                   <a:pt x="11117" y="21459"/>
                 </a:moveTo>
@@ -7807,6 +8034,7 @@
                 </a:solidFill>
               </a:defRPr>
             </a:pPr>
+            <a:endParaRPr/>
           </a:p>
         </p:txBody>
       </p:sp>
@@ -7817,7 +8045,7 @@
           <p:nvPr/>
         </p:nvSpPr>
         <p:spPr>
-          <a:xfrm flipH="1" rot="10800000">
+          <a:xfrm rot="10800000" flipH="1">
             <a:off x="-2689" y="5263860"/>
             <a:ext cx="12192002" cy="1599110"/>
           </a:xfrm>
@@ -7841,7 +8069,7 @@
             </a:cxnLst>
             <a:rect l="0" t="0" r="r" b="b"/>
             <a:pathLst>
-              <a:path w="21600" h="21564" fill="norm" stroke="1" extrusionOk="0">
+              <a:path w="21600" h="21564" extrusionOk="0">
                 <a:moveTo>
                   <a:pt x="2433" y="21563"/>
                 </a:moveTo>
@@ -7925,6 +8153,7 @@
                 </a:solidFill>
               </a:defRPr>
             </a:pPr>
+            <a:endParaRPr/>
           </a:p>
         </p:txBody>
       </p:sp>
@@ -7953,14 +8182,16 @@
           <a:bodyPr lIns="45719" rIns="45719"/>
           <a:lstStyle/>
           <a:p>
-            <a:pPr/>
+            <a:endParaRPr/>
           </a:p>
         </p:txBody>
       </p:sp>
       <p:sp>
         <p:nvSpPr>
           <p:cNvPr id="62" name="Slide Number"/>
-          <p:cNvSpPr txBox="1"/>
+          <p:cNvSpPr txBox="1">
+            <a:spLocks noGrp="1"/>
+          </p:cNvSpPr>
           <p:nvPr>
             <p:ph type="sldNum" sz="quarter" idx="2"/>
           </p:nvPr>
@@ -7978,8 +8209,10 @@
           <a:bodyPr/>
           <a:lstStyle/>
           <a:p>
-            <a:pPr/>
-            <a:fld id="{86CB4B4D-7CA3-9044-876B-883B54F8677D}" type="slidenum"/>
+            <a:fld id="{86CB4B4D-7CA3-9044-876B-883B54F8677D}" type="slidenum">
+              <a:t>‹#›</a:t>
+            </a:fld>
+            <a:endParaRPr/>
           </a:p>
         </p:txBody>
       </p:sp>
@@ -7988,12 +8221,12 @@
   <p:clrMapOvr>
     <a:masterClrMapping/>
   </p:clrMapOvr>
-  <p:transition xmlns:p14="http://schemas.microsoft.com/office/powerpoint/2010/main" spd="med" advClick="1"/>
+  <p:transition spd="med"/>
 </p:sldLayout>
 </file>
 
 <file path=ppt/slideLayouts/slideLayout5.xml><?xml version="1.0" encoding="utf-8"?>
-<p:sldLayout xmlns:a="http://schemas.openxmlformats.org/drawingml/2006/main" xmlns:r="http://schemas.openxmlformats.org/officeDocument/2006/relationships" xmlns:p="http://schemas.openxmlformats.org/presentationml/2006/main" xmlns:m="http://schemas.openxmlformats.org/officeDocument/2006/math" xmlns:a14="http://schemas.microsoft.com/office/drawing/2010/main" type="tx" showMasterSp="1" showMasterPhAnim="1">
+<p:sldLayout xmlns:a="http://schemas.openxmlformats.org/drawingml/2006/main" xmlns:r="http://schemas.openxmlformats.org/officeDocument/2006/relationships" xmlns:p="http://schemas.openxmlformats.org/presentationml/2006/main" type="tx">
   <p:cSld name="Title and Chart or Table">
     <p:spTree>
       <p:nvGrpSpPr>
@@ -8012,7 +8245,9 @@
       <p:sp>
         <p:nvSpPr>
           <p:cNvPr id="69" name="Title Text"/>
-          <p:cNvSpPr txBox="1"/>
+          <p:cNvSpPr txBox="1">
+            <a:spLocks noGrp="1"/>
+          </p:cNvSpPr>
           <p:nvPr>
             <p:ph type="title"/>
           </p:nvPr>
@@ -8028,7 +8263,6 @@
             <a:lvl1pPr algn="ctr"/>
           </a:lstStyle>
           <a:p>
-            <a:pPr/>
             <a:r>
               <a:t>Title Text</a:t>
             </a:r>
@@ -8038,7 +8272,9 @@
       <p:sp>
         <p:nvSpPr>
           <p:cNvPr id="70" name="Body Level One…"/>
-          <p:cNvSpPr txBox="1"/>
+          <p:cNvSpPr txBox="1">
+            <a:spLocks noGrp="1"/>
+          </p:cNvSpPr>
           <p:nvPr>
             <p:ph type="body" idx="1"/>
           </p:nvPr>
@@ -8054,11 +8290,10 @@
         </p:spPr>
         <p:txBody>
           <a:bodyPr>
-            <a:normAutofit fontScale="100000" lnSpcReduction="0"/>
+            <a:normAutofit/>
           </a:bodyPr>
           <a:lstStyle/>
           <a:p>
-            <a:pPr/>
             <a:r>
               <a:t>Body Level One</a:t>
             </a:r>
@@ -8092,7 +8327,9 @@
       <p:sp>
         <p:nvSpPr>
           <p:cNvPr id="71" name="Slide Number"/>
-          <p:cNvSpPr txBox="1"/>
+          <p:cNvSpPr txBox="1">
+            <a:spLocks noGrp="1"/>
+          </p:cNvSpPr>
           <p:nvPr>
             <p:ph type="sldNum" sz="quarter" idx="2"/>
           </p:nvPr>
@@ -8106,8 +8343,10 @@
           <a:bodyPr/>
           <a:lstStyle/>
           <a:p>
-            <a:pPr/>
-            <a:fld id="{86CB4B4D-7CA3-9044-876B-883B54F8677D}" type="slidenum"/>
+            <a:fld id="{86CB4B4D-7CA3-9044-876B-883B54F8677D}" type="slidenum">
+              <a:t>‹#›</a:t>
+            </a:fld>
+            <a:endParaRPr/>
           </a:p>
         </p:txBody>
       </p:sp>
@@ -8116,12 +8355,12 @@
   <p:clrMapOvr>
     <a:masterClrMapping/>
   </p:clrMapOvr>
-  <p:transition xmlns:p14="http://schemas.microsoft.com/office/powerpoint/2010/main" spd="med" advClick="1"/>
+  <p:transition spd="med"/>
 </p:sldLayout>
 </file>
 
 <file path=ppt/slideLayouts/slideLayout6.xml><?xml version="1.0" encoding="utf-8"?>
-<p:sldLayout xmlns:a="http://schemas.openxmlformats.org/drawingml/2006/main" xmlns:r="http://schemas.openxmlformats.org/officeDocument/2006/relationships" xmlns:p="http://schemas.openxmlformats.org/presentationml/2006/main" xmlns:m="http://schemas.openxmlformats.org/officeDocument/2006/math" xmlns:a14="http://schemas.microsoft.com/office/drawing/2010/main" type="tx" showMasterSp="0" showMasterPhAnim="1">
+<p:sldLayout xmlns:a="http://schemas.openxmlformats.org/drawingml/2006/main" xmlns:r="http://schemas.openxmlformats.org/officeDocument/2006/relationships" xmlns:p="http://schemas.openxmlformats.org/presentationml/2006/main" showMasterSp="0" type="tx">
   <p:cSld name="Quote">
     <p:spTree>
       <p:nvGrpSpPr>
@@ -8168,7 +8407,7 @@
             </a:cxnLst>
             <a:rect l="0" t="0" r="r" b="b"/>
             <a:pathLst>
-              <a:path w="21600" h="21460" fill="norm" stroke="1" extrusionOk="0">
+              <a:path w="21600" h="21460" extrusionOk="0">
                 <a:moveTo>
                   <a:pt x="11117" y="21459"/>
                 </a:moveTo>
@@ -8225,6 +8464,7 @@
                 </a:solidFill>
               </a:defRPr>
             </a:pPr>
+            <a:endParaRPr/>
           </a:p>
         </p:txBody>
       </p:sp>
@@ -8259,7 +8499,7 @@
             </a:cxnLst>
             <a:rect l="0" t="0" r="r" b="b"/>
             <a:pathLst>
-              <a:path w="21600" h="21493" fill="norm" stroke="1" extrusionOk="0">
+              <a:path w="21600" h="21493" extrusionOk="0">
                 <a:moveTo>
                   <a:pt x="6836" y="21492"/>
                 </a:moveTo>
@@ -8326,6 +8566,7 @@
                 </a:solidFill>
               </a:defRPr>
             </a:pPr>
+            <a:endParaRPr/>
           </a:p>
         </p:txBody>
       </p:sp>
@@ -8360,7 +8601,7 @@
             </a:cxnLst>
             <a:rect l="0" t="0" r="r" b="b"/>
             <a:pathLst>
-              <a:path w="21600" h="21600" fill="norm" stroke="1" extrusionOk="0">
+              <a:path w="21600" h="21600" extrusionOk="0">
                 <a:moveTo>
                   <a:pt x="8" y="0"/>
                 </a:moveTo>
@@ -8505,6 +8746,7 @@
                 </a:solidFill>
               </a:defRPr>
             </a:pPr>
+            <a:endParaRPr/>
           </a:p>
         </p:txBody>
       </p:sp>
@@ -8539,7 +8781,7 @@
             </a:cxnLst>
             <a:rect l="0" t="0" r="r" b="b"/>
             <a:pathLst>
-              <a:path w="21600" h="21485" fill="norm" stroke="1" extrusionOk="0">
+              <a:path w="21600" h="21485" extrusionOk="0">
                 <a:moveTo>
                   <a:pt x="10455" y="21484"/>
                 </a:moveTo>
@@ -8596,6 +8838,7 @@
                 </a:solidFill>
               </a:defRPr>
             </a:pPr>
+            <a:endParaRPr/>
           </a:p>
         </p:txBody>
       </p:sp>
@@ -8630,7 +8873,7 @@
             </a:cxnLst>
             <a:rect l="0" t="0" r="r" b="b"/>
             <a:pathLst>
-              <a:path w="21600" h="21564" fill="norm" stroke="1" extrusionOk="0">
+              <a:path w="21600" h="21564" extrusionOk="0">
                 <a:moveTo>
                   <a:pt x="3094" y="21563"/>
                 </a:moveTo>
@@ -8714,6 +8957,7 @@
                 </a:solidFill>
               </a:defRPr>
             </a:pPr>
+            <a:endParaRPr/>
           </a:p>
         </p:txBody>
       </p:sp>
@@ -8748,7 +8992,7 @@
             </a:cxnLst>
             <a:rect l="0" t="0" r="r" b="b"/>
             <a:pathLst>
-              <a:path w="21600" h="21563" fill="norm" stroke="1" extrusionOk="0">
+              <a:path w="21600" h="21563" extrusionOk="0">
                 <a:moveTo>
                   <a:pt x="0" y="0"/>
                 </a:moveTo>
@@ -8833,6 +9077,7 @@
                 </a:solidFill>
               </a:defRPr>
             </a:pPr>
+            <a:endParaRPr/>
           </a:p>
         </p:txBody>
       </p:sp>
@@ -8867,7 +9112,7 @@
             </a:cxnLst>
             <a:rect l="0" t="0" r="r" b="b"/>
             <a:pathLst>
-              <a:path w="21600" h="21493" fill="norm" stroke="1" extrusionOk="0">
+              <a:path w="21600" h="21493" extrusionOk="0">
                 <a:moveTo>
                   <a:pt x="6836" y="21492"/>
                 </a:moveTo>
@@ -8934,6 +9179,7 @@
                 </a:solidFill>
               </a:defRPr>
             </a:pPr>
+            <a:endParaRPr/>
           </a:p>
         </p:txBody>
       </p:sp>
@@ -8968,7 +9214,7 @@
             </a:cxnLst>
             <a:rect l="0" t="0" r="r" b="b"/>
             <a:pathLst>
-              <a:path w="21600" h="21460" fill="norm" stroke="1" extrusionOk="0">
+              <a:path w="21600" h="21460" extrusionOk="0">
                 <a:moveTo>
                   <a:pt x="11117" y="21459"/>
                 </a:moveTo>
@@ -9025,13 +9271,16 @@
                 </a:solidFill>
               </a:defRPr>
             </a:pPr>
+            <a:endParaRPr/>
           </a:p>
         </p:txBody>
       </p:sp>
       <p:sp>
         <p:nvSpPr>
           <p:cNvPr id="86" name="Title Text"/>
-          <p:cNvSpPr txBox="1"/>
+          <p:cNvSpPr txBox="1">
+            <a:spLocks noGrp="1"/>
+          </p:cNvSpPr>
           <p:nvPr>
             <p:ph type="title"/>
           </p:nvPr>
@@ -9055,7 +9304,6 @@
             </a:lvl1pPr>
           </a:lstStyle>
           <a:p>
-            <a:pPr/>
             <a:r>
               <a:t>Title Text</a:t>
             </a:r>
@@ -9065,7 +9313,9 @@
       <p:sp>
         <p:nvSpPr>
           <p:cNvPr id="87" name="Body Level One…"/>
-          <p:cNvSpPr txBox="1"/>
+          <p:cNvSpPr txBox="1">
+            <a:spLocks noGrp="1"/>
+          </p:cNvSpPr>
           <p:nvPr>
             <p:ph type="body" sz="quarter" idx="1"/>
           </p:nvPr>
@@ -9081,7 +9331,7 @@
         </p:spPr>
         <p:txBody>
           <a:bodyPr>
-            <a:normAutofit fontScale="100000" lnSpcReduction="0"/>
+            <a:normAutofit/>
           </a:bodyPr>
           <a:lstStyle>
             <a:lvl1pPr marL="0" indent="0" algn="r">
@@ -9121,7 +9371,6 @@
             </a:lvl5pPr>
           </a:lstStyle>
           <a:p>
-            <a:pPr/>
             <a:r>
               <a:t>Body Level One</a:t>
             </a:r>
@@ -9155,7 +9404,9 @@
       <p:sp>
         <p:nvSpPr>
           <p:cNvPr id="88" name="Slide Number"/>
-          <p:cNvSpPr txBox="1"/>
+          <p:cNvSpPr txBox="1">
+            <a:spLocks noGrp="1"/>
+          </p:cNvSpPr>
           <p:nvPr>
             <p:ph type="sldNum" sz="quarter" idx="2"/>
           </p:nvPr>
@@ -9173,8 +9424,10 @@
           <a:bodyPr/>
           <a:lstStyle/>
           <a:p>
-            <a:pPr/>
-            <a:fld id="{86CB4B4D-7CA3-9044-876B-883B54F8677D}" type="slidenum"/>
+            <a:fld id="{86CB4B4D-7CA3-9044-876B-883B54F8677D}" type="slidenum">
+              <a:t>‹#›</a:t>
+            </a:fld>
+            <a:endParaRPr/>
           </a:p>
         </p:txBody>
       </p:sp>
@@ -9183,12 +9436,12 @@
   <p:clrMapOvr>
     <a:masterClrMapping/>
   </p:clrMapOvr>
-  <p:transition xmlns:p14="http://schemas.microsoft.com/office/powerpoint/2010/main" spd="med" advClick="1"/>
+  <p:transition spd="med"/>
 </p:sldLayout>
 </file>
 
 <file path=ppt/slideLayouts/slideLayout7.xml><?xml version="1.0" encoding="utf-8"?>
-<p:sldLayout xmlns:a="http://schemas.openxmlformats.org/drawingml/2006/main" xmlns:r="http://schemas.openxmlformats.org/officeDocument/2006/relationships" xmlns:p="http://schemas.openxmlformats.org/presentationml/2006/main" xmlns:m="http://schemas.openxmlformats.org/officeDocument/2006/math" xmlns:a14="http://schemas.microsoft.com/office/drawing/2010/main" type="tx" showMasterSp="0" showMasterPhAnim="1">
+<p:sldLayout xmlns:a="http://schemas.openxmlformats.org/drawingml/2006/main" xmlns:r="http://schemas.openxmlformats.org/officeDocument/2006/relationships" xmlns:p="http://schemas.openxmlformats.org/presentationml/2006/main" showMasterSp="0" type="tx">
   <p:cSld name="5 Column">
     <p:spTree>
       <p:nvGrpSpPr>
@@ -9207,7 +9460,9 @@
       <p:sp>
         <p:nvSpPr>
           <p:cNvPr id="95" name="Body Level One…"/>
-          <p:cNvSpPr txBox="1"/>
+          <p:cNvSpPr txBox="1">
+            <a:spLocks noGrp="1"/>
+          </p:cNvSpPr>
           <p:nvPr>
             <p:ph type="body" sz="quarter" idx="1"/>
           </p:nvPr>
@@ -9229,7 +9484,7 @@
         </p:spPr>
         <p:txBody>
           <a:bodyPr>
-            <a:normAutofit fontScale="100000" lnSpcReduction="0"/>
+            <a:normAutofit/>
           </a:bodyPr>
           <a:lstStyle>
             <a:lvl1pPr marL="0" indent="0">
@@ -9291,7 +9546,6 @@
             </a:lvl5pPr>
           </a:lstStyle>
           <a:p>
-            <a:pPr/>
             <a:r>
               <a:t>Body Level One</a:t>
             </a:r>
@@ -9325,7 +9579,9 @@
       <p:sp>
         <p:nvSpPr>
           <p:cNvPr id="96" name="Title Text"/>
-          <p:cNvSpPr txBox="1"/>
+          <p:cNvSpPr txBox="1">
+            <a:spLocks noGrp="1"/>
+          </p:cNvSpPr>
           <p:nvPr>
             <p:ph type="title"/>
           </p:nvPr>
@@ -9345,7 +9601,6 @@
             <a:lvl1pPr algn="ctr"/>
           </a:lstStyle>
           <a:p>
-            <a:pPr/>
             <a:r>
               <a:t>Title Text</a:t>
             </a:r>
@@ -9355,7 +9610,9 @@
       <p:sp>
         <p:nvSpPr>
           <p:cNvPr id="97" name="Text Placeholder 56"/>
-          <p:cNvSpPr/>
+          <p:cNvSpPr>
+            <a:spLocks noGrp="1"/>
+          </p:cNvSpPr>
           <p:nvPr>
             <p:ph type="body" sz="quarter" idx="21"/>
           </p:nvPr>
@@ -9380,7 +9637,7 @@
         </p:spPr>
         <p:txBody>
           <a:bodyPr anchor="ctr">
-            <a:normAutofit fontScale="100000" lnSpcReduction="0"/>
+            <a:normAutofit/>
           </a:bodyPr>
           <a:lstStyle/>
           <a:p>
@@ -9395,7 +9652,7 @@
               <a:buSzTx/>
               <a:buFontTx/>
               <a:buNone/>
-              <a:defRPr b="1" sz="2400">
+              <a:defRPr sz="2400" b="1">
                 <a:solidFill>
                   <a:srgbClr val="000000"/>
                 </a:solidFill>
@@ -9405,13 +9662,16 @@
                 <a:sym typeface="Tw Cen MT"/>
               </a:defRPr>
             </a:pPr>
+            <a:endParaRPr/>
           </a:p>
         </p:txBody>
       </p:sp>
       <p:sp>
         <p:nvSpPr>
           <p:cNvPr id="98" name="Text Placeholder 51"/>
-          <p:cNvSpPr/>
+          <p:cNvSpPr>
+            <a:spLocks noGrp="1"/>
+          </p:cNvSpPr>
           <p:nvPr>
             <p:ph type="body" sz="quarter" idx="22"/>
           </p:nvPr>
@@ -9433,7 +9693,7 @@
         </p:spPr>
         <p:txBody>
           <a:bodyPr>
-            <a:normAutofit fontScale="100000" lnSpcReduction="0"/>
+            <a:normAutofit/>
           </a:bodyPr>
           <a:lstStyle/>
           <a:p>
@@ -9450,13 +9710,16 @@
               <a:buNone/>
               <a:defRPr sz="1400"/>
             </a:pPr>
+            <a:endParaRPr/>
           </a:p>
         </p:txBody>
       </p:sp>
       <p:sp>
         <p:nvSpPr>
           <p:cNvPr id="99" name="Text Placeholder 11"/>
-          <p:cNvSpPr/>
+          <p:cNvSpPr>
+            <a:spLocks noGrp="1"/>
+          </p:cNvSpPr>
           <p:nvPr>
             <p:ph type="body" sz="quarter" idx="23"/>
           </p:nvPr>
@@ -9481,7 +9744,7 @@
         </p:spPr>
         <p:txBody>
           <a:bodyPr anchor="ctr">
-            <a:normAutofit fontScale="100000" lnSpcReduction="0"/>
+            <a:normAutofit/>
           </a:bodyPr>
           <a:lstStyle/>
           <a:p>
@@ -9496,7 +9759,7 @@
               <a:buSzTx/>
               <a:buFontTx/>
               <a:buNone/>
-              <a:defRPr b="1" sz="2400">
+              <a:defRPr sz="2400" b="1">
                 <a:solidFill>
                   <a:srgbClr val="000000"/>
                 </a:solidFill>
@@ -9506,13 +9769,16 @@
                 <a:sym typeface="Tw Cen MT"/>
               </a:defRPr>
             </a:pPr>
+            <a:endParaRPr/>
           </a:p>
         </p:txBody>
       </p:sp>
       <p:sp>
         <p:nvSpPr>
           <p:cNvPr id="100" name="Text Placeholder 11"/>
-          <p:cNvSpPr/>
+          <p:cNvSpPr>
+            <a:spLocks noGrp="1"/>
+          </p:cNvSpPr>
           <p:nvPr>
             <p:ph type="body" sz="quarter" idx="24"/>
           </p:nvPr>
@@ -9534,7 +9800,7 @@
         </p:spPr>
         <p:txBody>
           <a:bodyPr>
-            <a:normAutofit fontScale="100000" lnSpcReduction="0"/>
+            <a:normAutofit/>
           </a:bodyPr>
           <a:lstStyle/>
           <a:p>
@@ -9551,13 +9817,16 @@
               <a:buNone/>
               <a:defRPr sz="1400"/>
             </a:pPr>
+            <a:endParaRPr/>
           </a:p>
         </p:txBody>
       </p:sp>
       <p:sp>
         <p:nvSpPr>
           <p:cNvPr id="101" name="Text Placeholder 11"/>
-          <p:cNvSpPr/>
+          <p:cNvSpPr>
+            <a:spLocks noGrp="1"/>
+          </p:cNvSpPr>
           <p:nvPr>
             <p:ph type="body" sz="quarter" idx="25"/>
           </p:nvPr>
@@ -9582,7 +9851,7 @@
         </p:spPr>
         <p:txBody>
           <a:bodyPr anchor="ctr">
-            <a:normAutofit fontScale="100000" lnSpcReduction="0"/>
+            <a:normAutofit/>
           </a:bodyPr>
           <a:lstStyle/>
           <a:p>
@@ -9597,7 +9866,7 @@
               <a:buSzTx/>
               <a:buFontTx/>
               <a:buNone/>
-              <a:defRPr b="1" sz="2400">
+              <a:defRPr sz="2400" b="1">
                 <a:solidFill>
                   <a:srgbClr val="000000"/>
                 </a:solidFill>
@@ -9607,13 +9876,16 @@
                 <a:sym typeface="Tw Cen MT"/>
               </a:defRPr>
             </a:pPr>
+            <a:endParaRPr/>
           </a:p>
         </p:txBody>
       </p:sp>
       <p:sp>
         <p:nvSpPr>
           <p:cNvPr id="102" name="Text Placeholder 11"/>
-          <p:cNvSpPr/>
+          <p:cNvSpPr>
+            <a:spLocks noGrp="1"/>
+          </p:cNvSpPr>
           <p:nvPr>
             <p:ph type="body" sz="quarter" idx="26"/>
           </p:nvPr>
@@ -9635,7 +9907,7 @@
         </p:spPr>
         <p:txBody>
           <a:bodyPr>
-            <a:normAutofit fontScale="100000" lnSpcReduction="0"/>
+            <a:normAutofit/>
           </a:bodyPr>
           <a:lstStyle/>
           <a:p>
@@ -9652,13 +9924,16 @@
               <a:buNone/>
               <a:defRPr sz="1400"/>
             </a:pPr>
+            <a:endParaRPr/>
           </a:p>
         </p:txBody>
       </p:sp>
       <p:sp>
         <p:nvSpPr>
           <p:cNvPr id="103" name="Text Placeholder 11"/>
-          <p:cNvSpPr/>
+          <p:cNvSpPr>
+            <a:spLocks noGrp="1"/>
+          </p:cNvSpPr>
           <p:nvPr>
             <p:ph type="body" sz="quarter" idx="27"/>
           </p:nvPr>
@@ -9683,7 +9958,7 @@
         </p:spPr>
         <p:txBody>
           <a:bodyPr anchor="ctr">
-            <a:normAutofit fontScale="100000" lnSpcReduction="0"/>
+            <a:normAutofit/>
           </a:bodyPr>
           <a:lstStyle/>
           <a:p>
@@ -9698,7 +9973,7 @@
               <a:buSzTx/>
               <a:buFontTx/>
               <a:buNone/>
-              <a:defRPr b="1" sz="2400">
+              <a:defRPr sz="2400" b="1">
                 <a:solidFill>
                   <a:srgbClr val="000000"/>
                 </a:solidFill>
@@ -9708,13 +9983,16 @@
                 <a:sym typeface="Tw Cen MT"/>
               </a:defRPr>
             </a:pPr>
+            <a:endParaRPr/>
           </a:p>
         </p:txBody>
       </p:sp>
       <p:sp>
         <p:nvSpPr>
           <p:cNvPr id="104" name="Text Placeholder 11"/>
-          <p:cNvSpPr/>
+          <p:cNvSpPr>
+            <a:spLocks noGrp="1"/>
+          </p:cNvSpPr>
           <p:nvPr>
             <p:ph type="body" sz="quarter" idx="28"/>
           </p:nvPr>
@@ -9736,7 +10014,7 @@
         </p:spPr>
         <p:txBody>
           <a:bodyPr>
-            <a:normAutofit fontScale="100000" lnSpcReduction="0"/>
+            <a:normAutofit/>
           </a:bodyPr>
           <a:lstStyle/>
           <a:p>
@@ -9753,13 +10031,16 @@
               <a:buNone/>
               <a:defRPr sz="1400"/>
             </a:pPr>
+            <a:endParaRPr/>
           </a:p>
         </p:txBody>
       </p:sp>
       <p:sp>
         <p:nvSpPr>
           <p:cNvPr id="105" name="Text Placeholder 54"/>
-          <p:cNvSpPr/>
+          <p:cNvSpPr>
+            <a:spLocks noGrp="1"/>
+          </p:cNvSpPr>
           <p:nvPr>
             <p:ph type="body" sz="quarter" idx="29"/>
           </p:nvPr>
@@ -9784,7 +10065,7 @@
         </p:spPr>
         <p:txBody>
           <a:bodyPr anchor="ctr">
-            <a:normAutofit fontScale="100000" lnSpcReduction="0"/>
+            <a:normAutofit/>
           </a:bodyPr>
           <a:lstStyle/>
           <a:p>
@@ -9799,7 +10080,7 @@
               <a:buSzTx/>
               <a:buFontTx/>
               <a:buNone/>
-              <a:defRPr b="1" sz="2400">
+              <a:defRPr sz="2400" b="1">
                 <a:solidFill>
                   <a:srgbClr val="000000"/>
                 </a:solidFill>
@@ -9809,13 +10090,16 @@
                 <a:sym typeface="Tw Cen MT"/>
               </a:defRPr>
             </a:pPr>
+            <a:endParaRPr/>
           </a:p>
         </p:txBody>
       </p:sp>
       <p:sp>
         <p:nvSpPr>
           <p:cNvPr id="106" name="Slide Number"/>
-          <p:cNvSpPr txBox="1"/>
+          <p:cNvSpPr txBox="1">
+            <a:spLocks noGrp="1"/>
+          </p:cNvSpPr>
           <p:nvPr>
             <p:ph type="sldNum" sz="quarter" idx="2"/>
           </p:nvPr>
@@ -9833,8 +10117,10 @@
           <a:bodyPr/>
           <a:lstStyle/>
           <a:p>
-            <a:pPr/>
-            <a:fld id="{86CB4B4D-7CA3-9044-876B-883B54F8677D}" type="slidenum"/>
+            <a:fld id="{86CB4B4D-7CA3-9044-876B-883B54F8677D}" type="slidenum">
+              <a:t>‹#›</a:t>
+            </a:fld>
+            <a:endParaRPr/>
           </a:p>
         </p:txBody>
       </p:sp>
@@ -9843,12 +10129,12 @@
   <p:clrMapOvr>
     <a:masterClrMapping/>
   </p:clrMapOvr>
-  <p:transition xmlns:p14="http://schemas.microsoft.com/office/powerpoint/2010/main" spd="med" advClick="1"/>
+  <p:transition spd="med"/>
 </p:sldLayout>
 </file>
 
 <file path=ppt/slideLayouts/slideLayout8.xml><?xml version="1.0" encoding="utf-8"?>
-<p:sldLayout xmlns:a="http://schemas.openxmlformats.org/drawingml/2006/main" xmlns:r="http://schemas.openxmlformats.org/officeDocument/2006/relationships" xmlns:p="http://schemas.openxmlformats.org/presentationml/2006/main" xmlns:m="http://schemas.openxmlformats.org/officeDocument/2006/math" xmlns:a14="http://schemas.microsoft.com/office/drawing/2010/main" type="tx" showMasterSp="1" showMasterPhAnim="1">
+<p:sldLayout xmlns:a="http://schemas.openxmlformats.org/drawingml/2006/main" xmlns:r="http://schemas.openxmlformats.org/officeDocument/2006/relationships" xmlns:p="http://schemas.openxmlformats.org/presentationml/2006/main" type="tx">
   <p:cSld name="Timeline">
     <p:spTree>
       <p:nvGrpSpPr>
@@ -9867,7 +10153,9 @@
       <p:sp>
         <p:nvSpPr>
           <p:cNvPr id="113" name="Title Text"/>
-          <p:cNvSpPr txBox="1"/>
+          <p:cNvSpPr txBox="1">
+            <a:spLocks noGrp="1"/>
+          </p:cNvSpPr>
           <p:nvPr>
             <p:ph type="title"/>
           </p:nvPr>
@@ -9887,7 +10175,6 @@
             <a:lvl1pPr algn="ctr"/>
           </a:lstStyle>
           <a:p>
-            <a:pPr/>
             <a:r>
               <a:t>Title Text</a:t>
             </a:r>
@@ -9897,7 +10184,9 @@
       <p:sp>
         <p:nvSpPr>
           <p:cNvPr id="114" name="Slide Number"/>
-          <p:cNvSpPr txBox="1"/>
+          <p:cNvSpPr txBox="1">
+            <a:spLocks noGrp="1"/>
+          </p:cNvSpPr>
           <p:nvPr>
             <p:ph type="sldNum" sz="quarter" idx="2"/>
           </p:nvPr>
@@ -9911,8 +10200,10 @@
           <a:bodyPr/>
           <a:lstStyle/>
           <a:p>
-            <a:pPr/>
-            <a:fld id="{86CB4B4D-7CA3-9044-876B-883B54F8677D}" type="slidenum"/>
+            <a:fld id="{86CB4B4D-7CA3-9044-876B-883B54F8677D}" type="slidenum">
+              <a:t>‹#›</a:t>
+            </a:fld>
+            <a:endParaRPr/>
           </a:p>
         </p:txBody>
       </p:sp>
@@ -9941,7 +10232,7 @@
           <a:bodyPr lIns="45719" rIns="45719"/>
           <a:lstStyle/>
           <a:p>
-            <a:pPr/>
+            <a:endParaRPr/>
           </a:p>
         </p:txBody>
       </p:sp>
@@ -9970,7 +10261,7 @@
           <a:bodyPr lIns="45719" rIns="45719"/>
           <a:lstStyle/>
           <a:p>
-            <a:pPr/>
+            <a:endParaRPr/>
           </a:p>
         </p:txBody>
       </p:sp>
@@ -9999,7 +10290,7 @@
           <a:bodyPr lIns="45719" rIns="45719"/>
           <a:lstStyle/>
           <a:p>
-            <a:pPr/>
+            <a:endParaRPr/>
           </a:p>
         </p:txBody>
       </p:sp>
@@ -10028,7 +10319,7 @@
           <a:bodyPr lIns="45719" rIns="45719"/>
           <a:lstStyle/>
           <a:p>
-            <a:pPr/>
+            <a:endParaRPr/>
           </a:p>
         </p:txBody>
       </p:sp>
@@ -10064,6 +10355,7 @@
                 </a:solidFill>
               </a:defRPr>
             </a:pPr>
+            <a:endParaRPr/>
           </a:p>
         </p:txBody>
       </p:sp>
@@ -10099,6 +10391,7 @@
                 </a:solidFill>
               </a:defRPr>
             </a:pPr>
+            <a:endParaRPr/>
           </a:p>
         </p:txBody>
       </p:sp>
@@ -10134,6 +10427,7 @@
                 </a:solidFill>
               </a:defRPr>
             </a:pPr>
+            <a:endParaRPr/>
           </a:p>
         </p:txBody>
       </p:sp>
@@ -10169,6 +10463,7 @@
                 </a:solidFill>
               </a:defRPr>
             </a:pPr>
+            <a:endParaRPr/>
           </a:p>
         </p:txBody>
       </p:sp>
@@ -10204,6 +10499,7 @@
                 </a:solidFill>
               </a:defRPr>
             </a:pPr>
+            <a:endParaRPr/>
           </a:p>
         </p:txBody>
       </p:sp>
@@ -10239,6 +10535,7 @@
                 </a:solidFill>
               </a:defRPr>
             </a:pPr>
+            <a:endParaRPr/>
           </a:p>
         </p:txBody>
       </p:sp>
@@ -10274,6 +10571,7 @@
                 </a:solidFill>
               </a:defRPr>
             </a:pPr>
+            <a:endParaRPr/>
           </a:p>
         </p:txBody>
       </p:sp>
@@ -10309,6 +10607,7 @@
                 </a:solidFill>
               </a:defRPr>
             </a:pPr>
+            <a:endParaRPr/>
           </a:p>
         </p:txBody>
       </p:sp>
@@ -10344,6 +10643,7 @@
                 </a:solidFill>
               </a:defRPr>
             </a:pPr>
+            <a:endParaRPr/>
           </a:p>
         </p:txBody>
       </p:sp>
@@ -10379,13 +10679,16 @@
                 </a:solidFill>
               </a:defRPr>
             </a:pPr>
+            <a:endParaRPr/>
           </a:p>
         </p:txBody>
       </p:sp>
       <p:sp>
         <p:nvSpPr>
           <p:cNvPr id="129" name="Body Level One…"/>
-          <p:cNvSpPr txBox="1"/>
+          <p:cNvSpPr txBox="1">
+            <a:spLocks noGrp="1"/>
+          </p:cNvSpPr>
           <p:nvPr>
             <p:ph type="body" sz="quarter" idx="1"/>
           </p:nvPr>
@@ -10401,7 +10704,7 @@
         </p:spPr>
         <p:txBody>
           <a:bodyPr>
-            <a:normAutofit fontScale="100000" lnSpcReduction="0"/>
+            <a:normAutofit/>
           </a:bodyPr>
           <a:lstStyle>
             <a:lvl1pPr marL="0" indent="0">
@@ -10415,7 +10718,7 @@
               <a:buSzTx/>
               <a:buFontTx/>
               <a:buNone/>
-              <a:defRPr b="1" sz="2400">
+              <a:defRPr sz="2400" b="1">
                 <a:latin typeface="Tw Cen MT"/>
                 <a:ea typeface="Tw Cen MT"/>
                 <a:cs typeface="Tw Cen MT"/>
@@ -10431,7 +10734,7 @@
               </a:spcBef>
               <a:buClrTx/>
               <a:buFontTx/>
-              <a:defRPr b="1" sz="2400">
+              <a:defRPr sz="2400" b="1">
                 <a:latin typeface="Tw Cen MT"/>
                 <a:ea typeface="Tw Cen MT"/>
                 <a:cs typeface="Tw Cen MT"/>
@@ -10447,7 +10750,7 @@
               </a:spcBef>
               <a:buClrTx/>
               <a:buFontTx/>
-              <a:defRPr b="1" sz="2400">
+              <a:defRPr sz="2400" b="1">
                 <a:latin typeface="Tw Cen MT"/>
                 <a:ea typeface="Tw Cen MT"/>
                 <a:cs typeface="Tw Cen MT"/>
@@ -10463,7 +10766,7 @@
               </a:spcBef>
               <a:buClrTx/>
               <a:buFontTx/>
-              <a:defRPr b="1" sz="2400">
+              <a:defRPr sz="2400" b="1">
                 <a:latin typeface="Tw Cen MT"/>
                 <a:ea typeface="Tw Cen MT"/>
                 <a:cs typeface="Tw Cen MT"/>
@@ -10479,7 +10782,7 @@
               </a:spcBef>
               <a:buClrTx/>
               <a:buFontTx/>
-              <a:defRPr b="1" sz="2400">
+              <a:defRPr sz="2400" b="1">
                 <a:latin typeface="Tw Cen MT"/>
                 <a:ea typeface="Tw Cen MT"/>
                 <a:cs typeface="Tw Cen MT"/>
@@ -10488,7 +10791,6 @@
             </a:lvl5pPr>
           </a:lstStyle>
           <a:p>
-            <a:pPr/>
             <a:r>
               <a:t>Body Level One</a:t>
             </a:r>
@@ -10522,7 +10824,9 @@
       <p:sp>
         <p:nvSpPr>
           <p:cNvPr id="130" name="Text Placeholder 11"/>
-          <p:cNvSpPr/>
+          <p:cNvSpPr>
+            <a:spLocks noGrp="1"/>
+          </p:cNvSpPr>
           <p:nvPr>
             <p:ph type="body" sz="quarter" idx="21"/>
           </p:nvPr>
@@ -10538,7 +10842,7 @@
         </p:spPr>
         <p:txBody>
           <a:bodyPr>
-            <a:normAutofit fontScale="100000" lnSpcReduction="0"/>
+            <a:normAutofit/>
           </a:bodyPr>
           <a:lstStyle/>
           <a:p>
@@ -10555,13 +10859,16 @@
               <a:buNone/>
               <a:defRPr sz="1400"/>
             </a:pPr>
+            <a:endParaRPr/>
           </a:p>
         </p:txBody>
       </p:sp>
       <p:sp>
         <p:nvSpPr>
           <p:cNvPr id="131" name="Text Placeholder 11"/>
-          <p:cNvSpPr/>
+          <p:cNvSpPr>
+            <a:spLocks noGrp="1"/>
+          </p:cNvSpPr>
           <p:nvPr>
             <p:ph type="body" sz="quarter" idx="22"/>
           </p:nvPr>
@@ -10577,7 +10884,7 @@
         </p:spPr>
         <p:txBody>
           <a:bodyPr>
-            <a:normAutofit fontScale="100000" lnSpcReduction="0"/>
+            <a:normAutofit/>
           </a:bodyPr>
           <a:lstStyle/>
           <a:p>
@@ -10592,20 +10899,23 @@
               <a:buSzTx/>
               <a:buFontTx/>
               <a:buNone/>
-              <a:defRPr b="1" sz="2400">
+              <a:defRPr sz="2400" b="1">
                 <a:latin typeface="Tw Cen MT"/>
                 <a:ea typeface="Tw Cen MT"/>
                 <a:cs typeface="Tw Cen MT"/>
                 <a:sym typeface="Tw Cen MT"/>
               </a:defRPr>
             </a:pPr>
+            <a:endParaRPr/>
           </a:p>
         </p:txBody>
       </p:sp>
       <p:sp>
         <p:nvSpPr>
           <p:cNvPr id="132" name="Text Placeholder 11"/>
-          <p:cNvSpPr/>
+          <p:cNvSpPr>
+            <a:spLocks noGrp="1"/>
+          </p:cNvSpPr>
           <p:nvPr>
             <p:ph type="body" sz="quarter" idx="23"/>
           </p:nvPr>
@@ -10621,7 +10931,7 @@
         </p:spPr>
         <p:txBody>
           <a:bodyPr>
-            <a:normAutofit fontScale="100000" lnSpcReduction="0"/>
+            <a:normAutofit/>
           </a:bodyPr>
           <a:lstStyle/>
           <a:p>
@@ -10638,13 +10948,16 @@
               <a:buNone/>
               <a:defRPr sz="1400"/>
             </a:pPr>
+            <a:endParaRPr/>
           </a:p>
         </p:txBody>
       </p:sp>
       <p:sp>
         <p:nvSpPr>
           <p:cNvPr id="133" name="Text Placeholder 11"/>
-          <p:cNvSpPr/>
+          <p:cNvSpPr>
+            <a:spLocks noGrp="1"/>
+          </p:cNvSpPr>
           <p:nvPr>
             <p:ph type="body" sz="quarter" idx="24"/>
           </p:nvPr>
@@ -10660,7 +10973,7 @@
         </p:spPr>
         <p:txBody>
           <a:bodyPr>
-            <a:normAutofit fontScale="100000" lnSpcReduction="0"/>
+            <a:normAutofit/>
           </a:bodyPr>
           <a:lstStyle/>
           <a:p>
@@ -10675,20 +10988,23 @@
               <a:buSzTx/>
               <a:buFontTx/>
               <a:buNone/>
-              <a:defRPr b="1" sz="2400">
+              <a:defRPr sz="2400" b="1">
                 <a:latin typeface="Tw Cen MT"/>
                 <a:ea typeface="Tw Cen MT"/>
                 <a:cs typeface="Tw Cen MT"/>
                 <a:sym typeface="Tw Cen MT"/>
               </a:defRPr>
             </a:pPr>
+            <a:endParaRPr/>
           </a:p>
         </p:txBody>
       </p:sp>
       <p:sp>
         <p:nvSpPr>
           <p:cNvPr id="134" name="Text Placeholder 11"/>
-          <p:cNvSpPr/>
+          <p:cNvSpPr>
+            <a:spLocks noGrp="1"/>
+          </p:cNvSpPr>
           <p:nvPr>
             <p:ph type="body" sz="quarter" idx="25"/>
           </p:nvPr>
@@ -10704,7 +11020,7 @@
         </p:spPr>
         <p:txBody>
           <a:bodyPr>
-            <a:normAutofit fontScale="100000" lnSpcReduction="0"/>
+            <a:normAutofit/>
           </a:bodyPr>
           <a:lstStyle/>
           <a:p>
@@ -10721,13 +11037,16 @@
               <a:buNone/>
               <a:defRPr sz="1400"/>
             </a:pPr>
+            <a:endParaRPr/>
           </a:p>
         </p:txBody>
       </p:sp>
       <p:sp>
         <p:nvSpPr>
           <p:cNvPr id="135" name="Text Placeholder 11"/>
-          <p:cNvSpPr/>
+          <p:cNvSpPr>
+            <a:spLocks noGrp="1"/>
+          </p:cNvSpPr>
           <p:nvPr>
             <p:ph type="body" sz="quarter" idx="26"/>
           </p:nvPr>
@@ -10743,7 +11062,7 @@
         </p:spPr>
         <p:txBody>
           <a:bodyPr>
-            <a:normAutofit fontScale="100000" lnSpcReduction="0"/>
+            <a:normAutofit/>
           </a:bodyPr>
           <a:lstStyle/>
           <a:p>
@@ -10758,20 +11077,23 @@
               <a:buSzTx/>
               <a:buFontTx/>
               <a:buNone/>
-              <a:defRPr b="1" sz="2400">
+              <a:defRPr sz="2400" b="1">
                 <a:latin typeface="Tw Cen MT"/>
                 <a:ea typeface="Tw Cen MT"/>
                 <a:cs typeface="Tw Cen MT"/>
                 <a:sym typeface="Tw Cen MT"/>
               </a:defRPr>
             </a:pPr>
+            <a:endParaRPr/>
           </a:p>
         </p:txBody>
       </p:sp>
       <p:sp>
         <p:nvSpPr>
           <p:cNvPr id="136" name="Text Placeholder 11"/>
-          <p:cNvSpPr/>
+          <p:cNvSpPr>
+            <a:spLocks noGrp="1"/>
+          </p:cNvSpPr>
           <p:nvPr>
             <p:ph type="body" sz="quarter" idx="27"/>
           </p:nvPr>
@@ -10787,7 +11109,7 @@
         </p:spPr>
         <p:txBody>
           <a:bodyPr>
-            <a:normAutofit fontScale="100000" lnSpcReduction="0"/>
+            <a:normAutofit/>
           </a:bodyPr>
           <a:lstStyle/>
           <a:p>
@@ -10804,13 +11126,16 @@
               <a:buNone/>
               <a:defRPr sz="1400"/>
             </a:pPr>
+            <a:endParaRPr/>
           </a:p>
         </p:txBody>
       </p:sp>
       <p:sp>
         <p:nvSpPr>
           <p:cNvPr id="137" name="Text Placeholder 11"/>
-          <p:cNvSpPr/>
+          <p:cNvSpPr>
+            <a:spLocks noGrp="1"/>
+          </p:cNvSpPr>
           <p:nvPr>
             <p:ph type="body" sz="quarter" idx="28"/>
           </p:nvPr>
@@ -10826,7 +11151,7 @@
         </p:spPr>
         <p:txBody>
           <a:bodyPr>
-            <a:normAutofit fontScale="100000" lnSpcReduction="0"/>
+            <a:normAutofit/>
           </a:bodyPr>
           <a:lstStyle/>
           <a:p>
@@ -10841,20 +11166,23 @@
               <a:buSzTx/>
               <a:buFontTx/>
               <a:buNone/>
-              <a:defRPr b="1" sz="2400">
+              <a:defRPr sz="2400" b="1">
                 <a:latin typeface="Tw Cen MT"/>
                 <a:ea typeface="Tw Cen MT"/>
                 <a:cs typeface="Tw Cen MT"/>
                 <a:sym typeface="Tw Cen MT"/>
               </a:defRPr>
             </a:pPr>
+            <a:endParaRPr/>
           </a:p>
         </p:txBody>
       </p:sp>
       <p:sp>
         <p:nvSpPr>
           <p:cNvPr id="138" name="Text Placeholder 11"/>
-          <p:cNvSpPr/>
+          <p:cNvSpPr>
+            <a:spLocks noGrp="1"/>
+          </p:cNvSpPr>
           <p:nvPr>
             <p:ph type="body" sz="quarter" idx="29"/>
           </p:nvPr>
@@ -10870,7 +11198,7 @@
         </p:spPr>
         <p:txBody>
           <a:bodyPr>
-            <a:normAutofit fontScale="100000" lnSpcReduction="0"/>
+            <a:normAutofit/>
           </a:bodyPr>
           <a:lstStyle/>
           <a:p>
@@ -10887,13 +11215,16 @@
               <a:buNone/>
               <a:defRPr sz="1400"/>
             </a:pPr>
+            <a:endParaRPr/>
           </a:p>
         </p:txBody>
       </p:sp>
       <p:sp>
         <p:nvSpPr>
           <p:cNvPr id="139" name="Picture Placeholder 29"/>
-          <p:cNvSpPr/>
+          <p:cNvSpPr>
+            <a:spLocks noGrp="1"/>
+          </p:cNvSpPr>
           <p:nvPr>
             <p:ph type="pic" sz="quarter" idx="30"/>
           </p:nvPr>
@@ -10911,14 +11242,16 @@
           <a:bodyPr lIns="91439" rIns="91439"/>
           <a:lstStyle/>
           <a:p>
-            <a:pPr/>
+            <a:endParaRPr/>
           </a:p>
         </p:txBody>
       </p:sp>
       <p:sp>
         <p:nvSpPr>
           <p:cNvPr id="140" name="Picture Placeholder 29"/>
-          <p:cNvSpPr/>
+          <p:cNvSpPr>
+            <a:spLocks noGrp="1"/>
+          </p:cNvSpPr>
           <p:nvPr>
             <p:ph type="pic" sz="quarter" idx="31"/>
           </p:nvPr>
@@ -10936,14 +11269,16 @@
           <a:bodyPr lIns="91439" rIns="91439"/>
           <a:lstStyle/>
           <a:p>
-            <a:pPr/>
+            <a:endParaRPr/>
           </a:p>
         </p:txBody>
       </p:sp>
       <p:sp>
         <p:nvSpPr>
           <p:cNvPr id="141" name="Picture Placeholder 29"/>
-          <p:cNvSpPr/>
+          <p:cNvSpPr>
+            <a:spLocks noGrp="1"/>
+          </p:cNvSpPr>
           <p:nvPr>
             <p:ph type="pic" sz="quarter" idx="32"/>
           </p:nvPr>
@@ -10961,14 +11296,16 @@
           <a:bodyPr lIns="91439" rIns="91439"/>
           <a:lstStyle/>
           <a:p>
-            <a:pPr/>
+            <a:endParaRPr/>
           </a:p>
         </p:txBody>
       </p:sp>
       <p:sp>
         <p:nvSpPr>
           <p:cNvPr id="142" name="Picture Placeholder 29"/>
-          <p:cNvSpPr/>
+          <p:cNvSpPr>
+            <a:spLocks noGrp="1"/>
+          </p:cNvSpPr>
           <p:nvPr>
             <p:ph type="pic" sz="quarter" idx="33"/>
           </p:nvPr>
@@ -10986,14 +11323,16 @@
           <a:bodyPr lIns="91439" rIns="91439"/>
           <a:lstStyle/>
           <a:p>
-            <a:pPr/>
+            <a:endParaRPr/>
           </a:p>
         </p:txBody>
       </p:sp>
       <p:sp>
         <p:nvSpPr>
           <p:cNvPr id="143" name="Picture Placeholder 29"/>
-          <p:cNvSpPr/>
+          <p:cNvSpPr>
+            <a:spLocks noGrp="1"/>
+          </p:cNvSpPr>
           <p:nvPr>
             <p:ph type="pic" sz="quarter" idx="34"/>
           </p:nvPr>
@@ -11011,14 +11350,16 @@
           <a:bodyPr lIns="91439" rIns="91439"/>
           <a:lstStyle/>
           <a:p>
-            <a:pPr/>
+            <a:endParaRPr/>
           </a:p>
         </p:txBody>
       </p:sp>
       <p:sp>
         <p:nvSpPr>
           <p:cNvPr id="144" name="Text Placeholder 11"/>
-          <p:cNvSpPr/>
+          <p:cNvSpPr>
+            <a:spLocks noGrp="1"/>
+          </p:cNvSpPr>
           <p:nvPr>
             <p:ph type="body" sz="quarter" idx="35"/>
           </p:nvPr>
@@ -11037,7 +11378,7 @@
         </p:spPr>
         <p:txBody>
           <a:bodyPr lIns="0" tIns="0" rIns="0" bIns="0" anchor="ctr">
-            <a:normAutofit fontScale="100000" lnSpcReduction="0"/>
+            <a:normAutofit/>
           </a:bodyPr>
           <a:lstStyle/>
           <a:p>
@@ -11060,13 +11401,16 @@
                 <a:sym typeface="Tw Cen MT"/>
               </a:defRPr>
             </a:pPr>
+            <a:endParaRPr/>
           </a:p>
         </p:txBody>
       </p:sp>
       <p:sp>
         <p:nvSpPr>
           <p:cNvPr id="145" name="Text Placeholder 11"/>
-          <p:cNvSpPr/>
+          <p:cNvSpPr>
+            <a:spLocks noGrp="1"/>
+          </p:cNvSpPr>
           <p:nvPr>
             <p:ph type="body" sz="quarter" idx="36"/>
           </p:nvPr>
@@ -11085,7 +11429,7 @@
         </p:spPr>
         <p:txBody>
           <a:bodyPr lIns="0" tIns="0" rIns="0" bIns="0" anchor="ctr">
-            <a:normAutofit fontScale="100000" lnSpcReduction="0"/>
+            <a:normAutofit/>
           </a:bodyPr>
           <a:lstStyle/>
           <a:p>
@@ -11108,13 +11452,16 @@
                 <a:sym typeface="Tw Cen MT"/>
               </a:defRPr>
             </a:pPr>
+            <a:endParaRPr/>
           </a:p>
         </p:txBody>
       </p:sp>
       <p:sp>
         <p:nvSpPr>
           <p:cNvPr id="146" name="Text Placeholder 11"/>
-          <p:cNvSpPr/>
+          <p:cNvSpPr>
+            <a:spLocks noGrp="1"/>
+          </p:cNvSpPr>
           <p:nvPr>
             <p:ph type="body" sz="quarter" idx="37"/>
           </p:nvPr>
@@ -11133,7 +11480,7 @@
         </p:spPr>
         <p:txBody>
           <a:bodyPr lIns="0" tIns="0" rIns="0" bIns="0" anchor="ctr">
-            <a:normAutofit fontScale="100000" lnSpcReduction="0"/>
+            <a:normAutofit/>
           </a:bodyPr>
           <a:lstStyle/>
           <a:p>
@@ -11156,13 +11503,16 @@
                 <a:sym typeface="Tw Cen MT"/>
               </a:defRPr>
             </a:pPr>
+            <a:endParaRPr/>
           </a:p>
         </p:txBody>
       </p:sp>
       <p:sp>
         <p:nvSpPr>
           <p:cNvPr id="147" name="Text Placeholder 11"/>
-          <p:cNvSpPr/>
+          <p:cNvSpPr>
+            <a:spLocks noGrp="1"/>
+          </p:cNvSpPr>
           <p:nvPr>
             <p:ph type="body" sz="quarter" idx="38"/>
           </p:nvPr>
@@ -11181,7 +11531,7 @@
         </p:spPr>
         <p:txBody>
           <a:bodyPr lIns="0" tIns="0" rIns="0" bIns="0" anchor="ctr">
-            <a:normAutofit fontScale="100000" lnSpcReduction="0"/>
+            <a:normAutofit/>
           </a:bodyPr>
           <a:lstStyle/>
           <a:p>
@@ -11204,13 +11554,16 @@
                 <a:sym typeface="Tw Cen MT"/>
               </a:defRPr>
             </a:pPr>
+            <a:endParaRPr/>
           </a:p>
         </p:txBody>
       </p:sp>
       <p:sp>
         <p:nvSpPr>
           <p:cNvPr id="148" name="Text Placeholder 11"/>
-          <p:cNvSpPr/>
+          <p:cNvSpPr>
+            <a:spLocks noGrp="1"/>
+          </p:cNvSpPr>
           <p:nvPr>
             <p:ph type="body" sz="quarter" idx="39"/>
           </p:nvPr>
@@ -11229,7 +11582,7 @@
         </p:spPr>
         <p:txBody>
           <a:bodyPr lIns="0" tIns="0" rIns="0" bIns="0" anchor="ctr">
-            <a:normAutofit fontScale="100000" lnSpcReduction="0"/>
+            <a:normAutofit/>
           </a:bodyPr>
           <a:lstStyle/>
           <a:p>
@@ -11252,6 +11605,7 @@
                 <a:sym typeface="Tw Cen MT"/>
               </a:defRPr>
             </a:pPr>
+            <a:endParaRPr/>
           </a:p>
         </p:txBody>
       </p:sp>
@@ -11260,12 +11614,12 @@
   <p:clrMapOvr>
     <a:masterClrMapping/>
   </p:clrMapOvr>
-  <p:transition xmlns:p14="http://schemas.microsoft.com/office/powerpoint/2010/main" spd="med" advClick="1"/>
+  <p:transition spd="med"/>
 </p:sldLayout>
 </file>
 
 <file path=ppt/slideLayouts/slideLayout9.xml><?xml version="1.0" encoding="utf-8"?>
-<p:sldLayout xmlns:a="http://schemas.openxmlformats.org/drawingml/2006/main" xmlns:r="http://schemas.openxmlformats.org/officeDocument/2006/relationships" xmlns:p="http://schemas.openxmlformats.org/presentationml/2006/main" xmlns:m="http://schemas.openxmlformats.org/officeDocument/2006/math" xmlns:a14="http://schemas.microsoft.com/office/drawing/2010/main" type="tx" showMasterSp="1" showMasterPhAnim="1">
+<p:sldLayout xmlns:a="http://schemas.openxmlformats.org/drawingml/2006/main" xmlns:r="http://schemas.openxmlformats.org/officeDocument/2006/relationships" xmlns:p="http://schemas.openxmlformats.org/presentationml/2006/main" type="tx">
   <p:cSld name="Comparison">
     <p:spTree>
       <p:nvGrpSpPr>
@@ -11312,7 +11666,7 @@
             </a:cxnLst>
             <a:rect l="0" t="0" r="r" b="b"/>
             <a:pathLst>
-              <a:path w="21600" h="21534" fill="norm" stroke="1" extrusionOk="0">
+              <a:path w="21600" h="21534" extrusionOk="0">
                 <a:moveTo>
                   <a:pt x="0" y="8140"/>
                 </a:moveTo>
@@ -11375,6 +11729,7 @@
                 </a:solidFill>
               </a:defRPr>
             </a:pPr>
+            <a:endParaRPr/>
           </a:p>
         </p:txBody>
       </p:sp>
@@ -11385,7 +11740,7 @@
           <p:nvPr/>
         </p:nvSpPr>
         <p:spPr>
-          <a:xfrm flipV="1" rot="16200000">
+          <a:xfrm rot="16200000" flipV="1">
             <a:off x="7907198" y="2573197"/>
             <a:ext cx="6858001" cy="1711603"/>
           </a:xfrm>
@@ -11409,7 +11764,7 @@
             </a:cxnLst>
             <a:rect l="0" t="0" r="r" b="b"/>
             <a:pathLst>
-              <a:path w="21600" h="21547" fill="norm" stroke="1" extrusionOk="0">
+              <a:path w="21600" h="21547" extrusionOk="0">
                 <a:moveTo>
                   <a:pt x="21600" y="12723"/>
                 </a:moveTo>
@@ -11477,6 +11832,7 @@
                 </a:solidFill>
               </a:defRPr>
             </a:pPr>
+            <a:endParaRPr/>
           </a:p>
         </p:txBody>
       </p:sp>
@@ -11511,7 +11867,7 @@
             </a:cxnLst>
             <a:rect l="0" t="0" r="r" b="b"/>
             <a:pathLst>
-              <a:path w="21600" h="21556" fill="norm" stroke="1" extrusionOk="0">
+              <a:path w="21600" h="21556" extrusionOk="0">
                 <a:moveTo>
                   <a:pt x="0" y="15497"/>
                 </a:moveTo>
@@ -11574,13 +11930,16 @@
                 </a:solidFill>
               </a:defRPr>
             </a:pPr>
+            <a:endParaRPr/>
           </a:p>
         </p:txBody>
       </p:sp>
       <p:sp>
         <p:nvSpPr>
           <p:cNvPr id="158" name="Title Text"/>
-          <p:cNvSpPr txBox="1"/>
+          <p:cNvSpPr txBox="1">
+            <a:spLocks noGrp="1"/>
+          </p:cNvSpPr>
           <p:nvPr>
             <p:ph type="title"/>
           </p:nvPr>
@@ -11598,7 +11957,6 @@
           <a:bodyPr anchor="b"/>
           <a:lstStyle/>
           <a:p>
-            <a:pPr/>
             <a:r>
               <a:t>Title Text</a:t>
             </a:r>
@@ -11608,7 +11966,9 @@
       <p:sp>
         <p:nvSpPr>
           <p:cNvPr id="159" name="Body Level One…"/>
-          <p:cNvSpPr txBox="1"/>
+          <p:cNvSpPr txBox="1">
+            <a:spLocks noGrp="1"/>
+          </p:cNvSpPr>
           <p:nvPr>
             <p:ph type="body" sz="quarter" idx="1"/>
           </p:nvPr>
@@ -11624,7 +11984,7 @@
         </p:spPr>
         <p:txBody>
           <a:bodyPr>
-            <a:normAutofit fontScale="100000" lnSpcReduction="0"/>
+            <a:normAutofit/>
           </a:bodyPr>
           <a:lstStyle>
             <a:lvl1pPr marL="0" indent="0">
@@ -11632,7 +11992,7 @@
               <a:buSzTx/>
               <a:buFontTx/>
               <a:buNone/>
-              <a:defRPr b="1" sz="2400">
+              <a:defRPr sz="2400" b="1">
                 <a:latin typeface="Tw Cen MT"/>
                 <a:ea typeface="Tw Cen MT"/>
                 <a:cs typeface="Tw Cen MT"/>
@@ -11644,7 +12004,7 @@
               <a:buSzTx/>
               <a:buFontTx/>
               <a:buNone/>
-              <a:defRPr b="1" sz="2400">
+              <a:defRPr sz="2400" b="1">
                 <a:latin typeface="Tw Cen MT"/>
                 <a:ea typeface="Tw Cen MT"/>
                 <a:cs typeface="Tw Cen MT"/>
@@ -11656,7 +12016,7 @@
               <a:buSzTx/>
               <a:buFontTx/>
               <a:buNone/>
-              <a:defRPr b="1" sz="2400">
+              <a:defRPr sz="2400" b="1">
                 <a:latin typeface="Tw Cen MT"/>
                 <a:ea typeface="Tw Cen MT"/>
                 <a:cs typeface="Tw Cen MT"/>
@@ -11668,7 +12028,7 @@
               <a:buSzTx/>
               <a:buFontTx/>
               <a:buNone/>
-              <a:defRPr b="1" sz="2400">
+              <a:defRPr sz="2400" b="1">
                 <a:latin typeface="Tw Cen MT"/>
                 <a:ea typeface="Tw Cen MT"/>
                 <a:cs typeface="Tw Cen MT"/>
@@ -11680,7 +12040,7 @@
               <a:buSzTx/>
               <a:buFontTx/>
               <a:buNone/>
-              <a:defRPr b="1" sz="2400">
+              <a:defRPr sz="2400" b="1">
                 <a:latin typeface="Tw Cen MT"/>
                 <a:ea typeface="Tw Cen MT"/>
                 <a:cs typeface="Tw Cen MT"/>
@@ -11689,7 +12049,6 @@
             </a:lvl5pPr>
           </a:lstStyle>
           <a:p>
-            <a:pPr/>
             <a:r>
               <a:t>Body Level One</a:t>
             </a:r>
@@ -11723,7 +12082,9 @@
       <p:sp>
         <p:nvSpPr>
           <p:cNvPr id="160" name="Text Placeholder 4"/>
-          <p:cNvSpPr/>
+          <p:cNvSpPr>
+            <a:spLocks noGrp="1"/>
+          </p:cNvSpPr>
           <p:nvPr>
             <p:ph type="body" sz="quarter" idx="21"/>
           </p:nvPr>
@@ -11739,7 +12100,7 @@
         </p:spPr>
         <p:txBody>
           <a:bodyPr>
-            <a:normAutofit fontScale="100000" lnSpcReduction="0"/>
+            <a:normAutofit/>
           </a:bodyPr>
           <a:lstStyle/>
           <a:p>
@@ -11748,20 +12109,23 @@
               <a:buSzTx/>
               <a:buFontTx/>
               <a:buNone/>
-              <a:defRPr b="1" sz="2400">
+              <a:defRPr sz="2400" b="1">
                 <a:latin typeface="Tw Cen MT"/>
                 <a:ea typeface="Tw Cen MT"/>
                 <a:cs typeface="Tw Cen MT"/>
                 <a:sym typeface="Tw Cen MT"/>
               </a:defRPr>
             </a:pPr>
+            <a:endParaRPr/>
           </a:p>
         </p:txBody>
       </p:sp>
       <p:sp>
         <p:nvSpPr>
           <p:cNvPr id="161" name="Slide Number"/>
-          <p:cNvSpPr txBox="1"/>
+          <p:cNvSpPr txBox="1">
+            <a:spLocks noGrp="1"/>
+          </p:cNvSpPr>
           <p:nvPr>
             <p:ph type="sldNum" sz="quarter" idx="2"/>
           </p:nvPr>
@@ -11775,8 +12139,10 @@
           <a:bodyPr/>
           <a:lstStyle/>
           <a:p>
-            <a:pPr/>
-            <a:fld id="{86CB4B4D-7CA3-9044-876B-883B54F8677D}" type="slidenum"/>
+            <a:fld id="{86CB4B4D-7CA3-9044-876B-883B54F8677D}" type="slidenum">
+              <a:t>‹#›</a:t>
+            </a:fld>
+            <a:endParaRPr/>
           </a:p>
         </p:txBody>
       </p:sp>
@@ -11785,18 +12151,19 @@
   <p:clrMapOvr>
     <a:masterClrMapping/>
   </p:clrMapOvr>
-  <p:transition xmlns:p14="http://schemas.microsoft.com/office/powerpoint/2010/main" spd="med" advClick="1"/>
+  <p:transition spd="med"/>
 </p:sldLayout>
 </file>
 
 <file path=ppt/slideMasters/slideMaster1.xml><?xml version="1.0" encoding="utf-8"?>
-<p:sldMaster xmlns:a="http://schemas.openxmlformats.org/drawingml/2006/main" xmlns:r="http://schemas.openxmlformats.org/officeDocument/2006/relationships" xmlns:p="http://schemas.openxmlformats.org/presentationml/2006/main" xmlns:m="http://schemas.openxmlformats.org/officeDocument/2006/math" xmlns:a14="http://schemas.microsoft.com/office/drawing/2010/main">
+<p:sldMaster xmlns:a="http://schemas.openxmlformats.org/drawingml/2006/main" xmlns:r="http://schemas.openxmlformats.org/officeDocument/2006/relationships" xmlns:p="http://schemas.openxmlformats.org/presentationml/2006/main">
   <p:cSld>
     <p:bg>
       <p:bgPr>
         <a:solidFill>
           <a:srgbClr val="102857"/>
         </a:solidFill>
+        <a:effectLst/>
       </p:bgPr>
     </p:bg>
     <p:spTree>
@@ -11838,14 +12205,16 @@
           <a:bodyPr lIns="45719" rIns="45719"/>
           <a:lstStyle/>
           <a:p>
-            <a:pPr/>
+            <a:endParaRPr/>
           </a:p>
         </p:txBody>
       </p:sp>
       <p:sp>
         <p:nvSpPr>
           <p:cNvPr id="3" name="Title Text"/>
-          <p:cNvSpPr txBox="1"/>
+          <p:cNvSpPr txBox="1">
+            <a:spLocks noGrp="1"/>
+          </p:cNvSpPr>
           <p:nvPr>
             <p:ph type="title"/>
           </p:nvPr>
@@ -11863,17 +12232,16 @@
           </a:ln>
           <a:extLst>
             <a:ext uri="{C572A759-6A51-4108-AA02-DFA0A04FC94B}">
-              <ma14:wrappingTextBoxFlag xmlns:ma14="http://schemas.microsoft.com/office/mac/drawingml/2011/main" val="1"/>
+              <ma14:wrappingTextBoxFlag xmlns:ma14="http://schemas.microsoft.com/office/mac/drawingml/2011/main" xmlns:a14="http://schemas.microsoft.com/office/drawing/2010/main" xmlns:m="http://schemas.openxmlformats.org/officeDocument/2006/math" xmlns="" val="1"/>
             </a:ext>
           </a:extLst>
         </p:spPr>
         <p:txBody>
           <a:bodyPr lIns="45719" rIns="45719" anchor="ctr">
-            <a:normAutofit fontScale="100000" lnSpcReduction="0"/>
+            <a:normAutofit/>
           </a:bodyPr>
           <a:lstStyle/>
           <a:p>
-            <a:pPr/>
             <a:r>
               <a:t>Title Text</a:t>
             </a:r>
@@ -11883,7 +12251,9 @@
       <p:sp>
         <p:nvSpPr>
           <p:cNvPr id="4" name="Slide Number"/>
-          <p:cNvSpPr txBox="1"/>
+          <p:cNvSpPr txBox="1">
+            <a:spLocks noGrp="1"/>
+          </p:cNvSpPr>
           <p:nvPr>
             <p:ph type="sldNum" sz="quarter" idx="2"/>
           </p:nvPr>
@@ -11914,15 +12284,19 @@
             </a:lvl1pPr>
           </a:lstStyle>
           <a:p>
-            <a:pPr/>
-            <a:fld id="{86CB4B4D-7CA3-9044-876B-883B54F8677D}" type="slidenum"/>
+            <a:fld id="{86CB4B4D-7CA3-9044-876B-883B54F8677D}" type="slidenum">
+              <a:t>‹#›</a:t>
+            </a:fld>
+            <a:endParaRPr/>
           </a:p>
         </p:txBody>
       </p:sp>
       <p:sp>
         <p:nvSpPr>
           <p:cNvPr id="5" name="Body Level One…"/>
-          <p:cNvSpPr txBox="1"/>
+          <p:cNvSpPr txBox="1">
+            <a:spLocks noGrp="1"/>
+          </p:cNvSpPr>
           <p:nvPr>
             <p:ph type="body" idx="1"/>
           </p:nvPr>
@@ -11940,7 +12314,7 @@
           </a:ln>
           <a:extLst>
             <a:ext uri="{C572A759-6A51-4108-AA02-DFA0A04FC94B}">
-              <ma14:wrappingTextBoxFlag xmlns:ma14="http://schemas.microsoft.com/office/mac/drawingml/2011/main" val="1"/>
+              <ma14:wrappingTextBoxFlag xmlns:ma14="http://schemas.microsoft.com/office/mac/drawingml/2011/main" xmlns:a14="http://schemas.microsoft.com/office/drawing/2010/main" xmlns:m="http://schemas.openxmlformats.org/officeDocument/2006/math" xmlns="" val="1"/>
             </a:ext>
           </a:extLst>
         </p:spPr>
@@ -11948,7 +12322,6 @@
           <a:bodyPr lIns="45719" rIns="45719"/>
           <a:lstStyle/>
           <a:p>
-            <a:pPr/>
             <a:r>
               <a:t>Body Level One</a:t>
             </a:r>
@@ -11983,27 +12356,27 @@
   </p:cSld>
   <p:clrMap bg1="lt1" tx1="dk1" bg2="lt2" tx2="dk2" accent1="accent1" accent2="accent2" accent3="accent3" accent4="accent4" accent5="accent5" accent6="accent6" hlink="hlink" folHlink="folHlink"/>
   <p:sldLayoutIdLst>
-    <p:sldLayoutId id="2147483649" r:id="rId2"/>
-    <p:sldLayoutId id="2147483650" r:id="rId3"/>
-    <p:sldLayoutId id="2147483651" r:id="rId4"/>
-    <p:sldLayoutId id="2147483652" r:id="rId5"/>
-    <p:sldLayoutId id="2147483653" r:id="rId6"/>
-    <p:sldLayoutId id="2147483654" r:id="rId7"/>
-    <p:sldLayoutId id="2147483655" r:id="rId8"/>
-    <p:sldLayoutId id="2147483656" r:id="rId9"/>
-    <p:sldLayoutId id="2147483657" r:id="rId10"/>
-    <p:sldLayoutId id="2147483658" r:id="rId11"/>
-    <p:sldLayoutId id="2147483659" r:id="rId12"/>
-    <p:sldLayoutId id="2147483660" r:id="rId13"/>
-    <p:sldLayoutId id="2147483661" r:id="rId14"/>
-    <p:sldLayoutId id="2147483662" r:id="rId15"/>
-    <p:sldLayoutId id="2147483663" r:id="rId16"/>
-    <p:sldLayoutId id="2147483664" r:id="rId17"/>
-    <p:sldLayoutId id="2147483665" r:id="rId18"/>
-    <p:sldLayoutId id="2147483666" r:id="rId19"/>
-    <p:sldLayoutId id="2147483667" r:id="rId20"/>
+    <p:sldLayoutId id="2147483649" r:id="rId1"/>
+    <p:sldLayoutId id="2147483650" r:id="rId2"/>
+    <p:sldLayoutId id="2147483651" r:id="rId3"/>
+    <p:sldLayoutId id="2147483652" r:id="rId4"/>
+    <p:sldLayoutId id="2147483653" r:id="rId5"/>
+    <p:sldLayoutId id="2147483654" r:id="rId6"/>
+    <p:sldLayoutId id="2147483655" r:id="rId7"/>
+    <p:sldLayoutId id="2147483656" r:id="rId8"/>
+    <p:sldLayoutId id="2147483657" r:id="rId9"/>
+    <p:sldLayoutId id="2147483658" r:id="rId10"/>
+    <p:sldLayoutId id="2147483659" r:id="rId11"/>
+    <p:sldLayoutId id="2147483660" r:id="rId12"/>
+    <p:sldLayoutId id="2147483661" r:id="rId13"/>
+    <p:sldLayoutId id="2147483662" r:id="rId14"/>
+    <p:sldLayoutId id="2147483663" r:id="rId15"/>
+    <p:sldLayoutId id="2147483664" r:id="rId16"/>
+    <p:sldLayoutId id="2147483665" r:id="rId17"/>
+    <p:sldLayoutId id="2147483666" r:id="rId18"/>
+    <p:sldLayoutId id="2147483667" r:id="rId19"/>
   </p:sldLayoutIdLst>
-  <p:transition xmlns:p14="http://schemas.microsoft.com/office/powerpoint/2010/main" spd="med" advClick="1"/>
+  <p:transition spd="med"/>
   <p:txStyles>
     <p:titleStyle>
       <a:lvl1pPr marL="0" marR="0" indent="0" algn="l" defTabSz="914400" rtl="0" latinLnBrk="0">
@@ -12021,7 +12394,7 @@
         <a:buFontTx/>
         <a:buNone/>
         <a:tabLst/>
-        <a:defRPr b="1" baseline="0" cap="all" i="0" spc="600" strike="noStrike" sz="4000" u="none">
+        <a:defRPr sz="4000" b="1" i="0" u="none" strike="noStrike" cap="all" spc="600" baseline="0">
           <a:solidFill>
             <a:srgbClr val="FFFFFF"/>
           </a:solidFill>
@@ -12047,7 +12420,7 @@
         <a:buFontTx/>
         <a:buNone/>
         <a:tabLst/>
-        <a:defRPr b="1" baseline="0" cap="all" i="0" spc="600" strike="noStrike" sz="4000" u="none">
+        <a:defRPr sz="4000" b="1" i="0" u="none" strike="noStrike" cap="all" spc="600" baseline="0">
           <a:solidFill>
             <a:srgbClr val="FFFFFF"/>
           </a:solidFill>
@@ -12073,7 +12446,7 @@
         <a:buFontTx/>
         <a:buNone/>
         <a:tabLst/>
-        <a:defRPr b="1" baseline="0" cap="all" i="0" spc="600" strike="noStrike" sz="4000" u="none">
+        <a:defRPr sz="4000" b="1" i="0" u="none" strike="noStrike" cap="all" spc="600" baseline="0">
           <a:solidFill>
             <a:srgbClr val="FFFFFF"/>
           </a:solidFill>
@@ -12099,7 +12472,7 @@
         <a:buFontTx/>
         <a:buNone/>
         <a:tabLst/>
-        <a:defRPr b="1" baseline="0" cap="all" i="0" spc="600" strike="noStrike" sz="4000" u="none">
+        <a:defRPr sz="4000" b="1" i="0" u="none" strike="noStrike" cap="all" spc="600" baseline="0">
           <a:solidFill>
             <a:srgbClr val="FFFFFF"/>
           </a:solidFill>
@@ -12125,7 +12498,7 @@
         <a:buFontTx/>
         <a:buNone/>
         <a:tabLst/>
-        <a:defRPr b="1" baseline="0" cap="all" i="0" spc="600" strike="noStrike" sz="4000" u="none">
+        <a:defRPr sz="4000" b="1" i="0" u="none" strike="noStrike" cap="all" spc="600" baseline="0">
           <a:solidFill>
             <a:srgbClr val="FFFFFF"/>
           </a:solidFill>
@@ -12151,7 +12524,7 @@
         <a:buFontTx/>
         <a:buNone/>
         <a:tabLst/>
-        <a:defRPr b="1" baseline="0" cap="all" i="0" spc="600" strike="noStrike" sz="4000" u="none">
+        <a:defRPr sz="4000" b="1" i="0" u="none" strike="noStrike" cap="all" spc="600" baseline="0">
           <a:solidFill>
             <a:srgbClr val="FFFFFF"/>
           </a:solidFill>
@@ -12177,7 +12550,7 @@
         <a:buFontTx/>
         <a:buNone/>
         <a:tabLst/>
-        <a:defRPr b="1" baseline="0" cap="all" i="0" spc="600" strike="noStrike" sz="4000" u="none">
+        <a:defRPr sz="4000" b="1" i="0" u="none" strike="noStrike" cap="all" spc="600" baseline="0">
           <a:solidFill>
             <a:srgbClr val="FFFFFF"/>
           </a:solidFill>
@@ -12203,7 +12576,7 @@
         <a:buFontTx/>
         <a:buNone/>
         <a:tabLst/>
-        <a:defRPr b="1" baseline="0" cap="all" i="0" spc="600" strike="noStrike" sz="4000" u="none">
+        <a:defRPr sz="4000" b="1" i="0" u="none" strike="noStrike" cap="all" spc="600" baseline="0">
           <a:solidFill>
             <a:srgbClr val="FFFFFF"/>
           </a:solidFill>
@@ -12229,7 +12602,7 @@
         <a:buFontTx/>
         <a:buNone/>
         <a:tabLst/>
-        <a:defRPr b="1" baseline="0" cap="all" i="0" spc="600" strike="noStrike" sz="4000" u="none">
+        <a:defRPr sz="4000" b="1" i="0" u="none" strike="noStrike" cap="all" spc="600" baseline="0">
           <a:solidFill>
             <a:srgbClr val="FFFFFF"/>
           </a:solidFill>
@@ -12259,7 +12632,7 @@
         <a:buFont typeface="Courier New"/>
         <a:buChar char="o"/>
         <a:tabLst/>
-        <a:defRPr b="0" baseline="0" cap="none" i="0" spc="0" strike="noStrike" sz="2800" u="none">
+        <a:defRPr sz="2800" b="0" i="0" u="none" strike="noStrike" cap="none" spc="0" baseline="0">
           <a:solidFill>
             <a:srgbClr val="FFFFFF"/>
           </a:solidFill>
@@ -12287,7 +12660,7 @@
         <a:buFont typeface="Courier New"/>
         <a:buChar char="o"/>
         <a:tabLst/>
-        <a:defRPr b="0" baseline="0" cap="none" i="0" spc="0" strike="noStrike" sz="2800" u="none">
+        <a:defRPr sz="2800" b="0" i="0" u="none" strike="noStrike" cap="none" spc="0" baseline="0">
           <a:solidFill>
             <a:srgbClr val="FFFFFF"/>
           </a:solidFill>
@@ -12315,7 +12688,7 @@
         <a:buFont typeface="Courier New"/>
         <a:buChar char="o"/>
         <a:tabLst/>
-        <a:defRPr b="0" baseline="0" cap="none" i="0" spc="0" strike="noStrike" sz="2800" u="none">
+        <a:defRPr sz="2800" b="0" i="0" u="none" strike="noStrike" cap="none" spc="0" baseline="0">
           <a:solidFill>
             <a:srgbClr val="FFFFFF"/>
           </a:solidFill>
@@ -12343,7 +12716,7 @@
         <a:buFont typeface="Courier New"/>
         <a:buChar char="o"/>
         <a:tabLst/>
-        <a:defRPr b="0" baseline="0" cap="none" i="0" spc="0" strike="noStrike" sz="2800" u="none">
+        <a:defRPr sz="2800" b="0" i="0" u="none" strike="noStrike" cap="none" spc="0" baseline="0">
           <a:solidFill>
             <a:srgbClr val="FFFFFF"/>
           </a:solidFill>
@@ -12371,7 +12744,7 @@
         <a:buFont typeface="Courier New"/>
         <a:buChar char="o"/>
         <a:tabLst/>
-        <a:defRPr b="0" baseline="0" cap="none" i="0" spc="0" strike="noStrike" sz="2800" u="none">
+        <a:defRPr sz="2800" b="0" i="0" u="none" strike="noStrike" cap="none" spc="0" baseline="0">
           <a:solidFill>
             <a:srgbClr val="FFFFFF"/>
           </a:solidFill>
@@ -12399,7 +12772,7 @@
         <a:buFont typeface="Courier New"/>
         <a:buChar char="•"/>
         <a:tabLst/>
-        <a:defRPr b="0" baseline="0" cap="none" i="0" spc="0" strike="noStrike" sz="2800" u="none">
+        <a:defRPr sz="2800" b="0" i="0" u="none" strike="noStrike" cap="none" spc="0" baseline="0">
           <a:solidFill>
             <a:srgbClr val="FFFFFF"/>
           </a:solidFill>
@@ -12427,7 +12800,7 @@
         <a:buFont typeface="Courier New"/>
         <a:buChar char="•"/>
         <a:tabLst/>
-        <a:defRPr b="0" baseline="0" cap="none" i="0" spc="0" strike="noStrike" sz="2800" u="none">
+        <a:defRPr sz="2800" b="0" i="0" u="none" strike="noStrike" cap="none" spc="0" baseline="0">
           <a:solidFill>
             <a:srgbClr val="FFFFFF"/>
           </a:solidFill>
@@ -12455,7 +12828,7 @@
         <a:buFont typeface="Courier New"/>
         <a:buChar char="•"/>
         <a:tabLst/>
-        <a:defRPr b="0" baseline="0" cap="none" i="0" spc="0" strike="noStrike" sz="2800" u="none">
+        <a:defRPr sz="2800" b="0" i="0" u="none" strike="noStrike" cap="none" spc="0" baseline="0">
           <a:solidFill>
             <a:srgbClr val="FFFFFF"/>
           </a:solidFill>
@@ -12483,7 +12856,7 @@
         <a:buFont typeface="Courier New"/>
         <a:buChar char="•"/>
         <a:tabLst/>
-        <a:defRPr b="0" baseline="0" cap="none" i="0" spc="0" strike="noStrike" sz="2800" u="none">
+        <a:defRPr sz="2800" b="0" i="0" u="none" strike="noStrike" cap="none" spc="0" baseline="0">
           <a:solidFill>
             <a:srgbClr val="FFFFFF"/>
           </a:solidFill>
@@ -12511,7 +12884,7 @@
         <a:buFontTx/>
         <a:buNone/>
         <a:tabLst/>
-        <a:defRPr b="0" baseline="0" cap="none" i="0" spc="0" strike="noStrike" sz="1200" u="none">
+        <a:defRPr sz="1200" b="0" i="0" u="none" strike="noStrike" cap="none" spc="0" baseline="0">
           <a:solidFill>
             <a:schemeClr val="tx1"/>
           </a:solidFill>
@@ -12537,7 +12910,7 @@
         <a:buFontTx/>
         <a:buNone/>
         <a:tabLst/>
-        <a:defRPr b="0" baseline="0" cap="none" i="0" spc="0" strike="noStrike" sz="1200" u="none">
+        <a:defRPr sz="1200" b="0" i="0" u="none" strike="noStrike" cap="none" spc="0" baseline="0">
           <a:solidFill>
             <a:schemeClr val="tx1"/>
           </a:solidFill>
@@ -12563,7 +12936,7 @@
         <a:buFontTx/>
         <a:buNone/>
         <a:tabLst/>
-        <a:defRPr b="0" baseline="0" cap="none" i="0" spc="0" strike="noStrike" sz="1200" u="none">
+        <a:defRPr sz="1200" b="0" i="0" u="none" strike="noStrike" cap="none" spc="0" baseline="0">
           <a:solidFill>
             <a:schemeClr val="tx1"/>
           </a:solidFill>
@@ -12589,7 +12962,7 @@
         <a:buFontTx/>
         <a:buNone/>
         <a:tabLst/>
-        <a:defRPr b="0" baseline="0" cap="none" i="0" spc="0" strike="noStrike" sz="1200" u="none">
+        <a:defRPr sz="1200" b="0" i="0" u="none" strike="noStrike" cap="none" spc="0" baseline="0">
           <a:solidFill>
             <a:schemeClr val="tx1"/>
           </a:solidFill>
@@ -12615,7 +12988,7 @@
         <a:buFontTx/>
         <a:buNone/>
         <a:tabLst/>
-        <a:defRPr b="0" baseline="0" cap="none" i="0" spc="0" strike="noStrike" sz="1200" u="none">
+        <a:defRPr sz="1200" b="0" i="0" u="none" strike="noStrike" cap="none" spc="0" baseline="0">
           <a:solidFill>
             <a:schemeClr val="tx1"/>
           </a:solidFill>
@@ -12641,7 +13014,7 @@
         <a:buFontTx/>
         <a:buNone/>
         <a:tabLst/>
-        <a:defRPr b="0" baseline="0" cap="none" i="0" spc="0" strike="noStrike" sz="1200" u="none">
+        <a:defRPr sz="1200" b="0" i="0" u="none" strike="noStrike" cap="none" spc="0" baseline="0">
           <a:solidFill>
             <a:schemeClr val="tx1"/>
           </a:solidFill>
@@ -12667,7 +13040,7 @@
         <a:buFontTx/>
         <a:buNone/>
         <a:tabLst/>
-        <a:defRPr b="0" baseline="0" cap="none" i="0" spc="0" strike="noStrike" sz="1200" u="none">
+        <a:defRPr sz="1200" b="0" i="0" u="none" strike="noStrike" cap="none" spc="0" baseline="0">
           <a:solidFill>
             <a:schemeClr val="tx1"/>
           </a:solidFill>
@@ -12693,7 +13066,7 @@
         <a:buFontTx/>
         <a:buNone/>
         <a:tabLst/>
-        <a:defRPr b="0" baseline="0" cap="none" i="0" spc="0" strike="noStrike" sz="1200" u="none">
+        <a:defRPr sz="1200" b="0" i="0" u="none" strike="noStrike" cap="none" spc="0" baseline="0">
           <a:solidFill>
             <a:schemeClr val="tx1"/>
           </a:solidFill>
@@ -12719,7 +13092,7 @@
         <a:buFontTx/>
         <a:buNone/>
         <a:tabLst/>
-        <a:defRPr b="0" baseline="0" cap="none" i="0" spc="0" strike="noStrike" sz="1200" u="none">
+        <a:defRPr sz="1200" b="0" i="0" u="none" strike="noStrike" cap="none" spc="0" baseline="0">
           <a:solidFill>
             <a:schemeClr val="tx1"/>
           </a:solidFill>
@@ -12736,7 +13109,7 @@
 </file>
 
 <file path=ppt/slides/slide1.xml><?xml version="1.0" encoding="utf-8"?>
-<p:sld xmlns:a="http://schemas.openxmlformats.org/drawingml/2006/main" xmlns:r="http://schemas.openxmlformats.org/officeDocument/2006/relationships" xmlns:p="http://schemas.openxmlformats.org/presentationml/2006/main" xmlns:m="http://schemas.openxmlformats.org/officeDocument/2006/math" xmlns:a14="http://schemas.microsoft.com/office/drawing/2010/main" showMasterSp="1" showMasterPhAnim="1">
+<p:sld xmlns:a="http://schemas.openxmlformats.org/drawingml/2006/main" xmlns:r="http://schemas.openxmlformats.org/officeDocument/2006/relationships" xmlns:p="http://schemas.openxmlformats.org/presentationml/2006/main">
   <p:cSld>
     <p:spTree>
       <p:nvGrpSpPr>
@@ -12755,7 +13128,9 @@
       <p:sp>
         <p:nvSpPr>
           <p:cNvPr id="325" name="Title 1"/>
-          <p:cNvSpPr txBox="1"/>
+          <p:cNvSpPr txBox="1">
+            <a:spLocks noGrp="1"/>
+          </p:cNvSpPr>
           <p:nvPr>
             <p:ph type="ctrTitle"/>
           </p:nvPr>
@@ -12770,14 +13145,15 @@
           </a:prstGeom>
         </p:spPr>
         <p:txBody>
-          <a:bodyPr/>
+          <a:bodyPr>
+            <a:normAutofit fontScale="90000"/>
+          </a:bodyPr>
           <a:lstStyle>
             <a:lvl1pPr defTabSz="694944">
-              <a:defRPr spc="456" sz="2736"/>
+              <a:defRPr sz="2736" spc="456"/>
             </a:lvl1pPr>
           </a:lstStyle>
           <a:p>
-            <a:pPr/>
             <a:r>
               <a:t>Identifying the predictability of National Football League Teams success based on Team and Quarterback elo ratings, game location and referee favorability</a:t>
             </a:r>
@@ -12787,7 +13163,9 @@
       <p:sp>
         <p:nvSpPr>
           <p:cNvPr id="326" name="Subtitle 2"/>
-          <p:cNvSpPr txBox="1"/>
+          <p:cNvSpPr txBox="1">
+            <a:spLocks noGrp="1"/>
+          </p:cNvSpPr>
           <p:nvPr>
             <p:ph type="subTitle" sz="quarter" idx="1"/>
           </p:nvPr>
@@ -12795,14 +13173,16 @@
         <p:spPr>
           <a:xfrm>
             <a:off x="2560320" y="4261103"/>
-            <a:ext cx="7068313" cy="758953"/>
-          </a:xfrm>
-          <a:prstGeom prst="rect">
-            <a:avLst/>
-          </a:prstGeom>
-        </p:spPr>
-        <p:txBody>
-          <a:bodyPr/>
+            <a:ext cx="7068313" cy="1657097"/>
+          </a:xfrm>
+          <a:prstGeom prst="rect">
+            <a:avLst/>
+          </a:prstGeom>
+        </p:spPr>
+        <p:txBody>
+          <a:bodyPr>
+            <a:normAutofit/>
+          </a:bodyPr>
           <a:lstStyle/>
           <a:p>
             <a:pPr defTabSz="365760">
@@ -12812,6 +13192,7 @@
               <a:defRPr sz="960"/>
             </a:pPr>
             <a:r>
+              <a:rPr sz="1800" dirty="0"/>
               <a:t>Group Members:</a:t>
             </a:r>
           </a:p>
@@ -12823,6 +13204,7 @@
               <a:defRPr sz="960"/>
             </a:pPr>
             <a:r>
+              <a:rPr sz="1800" dirty="0"/>
               <a:t>Ajay Kumar</a:t>
             </a:r>
           </a:p>
@@ -12834,8 +13216,14 @@
               <a:defRPr sz="960"/>
             </a:pPr>
             <a:r>
-              <a:t>Anthony Craig Senatore</a:t>
-            </a:r>
+              <a:rPr sz="1800" dirty="0"/>
+              <a:t>Anthony Craig </a:t>
+            </a:r>
+            <a:r>
+              <a:rPr sz="1800" dirty="0" err="1"/>
+              <a:t>Senatore</a:t>
+            </a:r>
+            <a:endParaRPr sz="1800" dirty="0"/>
           </a:p>
           <a:p>
             <a:pPr defTabSz="365760">
@@ -12845,8 +13233,14 @@
               <a:defRPr sz="960"/>
             </a:pPr>
             <a:r>
-              <a:t>Joe Erste</a:t>
-            </a:r>
+              <a:rPr sz="1800" dirty="0"/>
+              <a:t>Joe </a:t>
+            </a:r>
+            <a:r>
+              <a:rPr sz="1800" dirty="0" err="1"/>
+              <a:t>Erste</a:t>
+            </a:r>
+            <a:endParaRPr sz="1800" dirty="0"/>
           </a:p>
           <a:p>
             <a:pPr defTabSz="365760">
@@ -12856,6 +13250,7 @@
               <a:defRPr sz="960"/>
             </a:pPr>
             <a:r>
+              <a:rPr sz="1800" dirty="0"/>
               <a:t>Lane Melton</a:t>
             </a:r>
           </a:p>
@@ -12866,12 +13261,12 @@
   <p:clrMapOvr>
     <a:masterClrMapping/>
   </p:clrMapOvr>
-  <p:transition xmlns:p14="http://schemas.microsoft.com/office/powerpoint/2010/main" spd="med" advClick="1"/>
+  <p:transition spd="med"/>
 </p:sld>
 </file>
 
 <file path=ppt/slides/slide10.xml><?xml version="1.0" encoding="utf-8"?>
-<p:sld xmlns:a="http://schemas.openxmlformats.org/drawingml/2006/main" xmlns:r="http://schemas.openxmlformats.org/officeDocument/2006/relationships" xmlns:p="http://schemas.openxmlformats.org/presentationml/2006/main" xmlns:m="http://schemas.openxmlformats.org/officeDocument/2006/math" xmlns:a14="http://schemas.microsoft.com/office/drawing/2010/main" showMasterSp="1" showMasterPhAnim="1">
+<p:sld xmlns:a="http://schemas.openxmlformats.org/drawingml/2006/main" xmlns:r="http://schemas.openxmlformats.org/officeDocument/2006/relationships" xmlns:p="http://schemas.openxmlformats.org/presentationml/2006/main">
   <p:cSld>
     <p:spTree>
       <p:nvGrpSpPr>
@@ -12890,7 +13285,9 @@
       <p:sp>
         <p:nvSpPr>
           <p:cNvPr id="356" name="Optimizing Model"/>
-          <p:cNvSpPr txBox="1"/>
+          <p:cNvSpPr txBox="1">
+            <a:spLocks noGrp="1"/>
+          </p:cNvSpPr>
           <p:nvPr>
             <p:ph type="title"/>
           </p:nvPr>
@@ -12905,14 +13302,15 @@
           </a:prstGeom>
         </p:spPr>
         <p:txBody>
-          <a:bodyPr/>
+          <a:bodyPr>
+            <a:normAutofit fontScale="90000"/>
+          </a:bodyPr>
           <a:lstStyle>
             <a:lvl1pPr defTabSz="886968">
-              <a:defRPr spc="480" sz="3201"/>
+              <a:defRPr sz="3201" spc="480"/>
             </a:lvl1pPr>
           </a:lstStyle>
           <a:p>
-            <a:pPr/>
             <a:r>
               <a:t>Optimizing Model</a:t>
             </a:r>
@@ -12922,7 +13320,9 @@
       <p:sp>
         <p:nvSpPr>
           <p:cNvPr id="357" name="Did more analysis on the top 3 models by changing different hyper-parameters for those models using GridSearch."/>
-          <p:cNvSpPr txBox="1"/>
+          <p:cNvSpPr txBox="1">
+            <a:spLocks noGrp="1"/>
+          </p:cNvSpPr>
           <p:nvPr>
             <p:ph type="body" sz="quarter" idx="1"/>
           </p:nvPr>
@@ -12940,7 +13340,6 @@
           <a:bodyPr/>
           <a:lstStyle/>
           <a:p>
-            <a:pPr/>
             <a:r>
               <a:t>Did more analysis on the top 3 models by changing different hyper-parameters for those models using GridSearch.</a:t>
             </a:r>
@@ -12966,13 +13365,13 @@
           </a:ln>
           <a:extLst>
             <a:ext uri="{C572A759-6A51-4108-AA02-DFA0A04FC94B}">
-              <ma14:wrappingTextBoxFlag xmlns:ma14="http://schemas.microsoft.com/office/mac/drawingml/2011/main" val="1"/>
+              <ma14:wrappingTextBoxFlag xmlns:ma14="http://schemas.microsoft.com/office/mac/drawingml/2011/main" xmlns:a14="http://schemas.microsoft.com/office/drawing/2010/main" xmlns:m="http://schemas.openxmlformats.org/officeDocument/2006/math" xmlns="" val="1"/>
             </a:ext>
           </a:extLst>
         </p:spPr>
         <p:txBody>
           <a:bodyPr lIns="45719" rIns="45719">
-            <a:normAutofit fontScale="100000" lnSpcReduction="0"/>
+            <a:normAutofit/>
           </a:bodyPr>
           <a:lstStyle>
             <a:lvl1pPr algn="ctr">
@@ -12987,7 +13386,6 @@
             </a:lvl1pPr>
           </a:lstStyle>
           <a:p>
-            <a:pPr/>
             <a:r>
               <a:t>Next, run more metrics using Logistic Regression like classification reports, confusion matrix, prediction probabilities.  </a:t>
             </a:r>
@@ -13003,9 +13401,7 @@
           <p:nvPr/>
         </p:nvPicPr>
         <p:blipFill>
-          <a:blip r:embed="rId2">
-            <a:extLst/>
-          </a:blip>
+          <a:blip r:embed="rId2"/>
           <a:stretch>
             <a:fillRect/>
           </a:stretch>
@@ -13032,10 +13428,8 @@
           <p:nvPr/>
         </p:nvPicPr>
         <p:blipFill>
-          <a:blip r:embed="rId3">
-            <a:extLst/>
-          </a:blip>
-          <a:srcRect l="0" t="0" r="0" b="0"/>
+          <a:blip r:embed="rId3"/>
+          <a:srcRect/>
           <a:stretch>
             <a:fillRect/>
           </a:stretch>
@@ -13062,9 +13456,7 @@
           <p:nvPr/>
         </p:nvPicPr>
         <p:blipFill>
-          <a:blip r:embed="rId4">
-            <a:extLst/>
-          </a:blip>
+          <a:blip r:embed="rId4"/>
           <a:stretch>
             <a:fillRect/>
           </a:stretch>
@@ -13101,7 +13493,7 @@
           </a:ln>
           <a:extLst>
             <a:ext uri="{C572A759-6A51-4108-AA02-DFA0A04FC94B}">
-              <ma14:wrappingTextBoxFlag xmlns:ma14="http://schemas.microsoft.com/office/mac/drawingml/2011/main" val="1"/>
+              <ma14:wrappingTextBoxFlag xmlns:ma14="http://schemas.microsoft.com/office/mac/drawingml/2011/main" xmlns:a14="http://schemas.microsoft.com/office/drawing/2010/main" xmlns:m="http://schemas.openxmlformats.org/officeDocument/2006/math" xmlns="" val="1"/>
             </a:ext>
           </a:extLst>
         </p:spPr>
@@ -13121,7 +13513,6 @@
             </a:lvl1pPr>
           </a:lstStyle>
           <a:p>
-            <a:pPr/>
             <a:r>
               <a:t>LR</a:t>
             </a:r>
@@ -13147,7 +13538,7 @@
           </a:ln>
           <a:extLst>
             <a:ext uri="{C572A759-6A51-4108-AA02-DFA0A04FC94B}">
-              <ma14:wrappingTextBoxFlag xmlns:ma14="http://schemas.microsoft.com/office/mac/drawingml/2011/main" val="1"/>
+              <ma14:wrappingTextBoxFlag xmlns:ma14="http://schemas.microsoft.com/office/mac/drawingml/2011/main" xmlns:a14="http://schemas.microsoft.com/office/drawing/2010/main" xmlns:m="http://schemas.openxmlformats.org/officeDocument/2006/math" xmlns="" val="1"/>
             </a:ext>
           </a:extLst>
         </p:spPr>
@@ -13167,7 +13558,6 @@
             </a:lvl1pPr>
           </a:lstStyle>
           <a:p>
-            <a:pPr/>
             <a:r>
               <a:t>SVC</a:t>
             </a:r>
@@ -13193,7 +13583,7 @@
           </a:ln>
           <a:extLst>
             <a:ext uri="{C572A759-6A51-4108-AA02-DFA0A04FC94B}">
-              <ma14:wrappingTextBoxFlag xmlns:ma14="http://schemas.microsoft.com/office/mac/drawingml/2011/main" val="1"/>
+              <ma14:wrappingTextBoxFlag xmlns:ma14="http://schemas.microsoft.com/office/mac/drawingml/2011/main" xmlns:a14="http://schemas.microsoft.com/office/drawing/2010/main" xmlns:m="http://schemas.openxmlformats.org/officeDocument/2006/math" xmlns="" val="1"/>
             </a:ext>
           </a:extLst>
         </p:spPr>
@@ -13213,7 +13603,6 @@
             </a:lvl1pPr>
           </a:lstStyle>
           <a:p>
-            <a:pPr/>
             <a:r>
               <a:t>Ada</a:t>
             </a:r>
@@ -13229,9 +13618,7 @@
           <p:nvPr/>
         </p:nvPicPr>
         <p:blipFill>
-          <a:blip r:embed="rId5">
-            <a:extLst/>
-          </a:blip>
+          <a:blip r:embed="rId5"/>
           <a:stretch>
             <a:fillRect/>
           </a:stretch>
@@ -13258,9 +13645,7 @@
           <p:nvPr/>
         </p:nvPicPr>
         <p:blipFill>
-          <a:blip r:embed="rId6">
-            <a:extLst/>
-          </a:blip>
+          <a:blip r:embed="rId6"/>
           <a:stretch>
             <a:fillRect/>
           </a:stretch>
@@ -13283,12 +13668,12 @@
   <p:clrMapOvr>
     <a:masterClrMapping/>
   </p:clrMapOvr>
-  <p:transition xmlns:p14="http://schemas.microsoft.com/office/powerpoint/2010/main" spd="med" advClick="1"/>
+  <p:transition spd="med"/>
 </p:sld>
 </file>
 
 <file path=ppt/slides/slide11.xml><?xml version="1.0" encoding="utf-8"?>
-<p:sld xmlns:a="http://schemas.openxmlformats.org/drawingml/2006/main" xmlns:r="http://schemas.openxmlformats.org/officeDocument/2006/relationships" xmlns:p="http://schemas.openxmlformats.org/presentationml/2006/main" xmlns:m="http://schemas.openxmlformats.org/officeDocument/2006/math" xmlns:a14="http://schemas.microsoft.com/office/drawing/2010/main" showMasterSp="1" showMasterPhAnim="1">
+<p:sld xmlns:a="http://schemas.openxmlformats.org/drawingml/2006/main" xmlns:r="http://schemas.openxmlformats.org/officeDocument/2006/relationships" xmlns:p="http://schemas.openxmlformats.org/presentationml/2006/main">
   <p:cSld>
     <p:spTree>
       <p:nvGrpSpPr>
@@ -13307,7 +13692,9 @@
       <p:sp>
         <p:nvSpPr>
           <p:cNvPr id="368" name="Training by Teams"/>
-          <p:cNvSpPr txBox="1"/>
+          <p:cNvSpPr txBox="1">
+            <a:spLocks noGrp="1"/>
+          </p:cNvSpPr>
           <p:nvPr>
             <p:ph type="title"/>
           </p:nvPr>
@@ -13325,11 +13712,10 @@
           <a:bodyPr/>
           <a:lstStyle>
             <a:lvl1pPr>
-              <a:defRPr spc="495" sz="3300"/>
+              <a:defRPr sz="3300" spc="495"/>
             </a:lvl1pPr>
           </a:lstStyle>
           <a:p>
-            <a:pPr/>
             <a:r>
               <a:t>Training by Teams</a:t>
             </a:r>
@@ -13339,7 +13725,9 @@
       <p:sp>
         <p:nvSpPr>
           <p:cNvPr id="369" name="Grouped teams with more than 500 games and ran the model to fit and predict individual Home teams and Visiting teams.…"/>
-          <p:cNvSpPr txBox="1"/>
+          <p:cNvSpPr txBox="1">
+            <a:spLocks noGrp="1"/>
+          </p:cNvSpPr>
           <p:nvPr>
             <p:ph type="body" sz="quarter" idx="1"/>
           </p:nvPr>
@@ -13389,9 +13777,7 @@
           <p:nvPr/>
         </p:nvPicPr>
         <p:blipFill>
-          <a:blip r:embed="rId2">
-            <a:extLst/>
-          </a:blip>
+          <a:blip r:embed="rId2"/>
           <a:stretch>
             <a:fillRect/>
           </a:stretch>
@@ -13418,9 +13804,7 @@
           <p:nvPr/>
         </p:nvPicPr>
         <p:blipFill>
-          <a:blip r:embed="rId3">
-            <a:extLst/>
-          </a:blip>
+          <a:blip r:embed="rId3"/>
           <a:stretch>
             <a:fillRect/>
           </a:stretch>
@@ -13443,12 +13827,12 @@
   <p:clrMapOvr>
     <a:masterClrMapping/>
   </p:clrMapOvr>
-  <p:transition xmlns:p14="http://schemas.microsoft.com/office/powerpoint/2010/main" spd="med" advClick="1"/>
+  <p:transition spd="med"/>
 </p:sld>
 </file>
 
 <file path=ppt/slides/slide12.xml><?xml version="1.0" encoding="utf-8"?>
-<p:sld xmlns:a="http://schemas.openxmlformats.org/drawingml/2006/main" xmlns:r="http://schemas.openxmlformats.org/officeDocument/2006/relationships" xmlns:p="http://schemas.openxmlformats.org/presentationml/2006/main" xmlns:m="http://schemas.openxmlformats.org/officeDocument/2006/math" xmlns:a14="http://schemas.microsoft.com/office/drawing/2010/main" showMasterSp="1" showMasterPhAnim="1">
+<p:sld xmlns:a="http://schemas.openxmlformats.org/drawingml/2006/main" xmlns:r="http://schemas.openxmlformats.org/officeDocument/2006/relationships" xmlns:p="http://schemas.openxmlformats.org/presentationml/2006/main">
   <p:cSld>
     <p:spTree>
       <p:nvGrpSpPr>
@@ -13467,7 +13851,9 @@
       <p:sp>
         <p:nvSpPr>
           <p:cNvPr id="373" name="Title 1"/>
-          <p:cNvSpPr txBox="1"/>
+          <p:cNvSpPr txBox="1">
+            <a:spLocks noGrp="1"/>
+          </p:cNvSpPr>
           <p:nvPr>
             <p:ph type="title"/>
           </p:nvPr>
@@ -13485,7 +13871,6 @@
           <a:bodyPr/>
           <a:lstStyle/>
           <a:p>
-            <a:pPr/>
             <a:r>
               <a:t>Analysis and conclusion</a:t>
             </a:r>
@@ -13495,7 +13880,9 @@
       <p:sp>
         <p:nvSpPr>
           <p:cNvPr id="374" name="Subtitle 2"/>
-          <p:cNvSpPr txBox="1"/>
+          <p:cNvSpPr txBox="1">
+            <a:spLocks noGrp="1"/>
+          </p:cNvSpPr>
           <p:nvPr>
             <p:ph type="body" idx="1"/>
           </p:nvPr>
@@ -13523,6 +13910,7 @@
               <a:defRPr sz="2400"/>
             </a:pPr>
             <a:r>
+              <a:rPr dirty="0"/>
               <a:t>Analysis shows – Team or Quarterback with higher ELO had higher or better chance of victory.</a:t>
             </a:r>
           </a:p>
@@ -13537,6 +13925,7 @@
               <a:defRPr sz="2400"/>
             </a:pPr>
             <a:r>
+              <a:rPr dirty="0"/>
               <a:t>Definite shift right for Team 1 if the ELO is higher.</a:t>
             </a:r>
           </a:p>
@@ -13551,6 +13940,7 @@
               <a:defRPr sz="2400"/>
             </a:pPr>
             <a:r>
+              <a:rPr dirty="0"/>
               <a:t>Anyone could win the game regardless.</a:t>
             </a:r>
           </a:p>
@@ -13564,6 +13954,7 @@
               <a:buChar char="•"/>
               <a:defRPr sz="2400"/>
             </a:pPr>
+            <a:endParaRPr dirty="0"/>
           </a:p>
           <a:p>
             <a:pPr marL="342900" indent="-342900" algn="l">
@@ -13576,6 +13967,7 @@
               <a:defRPr sz="2400"/>
             </a:pPr>
             <a:r>
+              <a:rPr dirty="0"/>
               <a:t>Game location – Was an influential factor.  Team 1 won slightly more often than the away team.</a:t>
             </a:r>
           </a:p>
@@ -13590,6 +13982,7 @@
               <a:defRPr sz="2400"/>
             </a:pPr>
             <a:r>
+              <a:rPr dirty="0"/>
               <a:t>Referee involvement revealed – Joe?</a:t>
             </a:r>
           </a:p>
@@ -13600,12 +13993,12 @@
   <p:clrMapOvr>
     <a:masterClrMapping/>
   </p:clrMapOvr>
-  <p:transition xmlns:p14="http://schemas.microsoft.com/office/powerpoint/2010/main" spd="med" advClick="1"/>
+  <p:transition spd="med"/>
 </p:sld>
 </file>
 
 <file path=ppt/slides/slide13.xml><?xml version="1.0" encoding="utf-8"?>
-<p:sld xmlns:a="http://schemas.openxmlformats.org/drawingml/2006/main" xmlns:r="http://schemas.openxmlformats.org/officeDocument/2006/relationships" xmlns:p="http://schemas.openxmlformats.org/presentationml/2006/main" xmlns:m="http://schemas.openxmlformats.org/officeDocument/2006/math" xmlns:a14="http://schemas.microsoft.com/office/drawing/2010/main" showMasterSp="1" showMasterPhAnim="1">
+<p:sld xmlns:a="http://schemas.openxmlformats.org/drawingml/2006/main" xmlns:r="http://schemas.openxmlformats.org/officeDocument/2006/relationships" xmlns:p="http://schemas.openxmlformats.org/presentationml/2006/main">
   <p:cSld>
     <p:spTree>
       <p:nvGrpSpPr>
@@ -13624,7 +14017,9 @@
       <p:sp>
         <p:nvSpPr>
           <p:cNvPr id="376" name="Title 1"/>
-          <p:cNvSpPr txBox="1"/>
+          <p:cNvSpPr txBox="1">
+            <a:spLocks noGrp="1"/>
+          </p:cNvSpPr>
           <p:nvPr>
             <p:ph type="title"/>
           </p:nvPr>
@@ -13642,7 +14037,6 @@
           <a:bodyPr/>
           <a:lstStyle/>
           <a:p>
-            <a:pPr/>
             <a:r>
               <a:t>Analysis and conclusion</a:t>
             </a:r>
@@ -13652,7 +14046,9 @@
       <p:sp>
         <p:nvSpPr>
           <p:cNvPr id="377" name="Subtitle 2"/>
-          <p:cNvSpPr txBox="1"/>
+          <p:cNvSpPr txBox="1">
+            <a:spLocks noGrp="1"/>
+          </p:cNvSpPr>
           <p:nvPr>
             <p:ph type="body" idx="1"/>
           </p:nvPr>
@@ -13718,12 +14114,12 @@
   <p:clrMapOvr>
     <a:masterClrMapping/>
   </p:clrMapOvr>
-  <p:transition xmlns:p14="http://schemas.microsoft.com/office/powerpoint/2010/main" spd="med" advClick="1"/>
+  <p:transition spd="med"/>
 </p:sld>
 </file>
 
 <file path=ppt/slides/slide14.xml><?xml version="1.0" encoding="utf-8"?>
-<p:sld xmlns:a="http://schemas.openxmlformats.org/drawingml/2006/main" xmlns:r="http://schemas.openxmlformats.org/officeDocument/2006/relationships" xmlns:p="http://schemas.openxmlformats.org/presentationml/2006/main" xmlns:m="http://schemas.openxmlformats.org/officeDocument/2006/math" xmlns:a14="http://schemas.microsoft.com/office/drawing/2010/main" showMasterSp="1" showMasterPhAnim="1">
+<p:sld xmlns:a="http://schemas.openxmlformats.org/drawingml/2006/main" xmlns:r="http://schemas.openxmlformats.org/officeDocument/2006/relationships" xmlns:p="http://schemas.openxmlformats.org/presentationml/2006/main">
   <p:cSld>
     <p:spTree>
       <p:nvGrpSpPr>
@@ -13742,7 +14138,9 @@
       <p:sp>
         <p:nvSpPr>
           <p:cNvPr id="379" name="Title 1"/>
-          <p:cNvSpPr txBox="1"/>
+          <p:cNvSpPr txBox="1">
+            <a:spLocks noGrp="1"/>
+          </p:cNvSpPr>
           <p:nvPr>
             <p:ph type="title"/>
           </p:nvPr>
@@ -13760,7 +14158,6 @@
           <a:bodyPr/>
           <a:lstStyle/>
           <a:p>
-            <a:pPr/>
             <a:r>
               <a:t>Best Accuracies</a:t>
             </a:r>
@@ -13776,9 +14173,7 @@
           <p:nvPr/>
         </p:nvPicPr>
         <p:blipFill>
-          <a:blip r:embed="rId2">
-            <a:extLst/>
-          </a:blip>
+          <a:blip r:embed="rId2"/>
           <a:stretch>
             <a:fillRect/>
           </a:stretch>
@@ -13801,12 +14196,12 @@
   <p:clrMapOvr>
     <a:masterClrMapping/>
   </p:clrMapOvr>
-  <p:transition xmlns:p14="http://schemas.microsoft.com/office/powerpoint/2010/main" spd="med" advClick="1"/>
+  <p:transition spd="med"/>
 </p:sld>
 </file>
 
 <file path=ppt/slides/slide15.xml><?xml version="1.0" encoding="utf-8"?>
-<p:sld xmlns:a="http://schemas.openxmlformats.org/drawingml/2006/main" xmlns:r="http://schemas.openxmlformats.org/officeDocument/2006/relationships" xmlns:p="http://schemas.openxmlformats.org/presentationml/2006/main" xmlns:m="http://schemas.openxmlformats.org/officeDocument/2006/math" xmlns:a14="http://schemas.microsoft.com/office/drawing/2010/main" showMasterSp="1" showMasterPhAnim="1">
+<p:sld xmlns:a="http://schemas.openxmlformats.org/drawingml/2006/main" xmlns:r="http://schemas.openxmlformats.org/officeDocument/2006/relationships" xmlns:p="http://schemas.openxmlformats.org/presentationml/2006/main">
   <p:cSld>
     <p:spTree>
       <p:nvGrpSpPr>
@@ -13825,7 +14220,9 @@
       <p:sp>
         <p:nvSpPr>
           <p:cNvPr id="382" name="Title 1"/>
-          <p:cNvSpPr txBox="1"/>
+          <p:cNvSpPr txBox="1">
+            <a:spLocks noGrp="1"/>
+          </p:cNvSpPr>
           <p:nvPr>
             <p:ph type="title"/>
           </p:nvPr>
@@ -13843,7 +14240,6 @@
           <a:bodyPr/>
           <a:lstStyle/>
           <a:p>
-            <a:pPr/>
             <a:r>
               <a:t>Decision Boundary</a:t>
             </a:r>
@@ -13859,9 +14255,7 @@
           <p:nvPr/>
         </p:nvPicPr>
         <p:blipFill>
-          <a:blip r:embed="rId2">
-            <a:extLst/>
-          </a:blip>
+          <a:blip r:embed="rId2"/>
           <a:stretch>
             <a:fillRect/>
           </a:stretch>
@@ -13884,12 +14278,12 @@
   <p:clrMapOvr>
     <a:masterClrMapping/>
   </p:clrMapOvr>
-  <p:transition xmlns:p14="http://schemas.microsoft.com/office/powerpoint/2010/main" spd="med" advClick="1"/>
+  <p:transition spd="med"/>
 </p:sld>
 </file>
 
 <file path=ppt/slides/slide16.xml><?xml version="1.0" encoding="utf-8"?>
-<p:sld xmlns:a="http://schemas.openxmlformats.org/drawingml/2006/main" xmlns:r="http://schemas.openxmlformats.org/officeDocument/2006/relationships" xmlns:p="http://schemas.openxmlformats.org/presentationml/2006/main" xmlns:m="http://schemas.openxmlformats.org/officeDocument/2006/math" xmlns:a14="http://schemas.microsoft.com/office/drawing/2010/main" showMasterSp="1" showMasterPhAnim="1">
+<p:sld xmlns:a="http://schemas.openxmlformats.org/drawingml/2006/main" xmlns:r="http://schemas.openxmlformats.org/officeDocument/2006/relationships" xmlns:p="http://schemas.openxmlformats.org/presentationml/2006/main">
   <p:cSld>
     <p:spTree>
       <p:nvGrpSpPr>
@@ -13908,7 +14302,9 @@
       <p:sp>
         <p:nvSpPr>
           <p:cNvPr id="385" name="Title 1"/>
-          <p:cNvSpPr txBox="1"/>
+          <p:cNvSpPr txBox="1">
+            <a:spLocks noGrp="1"/>
+          </p:cNvSpPr>
           <p:nvPr>
             <p:ph type="title"/>
           </p:nvPr>
@@ -13926,7 +14322,6 @@
           <a:bodyPr/>
           <a:lstStyle/>
           <a:p>
-            <a:pPr/>
             <a:r>
               <a:t>ELO Probablity vs score</a:t>
             </a:r>
@@ -13942,9 +14337,7 @@
           <p:nvPr/>
         </p:nvPicPr>
         <p:blipFill>
-          <a:blip r:embed="rId2">
-            <a:extLst/>
-          </a:blip>
+          <a:blip r:embed="rId2"/>
           <a:stretch>
             <a:fillRect/>
           </a:stretch>
@@ -13967,12 +14360,12 @@
   <p:clrMapOvr>
     <a:masterClrMapping/>
   </p:clrMapOvr>
-  <p:transition xmlns:p14="http://schemas.microsoft.com/office/powerpoint/2010/main" spd="med" advClick="1"/>
+  <p:transition spd="med"/>
 </p:sld>
 </file>
 
 <file path=ppt/slides/slide17.xml><?xml version="1.0" encoding="utf-8"?>
-<p:sld xmlns:a="http://schemas.openxmlformats.org/drawingml/2006/main" xmlns:r="http://schemas.openxmlformats.org/officeDocument/2006/relationships" xmlns:p="http://schemas.openxmlformats.org/presentationml/2006/main" xmlns:m="http://schemas.openxmlformats.org/officeDocument/2006/math" xmlns:a14="http://schemas.microsoft.com/office/drawing/2010/main" showMasterSp="1" showMasterPhAnim="1">
+<p:sld xmlns:a="http://schemas.openxmlformats.org/drawingml/2006/main" xmlns:r="http://schemas.openxmlformats.org/officeDocument/2006/relationships" xmlns:p="http://schemas.openxmlformats.org/presentationml/2006/main">
   <p:cSld>
     <p:spTree>
       <p:nvGrpSpPr>
@@ -13991,7 +14384,9 @@
       <p:sp>
         <p:nvSpPr>
           <p:cNvPr id="388" name="Title 1"/>
-          <p:cNvSpPr txBox="1"/>
+          <p:cNvSpPr txBox="1">
+            <a:spLocks noGrp="1"/>
+          </p:cNvSpPr>
           <p:nvPr>
             <p:ph type="title"/>
           </p:nvPr>
@@ -14009,7 +14404,6 @@
           <a:bodyPr/>
           <a:lstStyle/>
           <a:p>
-            <a:pPr/>
             <a:r>
               <a:t>ELO rating vs winner</a:t>
             </a:r>
@@ -14025,9 +14419,7 @@
           <p:nvPr/>
         </p:nvPicPr>
         <p:blipFill>
-          <a:blip r:embed="rId2">
-            <a:extLst/>
-          </a:blip>
+          <a:blip r:embed="rId2"/>
           <a:stretch>
             <a:fillRect/>
           </a:stretch>
@@ -14050,12 +14442,12 @@
   <p:clrMapOvr>
     <a:masterClrMapping/>
   </p:clrMapOvr>
-  <p:transition xmlns:p14="http://schemas.microsoft.com/office/powerpoint/2010/main" spd="med" advClick="1"/>
+  <p:transition spd="med"/>
 </p:sld>
 </file>
 
 <file path=ppt/slides/slide18.xml><?xml version="1.0" encoding="utf-8"?>
-<p:sld xmlns:a="http://schemas.openxmlformats.org/drawingml/2006/main" xmlns:r="http://schemas.openxmlformats.org/officeDocument/2006/relationships" xmlns:p="http://schemas.openxmlformats.org/presentationml/2006/main" xmlns:m="http://schemas.openxmlformats.org/officeDocument/2006/math" xmlns:a14="http://schemas.microsoft.com/office/drawing/2010/main" showMasterSp="1" showMasterPhAnim="1">
+<p:sld xmlns:a="http://schemas.openxmlformats.org/drawingml/2006/main" xmlns:r="http://schemas.openxmlformats.org/officeDocument/2006/relationships" xmlns:p="http://schemas.openxmlformats.org/presentationml/2006/main">
   <p:cSld>
     <p:spTree>
       <p:nvGrpSpPr>
@@ -14074,7 +14466,9 @@
       <p:sp>
         <p:nvSpPr>
           <p:cNvPr id="391" name="Title 1"/>
-          <p:cNvSpPr txBox="1"/>
+          <p:cNvSpPr txBox="1">
+            <a:spLocks noGrp="1"/>
+          </p:cNvSpPr>
           <p:nvPr>
             <p:ph type="title"/>
           </p:nvPr>
@@ -14092,7 +14486,6 @@
           <a:bodyPr/>
           <a:lstStyle/>
           <a:p>
-            <a:pPr/>
             <a:r>
               <a:t>Elo pregame vs winner</a:t>
             </a:r>
@@ -14108,9 +14501,7 @@
           <p:nvPr/>
         </p:nvPicPr>
         <p:blipFill>
-          <a:blip r:embed="rId2">
-            <a:extLst/>
-          </a:blip>
+          <a:blip r:embed="rId2"/>
           <a:stretch>
             <a:fillRect/>
           </a:stretch>
@@ -14133,12 +14524,12 @@
   <p:clrMapOvr>
     <a:masterClrMapping/>
   </p:clrMapOvr>
-  <p:transition xmlns:p14="http://schemas.microsoft.com/office/powerpoint/2010/main" spd="med" advClick="1"/>
+  <p:transition spd="med"/>
 </p:sld>
 </file>
 
 <file path=ppt/slides/slide19.xml><?xml version="1.0" encoding="utf-8"?>
-<p:sld xmlns:a="http://schemas.openxmlformats.org/drawingml/2006/main" xmlns:r="http://schemas.openxmlformats.org/officeDocument/2006/relationships" xmlns:p="http://schemas.openxmlformats.org/presentationml/2006/main" xmlns:m="http://schemas.openxmlformats.org/officeDocument/2006/math" xmlns:a14="http://schemas.microsoft.com/office/drawing/2010/main" showMasterSp="1" showMasterPhAnim="1">
+<p:sld xmlns:a="http://schemas.openxmlformats.org/drawingml/2006/main" xmlns:r="http://schemas.openxmlformats.org/officeDocument/2006/relationships" xmlns:p="http://schemas.openxmlformats.org/presentationml/2006/main">
   <p:cSld>
     <p:spTree>
       <p:nvGrpSpPr>
@@ -14157,7 +14548,9 @@
       <p:sp>
         <p:nvSpPr>
           <p:cNvPr id="394" name="Title 1"/>
-          <p:cNvSpPr txBox="1"/>
+          <p:cNvSpPr txBox="1">
+            <a:spLocks noGrp="1"/>
+          </p:cNvSpPr>
           <p:nvPr>
             <p:ph type="title"/>
           </p:nvPr>
@@ -14175,7 +14568,6 @@
           <a:bodyPr/>
           <a:lstStyle/>
           <a:p>
-            <a:pPr/>
             <a:r>
               <a:t>Difference in qb elo</a:t>
             </a:r>
@@ -14191,9 +14583,7 @@
           <p:nvPr/>
         </p:nvPicPr>
         <p:blipFill>
-          <a:blip r:embed="rId2">
-            <a:extLst/>
-          </a:blip>
+          <a:blip r:embed="rId2"/>
           <a:stretch>
             <a:fillRect/>
           </a:stretch>
@@ -14216,12 +14606,12 @@
   <p:clrMapOvr>
     <a:masterClrMapping/>
   </p:clrMapOvr>
-  <p:transition xmlns:p14="http://schemas.microsoft.com/office/powerpoint/2010/main" spd="med" advClick="1"/>
+  <p:transition spd="med"/>
 </p:sld>
 </file>
 
 <file path=ppt/slides/slide2.xml><?xml version="1.0" encoding="utf-8"?>
-<p:sld xmlns:a="http://schemas.openxmlformats.org/drawingml/2006/main" xmlns:r="http://schemas.openxmlformats.org/officeDocument/2006/relationships" xmlns:p="http://schemas.openxmlformats.org/presentationml/2006/main" xmlns:m="http://schemas.openxmlformats.org/officeDocument/2006/math" xmlns:a14="http://schemas.microsoft.com/office/drawing/2010/main" showMasterSp="1" showMasterPhAnim="1">
+<p:sld xmlns:a="http://schemas.openxmlformats.org/drawingml/2006/main" xmlns:r="http://schemas.openxmlformats.org/officeDocument/2006/relationships" xmlns:p="http://schemas.openxmlformats.org/presentationml/2006/main">
   <p:cSld>
     <p:spTree>
       <p:nvGrpSpPr>
@@ -14240,7 +14630,9 @@
       <p:sp>
         <p:nvSpPr>
           <p:cNvPr id="328" name="Title 1"/>
-          <p:cNvSpPr txBox="1"/>
+          <p:cNvSpPr txBox="1">
+            <a:spLocks noGrp="1"/>
+          </p:cNvSpPr>
           <p:nvPr>
             <p:ph type="title"/>
           </p:nvPr>
@@ -14258,7 +14650,6 @@
           <a:bodyPr/>
           <a:lstStyle/>
           <a:p>
-            <a:pPr/>
             <a:r>
               <a:t>Executive Summary</a:t>
             </a:r>
@@ -14268,7 +14659,9 @@
       <p:sp>
         <p:nvSpPr>
           <p:cNvPr id="329" name="Slide Number Placeholder 4"/>
-          <p:cNvSpPr txBox="1"/>
+          <p:cNvSpPr txBox="1">
+            <a:spLocks noGrp="1"/>
+          </p:cNvSpPr>
           <p:nvPr>
             <p:ph type="sldNum" sz="quarter" idx="2"/>
           </p:nvPr>
@@ -14283,7 +14676,7 @@
           </a:prstGeom>
           <a:extLst>
             <a:ext uri="{C572A759-6A51-4108-AA02-DFA0A04FC94B}">
-              <ma14:wrappingTextBoxFlag xmlns:ma14="http://schemas.microsoft.com/office/mac/drawingml/2011/main" val="1"/>
+              <ma14:wrappingTextBoxFlag xmlns:ma14="http://schemas.microsoft.com/office/mac/drawingml/2011/main" xmlns:a14="http://schemas.microsoft.com/office/drawing/2010/main" xmlns:m="http://schemas.openxmlformats.org/officeDocument/2006/math" xmlns="" val="1"/>
             </a:ext>
           </a:extLst>
         </p:spPr>
@@ -14291,15 +14684,20 @@
           <a:bodyPr/>
           <a:lstStyle/>
           <a:p>
-            <a:pPr/>
-            <a:fld id="{86CB4B4D-7CA3-9044-876B-883B54F8677D}" type="slidenum"/>
+            <a:fld id="{86CB4B4D-7CA3-9044-876B-883B54F8677D}" type="slidenum">
+              <a:rPr/>
+              <a:t>2</a:t>
+            </a:fld>
+            <a:endParaRPr/>
           </a:p>
         </p:txBody>
       </p:sp>
       <p:sp>
         <p:nvSpPr>
           <p:cNvPr id="330" name="Content Placeholder 2"/>
-          <p:cNvSpPr txBox="1"/>
+          <p:cNvSpPr txBox="1">
+            <a:spLocks noGrp="1"/>
+          </p:cNvSpPr>
           <p:nvPr>
             <p:ph type="body" idx="1"/>
           </p:nvPr>
@@ -14307,14 +14705,16 @@
         <p:spPr>
           <a:xfrm>
             <a:off x="705852" y="1499937"/>
-            <a:ext cx="11061033" cy="3995607"/>
-          </a:xfrm>
-          <a:prstGeom prst="rect">
-            <a:avLst/>
-          </a:prstGeom>
-        </p:spPr>
-        <p:txBody>
-          <a:bodyPr/>
+            <a:ext cx="11061033" cy="5170611"/>
+          </a:xfrm>
+          <a:prstGeom prst="rect">
+            <a:avLst/>
+          </a:prstGeom>
+        </p:spPr>
+        <p:txBody>
+          <a:bodyPr>
+            <a:normAutofit/>
+          </a:bodyPr>
           <a:lstStyle/>
           <a:p>
             <a:pPr marL="250179" indent="-250179" defTabSz="658368">
@@ -14332,7 +14732,103 @@
               </a:defRPr>
             </a:pPr>
             <a:r>
-              <a:t>This page is still in editing process – </a:t>
+              <a:rPr lang="en-US" sz="2000" dirty="0">
+                <a:latin typeface="Segoe UI Light" panose="020B0502040204020203" pitchFamily="34" charset="0"/>
+                <a:cs typeface="Segoe UI Light" panose="020B0502040204020203" pitchFamily="34" charset="0"/>
+              </a:rPr>
+              <a:t>ELO scores were developed and assigned to various factors such as:</a:t>
+            </a:r>
+          </a:p>
+          <a:p>
+            <a:pPr marL="658001" lvl="1" indent="-250179" defTabSz="658368">
+              <a:spcBef>
+                <a:spcPts val="700"/>
+              </a:spcBef>
+              <a:defRPr sz="1296">
+                <a:solidFill>
+                  <a:srgbClr val="CCCCCC"/>
+                </a:solidFill>
+                <a:latin typeface="Consolas"/>
+                <a:ea typeface="Consolas"/>
+                <a:cs typeface="Consolas"/>
+                <a:sym typeface="Consolas"/>
+              </a:defRPr>
+            </a:pPr>
+            <a:r>
+              <a:rPr lang="en-US" sz="2000" dirty="0">
+                <a:latin typeface="Segoe UI Light" panose="020B0502040204020203" pitchFamily="34" charset="0"/>
+                <a:cs typeface="Segoe UI Light" panose="020B0502040204020203" pitchFamily="34" charset="0"/>
+              </a:rPr>
+              <a:t>Field Ratings (Home Team Advantage).</a:t>
+            </a:r>
+          </a:p>
+          <a:p>
+            <a:pPr marL="658001" lvl="1" indent="-250179" defTabSz="658368">
+              <a:spcBef>
+                <a:spcPts val="700"/>
+              </a:spcBef>
+              <a:defRPr sz="1296">
+                <a:solidFill>
+                  <a:srgbClr val="CCCCCC"/>
+                </a:solidFill>
+                <a:latin typeface="Consolas"/>
+                <a:ea typeface="Consolas"/>
+                <a:cs typeface="Consolas"/>
+                <a:sym typeface="Consolas"/>
+              </a:defRPr>
+            </a:pPr>
+            <a:r>
+              <a:rPr lang="en-US" sz="2000" dirty="0">
+                <a:latin typeface="Segoe UI Light" panose="020B0502040204020203" pitchFamily="34" charset="0"/>
+                <a:cs typeface="Segoe UI Light" panose="020B0502040204020203" pitchFamily="34" charset="0"/>
+              </a:rPr>
+              <a:t>Quarterback Ratings (Scoring QBs).</a:t>
+            </a:r>
+          </a:p>
+          <a:p>
+            <a:pPr marL="658001" lvl="1" indent="-250179" defTabSz="658368">
+              <a:spcBef>
+                <a:spcPts val="700"/>
+              </a:spcBef>
+              <a:defRPr sz="1296">
+                <a:solidFill>
+                  <a:srgbClr val="CCCCCC"/>
+                </a:solidFill>
+                <a:latin typeface="Consolas"/>
+                <a:ea typeface="Consolas"/>
+                <a:cs typeface="Consolas"/>
+                <a:sym typeface="Consolas"/>
+              </a:defRPr>
+            </a:pPr>
+            <a:r>
+              <a:rPr lang="en-US" sz="2000" dirty="0">
+                <a:latin typeface="Segoe UI Light" panose="020B0502040204020203" pitchFamily="34" charset="0"/>
+                <a:cs typeface="Segoe UI Light" panose="020B0502040204020203" pitchFamily="34" charset="0"/>
+              </a:rPr>
+              <a:t>Team Ratings (Scoring Each Team).</a:t>
+            </a:r>
+          </a:p>
+          <a:p>
+            <a:pPr marL="658001" lvl="1" indent="-250179" defTabSz="658368">
+              <a:spcBef>
+                <a:spcPts val="700"/>
+              </a:spcBef>
+              <a:defRPr sz="1296">
+                <a:solidFill>
+                  <a:srgbClr val="CCCCCC"/>
+                </a:solidFill>
+                <a:latin typeface="Consolas"/>
+                <a:ea typeface="Consolas"/>
+                <a:cs typeface="Consolas"/>
+                <a:sym typeface="Consolas"/>
+              </a:defRPr>
+            </a:pPr>
+            <a:r>
+              <a:rPr lang="en-US" sz="2000" dirty="0">
+                <a:latin typeface="Segoe UI Light" panose="020B0502040204020203" pitchFamily="34" charset="0"/>
+                <a:cs typeface="Segoe UI Light" panose="020B0502040204020203" pitchFamily="34" charset="0"/>
+              </a:rPr>
+              <a:t>Referee Favorability (Did Teams Using Same Referee Consistently Win).</a:t>
             </a:r>
           </a:p>
           <a:p>
@@ -14351,7 +14847,11 @@
               </a:defRPr>
             </a:pPr>
             <a:r>
-              <a:t>The purpose of the project was to identify - </a:t>
+              <a:rPr lang="en-US" sz="2000" dirty="0">
+                <a:latin typeface="Segoe UI Light" panose="020B0502040204020203" pitchFamily="34" charset="0"/>
+                <a:cs typeface="Segoe UI Light" panose="020B0502040204020203" pitchFamily="34" charset="0"/>
+              </a:rPr>
+              <a:t>Teams with Higher ELO Scores Usually Won.</a:t>
             </a:r>
           </a:p>
           <a:p>
@@ -14370,238 +14870,16 @@
               </a:defRPr>
             </a:pPr>
             <a:r>
-              <a:t>This information provided historical data to make a prediction using - </a:t>
-            </a:r>
-          </a:p>
-          <a:p>
-            <a:pPr marL="250179" indent="-250179" defTabSz="658368">
-              <a:spcBef>
-                <a:spcPts val="700"/>
-              </a:spcBef>
-              <a:defRPr sz="1296">
-                <a:solidFill>
-                  <a:srgbClr val="CCCCCC"/>
-                </a:solidFill>
-                <a:latin typeface="Consolas"/>
-                <a:ea typeface="Consolas"/>
-                <a:cs typeface="Consolas"/>
-                <a:sym typeface="Consolas"/>
-              </a:defRPr>
-            </a:pPr>
-            <a:r>
-              <a:t>Data was provided from the X dataset for the years of 1920 – Present. </a:t>
-            </a:r>
-          </a:p>
-          <a:p>
-            <a:pPr lvl="1" marL="493776" indent="-250179" defTabSz="658368">
-              <a:lnSpc>
-                <a:spcPct val="90000"/>
-              </a:lnSpc>
-              <a:spcBef>
-                <a:spcPts val="300"/>
-              </a:spcBef>
-              <a:defRPr sz="1008">
-                <a:solidFill>
-                  <a:srgbClr val="CCCCCC"/>
-                </a:solidFill>
-                <a:latin typeface="Consolas"/>
-                <a:ea typeface="Consolas"/>
-                <a:cs typeface="Consolas"/>
-                <a:sym typeface="Consolas"/>
-              </a:defRPr>
-            </a:pPr>
-            <a:r>
-              <a:t>Data Collection consisted of:</a:t>
-            </a:r>
-            <a:endParaRPr sz="1440"/>
-          </a:p>
-          <a:p>
-            <a:pPr lvl="1" marL="493776" indent="-250179" defTabSz="658368">
-              <a:lnSpc>
-                <a:spcPct val="90000"/>
-              </a:lnSpc>
-              <a:spcBef>
-                <a:spcPts val="300"/>
-              </a:spcBef>
-              <a:defRPr sz="1008">
-                <a:solidFill>
-                  <a:srgbClr val="CCCCCC"/>
-                </a:solidFill>
-                <a:latin typeface="Consolas"/>
-                <a:ea typeface="Consolas"/>
-                <a:cs typeface="Consolas"/>
-                <a:sym typeface="Consolas"/>
-              </a:defRPr>
-            </a:pPr>
-            <a:r>
-              <a:t>Cleanup</a:t>
-            </a:r>
-          </a:p>
-          <a:p>
-            <a:pPr lvl="1" marL="493776" indent="-250179" defTabSz="658368">
-              <a:lnSpc>
-                <a:spcPct val="90000"/>
-              </a:lnSpc>
-              <a:spcBef>
-                <a:spcPts val="300"/>
-              </a:spcBef>
-              <a:defRPr sz="1008">
-                <a:solidFill>
-                  <a:srgbClr val="CCCCCC"/>
-                </a:solidFill>
-                <a:latin typeface="Consolas"/>
-                <a:ea typeface="Consolas"/>
-                <a:cs typeface="Consolas"/>
-                <a:sym typeface="Consolas"/>
-              </a:defRPr>
-            </a:pPr>
-            <a:r>
-              <a:t>Exploration</a:t>
-            </a:r>
-            <a:endParaRPr sz="1440"/>
-          </a:p>
-          <a:p>
-            <a:pPr marL="250179" indent="-250179" defTabSz="658368">
-              <a:spcBef>
-                <a:spcPts val="700"/>
-              </a:spcBef>
-              <a:defRPr sz="1296">
-                <a:solidFill>
-                  <a:srgbClr val="CCCCCC"/>
-                </a:solidFill>
-                <a:latin typeface="Consolas"/>
-                <a:ea typeface="Consolas"/>
-                <a:cs typeface="Consolas"/>
-                <a:sym typeface="Consolas"/>
-              </a:defRPr>
-            </a:pPr>
-            <a:r>
-              <a:t>Approach</a:t>
-            </a:r>
-          </a:p>
-          <a:p>
-            <a:pPr marL="250179" indent="-250179" defTabSz="658368">
-              <a:spcBef>
-                <a:spcPts val="700"/>
-              </a:spcBef>
-              <a:buFont typeface="Arial"/>
-              <a:buChar char="•"/>
-              <a:defRPr sz="1008">
-                <a:latin typeface="Roboto"/>
-                <a:ea typeface="Roboto"/>
-                <a:cs typeface="Roboto"/>
-                <a:sym typeface="Roboto"/>
-              </a:defRPr>
-            </a:pPr>
-            <a:r>
-              <a:t>Additional Questions that surfaced, what your group might research next if more time was available, or share a plan for future development – More variables or contributing factors can be added to determine additional information.</a:t>
-            </a:r>
-          </a:p>
-          <a:p>
-            <a:pPr lvl="1" marL="493776" indent="-250179" defTabSz="658368">
-              <a:lnSpc>
-                <a:spcPct val="90000"/>
-              </a:lnSpc>
-              <a:spcBef>
-                <a:spcPts val="300"/>
-              </a:spcBef>
-              <a:buFont typeface="Arial"/>
-              <a:buChar char="•"/>
-              <a:defRPr sz="720">
-                <a:latin typeface="Roboto"/>
-                <a:ea typeface="Roboto"/>
-                <a:cs typeface="Roboto"/>
-                <a:sym typeface="Roboto"/>
-              </a:defRPr>
-            </a:pPr>
-            <a:r>
-              <a:t>Playing Surface</a:t>
-            </a:r>
-            <a:endParaRPr sz="1440"/>
-          </a:p>
-          <a:p>
-            <a:pPr lvl="1" marL="493776" indent="-250179" defTabSz="658368">
-              <a:lnSpc>
-                <a:spcPct val="90000"/>
-              </a:lnSpc>
-              <a:spcBef>
-                <a:spcPts val="300"/>
-              </a:spcBef>
-              <a:buFont typeface="Arial"/>
-              <a:buChar char="•"/>
-              <a:defRPr sz="720">
-                <a:latin typeface="Roboto"/>
-                <a:ea typeface="Roboto"/>
-                <a:cs typeface="Roboto"/>
-                <a:sym typeface="Roboto"/>
-              </a:defRPr>
-            </a:pPr>
-            <a:r>
-              <a:t>Weather</a:t>
-            </a:r>
-            <a:endParaRPr sz="1440"/>
-          </a:p>
-          <a:p>
-            <a:pPr lvl="1" marL="493776" indent="-250179" defTabSz="658368">
-              <a:lnSpc>
-                <a:spcPct val="90000"/>
-              </a:lnSpc>
-              <a:spcBef>
-                <a:spcPts val="300"/>
-              </a:spcBef>
-              <a:buFont typeface="Arial"/>
-              <a:buChar char="•"/>
-              <a:defRPr sz="720">
-                <a:latin typeface="Roboto"/>
-                <a:ea typeface="Roboto"/>
-                <a:cs typeface="Roboto"/>
-                <a:sym typeface="Roboto"/>
-              </a:defRPr>
-            </a:pPr>
-            <a:r>
-              <a:t>Day of the week</a:t>
-            </a:r>
-            <a:endParaRPr sz="1440"/>
-          </a:p>
-          <a:p>
-            <a:pPr lvl="1" marL="493776" indent="-250179" defTabSz="658368">
-              <a:lnSpc>
-                <a:spcPct val="90000"/>
-              </a:lnSpc>
-              <a:spcBef>
-                <a:spcPts val="300"/>
-              </a:spcBef>
-              <a:buFont typeface="Arial"/>
-              <a:buChar char="•"/>
-              <a:defRPr sz="720">
-                <a:latin typeface="Roboto"/>
-                <a:ea typeface="Roboto"/>
-                <a:cs typeface="Roboto"/>
-                <a:sym typeface="Roboto"/>
-              </a:defRPr>
-            </a:pPr>
-            <a:r>
-              <a:t>Expanded to other sports based on the dataset</a:t>
-            </a:r>
-            <a:endParaRPr sz="1440"/>
-          </a:p>
-          <a:p>
-            <a:pPr marL="250179" indent="-250179" defTabSz="658368">
-              <a:spcBef>
-                <a:spcPts val="700"/>
-              </a:spcBef>
-              <a:buFont typeface="Arial"/>
-              <a:buChar char="•"/>
-              <a:defRPr sz="1008">
-                <a:latin typeface="Roboto"/>
-                <a:ea typeface="Roboto"/>
-                <a:cs typeface="Roboto"/>
-                <a:sym typeface="Roboto"/>
-              </a:defRPr>
-            </a:pPr>
-            <a:r>
-              <a:t>Results and Conclusions - Analysis</a:t>
-            </a:r>
+              <a:rPr lang="en-US" sz="2000" dirty="0">
+                <a:latin typeface="Segoe UI Light" panose="020B0502040204020203" pitchFamily="34" charset="0"/>
+                <a:cs typeface="Segoe UI Light" panose="020B0502040204020203" pitchFamily="34" charset="0"/>
+              </a:rPr>
+              <a:t>Teams with Consistent Usage Referee Usually Won.</a:t>
+            </a:r>
+            <a:endParaRPr sz="2000" dirty="0">
+              <a:latin typeface="Segoe UI Light" panose="020B0502040204020203" pitchFamily="34" charset="0"/>
+              <a:cs typeface="Segoe UI Light" panose="020B0502040204020203" pitchFamily="34" charset="0"/>
+            </a:endParaRPr>
           </a:p>
         </p:txBody>
       </p:sp>
@@ -14610,12 +14888,12 @@
   <p:clrMapOvr>
     <a:masterClrMapping/>
   </p:clrMapOvr>
-  <p:transition xmlns:p14="http://schemas.microsoft.com/office/powerpoint/2010/main" spd="med" advClick="1"/>
+  <p:transition spd="med"/>
 </p:sld>
 </file>
 
 <file path=ppt/slides/slide20.xml><?xml version="1.0" encoding="utf-8"?>
-<p:sld xmlns:a="http://schemas.openxmlformats.org/drawingml/2006/main" xmlns:r="http://schemas.openxmlformats.org/officeDocument/2006/relationships" xmlns:p="http://schemas.openxmlformats.org/presentationml/2006/main" xmlns:m="http://schemas.openxmlformats.org/officeDocument/2006/math" xmlns:a14="http://schemas.microsoft.com/office/drawing/2010/main" showMasterSp="1" showMasterPhAnim="1">
+<p:sld xmlns:a="http://schemas.openxmlformats.org/drawingml/2006/main" xmlns:r="http://schemas.openxmlformats.org/officeDocument/2006/relationships" xmlns:p="http://schemas.openxmlformats.org/presentationml/2006/main">
   <p:cSld>
     <p:spTree>
       <p:nvGrpSpPr>
@@ -14634,7 +14912,9 @@
       <p:sp>
         <p:nvSpPr>
           <p:cNvPr id="397" name="Title 1"/>
-          <p:cNvSpPr txBox="1"/>
+          <p:cNvSpPr txBox="1">
+            <a:spLocks noGrp="1"/>
+          </p:cNvSpPr>
           <p:nvPr>
             <p:ph type="title"/>
           </p:nvPr>
@@ -14649,14 +14929,15 @@
           </a:prstGeom>
         </p:spPr>
         <p:txBody>
-          <a:bodyPr/>
+          <a:bodyPr>
+            <a:normAutofit fontScale="90000"/>
+          </a:bodyPr>
           <a:lstStyle>
             <a:lvl1pPr defTabSz="841247">
-              <a:defRPr spc="552" sz="3680"/>
+              <a:defRPr sz="3680" spc="552"/>
             </a:lvl1pPr>
           </a:lstStyle>
           <a:p>
-            <a:pPr/>
             <a:r>
               <a:t>Difference in qb elo when team 1 wins</a:t>
             </a:r>
@@ -14672,9 +14953,7 @@
           <p:nvPr/>
         </p:nvPicPr>
         <p:blipFill>
-          <a:blip r:embed="rId2">
-            <a:extLst/>
-          </a:blip>
+          <a:blip r:embed="rId2"/>
           <a:stretch>
             <a:fillRect/>
           </a:stretch>
@@ -14697,12 +14976,12 @@
   <p:clrMapOvr>
     <a:masterClrMapping/>
   </p:clrMapOvr>
-  <p:transition xmlns:p14="http://schemas.microsoft.com/office/powerpoint/2010/main" spd="med" advClick="1"/>
+  <p:transition spd="med"/>
 </p:sld>
 </file>
 
 <file path=ppt/slides/slide21.xml><?xml version="1.0" encoding="utf-8"?>
-<p:sld xmlns:a="http://schemas.openxmlformats.org/drawingml/2006/main" xmlns:r="http://schemas.openxmlformats.org/officeDocument/2006/relationships" xmlns:p="http://schemas.openxmlformats.org/presentationml/2006/main" xmlns:m="http://schemas.openxmlformats.org/officeDocument/2006/math" xmlns:a14="http://schemas.microsoft.com/office/drawing/2010/main" showMasterSp="1" showMasterPhAnim="1">
+<p:sld xmlns:a="http://schemas.openxmlformats.org/drawingml/2006/main" xmlns:r="http://schemas.openxmlformats.org/officeDocument/2006/relationships" xmlns:p="http://schemas.openxmlformats.org/presentationml/2006/main">
   <p:cSld>
     <p:spTree>
       <p:nvGrpSpPr>
@@ -14721,7 +15000,9 @@
       <p:sp>
         <p:nvSpPr>
           <p:cNvPr id="400" name="Title 1"/>
-          <p:cNvSpPr txBox="1"/>
+          <p:cNvSpPr txBox="1">
+            <a:spLocks noGrp="1"/>
+          </p:cNvSpPr>
           <p:nvPr>
             <p:ph type="title"/>
           </p:nvPr>
@@ -14736,14 +15017,15 @@
           </a:prstGeom>
         </p:spPr>
         <p:txBody>
-          <a:bodyPr/>
+          <a:bodyPr>
+            <a:normAutofit fontScale="90000"/>
+          </a:bodyPr>
           <a:lstStyle>
             <a:lvl1pPr defTabSz="841247">
-              <a:defRPr spc="552" sz="3680"/>
+              <a:defRPr sz="3680" spc="552"/>
             </a:lvl1pPr>
           </a:lstStyle>
           <a:p>
-            <a:pPr/>
             <a:r>
               <a:t>Difference in qb elo when team 2 wins</a:t>
             </a:r>
@@ -14759,9 +15041,7 @@
           <p:nvPr/>
         </p:nvPicPr>
         <p:blipFill>
-          <a:blip r:embed="rId2">
-            <a:extLst/>
-          </a:blip>
+          <a:blip r:embed="rId2"/>
           <a:stretch>
             <a:fillRect/>
           </a:stretch>
@@ -14784,12 +15064,12 @@
   <p:clrMapOvr>
     <a:masterClrMapping/>
   </p:clrMapOvr>
-  <p:transition xmlns:p14="http://schemas.microsoft.com/office/powerpoint/2010/main" spd="med" advClick="1"/>
+  <p:transition spd="med"/>
 </p:sld>
 </file>
 
 <file path=ppt/slides/slide22.xml><?xml version="1.0" encoding="utf-8"?>
-<p:sld xmlns:a="http://schemas.openxmlformats.org/drawingml/2006/main" xmlns:r="http://schemas.openxmlformats.org/officeDocument/2006/relationships" xmlns:p="http://schemas.openxmlformats.org/presentationml/2006/main" xmlns:m="http://schemas.openxmlformats.org/officeDocument/2006/math" xmlns:a14="http://schemas.microsoft.com/office/drawing/2010/main" showMasterSp="1" showMasterPhAnim="1">
+<p:sld xmlns:a="http://schemas.openxmlformats.org/drawingml/2006/main" xmlns:r="http://schemas.openxmlformats.org/officeDocument/2006/relationships" xmlns:p="http://schemas.openxmlformats.org/presentationml/2006/main">
   <p:cSld>
     <p:spTree>
       <p:nvGrpSpPr>
@@ -14808,7 +15088,9 @@
       <p:sp>
         <p:nvSpPr>
           <p:cNvPr id="403" name="Title 1"/>
-          <p:cNvSpPr txBox="1"/>
+          <p:cNvSpPr txBox="1">
+            <a:spLocks noGrp="1"/>
+          </p:cNvSpPr>
           <p:nvPr>
             <p:ph type="title"/>
           </p:nvPr>
@@ -14823,14 +15105,15 @@
           </a:prstGeom>
         </p:spPr>
         <p:txBody>
-          <a:bodyPr/>
+          <a:bodyPr>
+            <a:normAutofit fontScale="90000"/>
+          </a:bodyPr>
           <a:lstStyle>
             <a:lvl1pPr defTabSz="841247">
-              <a:defRPr spc="552" sz="3680"/>
+              <a:defRPr sz="3680" spc="552"/>
             </a:lvl1pPr>
           </a:lstStyle>
           <a:p>
-            <a:pPr/>
             <a:r>
               <a:t>Qb adjusted elo difference vs winner</a:t>
             </a:r>
@@ -14846,9 +15129,7 @@
           <p:nvPr/>
         </p:nvPicPr>
         <p:blipFill>
-          <a:blip r:embed="rId2">
-            <a:extLst/>
-          </a:blip>
+          <a:blip r:embed="rId2"/>
           <a:stretch>
             <a:fillRect/>
           </a:stretch>
@@ -14871,12 +15152,12 @@
   <p:clrMapOvr>
     <a:masterClrMapping/>
   </p:clrMapOvr>
-  <p:transition xmlns:p14="http://schemas.microsoft.com/office/powerpoint/2010/main" spd="med" advClick="1"/>
+  <p:transition spd="med"/>
 </p:sld>
 </file>
 
 <file path=ppt/slides/slide23.xml><?xml version="1.0" encoding="utf-8"?>
-<p:sld xmlns:a="http://schemas.openxmlformats.org/drawingml/2006/main" xmlns:r="http://schemas.openxmlformats.org/officeDocument/2006/relationships" xmlns:p="http://schemas.openxmlformats.org/presentationml/2006/main" xmlns:m="http://schemas.openxmlformats.org/officeDocument/2006/math" xmlns:a14="http://schemas.microsoft.com/office/drawing/2010/main" showMasterSp="1" showMasterPhAnim="1">
+<p:sld xmlns:a="http://schemas.openxmlformats.org/drawingml/2006/main" xmlns:r="http://schemas.openxmlformats.org/officeDocument/2006/relationships" xmlns:p="http://schemas.openxmlformats.org/presentationml/2006/main">
   <p:cSld>
     <p:spTree>
       <p:nvGrpSpPr>
@@ -14895,7 +15176,9 @@
       <p:sp>
         <p:nvSpPr>
           <p:cNvPr id="406" name="Title 1"/>
-          <p:cNvSpPr txBox="1"/>
+          <p:cNvSpPr txBox="1">
+            <a:spLocks noGrp="1"/>
+          </p:cNvSpPr>
           <p:nvPr>
             <p:ph type="title"/>
           </p:nvPr>
@@ -14913,7 +15196,6 @@
           <a:bodyPr/>
           <a:lstStyle/>
           <a:p>
-            <a:pPr/>
             <a:r>
               <a:t>Difference in qb elo</a:t>
             </a:r>
@@ -14929,9 +15211,7 @@
           <p:nvPr/>
         </p:nvPicPr>
         <p:blipFill>
-          <a:blip r:embed="rId2">
-            <a:extLst/>
-          </a:blip>
+          <a:blip r:embed="rId2"/>
           <a:stretch>
             <a:fillRect/>
           </a:stretch>
@@ -14954,12 +15234,12 @@
   <p:clrMapOvr>
     <a:masterClrMapping/>
   </p:clrMapOvr>
-  <p:transition xmlns:p14="http://schemas.microsoft.com/office/powerpoint/2010/main" spd="med" advClick="1"/>
+  <p:transition spd="med"/>
 </p:sld>
 </file>
 
 <file path=ppt/slides/slide24.xml><?xml version="1.0" encoding="utf-8"?>
-<p:sld xmlns:a="http://schemas.openxmlformats.org/drawingml/2006/main" xmlns:r="http://schemas.openxmlformats.org/officeDocument/2006/relationships" xmlns:p="http://schemas.openxmlformats.org/presentationml/2006/main" xmlns:m="http://schemas.openxmlformats.org/officeDocument/2006/math" xmlns:a14="http://schemas.microsoft.com/office/drawing/2010/main" showMasterSp="1" showMasterPhAnim="1">
+<p:sld xmlns:a="http://schemas.openxmlformats.org/drawingml/2006/main" xmlns:r="http://schemas.openxmlformats.org/officeDocument/2006/relationships" xmlns:p="http://schemas.openxmlformats.org/presentationml/2006/main">
   <p:cSld>
     <p:spTree>
       <p:nvGrpSpPr>
@@ -14978,7 +15258,9 @@
       <p:sp>
         <p:nvSpPr>
           <p:cNvPr id="409" name="Title 1"/>
-          <p:cNvSpPr txBox="1"/>
+          <p:cNvSpPr txBox="1">
+            <a:spLocks noGrp="1"/>
+          </p:cNvSpPr>
           <p:nvPr>
             <p:ph type="title"/>
           </p:nvPr>
@@ -15000,7 +15282,6 @@
             </a:lvl1pPr>
           </a:lstStyle>
           <a:p>
-            <a:pPr/>
             <a:r>
               <a:t>Qb adjusted for elo team 1 win probability vs actual winner</a:t>
             </a:r>
@@ -15016,9 +15297,7 @@
           <p:nvPr/>
         </p:nvPicPr>
         <p:blipFill>
-          <a:blip r:embed="rId2">
-            <a:extLst/>
-          </a:blip>
+          <a:blip r:embed="rId2"/>
           <a:stretch>
             <a:fillRect/>
           </a:stretch>
@@ -15041,12 +15320,12 @@
   <p:clrMapOvr>
     <a:masterClrMapping/>
   </p:clrMapOvr>
-  <p:transition xmlns:p14="http://schemas.microsoft.com/office/powerpoint/2010/main" spd="med" advClick="1"/>
+  <p:transition spd="med"/>
 </p:sld>
 </file>
 
 <file path=ppt/slides/slide25.xml><?xml version="1.0" encoding="utf-8"?>
-<p:sld xmlns:a="http://schemas.openxmlformats.org/drawingml/2006/main" xmlns:r="http://schemas.openxmlformats.org/officeDocument/2006/relationships" xmlns:p="http://schemas.openxmlformats.org/presentationml/2006/main" xmlns:m="http://schemas.openxmlformats.org/officeDocument/2006/math" xmlns:a14="http://schemas.microsoft.com/office/drawing/2010/main" showMasterSp="1" showMasterPhAnim="1">
+<p:sld xmlns:a="http://schemas.openxmlformats.org/drawingml/2006/main" xmlns:r="http://schemas.openxmlformats.org/officeDocument/2006/relationships" xmlns:p="http://schemas.openxmlformats.org/presentationml/2006/main">
   <p:cSld>
     <p:spTree>
       <p:nvGrpSpPr>
@@ -15065,7 +15344,9 @@
       <p:sp>
         <p:nvSpPr>
           <p:cNvPr id="412" name="Title 1"/>
-          <p:cNvSpPr txBox="1"/>
+          <p:cNvSpPr txBox="1">
+            <a:spLocks noGrp="1"/>
+          </p:cNvSpPr>
           <p:nvPr>
             <p:ph type="title"/>
           </p:nvPr>
@@ -15087,7 +15368,6 @@
             </a:lvl1pPr>
           </a:lstStyle>
           <a:p>
-            <a:pPr/>
             <a:r>
               <a:t>Qb adjusted elo team 1 wins probability vs actual winner</a:t>
             </a:r>
@@ -15103,9 +15383,7 @@
           <p:nvPr/>
         </p:nvPicPr>
         <p:blipFill>
-          <a:blip r:embed="rId2">
-            <a:extLst/>
-          </a:blip>
+          <a:blip r:embed="rId2"/>
           <a:stretch>
             <a:fillRect/>
           </a:stretch>
@@ -15128,12 +15406,12 @@
   <p:clrMapOvr>
     <a:masterClrMapping/>
   </p:clrMapOvr>
-  <p:transition xmlns:p14="http://schemas.microsoft.com/office/powerpoint/2010/main" spd="med" advClick="1"/>
+  <p:transition spd="med"/>
 </p:sld>
 </file>
 
 <file path=ppt/slides/slide26.xml><?xml version="1.0" encoding="utf-8"?>
-<p:sld xmlns:a="http://schemas.openxmlformats.org/drawingml/2006/main" xmlns:r="http://schemas.openxmlformats.org/officeDocument/2006/relationships" xmlns:p="http://schemas.openxmlformats.org/presentationml/2006/main" xmlns:m="http://schemas.openxmlformats.org/officeDocument/2006/math" xmlns:a14="http://schemas.microsoft.com/office/drawing/2010/main" showMasterSp="1" showMasterPhAnim="1">
+<p:sld xmlns:a="http://schemas.openxmlformats.org/drawingml/2006/main" xmlns:r="http://schemas.openxmlformats.org/officeDocument/2006/relationships" xmlns:p="http://schemas.openxmlformats.org/presentationml/2006/main">
   <p:cSld>
     <p:spTree>
       <p:nvGrpSpPr>
@@ -15152,7 +15430,9 @@
       <p:sp>
         <p:nvSpPr>
           <p:cNvPr id="415" name="Title 1"/>
-          <p:cNvSpPr txBox="1"/>
+          <p:cNvSpPr txBox="1">
+            <a:spLocks noGrp="1"/>
+          </p:cNvSpPr>
           <p:nvPr>
             <p:ph type="title"/>
           </p:nvPr>
@@ -15174,7 +15454,6 @@
             </a:lvl1pPr>
           </a:lstStyle>
           <a:p>
-            <a:pPr/>
             <a:r>
               <a:t>Qb adjusted elo team 2 wins probability vs actual winner</a:t>
             </a:r>
@@ -15190,9 +15469,7 @@
           <p:nvPr/>
         </p:nvPicPr>
         <p:blipFill>
-          <a:blip r:embed="rId2">
-            <a:extLst/>
-          </a:blip>
+          <a:blip r:embed="rId2"/>
           <a:stretch>
             <a:fillRect/>
           </a:stretch>
@@ -15219,9 +15496,7 @@
           <p:nvPr/>
         </p:nvPicPr>
         <p:blipFill>
-          <a:blip r:embed="rId3">
-            <a:extLst/>
-          </a:blip>
+          <a:blip r:embed="rId3"/>
           <a:stretch>
             <a:fillRect/>
           </a:stretch>
@@ -15244,12 +15519,12 @@
   <p:clrMapOvr>
     <a:masterClrMapping/>
   </p:clrMapOvr>
-  <p:transition xmlns:p14="http://schemas.microsoft.com/office/powerpoint/2010/main" spd="med" advClick="1"/>
+  <p:transition spd="med"/>
 </p:sld>
 </file>
 
 <file path=ppt/slides/slide27.xml><?xml version="1.0" encoding="utf-8"?>
-<p:sld xmlns:a="http://schemas.openxmlformats.org/drawingml/2006/main" xmlns:r="http://schemas.openxmlformats.org/officeDocument/2006/relationships" xmlns:p="http://schemas.openxmlformats.org/presentationml/2006/main" xmlns:m="http://schemas.openxmlformats.org/officeDocument/2006/math" xmlns:a14="http://schemas.microsoft.com/office/drawing/2010/main" showMasterSp="1" showMasterPhAnim="1">
+<p:sld xmlns:a="http://schemas.openxmlformats.org/drawingml/2006/main" xmlns:r="http://schemas.openxmlformats.org/officeDocument/2006/relationships" xmlns:p="http://schemas.openxmlformats.org/presentationml/2006/main">
   <p:cSld>
     <p:spTree>
       <p:nvGrpSpPr>
@@ -15268,7 +15543,9 @@
       <p:sp>
         <p:nvSpPr>
           <p:cNvPr id="419" name="Title 1"/>
-          <p:cNvSpPr txBox="1"/>
+          <p:cNvSpPr txBox="1">
+            <a:spLocks noGrp="1"/>
+          </p:cNvSpPr>
           <p:nvPr>
             <p:ph type="title"/>
           </p:nvPr>
@@ -15286,7 +15563,6 @@
           <a:bodyPr/>
           <a:lstStyle/>
           <a:p>
-            <a:pPr/>
             <a:r>
               <a:t>Graph Placeholder</a:t>
             </a:r>
@@ -15298,12 +15574,12 @@
   <p:clrMapOvr>
     <a:masterClrMapping/>
   </p:clrMapOvr>
-  <p:transition xmlns:p14="http://schemas.microsoft.com/office/powerpoint/2010/main" spd="med" advClick="1"/>
+  <p:transition spd="med"/>
 </p:sld>
 </file>
 
 <file path=ppt/slides/slide28.xml><?xml version="1.0" encoding="utf-8"?>
-<p:sld xmlns:a="http://schemas.openxmlformats.org/drawingml/2006/main" xmlns:r="http://schemas.openxmlformats.org/officeDocument/2006/relationships" xmlns:p="http://schemas.openxmlformats.org/presentationml/2006/main" xmlns:m="http://schemas.openxmlformats.org/officeDocument/2006/math" xmlns:a14="http://schemas.microsoft.com/office/drawing/2010/main" showMasterSp="1" showMasterPhAnim="1">
+<p:sld xmlns:a="http://schemas.openxmlformats.org/drawingml/2006/main" xmlns:r="http://schemas.openxmlformats.org/officeDocument/2006/relationships" xmlns:p="http://schemas.openxmlformats.org/presentationml/2006/main">
   <p:cSld>
     <p:spTree>
       <p:nvGrpSpPr>
@@ -15322,7 +15598,9 @@
       <p:sp>
         <p:nvSpPr>
           <p:cNvPr id="421" name="Title 1"/>
-          <p:cNvSpPr txBox="1"/>
+          <p:cNvSpPr txBox="1">
+            <a:spLocks noGrp="1"/>
+          </p:cNvSpPr>
           <p:nvPr>
             <p:ph type="title"/>
           </p:nvPr>
@@ -15340,7 +15618,6 @@
           <a:bodyPr/>
           <a:lstStyle/>
           <a:p>
-            <a:pPr/>
             <a:r>
               <a:t>Graph placeholder</a:t>
             </a:r>
@@ -15352,12 +15629,12 @@
   <p:clrMapOvr>
     <a:masterClrMapping/>
   </p:clrMapOvr>
-  <p:transition xmlns:p14="http://schemas.microsoft.com/office/powerpoint/2010/main" spd="med" advClick="1"/>
+  <p:transition spd="med"/>
 </p:sld>
 </file>
 
 <file path=ppt/slides/slide29.xml><?xml version="1.0" encoding="utf-8"?>
-<p:sld xmlns:a="http://schemas.openxmlformats.org/drawingml/2006/main" xmlns:r="http://schemas.openxmlformats.org/officeDocument/2006/relationships" xmlns:p="http://schemas.openxmlformats.org/presentationml/2006/main" xmlns:m="http://schemas.openxmlformats.org/officeDocument/2006/math" xmlns:a14="http://schemas.microsoft.com/office/drawing/2010/main" showMasterSp="1" showMasterPhAnim="1">
+<p:sld xmlns:a="http://schemas.openxmlformats.org/drawingml/2006/main" xmlns:r="http://schemas.openxmlformats.org/officeDocument/2006/relationships" xmlns:p="http://schemas.openxmlformats.org/presentationml/2006/main">
   <p:cSld>
     <p:spTree>
       <p:nvGrpSpPr>
@@ -15376,7 +15653,9 @@
       <p:sp>
         <p:nvSpPr>
           <p:cNvPr id="423" name="Title 1"/>
-          <p:cNvSpPr txBox="1"/>
+          <p:cNvSpPr txBox="1">
+            <a:spLocks noGrp="1"/>
+          </p:cNvSpPr>
           <p:nvPr>
             <p:ph type="title"/>
           </p:nvPr>
@@ -15394,7 +15673,6 @@
           <a:bodyPr/>
           <a:lstStyle/>
           <a:p>
-            <a:pPr/>
             <a:r>
               <a:t>Graph placeholder</a:t>
             </a:r>
@@ -15406,12 +15684,12 @@
   <p:clrMapOvr>
     <a:masterClrMapping/>
   </p:clrMapOvr>
-  <p:transition xmlns:p14="http://schemas.microsoft.com/office/powerpoint/2010/main" spd="med" advClick="1"/>
+  <p:transition spd="med"/>
 </p:sld>
 </file>
 
 <file path=ppt/slides/slide3.xml><?xml version="1.0" encoding="utf-8"?>
-<p:sld xmlns:a="http://schemas.openxmlformats.org/drawingml/2006/main" xmlns:r="http://schemas.openxmlformats.org/officeDocument/2006/relationships" xmlns:p="http://schemas.openxmlformats.org/presentationml/2006/main" xmlns:m="http://schemas.openxmlformats.org/officeDocument/2006/math" xmlns:a14="http://schemas.microsoft.com/office/drawing/2010/main" showMasterSp="1" showMasterPhAnim="1">
+<p:sld xmlns:a="http://schemas.openxmlformats.org/drawingml/2006/main" xmlns:r="http://schemas.openxmlformats.org/officeDocument/2006/relationships" xmlns:p="http://schemas.openxmlformats.org/presentationml/2006/main">
   <p:cSld>
     <p:spTree>
       <p:nvGrpSpPr>
@@ -15430,7 +15708,9 @@
       <p:sp>
         <p:nvSpPr>
           <p:cNvPr id="332" name="Title 1"/>
-          <p:cNvSpPr txBox="1"/>
+          <p:cNvSpPr txBox="1">
+            <a:spLocks noGrp="1"/>
+          </p:cNvSpPr>
           <p:nvPr>
             <p:ph type="title"/>
           </p:nvPr>
@@ -15448,7 +15728,6 @@
           <a:bodyPr/>
           <a:lstStyle/>
           <a:p>
-            <a:pPr/>
             <a:r>
               <a:t>Research Questions</a:t>
             </a:r>
@@ -15458,7 +15737,9 @@
       <p:sp>
         <p:nvSpPr>
           <p:cNvPr id="333" name="Subtitle 2"/>
-          <p:cNvSpPr txBox="1"/>
+          <p:cNvSpPr txBox="1">
+            <a:spLocks noGrp="1"/>
+          </p:cNvSpPr>
           <p:nvPr>
             <p:ph type="body" idx="1"/>
           </p:nvPr>
@@ -15486,8 +15767,8 @@
             </a:lvl1pPr>
           </a:lstStyle>
           <a:p>
-            <a:pPr/>
-            <a:r>
+            <a:r>
+              <a:rPr dirty="0"/>
               <a:t>Can the success of a team (winning the game) in the National Football Leagued (NFL) be predicted based on Team ELO and Quarterback ELO ratings, location of the game itself (home or away) and referee favorability? </a:t>
             </a:r>
           </a:p>
@@ -15498,12 +15779,12 @@
   <p:clrMapOvr>
     <a:masterClrMapping/>
   </p:clrMapOvr>
-  <p:transition xmlns:p14="http://schemas.microsoft.com/office/powerpoint/2010/main" spd="med" advClick="1"/>
+  <p:transition spd="med"/>
 </p:sld>
 </file>
 
 <file path=ppt/slides/slide30.xml><?xml version="1.0" encoding="utf-8"?>
-<p:sld xmlns:a="http://schemas.openxmlformats.org/drawingml/2006/main" xmlns:r="http://schemas.openxmlformats.org/officeDocument/2006/relationships" xmlns:p="http://schemas.openxmlformats.org/presentationml/2006/main" xmlns:m="http://schemas.openxmlformats.org/officeDocument/2006/math" xmlns:a14="http://schemas.microsoft.com/office/drawing/2010/main" showMasterSp="1" showMasterPhAnim="1">
+<p:sld xmlns:a="http://schemas.openxmlformats.org/drawingml/2006/main" xmlns:r="http://schemas.openxmlformats.org/officeDocument/2006/relationships" xmlns:p="http://schemas.openxmlformats.org/presentationml/2006/main">
   <p:cSld>
     <p:spTree>
       <p:nvGrpSpPr>
@@ -15522,7 +15803,9 @@
       <p:sp>
         <p:nvSpPr>
           <p:cNvPr id="425" name="Title 1"/>
-          <p:cNvSpPr txBox="1"/>
+          <p:cNvSpPr txBox="1">
+            <a:spLocks noGrp="1"/>
+          </p:cNvSpPr>
           <p:nvPr>
             <p:ph type="title"/>
           </p:nvPr>
@@ -15540,7 +15823,6 @@
           <a:bodyPr/>
           <a:lstStyle/>
           <a:p>
-            <a:pPr/>
             <a:r>
               <a:t>Graph - placeholder</a:t>
             </a:r>
@@ -15552,12 +15834,12 @@
   <p:clrMapOvr>
     <a:masterClrMapping/>
   </p:clrMapOvr>
-  <p:transition xmlns:p14="http://schemas.microsoft.com/office/powerpoint/2010/main" spd="med" advClick="1"/>
+  <p:transition spd="med"/>
 </p:sld>
 </file>
 
 <file path=ppt/slides/slide31.xml><?xml version="1.0" encoding="utf-8"?>
-<p:sld xmlns:a="http://schemas.openxmlformats.org/drawingml/2006/main" xmlns:r="http://schemas.openxmlformats.org/officeDocument/2006/relationships" xmlns:p="http://schemas.openxmlformats.org/presentationml/2006/main" xmlns:m="http://schemas.openxmlformats.org/officeDocument/2006/math" xmlns:a14="http://schemas.microsoft.com/office/drawing/2010/main" showMasterSp="1" showMasterPhAnim="1">
+<p:sld xmlns:a="http://schemas.openxmlformats.org/drawingml/2006/main" xmlns:r="http://schemas.openxmlformats.org/officeDocument/2006/relationships" xmlns:p="http://schemas.openxmlformats.org/presentationml/2006/main">
   <p:cSld>
     <p:spTree>
       <p:nvGrpSpPr>
@@ -15576,7 +15858,9 @@
       <p:sp>
         <p:nvSpPr>
           <p:cNvPr id="427" name="Title 1"/>
-          <p:cNvSpPr txBox="1"/>
+          <p:cNvSpPr txBox="1">
+            <a:spLocks noGrp="1"/>
+          </p:cNvSpPr>
           <p:nvPr>
             <p:ph type="title"/>
           </p:nvPr>
@@ -15594,7 +15878,6 @@
           <a:bodyPr/>
           <a:lstStyle/>
           <a:p>
-            <a:pPr/>
             <a:r>
               <a:t>Findings and implications</a:t>
             </a:r>
@@ -15604,7 +15887,9 @@
       <p:sp>
         <p:nvSpPr>
           <p:cNvPr id="428" name="Subtitle 2"/>
-          <p:cNvSpPr txBox="1"/>
+          <p:cNvSpPr txBox="1">
+            <a:spLocks noGrp="1"/>
+          </p:cNvSpPr>
           <p:nvPr>
             <p:ph type="body" idx="1"/>
           </p:nvPr>
@@ -15634,8 +15919,8 @@
             </a:lvl1pPr>
           </a:lstStyle>
           <a:p>
-            <a:pPr/>
             <a:br/>
+            <a:endParaRPr/>
           </a:p>
         </p:txBody>
       </p:sp>
@@ -15644,12 +15929,12 @@
   <p:clrMapOvr>
     <a:masterClrMapping/>
   </p:clrMapOvr>
-  <p:transition xmlns:p14="http://schemas.microsoft.com/office/powerpoint/2010/main" spd="med" advClick="1"/>
+  <p:transition spd="med"/>
 </p:sld>
 </file>
 
 <file path=ppt/slides/slide32.xml><?xml version="1.0" encoding="utf-8"?>
-<p:sld xmlns:a="http://schemas.openxmlformats.org/drawingml/2006/main" xmlns:r="http://schemas.openxmlformats.org/officeDocument/2006/relationships" xmlns:p="http://schemas.openxmlformats.org/presentationml/2006/main" xmlns:m="http://schemas.openxmlformats.org/officeDocument/2006/math" xmlns:a14="http://schemas.microsoft.com/office/drawing/2010/main" showMasterSp="1" showMasterPhAnim="1">
+<p:sld xmlns:a="http://schemas.openxmlformats.org/drawingml/2006/main" xmlns:r="http://schemas.openxmlformats.org/officeDocument/2006/relationships" xmlns:p="http://schemas.openxmlformats.org/presentationml/2006/main">
   <p:cSld>
     <p:spTree>
       <p:nvGrpSpPr>
@@ -15668,7 +15953,9 @@
       <p:sp>
         <p:nvSpPr>
           <p:cNvPr id="430" name="Title 1"/>
-          <p:cNvSpPr txBox="1"/>
+          <p:cNvSpPr txBox="1">
+            <a:spLocks noGrp="1"/>
+          </p:cNvSpPr>
           <p:nvPr>
             <p:ph type="title"/>
           </p:nvPr>
@@ -15686,7 +15973,6 @@
           <a:bodyPr/>
           <a:lstStyle/>
           <a:p>
-            <a:pPr/>
             <a:r>
               <a:t>Software version control</a:t>
             </a:r>
@@ -15696,7 +15982,9 @@
       <p:sp>
         <p:nvSpPr>
           <p:cNvPr id="431" name="Subtitle 2"/>
-          <p:cNvSpPr txBox="1"/>
+          <p:cNvSpPr txBox="1">
+            <a:spLocks noGrp="1"/>
+          </p:cNvSpPr>
           <p:nvPr>
             <p:ph type="body" idx="1"/>
           </p:nvPr>
@@ -15732,6 +16020,10 @@
               </a:defRPr>
             </a:pPr>
             <a:r>
+              <a:rPr dirty="0">
+                <a:latin typeface="Segoe UI Light" panose="020B0502040204020203" pitchFamily="34" charset="0"/>
+                <a:cs typeface="Segoe UI Light" panose="020B0502040204020203" pitchFamily="34" charset="0"/>
+              </a:rPr>
               <a:t>Created a GitHub repository.</a:t>
             </a:r>
           </a:p>
@@ -15754,6 +16046,10 @@
               </a:defRPr>
             </a:pPr>
             <a:r>
+              <a:rPr dirty="0">
+                <a:latin typeface="Segoe UI Light" panose="020B0502040204020203" pitchFamily="34" charset="0"/>
+                <a:cs typeface="Segoe UI Light" panose="020B0502040204020203" pitchFamily="34" charset="0"/>
+              </a:rPr>
               <a:t>Members of the group added/edited to repository.</a:t>
             </a:r>
           </a:p>
@@ -15776,6 +16072,10 @@
               </a:defRPr>
             </a:pPr>
             <a:r>
+              <a:rPr dirty="0">
+                <a:latin typeface="Segoe UI Light" panose="020B0502040204020203" pitchFamily="34" charset="0"/>
+                <a:cs typeface="Segoe UI Light" panose="020B0502040204020203" pitchFamily="34" charset="0"/>
+              </a:rPr>
               <a:t>Multiple files uploaded to repository by group members in support of findings.</a:t>
             </a:r>
           </a:p>
@@ -15786,12 +16086,12 @@
   <p:clrMapOvr>
     <a:masterClrMapping/>
   </p:clrMapOvr>
-  <p:transition xmlns:p14="http://schemas.microsoft.com/office/powerpoint/2010/main" spd="med" advClick="1"/>
+  <p:transition spd="med"/>
 </p:sld>
 </file>
 
 <file path=ppt/slides/slide33.xml><?xml version="1.0" encoding="utf-8"?>
-<p:sld xmlns:a="http://schemas.openxmlformats.org/drawingml/2006/main" xmlns:r="http://schemas.openxmlformats.org/officeDocument/2006/relationships" xmlns:p="http://schemas.openxmlformats.org/presentationml/2006/main" xmlns:m="http://schemas.openxmlformats.org/officeDocument/2006/math" xmlns:a14="http://schemas.microsoft.com/office/drawing/2010/main" showMasterSp="1" showMasterPhAnim="1">
+<p:sld xmlns:a="http://schemas.openxmlformats.org/drawingml/2006/main" xmlns:r="http://schemas.openxmlformats.org/officeDocument/2006/relationships" xmlns:p="http://schemas.openxmlformats.org/presentationml/2006/main">
   <p:cSld>
     <p:spTree>
       <p:nvGrpSpPr>
@@ -15810,7 +16110,9 @@
       <p:sp>
         <p:nvSpPr>
           <p:cNvPr id="433" name="Title 1"/>
-          <p:cNvSpPr txBox="1"/>
+          <p:cNvSpPr txBox="1">
+            <a:spLocks noGrp="1"/>
+          </p:cNvSpPr>
           <p:nvPr>
             <p:ph type="title"/>
           </p:nvPr>
@@ -15828,7 +16130,6 @@
           <a:bodyPr/>
           <a:lstStyle/>
           <a:p>
-            <a:pPr/>
             <a:r>
               <a:t>Future development</a:t>
             </a:r>
@@ -15838,7 +16139,9 @@
       <p:sp>
         <p:nvSpPr>
           <p:cNvPr id="434" name="Subtitle 2"/>
-          <p:cNvSpPr txBox="1"/>
+          <p:cNvSpPr txBox="1">
+            <a:spLocks noGrp="1"/>
+          </p:cNvSpPr>
           <p:nvPr>
             <p:ph type="body" idx="1"/>
           </p:nvPr>
@@ -15874,6 +16177,10 @@
               </a:defRPr>
             </a:pPr>
             <a:r>
+              <a:rPr dirty="0">
+                <a:latin typeface="Segoe UI Light" panose="020B0502040204020203" pitchFamily="34" charset="0"/>
+                <a:cs typeface="Segoe UI Light" panose="020B0502040204020203" pitchFamily="34" charset="0"/>
+              </a:rPr>
               <a:t>Methodology/ELO Rating and calculation can be applied to any head-to-head match.</a:t>
             </a:r>
           </a:p>
@@ -15896,6 +16203,10 @@
               </a:defRPr>
             </a:pPr>
             <a:r>
+              <a:rPr dirty="0">
+                <a:latin typeface="Segoe UI Light" panose="020B0502040204020203" pitchFamily="34" charset="0"/>
+                <a:cs typeface="Segoe UI Light" panose="020B0502040204020203" pitchFamily="34" charset="0"/>
+              </a:rPr>
               <a:t>This can provide predictive participants with a slight edge mathematically.</a:t>
             </a:r>
           </a:p>
@@ -15918,6 +16229,10 @@
               </a:defRPr>
             </a:pPr>
             <a:r>
+              <a:rPr dirty="0">
+                <a:latin typeface="Segoe UI Light" panose="020B0502040204020203" pitchFamily="34" charset="0"/>
+                <a:cs typeface="Segoe UI Light" panose="020B0502040204020203" pitchFamily="34" charset="0"/>
+              </a:rPr>
               <a:t>This edge can also be combined with standard observation factors along with momentum to provide a substantial indication of a predictive “win”.</a:t>
             </a:r>
           </a:p>
@@ -15940,8 +16255,36 @@
               </a:defRPr>
             </a:pPr>
             <a:r>
+              <a:rPr dirty="0">
+                <a:latin typeface="Segoe UI Light" panose="020B0502040204020203" pitchFamily="34" charset="0"/>
+                <a:cs typeface="Segoe UI Light" panose="020B0502040204020203" pitchFamily="34" charset="0"/>
+              </a:rPr>
               <a:t>This can be applied not only to sports but to societal events such as an election.</a:t>
             </a:r>
+            <a:endParaRPr lang="en-US" dirty="0">
+              <a:latin typeface="Segoe UI Light" panose="020B0502040204020203" pitchFamily="34" charset="0"/>
+              <a:cs typeface="Segoe UI Light" panose="020B0502040204020203" pitchFamily="34" charset="0"/>
+            </a:endParaRPr>
+          </a:p>
+          <a:p>
+            <a:pPr marL="457200" indent="-457200" algn="l">
+              <a:buClr>
+                <a:schemeClr val="accent6"/>
+              </a:buClr>
+              <a:buSzPct val="100000"/>
+              <a:buFont typeface="Arial"/>
+              <a:buChar char="•"/>
+              <a:defRPr sz="2800">
+                <a:solidFill>
+                  <a:srgbClr val="CCCCCC"/>
+                </a:solidFill>
+                <a:latin typeface="Consolas"/>
+                <a:ea typeface="Consolas"/>
+                <a:cs typeface="Consolas"/>
+                <a:sym typeface="Consolas"/>
+              </a:defRPr>
+            </a:pPr>
+            <a:endParaRPr dirty="0"/>
           </a:p>
         </p:txBody>
       </p:sp>
@@ -15950,12 +16293,280 @@
   <p:clrMapOvr>
     <a:masterClrMapping/>
   </p:clrMapOvr>
-  <p:transition xmlns:p14="http://schemas.microsoft.com/office/powerpoint/2010/main" spd="med" advClick="1"/>
+  <p:transition spd="med"/>
 </p:sld>
 </file>
 
 <file path=ppt/slides/slide34.xml><?xml version="1.0" encoding="utf-8"?>
-<p:sld xmlns:a="http://schemas.openxmlformats.org/drawingml/2006/main" xmlns:r="http://schemas.openxmlformats.org/officeDocument/2006/relationships" xmlns:p="http://schemas.openxmlformats.org/presentationml/2006/main" xmlns:m="http://schemas.openxmlformats.org/officeDocument/2006/math" xmlns:a14="http://schemas.microsoft.com/office/drawing/2010/main" showMasterSp="1" showMasterPhAnim="1">
+<p:sld xmlns:a="http://schemas.openxmlformats.org/drawingml/2006/main" xmlns:r="http://schemas.openxmlformats.org/officeDocument/2006/relationships" xmlns:p="http://schemas.openxmlformats.org/presentationml/2006/main">
+  <p:cSld>
+    <p:spTree>
+      <p:nvGrpSpPr>
+        <p:cNvPr id="1" name="">
+          <a:extLst>
+            <a:ext uri="{FF2B5EF4-FFF2-40B4-BE49-F238E27FC236}">
+              <a16:creationId xmlns:a16="http://schemas.microsoft.com/office/drawing/2014/main" id="{314E3FAA-7A8E-FDBE-CD0B-50E3DB7789D6}"/>
+            </a:ext>
+          </a:extLst>
+        </p:cNvPr>
+        <p:cNvGrpSpPr/>
+        <p:nvPr/>
+      </p:nvGrpSpPr>
+      <p:grpSpPr>
+        <a:xfrm>
+          <a:off x="0" y="0"/>
+          <a:ext cx="0" cy="0"/>
+          <a:chOff x="0" y="0"/>
+          <a:chExt cx="0" cy="0"/>
+        </a:xfrm>
+      </p:grpSpPr>
+      <p:sp>
+        <p:nvSpPr>
+          <p:cNvPr id="433" name="Title 1">
+            <a:extLst>
+              <a:ext uri="{FF2B5EF4-FFF2-40B4-BE49-F238E27FC236}">
+                <a16:creationId xmlns:a16="http://schemas.microsoft.com/office/drawing/2014/main" id="{4608588F-9003-8C06-F517-1DC10BCF056C}"/>
+              </a:ext>
+            </a:extLst>
+          </p:cNvPr>
+          <p:cNvSpPr txBox="1">
+            <a:spLocks noGrp="1"/>
+          </p:cNvSpPr>
+          <p:nvPr>
+            <p:ph type="title"/>
+          </p:nvPr>
+        </p:nvSpPr>
+        <p:spPr>
+          <a:xfrm>
+            <a:off x="1987456" y="72511"/>
+            <a:ext cx="7735824" cy="1069848"/>
+          </a:xfrm>
+          <a:prstGeom prst="rect">
+            <a:avLst/>
+          </a:prstGeom>
+        </p:spPr>
+        <p:txBody>
+          <a:bodyPr/>
+          <a:lstStyle/>
+          <a:p>
+            <a:r>
+              <a:rPr lang="en-US" dirty="0"/>
+              <a:t>Additional Questions</a:t>
+            </a:r>
+            <a:endParaRPr dirty="0"/>
+          </a:p>
+        </p:txBody>
+      </p:sp>
+      <p:sp>
+        <p:nvSpPr>
+          <p:cNvPr id="434" name="Subtitle 2">
+            <a:extLst>
+              <a:ext uri="{FF2B5EF4-FFF2-40B4-BE49-F238E27FC236}">
+                <a16:creationId xmlns:a16="http://schemas.microsoft.com/office/drawing/2014/main" id="{24C543DB-19CF-E599-2EF3-3B49A66491C2}"/>
+              </a:ext>
+            </a:extLst>
+          </p:cNvPr>
+          <p:cNvSpPr txBox="1">
+            <a:spLocks noGrp="1"/>
+          </p:cNvSpPr>
+          <p:nvPr>
+            <p:ph type="body" idx="1"/>
+          </p:nvPr>
+        </p:nvSpPr>
+        <p:spPr>
+          <a:xfrm>
+            <a:off x="505325" y="1259304"/>
+            <a:ext cx="11269579" cy="5430255"/>
+          </a:xfrm>
+          <a:prstGeom prst="rect">
+            <a:avLst/>
+          </a:prstGeom>
+        </p:spPr>
+        <p:txBody>
+          <a:bodyPr/>
+          <a:lstStyle/>
+          <a:p>
+            <a:pPr marL="250179" indent="-250179" algn="l" defTabSz="658368">
+              <a:spcBef>
+                <a:spcPts val="700"/>
+              </a:spcBef>
+              <a:buFont typeface="Arial"/>
+              <a:buChar char="•"/>
+              <a:defRPr sz="1008">
+                <a:latin typeface="Roboto"/>
+                <a:ea typeface="Roboto"/>
+                <a:cs typeface="Roboto"/>
+                <a:sym typeface="Roboto"/>
+              </a:defRPr>
+            </a:pPr>
+            <a:r>
+              <a:rPr lang="en-US" sz="2800" dirty="0">
+                <a:latin typeface="Segoe UI Light" panose="020B0502040204020203" pitchFamily="34" charset="0"/>
+                <a:cs typeface="Segoe UI Light" panose="020B0502040204020203" pitchFamily="34" charset="0"/>
+              </a:rPr>
+              <a:t>What variables can be added to the ELO mathematical formula?</a:t>
+            </a:r>
+          </a:p>
+          <a:p>
+            <a:pPr marL="250179" indent="-250179" algn="l" defTabSz="658368">
+              <a:spcBef>
+                <a:spcPts val="700"/>
+              </a:spcBef>
+              <a:buFont typeface="Arial"/>
+              <a:buChar char="•"/>
+              <a:defRPr sz="1008">
+                <a:latin typeface="Roboto"/>
+                <a:ea typeface="Roboto"/>
+                <a:cs typeface="Roboto"/>
+                <a:sym typeface="Roboto"/>
+              </a:defRPr>
+            </a:pPr>
+            <a:r>
+              <a:rPr lang="en-US" sz="2800" dirty="0">
+                <a:latin typeface="Segoe UI Light" panose="020B0502040204020203" pitchFamily="34" charset="0"/>
+                <a:cs typeface="Segoe UI Light" panose="020B0502040204020203" pitchFamily="34" charset="0"/>
+              </a:rPr>
+              <a:t>More variables or contributing factors can be added to determine additional information.</a:t>
+            </a:r>
+          </a:p>
+          <a:p>
+            <a:pPr marL="493776" lvl="1" indent="-250179" algn="l" defTabSz="658368">
+              <a:lnSpc>
+                <a:spcPct val="90000"/>
+              </a:lnSpc>
+              <a:spcBef>
+                <a:spcPts val="300"/>
+              </a:spcBef>
+              <a:buFont typeface="Arial"/>
+              <a:buChar char="•"/>
+              <a:defRPr sz="720">
+                <a:latin typeface="Roboto"/>
+                <a:ea typeface="Roboto"/>
+                <a:cs typeface="Roboto"/>
+                <a:sym typeface="Roboto"/>
+              </a:defRPr>
+            </a:pPr>
+            <a:r>
+              <a:rPr lang="en-US" sz="2800" dirty="0">
+                <a:latin typeface="Segoe UI Light" panose="020B0502040204020203" pitchFamily="34" charset="0"/>
+                <a:cs typeface="Segoe UI Light" panose="020B0502040204020203" pitchFamily="34" charset="0"/>
+              </a:rPr>
+              <a:t>Playing Surface</a:t>
+            </a:r>
+          </a:p>
+          <a:p>
+            <a:pPr marL="493776" lvl="1" indent="-250179" algn="l" defTabSz="658368">
+              <a:lnSpc>
+                <a:spcPct val="90000"/>
+              </a:lnSpc>
+              <a:spcBef>
+                <a:spcPts val="300"/>
+              </a:spcBef>
+              <a:buFont typeface="Arial"/>
+              <a:buChar char="•"/>
+              <a:defRPr sz="720">
+                <a:latin typeface="Roboto"/>
+                <a:ea typeface="Roboto"/>
+                <a:cs typeface="Roboto"/>
+                <a:sym typeface="Roboto"/>
+              </a:defRPr>
+            </a:pPr>
+            <a:r>
+              <a:rPr lang="en-US" sz="2800" dirty="0">
+                <a:latin typeface="Segoe UI Light" panose="020B0502040204020203" pitchFamily="34" charset="0"/>
+                <a:cs typeface="Segoe UI Light" panose="020B0502040204020203" pitchFamily="34" charset="0"/>
+              </a:rPr>
+              <a:t>Weather</a:t>
+            </a:r>
+          </a:p>
+          <a:p>
+            <a:pPr marL="493776" lvl="1" indent="-250179" algn="l" defTabSz="658368">
+              <a:lnSpc>
+                <a:spcPct val="90000"/>
+              </a:lnSpc>
+              <a:spcBef>
+                <a:spcPts val="300"/>
+              </a:spcBef>
+              <a:buFont typeface="Arial"/>
+              <a:buChar char="•"/>
+              <a:defRPr sz="720">
+                <a:latin typeface="Roboto"/>
+                <a:ea typeface="Roboto"/>
+                <a:cs typeface="Roboto"/>
+                <a:sym typeface="Roboto"/>
+              </a:defRPr>
+            </a:pPr>
+            <a:r>
+              <a:rPr lang="en-US" sz="2800" dirty="0">
+                <a:latin typeface="Segoe UI Light" panose="020B0502040204020203" pitchFamily="34" charset="0"/>
+                <a:cs typeface="Segoe UI Light" panose="020B0502040204020203" pitchFamily="34" charset="0"/>
+              </a:rPr>
+              <a:t>Day of the Week</a:t>
+            </a:r>
+          </a:p>
+          <a:p>
+            <a:pPr marL="493776" lvl="1" indent="-250179" algn="l" defTabSz="658368">
+              <a:lnSpc>
+                <a:spcPct val="90000"/>
+              </a:lnSpc>
+              <a:spcBef>
+                <a:spcPts val="300"/>
+              </a:spcBef>
+              <a:buFont typeface="Arial"/>
+              <a:buChar char="•"/>
+              <a:defRPr sz="720">
+                <a:latin typeface="Roboto"/>
+                <a:ea typeface="Roboto"/>
+                <a:cs typeface="Roboto"/>
+                <a:sym typeface="Roboto"/>
+              </a:defRPr>
+            </a:pPr>
+            <a:r>
+              <a:rPr lang="en-US" sz="2800" dirty="0">
+                <a:latin typeface="Segoe UI Light" panose="020B0502040204020203" pitchFamily="34" charset="0"/>
+                <a:cs typeface="Segoe UI Light" panose="020B0502040204020203" pitchFamily="34" charset="0"/>
+              </a:rPr>
+              <a:t>Expanded to Other Sports Based on the Dataset</a:t>
+            </a:r>
+          </a:p>
+          <a:p>
+            <a:pPr marL="457200" indent="-457200" algn="l">
+              <a:buClr>
+                <a:schemeClr val="accent6"/>
+              </a:buClr>
+              <a:buSzPct val="100000"/>
+              <a:buFont typeface="Arial"/>
+              <a:buChar char="•"/>
+              <a:defRPr sz="2800">
+                <a:solidFill>
+                  <a:srgbClr val="CCCCCC"/>
+                </a:solidFill>
+                <a:latin typeface="Consolas"/>
+                <a:ea typeface="Consolas"/>
+                <a:cs typeface="Consolas"/>
+                <a:sym typeface="Consolas"/>
+              </a:defRPr>
+            </a:pPr>
+            <a:endParaRPr dirty="0"/>
+          </a:p>
+        </p:txBody>
+      </p:sp>
+    </p:spTree>
+    <p:extLst>
+      <p:ext uri="{BB962C8B-B14F-4D97-AF65-F5344CB8AC3E}">
+        <p14:creationId xmlns:p14="http://schemas.microsoft.com/office/powerpoint/2010/main" val="2346883842"/>
+      </p:ext>
+    </p:extLst>
+  </p:cSld>
+  <p:clrMapOvr>
+    <a:masterClrMapping/>
+  </p:clrMapOvr>
+  <p:transition spd="med"/>
+</p:sld>
+</file>
+
+<file path=ppt/slides/slide35.xml><?xml version="1.0" encoding="utf-8"?>
+<p:sld xmlns:a="http://schemas.openxmlformats.org/drawingml/2006/main" xmlns:r="http://schemas.openxmlformats.org/officeDocument/2006/relationships" xmlns:p="http://schemas.openxmlformats.org/presentationml/2006/main">
   <p:cSld>
     <p:spTree>
       <p:nvGrpSpPr>
@@ -15974,7 +16585,9 @@
       <p:sp>
         <p:nvSpPr>
           <p:cNvPr id="436" name="Title 1"/>
-          <p:cNvSpPr txBox="1"/>
+          <p:cNvSpPr txBox="1">
+            <a:spLocks noGrp="1"/>
+          </p:cNvSpPr>
           <p:nvPr>
             <p:ph type="title"/>
           </p:nvPr>
@@ -15992,7 +16605,6 @@
           <a:bodyPr/>
           <a:lstStyle/>
           <a:p>
-            <a:pPr/>
             <a:r>
               <a:t>THANK YOU</a:t>
             </a:r>
@@ -16004,12 +16616,12 @@
   <p:clrMapOvr>
     <a:masterClrMapping/>
   </p:clrMapOvr>
-  <p:transition xmlns:p14="http://schemas.microsoft.com/office/powerpoint/2010/main" spd="med" advClick="1"/>
+  <p:transition spd="med"/>
 </p:sld>
 </file>
 
 <file path=ppt/slides/slide4.xml><?xml version="1.0" encoding="utf-8"?>
-<p:sld xmlns:a="http://schemas.openxmlformats.org/drawingml/2006/main" xmlns:r="http://schemas.openxmlformats.org/officeDocument/2006/relationships" xmlns:p="http://schemas.openxmlformats.org/presentationml/2006/main" xmlns:m="http://schemas.openxmlformats.org/officeDocument/2006/math" xmlns:a14="http://schemas.microsoft.com/office/drawing/2010/main" showMasterSp="1" showMasterPhAnim="1">
+<p:sld xmlns:a="http://schemas.openxmlformats.org/drawingml/2006/main" xmlns:r="http://schemas.openxmlformats.org/officeDocument/2006/relationships" xmlns:p="http://schemas.openxmlformats.org/presentationml/2006/main">
   <p:cSld>
     <p:spTree>
       <p:nvGrpSpPr>
@@ -16028,7 +16640,9 @@
       <p:sp>
         <p:nvSpPr>
           <p:cNvPr id="335" name="Title 1"/>
-          <p:cNvSpPr txBox="1"/>
+          <p:cNvSpPr txBox="1">
+            <a:spLocks noGrp="1"/>
+          </p:cNvSpPr>
           <p:nvPr>
             <p:ph type="title"/>
           </p:nvPr>
@@ -16046,7 +16660,6 @@
           <a:bodyPr/>
           <a:lstStyle/>
           <a:p>
-            <a:pPr/>
             <a:r>
               <a:t>Scope/project overview</a:t>
             </a:r>
@@ -16056,7 +16669,9 @@
       <p:sp>
         <p:nvSpPr>
           <p:cNvPr id="336" name="Subtitle 2"/>
-          <p:cNvSpPr txBox="1"/>
+          <p:cNvSpPr txBox="1">
+            <a:spLocks noGrp="1"/>
+          </p:cNvSpPr>
           <p:nvPr>
             <p:ph type="body" idx="1"/>
           </p:nvPr>
@@ -16087,6 +16702,7 @@
               <a:defRPr sz="2184"/>
             </a:pPr>
             <a:r>
+              <a:rPr dirty="0"/>
               <a:t>The purpose of this project was to locate a dataset with reasonably clean data which could be queried to establish a predictive outcome based on an event. </a:t>
             </a:r>
           </a:p>
@@ -16104,6 +16720,7 @@
               <a:defRPr sz="2184"/>
             </a:pPr>
             <a:r>
+              <a:rPr dirty="0"/>
               <a:t>Sports Statistics was determined to have ample data and the basic research approach could be applied to multiple sports.</a:t>
             </a:r>
           </a:p>
@@ -16121,8 +16738,14 @@
               <a:defRPr sz="2184"/>
             </a:pPr>
             <a:r>
+              <a:rPr dirty="0"/>
               <a:t>Data would range from 1920 – 2023</a:t>
             </a:r>
+            <a:r>
+              <a:rPr lang="en-US" dirty="0"/>
+              <a:t>.</a:t>
+            </a:r>
+            <a:endParaRPr dirty="0"/>
           </a:p>
           <a:p>
             <a:pPr marL="260032" indent="-260032" algn="l" defTabSz="832104">
@@ -16138,6 +16761,7 @@
               <a:defRPr sz="2184"/>
             </a:pPr>
             <a:r>
+              <a:rPr dirty="0"/>
               <a:t>Variables and influencing factors were not consistent across then entire timeframe but consistent in linear blocks of time.  Some variables were not recorded until 1950 – 2023.</a:t>
             </a:r>
           </a:p>
@@ -16155,11 +16779,12 @@
               <a:defRPr sz="2184"/>
             </a:pPr>
             <a:r>
+              <a:rPr dirty="0"/>
               <a:t>Examined Variables:</a:t>
             </a:r>
           </a:p>
           <a:p>
-            <a:pPr lvl="1" marL="676084" indent="-260032" algn="l" defTabSz="832104">
+            <a:pPr marL="676084" lvl="1" indent="-260032" algn="l" defTabSz="832104">
               <a:lnSpc>
                 <a:spcPct val="90000"/>
               </a:lnSpc>
@@ -16175,12 +16800,17 @@
               <a:defRPr sz="2184"/>
             </a:pPr>
             <a:r>
+              <a:rPr dirty="0"/>
               <a:t>Team ELO ratings</a:t>
             </a:r>
-            <a:endParaRPr sz="1820"/>
-          </a:p>
-          <a:p>
-            <a:pPr lvl="1" marL="676084" indent="-260032" algn="l" defTabSz="832104">
+            <a:r>
+              <a:rPr lang="en-US" dirty="0"/>
+              <a:t>.</a:t>
+            </a:r>
+            <a:endParaRPr sz="1820" dirty="0"/>
+          </a:p>
+          <a:p>
+            <a:pPr marL="676084" lvl="1" indent="-260032" algn="l" defTabSz="832104">
               <a:lnSpc>
                 <a:spcPct val="90000"/>
               </a:lnSpc>
@@ -16196,12 +16826,17 @@
               <a:defRPr sz="2184"/>
             </a:pPr>
             <a:r>
+              <a:rPr dirty="0"/>
               <a:t>Quarterback ELO ratings (Brief Exp. of how its achieved)</a:t>
             </a:r>
-            <a:endParaRPr sz="1820"/>
-          </a:p>
-          <a:p>
-            <a:pPr lvl="1" marL="676084" indent="-260032" algn="l" defTabSz="832104">
+            <a:r>
+              <a:rPr lang="en-US" dirty="0"/>
+              <a:t>.</a:t>
+            </a:r>
+            <a:endParaRPr sz="1820" dirty="0"/>
+          </a:p>
+          <a:p>
+            <a:pPr marL="676084" lvl="1" indent="-260032" algn="l" defTabSz="832104">
               <a:lnSpc>
                 <a:spcPct val="90000"/>
               </a:lnSpc>
@@ -16217,12 +16852,17 @@
               <a:defRPr sz="2184"/>
             </a:pPr>
             <a:r>
+              <a:rPr dirty="0"/>
               <a:t>Game Location</a:t>
             </a:r>
-            <a:endParaRPr sz="1820"/>
-          </a:p>
-          <a:p>
-            <a:pPr lvl="1" marL="676084" indent="-260032" algn="l" defTabSz="832104">
+            <a:r>
+              <a:rPr lang="en-US" dirty="0"/>
+              <a:t>.</a:t>
+            </a:r>
+            <a:endParaRPr sz="1820" dirty="0"/>
+          </a:p>
+          <a:p>
+            <a:pPr marL="676084" lvl="1" indent="-260032" algn="l" defTabSz="832104">
               <a:lnSpc>
                 <a:spcPct val="90000"/>
               </a:lnSpc>
@@ -16238,9 +16878,14 @@
               <a:defRPr sz="2184"/>
             </a:pPr>
             <a:r>
+              <a:rPr dirty="0"/>
               <a:t>Referee Favorability</a:t>
             </a:r>
-            <a:endParaRPr sz="1820"/>
+            <a:r>
+              <a:rPr lang="en-US" dirty="0"/>
+              <a:t>.</a:t>
+            </a:r>
+            <a:endParaRPr sz="1820" dirty="0"/>
           </a:p>
           <a:p>
             <a:pPr algn="l" defTabSz="832104">
@@ -16250,6 +16895,7 @@
               <a:defRPr sz="1638"/>
             </a:pPr>
             <a:r>
+              <a:rPr dirty="0"/>
               <a:t> </a:t>
             </a:r>
           </a:p>
@@ -16260,12 +16906,12 @@
   <p:clrMapOvr>
     <a:masterClrMapping/>
   </p:clrMapOvr>
-  <p:transition xmlns:p14="http://schemas.microsoft.com/office/powerpoint/2010/main" spd="med" advClick="1"/>
+  <p:transition spd="med"/>
 </p:sld>
 </file>
 
 <file path=ppt/slides/slide5.xml><?xml version="1.0" encoding="utf-8"?>
-<p:sld xmlns:a="http://schemas.openxmlformats.org/drawingml/2006/main" xmlns:r="http://schemas.openxmlformats.org/officeDocument/2006/relationships" xmlns:p="http://schemas.openxmlformats.org/presentationml/2006/main" xmlns:m="http://schemas.openxmlformats.org/officeDocument/2006/math" xmlns:a14="http://schemas.microsoft.com/office/drawing/2010/main" showMasterSp="1" showMasterPhAnim="1">
+<p:sld xmlns:a="http://schemas.openxmlformats.org/drawingml/2006/main" xmlns:r="http://schemas.openxmlformats.org/officeDocument/2006/relationships" xmlns:p="http://schemas.openxmlformats.org/presentationml/2006/main">
   <p:cSld>
     <p:spTree>
       <p:nvGrpSpPr>
@@ -16284,7 +16930,9 @@
       <p:sp>
         <p:nvSpPr>
           <p:cNvPr id="338" name="Title 1"/>
-          <p:cNvSpPr txBox="1"/>
+          <p:cNvSpPr txBox="1">
+            <a:spLocks noGrp="1"/>
+          </p:cNvSpPr>
           <p:nvPr>
             <p:ph type="title"/>
           </p:nvPr>
@@ -16302,7 +16950,6 @@
           <a:bodyPr/>
           <a:lstStyle/>
           <a:p>
-            <a:pPr/>
             <a:r>
               <a:t>approach</a:t>
             </a:r>
@@ -16312,7 +16959,9 @@
       <p:sp>
         <p:nvSpPr>
           <p:cNvPr id="339" name="Subtitle 2"/>
-          <p:cNvSpPr txBox="1"/>
+          <p:cNvSpPr txBox="1">
+            <a:spLocks noGrp="1"/>
+          </p:cNvSpPr>
           <p:nvPr>
             <p:ph type="body" idx="1"/>
           </p:nvPr>
@@ -16343,6 +16992,7 @@
               <a:defRPr sz="2520"/>
             </a:pPr>
             <a:r>
+              <a:rPr dirty="0"/>
               <a:t>Artificial Intelligence (ChatGPT) was utilized to take project criteria and develop suggested areas for further research.  </a:t>
             </a:r>
           </a:p>
@@ -16360,6 +17010,7 @@
               <a:defRPr sz="2520"/>
             </a:pPr>
             <a:r>
+              <a:rPr dirty="0"/>
               <a:t>The group struggled at first to obtain a dataset that related to a specific query or problem statement.  After much research, a topic was determined, and the group obtained a clean dataset.  </a:t>
             </a:r>
           </a:p>
@@ -16377,6 +17028,7 @@
               <a:defRPr sz="2520"/>
             </a:pPr>
             <a:r>
+              <a:rPr dirty="0"/>
               <a:t>Dataset location - https://projects.fivethirtyeight.com/nfl-api/nfl_elo.csv</a:t>
             </a:r>
           </a:p>
@@ -16394,6 +17046,7 @@
               <a:defRPr sz="2520"/>
             </a:pPr>
             <a:r>
+              <a:rPr dirty="0"/>
               <a:t>Referee dataset location  -  Joe?</a:t>
             </a:r>
           </a:p>
@@ -16411,8 +17064,14 @@
               <a:defRPr sz="2520"/>
             </a:pPr>
             <a:r>
-              <a:t>Data format – CSV file format </a:t>
-            </a:r>
+              <a:rPr dirty="0"/>
+              <a:t>Data format – CSV file format</a:t>
+            </a:r>
+            <a:r>
+              <a:rPr lang="en-US" dirty="0"/>
+              <a:t>.</a:t>
+            </a:r>
+            <a:endParaRPr dirty="0"/>
           </a:p>
           <a:p>
             <a:pPr marL="411479" indent="-411479" algn="l" defTabSz="822959">
@@ -16428,8 +17087,22 @@
               <a:defRPr sz="2520"/>
             </a:pPr>
             <a:r>
-              <a:t>The data was trained – multiple logistic regression, decision tree, sk-learn, et.al</a:t>
-            </a:r>
+              <a:rPr dirty="0"/>
+              <a:t>The data was trained – multiple logistic regression, decision tree, </a:t>
+            </a:r>
+            <a:r>
+              <a:rPr dirty="0" err="1"/>
+              <a:t>sk</a:t>
+            </a:r>
+            <a:r>
+              <a:rPr dirty="0"/>
+              <a:t>-learn, et.al</a:t>
+            </a:r>
+            <a:r>
+              <a:rPr lang="en-US" dirty="0"/>
+              <a:t>.</a:t>
+            </a:r>
+            <a:endParaRPr dirty="0"/>
           </a:p>
           <a:p>
             <a:pPr defTabSz="822959">
@@ -16438,7 +17111,10 @@
               </a:spcBef>
               <a:defRPr sz="2520"/>
             </a:pPr>
-            <a:br/>
+            <a:br>
+              <a:rPr dirty="0"/>
+            </a:br>
+            <a:endParaRPr dirty="0"/>
           </a:p>
         </p:txBody>
       </p:sp>
@@ -16447,12 +17123,12 @@
   <p:clrMapOvr>
     <a:masterClrMapping/>
   </p:clrMapOvr>
-  <p:transition xmlns:p14="http://schemas.microsoft.com/office/powerpoint/2010/main" spd="med" advClick="1"/>
+  <p:transition spd="med"/>
 </p:sld>
 </file>
 
 <file path=ppt/slides/slide6.xml><?xml version="1.0" encoding="utf-8"?>
-<p:sld xmlns:a="http://schemas.openxmlformats.org/drawingml/2006/main" xmlns:r="http://schemas.openxmlformats.org/officeDocument/2006/relationships" xmlns:p="http://schemas.openxmlformats.org/presentationml/2006/main" xmlns:m="http://schemas.openxmlformats.org/officeDocument/2006/math" xmlns:a14="http://schemas.microsoft.com/office/drawing/2010/main" showMasterSp="1" showMasterPhAnim="1">
+<p:sld xmlns:a="http://schemas.openxmlformats.org/drawingml/2006/main" xmlns:r="http://schemas.openxmlformats.org/officeDocument/2006/relationships" xmlns:p="http://schemas.openxmlformats.org/presentationml/2006/main">
   <p:cSld>
     <p:spTree>
       <p:nvGrpSpPr>
@@ -16471,7 +17147,9 @@
       <p:sp>
         <p:nvSpPr>
           <p:cNvPr id="341" name="Title 1"/>
-          <p:cNvSpPr txBox="1"/>
+          <p:cNvSpPr txBox="1">
+            <a:spLocks noGrp="1"/>
+          </p:cNvSpPr>
           <p:nvPr>
             <p:ph type="title"/>
           </p:nvPr>
@@ -16489,7 +17167,6 @@
           <a:bodyPr/>
           <a:lstStyle/>
           <a:p>
-            <a:pPr/>
             <a:r>
               <a:t>Predictive Power</a:t>
             </a:r>
@@ -16499,7 +17176,9 @@
       <p:sp>
         <p:nvSpPr>
           <p:cNvPr id="342" name="Subtitle 2"/>
-          <p:cNvSpPr txBox="1"/>
+          <p:cNvSpPr txBox="1">
+            <a:spLocks noGrp="1"/>
+          </p:cNvSpPr>
           <p:nvPr>
             <p:ph type="body" idx="1"/>
           </p:nvPr>
@@ -16527,6 +17206,7 @@
               <a:defRPr sz="2800"/>
             </a:pPr>
             <a:r>
+              <a:rPr dirty="0"/>
               <a:t>Predictive Power was low in that it never achieved above 68.6%.  This is theoretically attributed to complete data not spanning entire timeline. </a:t>
             </a:r>
           </a:p>
@@ -16541,11 +17221,12 @@
               <a:defRPr sz="2800"/>
             </a:pPr>
             <a:r>
+              <a:rPr dirty="0"/>
               <a:t>Actual achievement of 68%</a:t>
             </a:r>
           </a:p>
           <a:p>
-            <a:pPr lvl="1" marL="742950" indent="-285750" algn="l">
+            <a:pPr marL="742950" lvl="1" indent="-285750" algn="l">
               <a:lnSpc>
                 <a:spcPct val="90000"/>
               </a:lnSpc>
@@ -16561,12 +17242,17 @@
               <a:defRPr sz="3000"/>
             </a:pPr>
             <a:r>
+              <a:rPr dirty="0"/>
               <a:t>Adjust test size from .2 - .25 – Logistical Regression</a:t>
             </a:r>
-            <a:endParaRPr sz="2000"/>
-          </a:p>
-          <a:p>
-            <a:pPr lvl="1" marL="742950" indent="-285750" algn="l">
+            <a:r>
+              <a:rPr lang="en-US" dirty="0"/>
+              <a:t>.</a:t>
+            </a:r>
+            <a:endParaRPr sz="2000" dirty="0"/>
+          </a:p>
+          <a:p>
+            <a:pPr marL="742950" lvl="1" indent="-285750" algn="l">
               <a:lnSpc>
                 <a:spcPct val="90000"/>
               </a:lnSpc>
@@ -16582,8 +17268,14 @@
               <a:defRPr sz="3000"/>
             </a:pPr>
             <a:r>
+              <a:rPr dirty="0"/>
               <a:t>All predictive power ranged between 65 – 68.5</a:t>
             </a:r>
+            <a:r>
+              <a:rPr lang="en-US" dirty="0"/>
+              <a:t>.</a:t>
+            </a:r>
+            <a:endParaRPr dirty="0"/>
           </a:p>
         </p:txBody>
       </p:sp>
@@ -16592,12 +17284,12 @@
   <p:clrMapOvr>
     <a:masterClrMapping/>
   </p:clrMapOvr>
-  <p:transition xmlns:p14="http://schemas.microsoft.com/office/powerpoint/2010/main" spd="med" advClick="1"/>
+  <p:transition spd="med"/>
 </p:sld>
 </file>
 
 <file path=ppt/slides/slide7.xml><?xml version="1.0" encoding="utf-8"?>
-<p:sld xmlns:a="http://schemas.openxmlformats.org/drawingml/2006/main" xmlns:r="http://schemas.openxmlformats.org/officeDocument/2006/relationships" xmlns:p="http://schemas.openxmlformats.org/presentationml/2006/main" xmlns:m="http://schemas.openxmlformats.org/officeDocument/2006/math" xmlns:a14="http://schemas.microsoft.com/office/drawing/2010/main" showMasterSp="1" showMasterPhAnim="1">
+<p:sld xmlns:a="http://schemas.openxmlformats.org/drawingml/2006/main" xmlns:r="http://schemas.openxmlformats.org/officeDocument/2006/relationships" xmlns:p="http://schemas.openxmlformats.org/presentationml/2006/main">
   <p:cSld>
     <p:spTree>
       <p:nvGrpSpPr>
@@ -16616,7 +17308,9 @@
       <p:sp>
         <p:nvSpPr>
           <p:cNvPr id="344" name="Title 1"/>
-          <p:cNvSpPr txBox="1"/>
+          <p:cNvSpPr txBox="1">
+            <a:spLocks noGrp="1"/>
+          </p:cNvSpPr>
           <p:nvPr>
             <p:ph type="title"/>
           </p:nvPr>
@@ -16634,7 +17328,6 @@
           <a:bodyPr/>
           <a:lstStyle/>
           <a:p>
-            <a:pPr/>
             <a:r>
               <a:t>Data collection</a:t>
             </a:r>
@@ -16644,7 +17337,9 @@
       <p:sp>
         <p:nvSpPr>
           <p:cNvPr id="345" name="Subtitle 2"/>
-          <p:cNvSpPr txBox="1"/>
+          <p:cNvSpPr txBox="1">
+            <a:spLocks noGrp="1"/>
+          </p:cNvSpPr>
           <p:nvPr>
             <p:ph type="body" idx="1"/>
           </p:nvPr>
@@ -16675,10 +17370,11 @@
               <a:defRPr sz="2772"/>
             </a:pPr>
             <a:r>
+              <a:rPr dirty="0"/>
               <a:t>Data Collection was obtained from </a:t>
             </a:r>
             <a:r>
-              <a:rPr u="sng">
+              <a:rPr u="sng" dirty="0">
                 <a:solidFill>
                   <a:srgbClr val="0563C1"/>
                 </a:solidFill>
@@ -16687,11 +17383,12 @@
                     <a:srgbClr val="0563C1"/>
                   </a:solidFill>
                 </a:uFill>
-                <a:hlinkClick r:id="rId2" invalidUrl="" action="" tgtFrame="" tooltip="" history="1" highlightClick="0" endSnd="0"/>
+                <a:hlinkClick r:id="rId2"/>
               </a:rPr>
               <a:t>https://projects.fivethirtyeight.com/nfl-api/nfl_elo.csv</a:t>
             </a:r>
             <a:r>
+              <a:rPr dirty="0"/>
               <a:t>.</a:t>
             </a:r>
           </a:p>
@@ -16708,26 +17405,13 @@
               <a:buChar char="•"/>
               <a:defRPr sz="2772"/>
             </a:pPr>
-          </a:p>
-          <a:p>
-            <a:pPr marL="282892" indent="-282892" algn="l" defTabSz="905255">
-              <a:spcBef>
-                <a:spcPts val="900"/>
-              </a:spcBef>
-              <a:buClr>
-                <a:schemeClr val="accent6"/>
-              </a:buClr>
-              <a:buSzPct val="100000"/>
-              <a:buFont typeface="Arial"/>
-              <a:buChar char="•"/>
-              <a:defRPr sz="2772"/>
-            </a:pPr>
-            <a:r>
+            <a:r>
+              <a:rPr dirty="0"/>
               <a:t>Methodology of ELO development – </a:t>
             </a:r>
           </a:p>
           <a:p>
-            <a:pPr lvl="1" marL="735520" indent="-282892" algn="l" defTabSz="905255">
+            <a:pPr marL="735520" lvl="1" indent="-282892" algn="l" defTabSz="905255">
               <a:lnSpc>
                 <a:spcPct val="90000"/>
               </a:lnSpc>
@@ -16743,12 +17427,13 @@
               <a:defRPr sz="2772"/>
             </a:pPr>
             <a:r>
+              <a:rPr dirty="0"/>
               <a:t>Developed by Arpad Elo for Ches Games.</a:t>
             </a:r>
-            <a:endParaRPr sz="1979"/>
-          </a:p>
-          <a:p>
-            <a:pPr lvl="1" marL="735520" indent="-282892" algn="l" defTabSz="905255">
+            <a:endParaRPr sz="1979" dirty="0"/>
+          </a:p>
+          <a:p>
+            <a:pPr marL="735520" lvl="1" indent="-282892" algn="l" defTabSz="905255">
               <a:lnSpc>
                 <a:spcPct val="90000"/>
               </a:lnSpc>
@@ -16764,12 +17449,13 @@
               <a:defRPr sz="2772"/>
             </a:pPr>
             <a:r>
+              <a:rPr dirty="0"/>
               <a:t>Applied to sports on head-to-head matchup.</a:t>
             </a:r>
-            <a:endParaRPr sz="1979"/>
-          </a:p>
-          <a:p>
-            <a:pPr lvl="1" marL="735520" indent="-282892" algn="l" defTabSz="905255">
+            <a:endParaRPr sz="1979" dirty="0"/>
+          </a:p>
+          <a:p>
+            <a:pPr marL="735520" lvl="1" indent="-282892" algn="l" defTabSz="905255">
               <a:lnSpc>
                 <a:spcPct val="90000"/>
               </a:lnSpc>
@@ -16785,12 +17471,13 @@
               <a:defRPr sz="2772"/>
             </a:pPr>
             <a:r>
+              <a:rPr dirty="0"/>
               <a:t>Various factors are assigned established values.</a:t>
             </a:r>
-            <a:endParaRPr sz="1979"/>
-          </a:p>
-          <a:p>
-            <a:pPr lvl="2" marL="1188148" indent="-282892" algn="l" defTabSz="905255">
+            <a:endParaRPr sz="1979" dirty="0"/>
+          </a:p>
+          <a:p>
+            <a:pPr marL="1188148" lvl="2" indent="-282892" algn="l" defTabSz="905255">
               <a:lnSpc>
                 <a:spcPct val="90000"/>
               </a:lnSpc>
@@ -16806,11 +17493,12 @@
               <a:defRPr sz="2772"/>
             </a:pPr>
             <a:r>
+              <a:rPr dirty="0"/>
               <a:t>Home field – 65 points.</a:t>
             </a:r>
           </a:p>
           <a:p>
-            <a:pPr lvl="1" marL="735520" indent="-282892" algn="l" defTabSz="905255">
+            <a:pPr marL="735520" lvl="1" indent="-282892" algn="l" defTabSz="905255">
               <a:lnSpc>
                 <a:spcPct val="90000"/>
               </a:lnSpc>
@@ -16826,15 +17514,25 @@
               <a:defRPr sz="2772"/>
             </a:pPr>
             <a:r>
+              <a:rPr dirty="0"/>
               <a:t>ELO formula for predictive win - </a:t>
             </a:r>
             <a:r>
-              <a:t>Pr(A) = 1 / (10^(-ELODIFF/400) + 1)</a:t>
-            </a:r>
-            <a:endParaRPr sz="1979"/>
-          </a:p>
-          <a:p>
-            <a:pPr lvl="1" marL="735520" indent="-282892" algn="l" defTabSz="905255">
+              <a:rPr dirty="0" err="1"/>
+              <a:t>Pr</a:t>
+            </a:r>
+            <a:r>
+              <a:rPr dirty="0"/>
+              <a:t>(A) = 1 / (10^(-ELODIFF/400) + 1)</a:t>
+            </a:r>
+            <a:r>
+              <a:rPr lang="en-US" dirty="0"/>
+              <a:t>.</a:t>
+            </a:r>
+            <a:endParaRPr sz="1979" dirty="0"/>
+          </a:p>
+          <a:p>
+            <a:pPr marL="735520" lvl="1" indent="-282892" algn="l" defTabSz="905255">
               <a:lnSpc>
                 <a:spcPct val="90000"/>
               </a:lnSpc>
@@ -16850,8 +17548,14 @@
               <a:defRPr sz="2772"/>
             </a:pPr>
             <a:r>
+              <a:rPr dirty="0"/>
               <a:t>Overall explanation - https://fivethirtyeight.com/features/introducing-nfl-elo-ratings/</a:t>
             </a:r>
+            <a:r>
+              <a:rPr lang="en-US" dirty="0"/>
+              <a:t>.</a:t>
+            </a:r>
+            <a:endParaRPr dirty="0"/>
           </a:p>
         </p:txBody>
       </p:sp>
@@ -16860,12 +17564,12 @@
   <p:clrMapOvr>
     <a:masterClrMapping/>
   </p:clrMapOvr>
-  <p:transition xmlns:p14="http://schemas.microsoft.com/office/powerpoint/2010/main" spd="med" advClick="1"/>
+  <p:transition spd="med"/>
 </p:sld>
 </file>
 
 <file path=ppt/slides/slide8.xml><?xml version="1.0" encoding="utf-8"?>
-<p:sld xmlns:a="http://schemas.openxmlformats.org/drawingml/2006/main" xmlns:r="http://schemas.openxmlformats.org/officeDocument/2006/relationships" xmlns:p="http://schemas.openxmlformats.org/presentationml/2006/main" xmlns:m="http://schemas.openxmlformats.org/officeDocument/2006/math" xmlns:a14="http://schemas.microsoft.com/office/drawing/2010/main" showMasterSp="1" showMasterPhAnim="1">
+<p:sld xmlns:a="http://schemas.openxmlformats.org/drawingml/2006/main" xmlns:r="http://schemas.openxmlformats.org/officeDocument/2006/relationships" xmlns:p="http://schemas.openxmlformats.org/presentationml/2006/main">
   <p:cSld>
     <p:spTree>
       <p:nvGrpSpPr>
@@ -16884,7 +17588,9 @@
       <p:sp>
         <p:nvSpPr>
           <p:cNvPr id="347" name="Title 1"/>
-          <p:cNvSpPr txBox="1"/>
+          <p:cNvSpPr txBox="1">
+            <a:spLocks noGrp="1"/>
+          </p:cNvSpPr>
           <p:nvPr>
             <p:ph type="title"/>
           </p:nvPr>
@@ -16902,7 +17608,6 @@
           <a:bodyPr/>
           <a:lstStyle/>
           <a:p>
-            <a:pPr/>
             <a:r>
               <a:t>Data Cleanup</a:t>
             </a:r>
@@ -16912,7 +17617,9 @@
       <p:sp>
         <p:nvSpPr>
           <p:cNvPr id="348" name="Subtitle 2"/>
-          <p:cNvSpPr txBox="1"/>
+          <p:cNvSpPr txBox="1">
+            <a:spLocks noGrp="1"/>
+          </p:cNvSpPr>
           <p:nvPr>
             <p:ph type="body" idx="1"/>
           </p:nvPr>
@@ -17038,12 +17745,12 @@
   <p:clrMapOvr>
     <a:masterClrMapping/>
   </p:clrMapOvr>
-  <p:transition xmlns:p14="http://schemas.microsoft.com/office/powerpoint/2010/main" spd="med" advClick="1"/>
+  <p:transition spd="med"/>
 </p:sld>
 </file>
 
 <file path=ppt/slides/slide9.xml><?xml version="1.0" encoding="utf-8"?>
-<p:sld xmlns:a="http://schemas.openxmlformats.org/drawingml/2006/main" xmlns:r="http://schemas.openxmlformats.org/officeDocument/2006/relationships" xmlns:p="http://schemas.openxmlformats.org/presentationml/2006/main" xmlns:m="http://schemas.openxmlformats.org/officeDocument/2006/math" xmlns:a14="http://schemas.microsoft.com/office/drawing/2010/main" showMasterSp="1" showMasterPhAnim="1">
+<p:sld xmlns:a="http://schemas.openxmlformats.org/drawingml/2006/main" xmlns:r="http://schemas.openxmlformats.org/officeDocument/2006/relationships" xmlns:p="http://schemas.openxmlformats.org/presentationml/2006/main">
   <p:cSld>
     <p:spTree>
       <p:nvGrpSpPr>
@@ -17062,7 +17769,9 @@
       <p:sp>
         <p:nvSpPr>
           <p:cNvPr id="350" name="Modeling Approach"/>
-          <p:cNvSpPr txBox="1"/>
+          <p:cNvSpPr txBox="1">
+            <a:spLocks noGrp="1"/>
+          </p:cNvSpPr>
           <p:nvPr>
             <p:ph type="title"/>
           </p:nvPr>
@@ -17080,11 +17789,10 @@
           <a:bodyPr/>
           <a:lstStyle>
             <a:lvl1pPr>
-              <a:defRPr spc="495" sz="3300"/>
+              <a:defRPr sz="3300" spc="495"/>
             </a:lvl1pPr>
           </a:lstStyle>
           <a:p>
-            <a:pPr/>
             <a:r>
               <a:t>Modeling Approach</a:t>
             </a:r>
@@ -17094,7 +17802,9 @@
       <p:sp>
         <p:nvSpPr>
           <p:cNvPr id="351" name="Processed data with all classification models from sklearn to see which model has better fit for this data."/>
-          <p:cNvSpPr txBox="1"/>
+          <p:cNvSpPr txBox="1">
+            <a:spLocks noGrp="1"/>
+          </p:cNvSpPr>
           <p:nvPr>
             <p:ph type="body" sz="quarter" idx="1"/>
           </p:nvPr>
@@ -17114,7 +17824,6 @@
             <a:lvl1pPr algn="l"/>
           </a:lstStyle>
           <a:p>
-            <a:pPr/>
             <a:r>
               <a:t>Processed data with all classification models from sklearn to see which model has better fit for this data. </a:t>
             </a:r>
@@ -17130,9 +17839,7 @@
           <p:nvPr/>
         </p:nvPicPr>
         <p:blipFill>
-          <a:blip r:embed="rId2">
-            <a:extLst/>
-          </a:blip>
+          <a:blip r:embed="rId2"/>
           <a:stretch>
             <a:fillRect/>
           </a:stretch>
@@ -17169,13 +17876,13 @@
           </a:ln>
           <a:extLst>
             <a:ext uri="{C572A759-6A51-4108-AA02-DFA0A04FC94B}">
-              <ma14:wrappingTextBoxFlag xmlns:ma14="http://schemas.microsoft.com/office/mac/drawingml/2011/main" val="1"/>
+              <ma14:wrappingTextBoxFlag xmlns:ma14="http://schemas.microsoft.com/office/mac/drawingml/2011/main" xmlns:a14="http://schemas.microsoft.com/office/drawing/2010/main" xmlns:m="http://schemas.openxmlformats.org/officeDocument/2006/math" xmlns="" val="1"/>
             </a:ext>
           </a:extLst>
         </p:spPr>
         <p:txBody>
           <a:bodyPr lIns="45719" rIns="45719">
-            <a:normAutofit fontScale="100000" lnSpcReduction="0"/>
+            <a:normAutofit/>
           </a:bodyPr>
           <a:lstStyle>
             <a:lvl1pPr defTabSz="877823">
@@ -17190,7 +17897,6 @@
             </a:lvl1pPr>
           </a:lstStyle>
           <a:p>
-            <a:pPr/>
             <a:r>
               <a:t>All the models scored in the range of 60% - 65% score,  3 models highlighted in green scored almost same with train and test scores and others we overfit. </a:t>
             </a:r>
@@ -17222,7 +17928,7 @@
           <a:bodyPr lIns="45719" rIns="45719" anchor="ctr"/>
           <a:lstStyle/>
           <a:p>
-            <a:pPr/>
+            <a:endParaRPr/>
           </a:p>
         </p:txBody>
       </p:sp>
@@ -17231,12 +17937,12 @@
   <p:clrMapOvr>
     <a:masterClrMapping/>
   </p:clrMapOvr>
-  <p:transition xmlns:p14="http://schemas.microsoft.com/office/powerpoint/2010/main" spd="med" advClick="1"/>
+  <p:transition spd="med"/>
 </p:sld>
 </file>
 
 <file path=ppt/theme/theme1.xml><?xml version="1.0" encoding="utf-8"?>
-<a:theme xmlns:a="http://schemas.openxmlformats.org/drawingml/2006/main" xmlns:r="http://schemas.openxmlformats.org/officeDocument/2006/relationships" name="Office Theme">
+<a:theme xmlns:a="http://schemas.openxmlformats.org/drawingml/2006/main" name="Office Theme">
   <a:themeElements>
     <a:clrScheme name="Office Theme">
       <a:dk1>
@@ -17438,7 +18144,7 @@
         <a:effectLst/>
         <a:sp3d/>
       </a:spPr>
-      <a:bodyPr rot="0" spcFirstLastPara="1" vertOverflow="overflow" horzOverflow="overflow" vert="horz" wrap="square" lIns="45719" tIns="45719" rIns="45719" bIns="45719" numCol="1" spcCol="38100" rtlCol="0" anchor="ctr" upright="0">
+      <a:bodyPr rot="0" spcFirstLastPara="1" vertOverflow="overflow" horzOverflow="overflow" vert="horz" wrap="square" lIns="45719" tIns="45719" rIns="45719" bIns="45719" numCol="1" spcCol="38100" rtlCol="0" anchor="ctr">
         <a:spAutoFit/>
       </a:bodyPr>
       <a:lstStyle>
@@ -17457,7 +18163,7 @@
           <a:buFontTx/>
           <a:buNone/>
           <a:tabLst/>
-          <a:defRPr b="0" baseline="0" cap="none" i="0" spc="0" strike="noStrike" sz="1800" u="none" kumimoji="0" normalizeH="0">
+          <a:defRPr kumimoji="0" sz="1800" b="0" i="0" u="none" strike="noStrike" cap="none" spc="0" normalizeH="0" baseline="0">
             <a:ln>
               <a:noFill/>
             </a:ln>
@@ -17487,7 +18193,7 @@
           <a:buFontTx/>
           <a:buNone/>
           <a:tabLst/>
-          <a:defRPr b="0" baseline="0" cap="none" i="0" spc="0" strike="noStrike" sz="1800" u="none" kumimoji="0" normalizeH="0">
+          <a:defRPr kumimoji="0" sz="1800" b="0" i="0" u="none" strike="noStrike" cap="none" spc="0" normalizeH="0" baseline="0">
             <a:ln>
               <a:noFill/>
             </a:ln>
@@ -17513,7 +18219,7 @@
           <a:buFontTx/>
           <a:buNone/>
           <a:tabLst/>
-          <a:defRPr b="0" baseline="0" cap="none" i="0" spc="0" strike="noStrike" sz="1800" u="none" kumimoji="0" normalizeH="0">
+          <a:defRPr kumimoji="0" sz="1800" b="0" i="0" u="none" strike="noStrike" cap="none" spc="0" normalizeH="0" baseline="0">
             <a:ln>
               <a:noFill/>
             </a:ln>
@@ -17539,7 +18245,7 @@
           <a:buFontTx/>
           <a:buNone/>
           <a:tabLst/>
-          <a:defRPr b="0" baseline="0" cap="none" i="0" spc="0" strike="noStrike" sz="1800" u="none" kumimoji="0" normalizeH="0">
+          <a:defRPr kumimoji="0" sz="1800" b="0" i="0" u="none" strike="noStrike" cap="none" spc="0" normalizeH="0" baseline="0">
             <a:ln>
               <a:noFill/>
             </a:ln>
@@ -17565,7 +18271,7 @@
           <a:buFontTx/>
           <a:buNone/>
           <a:tabLst/>
-          <a:defRPr b="0" baseline="0" cap="none" i="0" spc="0" strike="noStrike" sz="1800" u="none" kumimoji="0" normalizeH="0">
+          <a:defRPr kumimoji="0" sz="1800" b="0" i="0" u="none" strike="noStrike" cap="none" spc="0" normalizeH="0" baseline="0">
             <a:ln>
               <a:noFill/>
             </a:ln>
@@ -17591,7 +18297,7 @@
           <a:buFontTx/>
           <a:buNone/>
           <a:tabLst/>
-          <a:defRPr b="0" baseline="0" cap="none" i="0" spc="0" strike="noStrike" sz="1800" u="none" kumimoji="0" normalizeH="0">
+          <a:defRPr kumimoji="0" sz="1800" b="0" i="0" u="none" strike="noStrike" cap="none" spc="0" normalizeH="0" baseline="0">
             <a:ln>
               <a:noFill/>
             </a:ln>
@@ -17617,7 +18323,7 @@
           <a:buFontTx/>
           <a:buNone/>
           <a:tabLst/>
-          <a:defRPr b="0" baseline="0" cap="none" i="0" spc="0" strike="noStrike" sz="1800" u="none" kumimoji="0" normalizeH="0">
+          <a:defRPr kumimoji="0" sz="1800" b="0" i="0" u="none" strike="noStrike" cap="none" spc="0" normalizeH="0" baseline="0">
             <a:ln>
               <a:noFill/>
             </a:ln>
@@ -17643,7 +18349,7 @@
           <a:buFontTx/>
           <a:buNone/>
           <a:tabLst/>
-          <a:defRPr b="0" baseline="0" cap="none" i="0" spc="0" strike="noStrike" sz="1800" u="none" kumimoji="0" normalizeH="0">
+          <a:defRPr kumimoji="0" sz="1800" b="0" i="0" u="none" strike="noStrike" cap="none" spc="0" normalizeH="0" baseline="0">
             <a:ln>
               <a:noFill/>
             </a:ln>
@@ -17669,7 +18375,7 @@
           <a:buFontTx/>
           <a:buNone/>
           <a:tabLst/>
-          <a:defRPr b="0" baseline="0" cap="none" i="0" spc="0" strike="noStrike" sz="1800" u="none" kumimoji="0" normalizeH="0">
+          <a:defRPr kumimoji="0" sz="1800" b="0" i="0" u="none" strike="noStrike" cap="none" spc="0" normalizeH="0" baseline="0">
             <a:ln>
               <a:noFill/>
             </a:ln>
@@ -17695,7 +18401,7 @@
           <a:buFontTx/>
           <a:buNone/>
           <a:tabLst/>
-          <a:defRPr b="0" baseline="0" cap="none" i="0" spc="0" strike="noStrike" sz="1800" u="none" kumimoji="0" normalizeH="0">
+          <a:defRPr kumimoji="0" sz="1800" b="0" i="0" u="none" strike="noStrike" cap="none" spc="0" normalizeH="0" baseline="0">
             <a:ln>
               <a:noFill/>
             </a:ln>
@@ -17708,9 +18414,15 @@
         </a:lvl9pPr>
       </a:lstStyle>
       <a:style>
-        <a:lnRef idx="0"/>
-        <a:fillRef idx="0"/>
-        <a:effectRef idx="0"/>
+        <a:lnRef idx="0">
+          <a:scrgbClr r="0" g="0" b="0"/>
+        </a:lnRef>
+        <a:fillRef idx="0">
+          <a:scrgbClr r="0" g="0" b="0"/>
+        </a:fillRef>
+        <a:effectRef idx="0">
+          <a:scrgbClr r="0" g="0" b="0"/>
+        </a:effectRef>
         <a:fontRef idx="none"/>
       </a:style>
     </a:spDef>
@@ -17727,7 +18439,7 @@
         <a:effectLst/>
         <a:sp3d/>
       </a:spPr>
-      <a:bodyPr rot="0" spcFirstLastPara="1" vertOverflow="overflow" horzOverflow="overflow" vert="horz" wrap="square" lIns="91439" tIns="45719" rIns="91439" bIns="45719" numCol="1" spcCol="38100" rtlCol="0" anchor="t" upright="0">
+      <a:bodyPr rot="0" spcFirstLastPara="1" vertOverflow="overflow" horzOverflow="overflow" vert="horz" wrap="square" lIns="91439" tIns="45719" rIns="91439" bIns="45719" numCol="1" spcCol="38100" rtlCol="0" anchor="t">
         <a:noAutofit/>
       </a:bodyPr>
       <a:lstStyle>
@@ -17746,7 +18458,7 @@
           <a:buFontTx/>
           <a:buNone/>
           <a:tabLst/>
-          <a:defRPr b="0" baseline="0" cap="none" i="0" spc="0" strike="noStrike" sz="1800" u="none" kumimoji="0" normalizeH="0">
+          <a:defRPr kumimoji="0" sz="1800" b="0" i="0" u="none" strike="noStrike" cap="none" spc="0" normalizeH="0" baseline="0">
             <a:ln>
               <a:noFill/>
             </a:ln>
@@ -17772,7 +18484,7 @@
           <a:buFontTx/>
           <a:buNone/>
           <a:tabLst/>
-          <a:defRPr b="0" baseline="0" cap="none" i="0" spc="0" strike="noStrike" sz="1800" u="none" kumimoji="0" normalizeH="0">
+          <a:defRPr kumimoji="0" sz="1800" b="0" i="0" u="none" strike="noStrike" cap="none" spc="0" normalizeH="0" baseline="0">
             <a:ln>
               <a:noFill/>
             </a:ln>
@@ -17798,7 +18510,7 @@
           <a:buFontTx/>
           <a:buNone/>
           <a:tabLst/>
-          <a:defRPr b="0" baseline="0" cap="none" i="0" spc="0" strike="noStrike" sz="1800" u="none" kumimoji="0" normalizeH="0">
+          <a:defRPr kumimoji="0" sz="1800" b="0" i="0" u="none" strike="noStrike" cap="none" spc="0" normalizeH="0" baseline="0">
             <a:ln>
               <a:noFill/>
             </a:ln>
@@ -17824,7 +18536,7 @@
           <a:buFontTx/>
           <a:buNone/>
           <a:tabLst/>
-          <a:defRPr b="0" baseline="0" cap="none" i="0" spc="0" strike="noStrike" sz="1800" u="none" kumimoji="0" normalizeH="0">
+          <a:defRPr kumimoji="0" sz="1800" b="0" i="0" u="none" strike="noStrike" cap="none" spc="0" normalizeH="0" baseline="0">
             <a:ln>
               <a:noFill/>
             </a:ln>
@@ -17850,7 +18562,7 @@
           <a:buFontTx/>
           <a:buNone/>
           <a:tabLst/>
-          <a:defRPr b="0" baseline="0" cap="none" i="0" spc="0" strike="noStrike" sz="1800" u="none" kumimoji="0" normalizeH="0">
+          <a:defRPr kumimoji="0" sz="1800" b="0" i="0" u="none" strike="noStrike" cap="none" spc="0" normalizeH="0" baseline="0">
             <a:ln>
               <a:noFill/>
             </a:ln>
@@ -17876,7 +18588,7 @@
           <a:buFontTx/>
           <a:buNone/>
           <a:tabLst/>
-          <a:defRPr b="0" baseline="0" cap="none" i="0" spc="0" strike="noStrike" sz="1800" u="none" kumimoji="0" normalizeH="0">
+          <a:defRPr kumimoji="0" sz="1800" b="0" i="0" u="none" strike="noStrike" cap="none" spc="0" normalizeH="0" baseline="0">
             <a:ln>
               <a:noFill/>
             </a:ln>
@@ -17902,7 +18614,7 @@
           <a:buFontTx/>
           <a:buNone/>
           <a:tabLst/>
-          <a:defRPr b="0" baseline="0" cap="none" i="0" spc="0" strike="noStrike" sz="1800" u="none" kumimoji="0" normalizeH="0">
+          <a:defRPr kumimoji="0" sz="1800" b="0" i="0" u="none" strike="noStrike" cap="none" spc="0" normalizeH="0" baseline="0">
             <a:ln>
               <a:noFill/>
             </a:ln>
@@ -17928,7 +18640,7 @@
           <a:buFontTx/>
           <a:buNone/>
           <a:tabLst/>
-          <a:defRPr b="0" baseline="0" cap="none" i="0" spc="0" strike="noStrike" sz="1800" u="none" kumimoji="0" normalizeH="0">
+          <a:defRPr kumimoji="0" sz="1800" b="0" i="0" u="none" strike="noStrike" cap="none" spc="0" normalizeH="0" baseline="0">
             <a:ln>
               <a:noFill/>
             </a:ln>
@@ -17954,7 +18666,7 @@
           <a:buFontTx/>
           <a:buNone/>
           <a:tabLst/>
-          <a:defRPr b="0" baseline="0" cap="none" i="0" spc="0" strike="noStrike" sz="1800" u="none" kumimoji="0" normalizeH="0">
+          <a:defRPr kumimoji="0" sz="1800" b="0" i="0" u="none" strike="noStrike" cap="none" spc="0" normalizeH="0" baseline="0">
             <a:ln>
               <a:noFill/>
             </a:ln>
@@ -17980,7 +18692,7 @@
           <a:buFontTx/>
           <a:buNone/>
           <a:tabLst/>
-          <a:defRPr b="0" baseline="0" cap="none" i="0" spc="0" strike="noStrike" sz="1800" u="none" kumimoji="0" normalizeH="0">
+          <a:defRPr kumimoji="0" sz="1800" b="0" i="0" u="none" strike="noStrike" cap="none" spc="0" normalizeH="0" baseline="0">
             <a:ln>
               <a:noFill/>
             </a:ln>
@@ -17993,9 +18705,15 @@
         </a:lvl9pPr>
       </a:lstStyle>
       <a:style>
-        <a:lnRef idx="0"/>
-        <a:fillRef idx="0"/>
-        <a:effectRef idx="0"/>
+        <a:lnRef idx="0">
+          <a:scrgbClr r="0" g="0" b="0"/>
+        </a:lnRef>
+        <a:fillRef idx="0">
+          <a:scrgbClr r="0" g="0" b="0"/>
+        </a:fillRef>
+        <a:effectRef idx="0">
+          <a:scrgbClr r="0" g="0" b="0"/>
+        </a:effectRef>
         <a:fontRef idx="none"/>
       </a:style>
     </a:lnDef>
@@ -18009,7 +18727,7 @@
         <a:effectLst/>
         <a:sp3d/>
       </a:spPr>
-      <a:bodyPr rot="0" spcFirstLastPara="1" vertOverflow="overflow" horzOverflow="overflow" vert="horz" wrap="square" lIns="45719" tIns="45719" rIns="45719" bIns="45719" numCol="1" spcCol="38100" rtlCol="0" anchor="t" upright="0">
+      <a:bodyPr rot="0" spcFirstLastPara="1" vertOverflow="overflow" horzOverflow="overflow" vert="horz" wrap="square" lIns="45719" tIns="45719" rIns="45719" bIns="45719" numCol="1" spcCol="38100" rtlCol="0" anchor="t">
         <a:spAutoFit/>
       </a:bodyPr>
       <a:lstStyle>
@@ -18028,7 +18746,7 @@
           <a:buFontTx/>
           <a:buNone/>
           <a:tabLst/>
-          <a:defRPr b="0" baseline="0" cap="none" i="0" spc="0" strike="noStrike" sz="1800" u="none" kumimoji="0" normalizeH="0">
+          <a:defRPr kumimoji="0" sz="1800" b="0" i="0" u="none" strike="noStrike" cap="none" spc="0" normalizeH="0" baseline="0">
             <a:ln>
               <a:noFill/>
             </a:ln>
@@ -18058,7 +18776,7 @@
           <a:buFontTx/>
           <a:buNone/>
           <a:tabLst/>
-          <a:defRPr b="0" baseline="0" cap="none" i="0" spc="0" strike="noStrike" sz="1800" u="none" kumimoji="0" normalizeH="0">
+          <a:defRPr kumimoji="0" sz="1800" b="0" i="0" u="none" strike="noStrike" cap="none" spc="0" normalizeH="0" baseline="0">
             <a:ln>
               <a:noFill/>
             </a:ln>
@@ -18084,7 +18802,7 @@
           <a:buFontTx/>
           <a:buNone/>
           <a:tabLst/>
-          <a:defRPr b="0" baseline="0" cap="none" i="0" spc="0" strike="noStrike" sz="1800" u="none" kumimoji="0" normalizeH="0">
+          <a:defRPr kumimoji="0" sz="1800" b="0" i="0" u="none" strike="noStrike" cap="none" spc="0" normalizeH="0" baseline="0">
             <a:ln>
               <a:noFill/>
             </a:ln>
@@ -18110,7 +18828,7 @@
           <a:buFontTx/>
           <a:buNone/>
           <a:tabLst/>
-          <a:defRPr b="0" baseline="0" cap="none" i="0" spc="0" strike="noStrike" sz="1800" u="none" kumimoji="0" normalizeH="0">
+          <a:defRPr kumimoji="0" sz="1800" b="0" i="0" u="none" strike="noStrike" cap="none" spc="0" normalizeH="0" baseline="0">
             <a:ln>
               <a:noFill/>
             </a:ln>
@@ -18136,7 +18854,7 @@
           <a:buFontTx/>
           <a:buNone/>
           <a:tabLst/>
-          <a:defRPr b="0" baseline="0" cap="none" i="0" spc="0" strike="noStrike" sz="1800" u="none" kumimoji="0" normalizeH="0">
+          <a:defRPr kumimoji="0" sz="1800" b="0" i="0" u="none" strike="noStrike" cap="none" spc="0" normalizeH="0" baseline="0">
             <a:ln>
               <a:noFill/>
             </a:ln>
@@ -18162,7 +18880,7 @@
           <a:buFontTx/>
           <a:buNone/>
           <a:tabLst/>
-          <a:defRPr b="0" baseline="0" cap="none" i="0" spc="0" strike="noStrike" sz="1800" u="none" kumimoji="0" normalizeH="0">
+          <a:defRPr kumimoji="0" sz="1800" b="0" i="0" u="none" strike="noStrike" cap="none" spc="0" normalizeH="0" baseline="0">
             <a:ln>
               <a:noFill/>
             </a:ln>
@@ -18188,7 +18906,7 @@
           <a:buFontTx/>
           <a:buNone/>
           <a:tabLst/>
-          <a:defRPr b="0" baseline="0" cap="none" i="0" spc="0" strike="noStrike" sz="1800" u="none" kumimoji="0" normalizeH="0">
+          <a:defRPr kumimoji="0" sz="1800" b="0" i="0" u="none" strike="noStrike" cap="none" spc="0" normalizeH="0" baseline="0">
             <a:ln>
               <a:noFill/>
             </a:ln>
@@ -18214,7 +18932,7 @@
           <a:buFontTx/>
           <a:buNone/>
           <a:tabLst/>
-          <a:defRPr b="0" baseline="0" cap="none" i="0" spc="0" strike="noStrike" sz="1800" u="none" kumimoji="0" normalizeH="0">
+          <a:defRPr kumimoji="0" sz="1800" b="0" i="0" u="none" strike="noStrike" cap="none" spc="0" normalizeH="0" baseline="0">
             <a:ln>
               <a:noFill/>
             </a:ln>
@@ -18240,7 +18958,7 @@
           <a:buFontTx/>
           <a:buNone/>
           <a:tabLst/>
-          <a:defRPr b="0" baseline="0" cap="none" i="0" spc="0" strike="noStrike" sz="1800" u="none" kumimoji="0" normalizeH="0">
+          <a:defRPr kumimoji="0" sz="1800" b="0" i="0" u="none" strike="noStrike" cap="none" spc="0" normalizeH="0" baseline="0">
             <a:ln>
               <a:noFill/>
             </a:ln>
@@ -18266,7 +18984,7 @@
           <a:buFontTx/>
           <a:buNone/>
           <a:tabLst/>
-          <a:defRPr b="0" baseline="0" cap="none" i="0" spc="0" strike="noStrike" sz="1800" u="none" kumimoji="0" normalizeH="0">
+          <a:defRPr kumimoji="0" sz="1800" b="0" i="0" u="none" strike="noStrike" cap="none" spc="0" normalizeH="0" baseline="0">
             <a:ln>
               <a:noFill/>
             </a:ln>
@@ -18279,18 +18997,25 @@
         </a:lvl9pPr>
       </a:lstStyle>
       <a:style>
-        <a:lnRef idx="0"/>
-        <a:fillRef idx="0"/>
-        <a:effectRef idx="0"/>
+        <a:lnRef idx="0">
+          <a:scrgbClr r="0" g="0" b="0"/>
+        </a:lnRef>
+        <a:fillRef idx="0">
+          <a:scrgbClr r="0" g="0" b="0"/>
+        </a:fillRef>
+        <a:effectRef idx="0">
+          <a:scrgbClr r="0" g="0" b="0"/>
+        </a:effectRef>
         <a:fontRef idx="none"/>
       </a:style>
     </a:txDef>
   </a:objectDefaults>
+  <a:extraClrSchemeLst/>
 </a:theme>
 </file>
 
 <file path=ppt/theme/theme2.xml><?xml version="1.0" encoding="utf-8"?>
-<a:theme xmlns:a="http://schemas.openxmlformats.org/drawingml/2006/main" xmlns:r="http://schemas.openxmlformats.org/officeDocument/2006/relationships" name="Office Theme">
+<a:theme xmlns:a="http://schemas.openxmlformats.org/drawingml/2006/main" name="Office Theme">
   <a:themeElements>
     <a:clrScheme name="Office Theme">
       <a:dk1>
@@ -18492,7 +19217,7 @@
         <a:effectLst/>
         <a:sp3d/>
       </a:spPr>
-      <a:bodyPr rot="0" spcFirstLastPara="1" vertOverflow="overflow" horzOverflow="overflow" vert="horz" wrap="square" lIns="45719" tIns="45719" rIns="45719" bIns="45719" numCol="1" spcCol="38100" rtlCol="0" anchor="ctr" upright="0">
+      <a:bodyPr rot="0" spcFirstLastPara="1" vertOverflow="overflow" horzOverflow="overflow" vert="horz" wrap="square" lIns="45719" tIns="45719" rIns="45719" bIns="45719" numCol="1" spcCol="38100" rtlCol="0" anchor="ctr">
         <a:spAutoFit/>
       </a:bodyPr>
       <a:lstStyle>
@@ -18511,7 +19236,7 @@
           <a:buFontTx/>
           <a:buNone/>
           <a:tabLst/>
-          <a:defRPr b="0" baseline="0" cap="none" i="0" spc="0" strike="noStrike" sz="1800" u="none" kumimoji="0" normalizeH="0">
+          <a:defRPr kumimoji="0" sz="1800" b="0" i="0" u="none" strike="noStrike" cap="none" spc="0" normalizeH="0" baseline="0">
             <a:ln>
               <a:noFill/>
             </a:ln>
@@ -18541,7 +19266,7 @@
           <a:buFontTx/>
           <a:buNone/>
           <a:tabLst/>
-          <a:defRPr b="0" baseline="0" cap="none" i="0" spc="0" strike="noStrike" sz="1800" u="none" kumimoji="0" normalizeH="0">
+          <a:defRPr kumimoji="0" sz="1800" b="0" i="0" u="none" strike="noStrike" cap="none" spc="0" normalizeH="0" baseline="0">
             <a:ln>
               <a:noFill/>
             </a:ln>
@@ -18567,7 +19292,7 @@
           <a:buFontTx/>
           <a:buNone/>
           <a:tabLst/>
-          <a:defRPr b="0" baseline="0" cap="none" i="0" spc="0" strike="noStrike" sz="1800" u="none" kumimoji="0" normalizeH="0">
+          <a:defRPr kumimoji="0" sz="1800" b="0" i="0" u="none" strike="noStrike" cap="none" spc="0" normalizeH="0" baseline="0">
             <a:ln>
               <a:noFill/>
             </a:ln>
@@ -18593,7 +19318,7 @@
           <a:buFontTx/>
           <a:buNone/>
           <a:tabLst/>
-          <a:defRPr b="0" baseline="0" cap="none" i="0" spc="0" strike="noStrike" sz="1800" u="none" kumimoji="0" normalizeH="0">
+          <a:defRPr kumimoji="0" sz="1800" b="0" i="0" u="none" strike="noStrike" cap="none" spc="0" normalizeH="0" baseline="0">
             <a:ln>
               <a:noFill/>
             </a:ln>
@@ -18619,7 +19344,7 @@
           <a:buFontTx/>
           <a:buNone/>
           <a:tabLst/>
-          <a:defRPr b="0" baseline="0" cap="none" i="0" spc="0" strike="noStrike" sz="1800" u="none" kumimoji="0" normalizeH="0">
+          <a:defRPr kumimoji="0" sz="1800" b="0" i="0" u="none" strike="noStrike" cap="none" spc="0" normalizeH="0" baseline="0">
             <a:ln>
               <a:noFill/>
             </a:ln>
@@ -18645,7 +19370,7 @@
           <a:buFontTx/>
           <a:buNone/>
           <a:tabLst/>
-          <a:defRPr b="0" baseline="0" cap="none" i="0" spc="0" strike="noStrike" sz="1800" u="none" kumimoji="0" normalizeH="0">
+          <a:defRPr kumimoji="0" sz="1800" b="0" i="0" u="none" strike="noStrike" cap="none" spc="0" normalizeH="0" baseline="0">
             <a:ln>
               <a:noFill/>
             </a:ln>
@@ -18671,7 +19396,7 @@
           <a:buFontTx/>
           <a:buNone/>
           <a:tabLst/>
-          <a:defRPr b="0" baseline="0" cap="none" i="0" spc="0" strike="noStrike" sz="1800" u="none" kumimoji="0" normalizeH="0">
+          <a:defRPr kumimoji="0" sz="1800" b="0" i="0" u="none" strike="noStrike" cap="none" spc="0" normalizeH="0" baseline="0">
             <a:ln>
               <a:noFill/>
             </a:ln>
@@ -18697,7 +19422,7 @@
           <a:buFontTx/>
           <a:buNone/>
           <a:tabLst/>
-          <a:defRPr b="0" baseline="0" cap="none" i="0" spc="0" strike="noStrike" sz="1800" u="none" kumimoji="0" normalizeH="0">
+          <a:defRPr kumimoji="0" sz="1800" b="0" i="0" u="none" strike="noStrike" cap="none" spc="0" normalizeH="0" baseline="0">
             <a:ln>
               <a:noFill/>
             </a:ln>
@@ -18723,7 +19448,7 @@
           <a:buFontTx/>
           <a:buNone/>
           <a:tabLst/>
-          <a:defRPr b="0" baseline="0" cap="none" i="0" spc="0" strike="noStrike" sz="1800" u="none" kumimoji="0" normalizeH="0">
+          <a:defRPr kumimoji="0" sz="1800" b="0" i="0" u="none" strike="noStrike" cap="none" spc="0" normalizeH="0" baseline="0">
             <a:ln>
               <a:noFill/>
             </a:ln>
@@ -18749,7 +19474,7 @@
           <a:buFontTx/>
           <a:buNone/>
           <a:tabLst/>
-          <a:defRPr b="0" baseline="0" cap="none" i="0" spc="0" strike="noStrike" sz="1800" u="none" kumimoji="0" normalizeH="0">
+          <a:defRPr kumimoji="0" sz="1800" b="0" i="0" u="none" strike="noStrike" cap="none" spc="0" normalizeH="0" baseline="0">
             <a:ln>
               <a:noFill/>
             </a:ln>
@@ -18762,9 +19487,15 @@
         </a:lvl9pPr>
       </a:lstStyle>
       <a:style>
-        <a:lnRef idx="0"/>
-        <a:fillRef idx="0"/>
-        <a:effectRef idx="0"/>
+        <a:lnRef idx="0">
+          <a:scrgbClr r="0" g="0" b="0"/>
+        </a:lnRef>
+        <a:fillRef idx="0">
+          <a:scrgbClr r="0" g="0" b="0"/>
+        </a:fillRef>
+        <a:effectRef idx="0">
+          <a:scrgbClr r="0" g="0" b="0"/>
+        </a:effectRef>
         <a:fontRef idx="none"/>
       </a:style>
     </a:spDef>
@@ -18781,7 +19512,7 @@
         <a:effectLst/>
         <a:sp3d/>
       </a:spPr>
-      <a:bodyPr rot="0" spcFirstLastPara="1" vertOverflow="overflow" horzOverflow="overflow" vert="horz" wrap="square" lIns="91439" tIns="45719" rIns="91439" bIns="45719" numCol="1" spcCol="38100" rtlCol="0" anchor="t" upright="0">
+      <a:bodyPr rot="0" spcFirstLastPara="1" vertOverflow="overflow" horzOverflow="overflow" vert="horz" wrap="square" lIns="91439" tIns="45719" rIns="91439" bIns="45719" numCol="1" spcCol="38100" rtlCol="0" anchor="t">
         <a:noAutofit/>
       </a:bodyPr>
       <a:lstStyle>
@@ -18800,7 +19531,7 @@
           <a:buFontTx/>
           <a:buNone/>
           <a:tabLst/>
-          <a:defRPr b="0" baseline="0" cap="none" i="0" spc="0" strike="noStrike" sz="1800" u="none" kumimoji="0" normalizeH="0">
+          <a:defRPr kumimoji="0" sz="1800" b="0" i="0" u="none" strike="noStrike" cap="none" spc="0" normalizeH="0" baseline="0">
             <a:ln>
               <a:noFill/>
             </a:ln>
@@ -18826,7 +19557,7 @@
           <a:buFontTx/>
           <a:buNone/>
           <a:tabLst/>
-          <a:defRPr b="0" baseline="0" cap="none" i="0" spc="0" strike="noStrike" sz="1800" u="none" kumimoji="0" normalizeH="0">
+          <a:defRPr kumimoji="0" sz="1800" b="0" i="0" u="none" strike="noStrike" cap="none" spc="0" normalizeH="0" baseline="0">
             <a:ln>
               <a:noFill/>
             </a:ln>
@@ -18852,7 +19583,7 @@
           <a:buFontTx/>
           <a:buNone/>
           <a:tabLst/>
-          <a:defRPr b="0" baseline="0" cap="none" i="0" spc="0" strike="noStrike" sz="1800" u="none" kumimoji="0" normalizeH="0">
+          <a:defRPr kumimoji="0" sz="1800" b="0" i="0" u="none" strike="noStrike" cap="none" spc="0" normalizeH="0" baseline="0">
             <a:ln>
               <a:noFill/>
             </a:ln>
@@ -18878,7 +19609,7 @@
           <a:buFontTx/>
           <a:buNone/>
           <a:tabLst/>
-          <a:defRPr b="0" baseline="0" cap="none" i="0" spc="0" strike="noStrike" sz="1800" u="none" kumimoji="0" normalizeH="0">
+          <a:defRPr kumimoji="0" sz="1800" b="0" i="0" u="none" strike="noStrike" cap="none" spc="0" normalizeH="0" baseline="0">
             <a:ln>
               <a:noFill/>
             </a:ln>
@@ -18904,7 +19635,7 @@
           <a:buFontTx/>
           <a:buNone/>
           <a:tabLst/>
-          <a:defRPr b="0" baseline="0" cap="none" i="0" spc="0" strike="noStrike" sz="1800" u="none" kumimoji="0" normalizeH="0">
+          <a:defRPr kumimoji="0" sz="1800" b="0" i="0" u="none" strike="noStrike" cap="none" spc="0" normalizeH="0" baseline="0">
             <a:ln>
               <a:noFill/>
             </a:ln>
@@ -18930,7 +19661,7 @@
           <a:buFontTx/>
           <a:buNone/>
           <a:tabLst/>
-          <a:defRPr b="0" baseline="0" cap="none" i="0" spc="0" strike="noStrike" sz="1800" u="none" kumimoji="0" normalizeH="0">
+          <a:defRPr kumimoji="0" sz="1800" b="0" i="0" u="none" strike="noStrike" cap="none" spc="0" normalizeH="0" baseline="0">
             <a:ln>
               <a:noFill/>
             </a:ln>
@@ -18956,7 +19687,7 @@
           <a:buFontTx/>
           <a:buNone/>
           <a:tabLst/>
-          <a:defRPr b="0" baseline="0" cap="none" i="0" spc="0" strike="noStrike" sz="1800" u="none" kumimoji="0" normalizeH="0">
+          <a:defRPr kumimoji="0" sz="1800" b="0" i="0" u="none" strike="noStrike" cap="none" spc="0" normalizeH="0" baseline="0">
             <a:ln>
               <a:noFill/>
             </a:ln>
@@ -18982,7 +19713,7 @@
           <a:buFontTx/>
           <a:buNone/>
           <a:tabLst/>
-          <a:defRPr b="0" baseline="0" cap="none" i="0" spc="0" strike="noStrike" sz="1800" u="none" kumimoji="0" normalizeH="0">
+          <a:defRPr kumimoji="0" sz="1800" b="0" i="0" u="none" strike="noStrike" cap="none" spc="0" normalizeH="0" baseline="0">
             <a:ln>
               <a:noFill/>
             </a:ln>
@@ -19008,7 +19739,7 @@
           <a:buFontTx/>
           <a:buNone/>
           <a:tabLst/>
-          <a:defRPr b="0" baseline="0" cap="none" i="0" spc="0" strike="noStrike" sz="1800" u="none" kumimoji="0" normalizeH="0">
+          <a:defRPr kumimoji="0" sz="1800" b="0" i="0" u="none" strike="noStrike" cap="none" spc="0" normalizeH="0" baseline="0">
             <a:ln>
               <a:noFill/>
             </a:ln>
@@ -19034,7 +19765,7 @@
           <a:buFontTx/>
           <a:buNone/>
           <a:tabLst/>
-          <a:defRPr b="0" baseline="0" cap="none" i="0" spc="0" strike="noStrike" sz="1800" u="none" kumimoji="0" normalizeH="0">
+          <a:defRPr kumimoji="0" sz="1800" b="0" i="0" u="none" strike="noStrike" cap="none" spc="0" normalizeH="0" baseline="0">
             <a:ln>
               <a:noFill/>
             </a:ln>
@@ -19047,9 +19778,15 @@
         </a:lvl9pPr>
       </a:lstStyle>
       <a:style>
-        <a:lnRef idx="0"/>
-        <a:fillRef idx="0"/>
-        <a:effectRef idx="0"/>
+        <a:lnRef idx="0">
+          <a:scrgbClr r="0" g="0" b="0"/>
+        </a:lnRef>
+        <a:fillRef idx="0">
+          <a:scrgbClr r="0" g="0" b="0"/>
+        </a:fillRef>
+        <a:effectRef idx="0">
+          <a:scrgbClr r="0" g="0" b="0"/>
+        </a:effectRef>
         <a:fontRef idx="none"/>
       </a:style>
     </a:lnDef>
@@ -19063,7 +19800,7 @@
         <a:effectLst/>
         <a:sp3d/>
       </a:spPr>
-      <a:bodyPr rot="0" spcFirstLastPara="1" vertOverflow="overflow" horzOverflow="overflow" vert="horz" wrap="square" lIns="45719" tIns="45719" rIns="45719" bIns="45719" numCol="1" spcCol="38100" rtlCol="0" anchor="t" upright="0">
+      <a:bodyPr rot="0" spcFirstLastPara="1" vertOverflow="overflow" horzOverflow="overflow" vert="horz" wrap="square" lIns="45719" tIns="45719" rIns="45719" bIns="45719" numCol="1" spcCol="38100" rtlCol="0" anchor="t">
         <a:spAutoFit/>
       </a:bodyPr>
       <a:lstStyle>
@@ -19082,7 +19819,7 @@
           <a:buFontTx/>
           <a:buNone/>
           <a:tabLst/>
-          <a:defRPr b="0" baseline="0" cap="none" i="0" spc="0" strike="noStrike" sz="1800" u="none" kumimoji="0" normalizeH="0">
+          <a:defRPr kumimoji="0" sz="1800" b="0" i="0" u="none" strike="noStrike" cap="none" spc="0" normalizeH="0" baseline="0">
             <a:ln>
               <a:noFill/>
             </a:ln>
@@ -19112,7 +19849,7 @@
           <a:buFontTx/>
           <a:buNone/>
           <a:tabLst/>
-          <a:defRPr b="0" baseline="0" cap="none" i="0" spc="0" strike="noStrike" sz="1800" u="none" kumimoji="0" normalizeH="0">
+          <a:defRPr kumimoji="0" sz="1800" b="0" i="0" u="none" strike="noStrike" cap="none" spc="0" normalizeH="0" baseline="0">
             <a:ln>
               <a:noFill/>
             </a:ln>
@@ -19138,7 +19875,7 @@
           <a:buFontTx/>
           <a:buNone/>
           <a:tabLst/>
-          <a:defRPr b="0" baseline="0" cap="none" i="0" spc="0" strike="noStrike" sz="1800" u="none" kumimoji="0" normalizeH="0">
+          <a:defRPr kumimoji="0" sz="1800" b="0" i="0" u="none" strike="noStrike" cap="none" spc="0" normalizeH="0" baseline="0">
             <a:ln>
               <a:noFill/>
             </a:ln>
@@ -19164,7 +19901,7 @@
           <a:buFontTx/>
           <a:buNone/>
           <a:tabLst/>
-          <a:defRPr b="0" baseline="0" cap="none" i="0" spc="0" strike="noStrike" sz="1800" u="none" kumimoji="0" normalizeH="0">
+          <a:defRPr kumimoji="0" sz="1800" b="0" i="0" u="none" strike="noStrike" cap="none" spc="0" normalizeH="0" baseline="0">
             <a:ln>
               <a:noFill/>
             </a:ln>
@@ -19190,7 +19927,7 @@
           <a:buFontTx/>
           <a:buNone/>
           <a:tabLst/>
-          <a:defRPr b="0" baseline="0" cap="none" i="0" spc="0" strike="noStrike" sz="1800" u="none" kumimoji="0" normalizeH="0">
+          <a:defRPr kumimoji="0" sz="1800" b="0" i="0" u="none" strike="noStrike" cap="none" spc="0" normalizeH="0" baseline="0">
             <a:ln>
               <a:noFill/>
             </a:ln>
@@ -19216,7 +19953,7 @@
           <a:buFontTx/>
           <a:buNone/>
           <a:tabLst/>
-          <a:defRPr b="0" baseline="0" cap="none" i="0" spc="0" strike="noStrike" sz="1800" u="none" kumimoji="0" normalizeH="0">
+          <a:defRPr kumimoji="0" sz="1800" b="0" i="0" u="none" strike="noStrike" cap="none" spc="0" normalizeH="0" baseline="0">
             <a:ln>
               <a:noFill/>
             </a:ln>
@@ -19242,7 +19979,7 @@
           <a:buFontTx/>
           <a:buNone/>
           <a:tabLst/>
-          <a:defRPr b="0" baseline="0" cap="none" i="0" spc="0" strike="noStrike" sz="1800" u="none" kumimoji="0" normalizeH="0">
+          <a:defRPr kumimoji="0" sz="1800" b="0" i="0" u="none" strike="noStrike" cap="none" spc="0" normalizeH="0" baseline="0">
             <a:ln>
               <a:noFill/>
             </a:ln>
@@ -19268,7 +20005,7 @@
           <a:buFontTx/>
           <a:buNone/>
           <a:tabLst/>
-          <a:defRPr b="0" baseline="0" cap="none" i="0" spc="0" strike="noStrike" sz="1800" u="none" kumimoji="0" normalizeH="0">
+          <a:defRPr kumimoji="0" sz="1800" b="0" i="0" u="none" strike="noStrike" cap="none" spc="0" normalizeH="0" baseline="0">
             <a:ln>
               <a:noFill/>
             </a:ln>
@@ -19294,7 +20031,7 @@
           <a:buFontTx/>
           <a:buNone/>
           <a:tabLst/>
-          <a:defRPr b="0" baseline="0" cap="none" i="0" spc="0" strike="noStrike" sz="1800" u="none" kumimoji="0" normalizeH="0">
+          <a:defRPr kumimoji="0" sz="1800" b="0" i="0" u="none" strike="noStrike" cap="none" spc="0" normalizeH="0" baseline="0">
             <a:ln>
               <a:noFill/>
             </a:ln>
@@ -19320,7 +20057,7 @@
           <a:buFontTx/>
           <a:buNone/>
           <a:tabLst/>
-          <a:defRPr b="0" baseline="0" cap="none" i="0" spc="0" strike="noStrike" sz="1800" u="none" kumimoji="0" normalizeH="0">
+          <a:defRPr kumimoji="0" sz="1800" b="0" i="0" u="none" strike="noStrike" cap="none" spc="0" normalizeH="0" baseline="0">
             <a:ln>
               <a:noFill/>
             </a:ln>
@@ -19333,12 +20070,19 @@
         </a:lvl9pPr>
       </a:lstStyle>
       <a:style>
-        <a:lnRef idx="0"/>
-        <a:fillRef idx="0"/>
-        <a:effectRef idx="0"/>
+        <a:lnRef idx="0">
+          <a:scrgbClr r="0" g="0" b="0"/>
+        </a:lnRef>
+        <a:fillRef idx="0">
+          <a:scrgbClr r="0" g="0" b="0"/>
+        </a:fillRef>
+        <a:effectRef idx="0">
+          <a:scrgbClr r="0" g="0" b="0"/>
+        </a:effectRef>
         <a:fontRef idx="none"/>
       </a:style>
     </a:txDef>
   </a:objectDefaults>
+  <a:extraClrSchemeLst/>
 </a:theme>
 </file>
--- a/Project_2_Presentation.pptx
+++ b/Project_2_Presentation.pptx
@@ -5,7 +5,7 @@
     <p:sldMasterId id="2147483648" r:id="rId1"/>
   </p:sldMasterIdLst>
   <p:notesMasterIdLst>
-    <p:notesMasterId r:id="rId37"/>
+    <p:notesMasterId r:id="rId34"/>
   </p:notesMasterIdLst>
   <p:sldIdLst>
     <p:sldId id="256" r:id="rId2"/>
@@ -16,33 +16,30 @@
     <p:sldId id="261" r:id="rId7"/>
     <p:sldId id="262" r:id="rId8"/>
     <p:sldId id="263" r:id="rId9"/>
-    <p:sldId id="264" r:id="rId10"/>
-    <p:sldId id="265" r:id="rId11"/>
-    <p:sldId id="266" r:id="rId12"/>
-    <p:sldId id="267" r:id="rId13"/>
-    <p:sldId id="268" r:id="rId14"/>
-    <p:sldId id="269" r:id="rId15"/>
-    <p:sldId id="270" r:id="rId16"/>
-    <p:sldId id="271" r:id="rId17"/>
-    <p:sldId id="272" r:id="rId18"/>
-    <p:sldId id="273" r:id="rId19"/>
-    <p:sldId id="274" r:id="rId20"/>
-    <p:sldId id="275" r:id="rId21"/>
-    <p:sldId id="276" r:id="rId22"/>
-    <p:sldId id="277" r:id="rId23"/>
-    <p:sldId id="278" r:id="rId24"/>
-    <p:sldId id="279" r:id="rId25"/>
-    <p:sldId id="280" r:id="rId26"/>
-    <p:sldId id="281" r:id="rId27"/>
-    <p:sldId id="282" r:id="rId28"/>
-    <p:sldId id="283" r:id="rId29"/>
-    <p:sldId id="284" r:id="rId30"/>
-    <p:sldId id="285" r:id="rId31"/>
-    <p:sldId id="286" r:id="rId32"/>
-    <p:sldId id="287" r:id="rId33"/>
-    <p:sldId id="288" r:id="rId34"/>
-    <p:sldId id="290" r:id="rId35"/>
-    <p:sldId id="289" r:id="rId36"/>
+    <p:sldId id="270" r:id="rId10"/>
+    <p:sldId id="271" r:id="rId11"/>
+    <p:sldId id="272" r:id="rId12"/>
+    <p:sldId id="273" r:id="rId13"/>
+    <p:sldId id="279" r:id="rId14"/>
+    <p:sldId id="277" r:id="rId15"/>
+    <p:sldId id="274" r:id="rId16"/>
+    <p:sldId id="278" r:id="rId17"/>
+    <p:sldId id="280" r:id="rId18"/>
+    <p:sldId id="281" r:id="rId19"/>
+    <p:sldId id="264" r:id="rId20"/>
+    <p:sldId id="265" r:id="rId21"/>
+    <p:sldId id="266" r:id="rId22"/>
+    <p:sldId id="267" r:id="rId23"/>
+    <p:sldId id="268" r:id="rId24"/>
+    <p:sldId id="282" r:id="rId25"/>
+    <p:sldId id="283" r:id="rId26"/>
+    <p:sldId id="284" r:id="rId27"/>
+    <p:sldId id="285" r:id="rId28"/>
+    <p:sldId id="286" r:id="rId29"/>
+    <p:sldId id="287" r:id="rId30"/>
+    <p:sldId id="288" r:id="rId31"/>
+    <p:sldId id="290" r:id="rId32"/>
+    <p:sldId id="289" r:id="rId33"/>
   </p:sldIdLst>
   <p:sldSz cx="12192000" cy="6858000"/>
   <p:notesSz cx="6858000" cy="9144000"/>
@@ -344,6 +341,11 @@
       </a:defRPr>
     </a:lvl9pPr>
   </p:defaultTextStyle>
+  <p:extLst>
+    <p:ext uri="{EFAFB233-063F-42B5-8137-9DF3F51BA10A}">
+      <p15:sldGuideLst xmlns:p15="http://schemas.microsoft.com/office/powerpoint/2012/main"/>
+    </p:ext>
+  </p:extLst>
 </p:presentation>
 </file>
 
@@ -12232,7 +12234,7 @@
           </a:ln>
           <a:extLst>
             <a:ext uri="{C572A759-6A51-4108-AA02-DFA0A04FC94B}">
-              <ma14:wrappingTextBoxFlag xmlns:ma14="http://schemas.microsoft.com/office/mac/drawingml/2011/main" xmlns:a14="http://schemas.microsoft.com/office/drawing/2010/main" xmlns:m="http://schemas.openxmlformats.org/officeDocument/2006/math" xmlns="" val="1"/>
+              <ma14:wrappingTextBoxFlag xmlns="" xmlns:m="http://schemas.openxmlformats.org/officeDocument/2006/math" xmlns:a14="http://schemas.microsoft.com/office/drawing/2010/main" xmlns:ma14="http://schemas.microsoft.com/office/mac/drawingml/2011/main" val="1"/>
             </a:ext>
           </a:extLst>
         </p:spPr>
@@ -12314,7 +12316,7 @@
           </a:ln>
           <a:extLst>
             <a:ext uri="{C572A759-6A51-4108-AA02-DFA0A04FC94B}">
-              <ma14:wrappingTextBoxFlag xmlns:ma14="http://schemas.microsoft.com/office/mac/drawingml/2011/main" xmlns:a14="http://schemas.microsoft.com/office/drawing/2010/main" xmlns:m="http://schemas.openxmlformats.org/officeDocument/2006/math" xmlns="" val="1"/>
+              <ma14:wrappingTextBoxFlag xmlns="" xmlns:m="http://schemas.openxmlformats.org/officeDocument/2006/math" xmlns:a14="http://schemas.microsoft.com/office/drawing/2010/main" xmlns:ma14="http://schemas.microsoft.com/office/mac/drawingml/2011/main" val="1"/>
             </a:ext>
           </a:extLst>
         </p:spPr>
@@ -13284,7 +13286,7 @@
       </p:grpSpPr>
       <p:sp>
         <p:nvSpPr>
-          <p:cNvPr id="356" name="Optimizing Model"/>
+          <p:cNvPr id="385" name="Title 1"/>
           <p:cNvSpPr txBox="1">
             <a:spLocks noGrp="1"/>
           </p:cNvSpPr>
@@ -13294,43 +13296,8 @@
         </p:nvSpPr>
         <p:spPr>
           <a:xfrm>
-            <a:off x="2228088" y="286567"/>
-            <a:ext cx="7735824" cy="517927"/>
-          </a:xfrm>
-          <a:prstGeom prst="rect">
-            <a:avLst/>
-          </a:prstGeom>
-        </p:spPr>
-        <p:txBody>
-          <a:bodyPr>
-            <a:normAutofit fontScale="90000"/>
-          </a:bodyPr>
-          <a:lstStyle>
-            <a:lvl1pPr defTabSz="886968">
-              <a:defRPr sz="3201" spc="480"/>
-            </a:lvl1pPr>
-          </a:lstStyle>
-          <a:p>
-            <a:r>
-              <a:t>Optimizing Model</a:t>
-            </a:r>
-          </a:p>
-        </p:txBody>
-      </p:sp>
-      <p:sp>
-        <p:nvSpPr>
-          <p:cNvPr id="357" name="Did more analysis on the top 3 models by changing different hyper-parameters for those models using GridSearch."/>
-          <p:cNvSpPr txBox="1">
-            <a:spLocks noGrp="1"/>
-          </p:cNvSpPr>
-          <p:nvPr>
-            <p:ph type="body" sz="quarter" idx="1"/>
-          </p:nvPr>
-        </p:nvSpPr>
-        <p:spPr>
-          <a:xfrm>
-            <a:off x="2228088" y="1082005"/>
-            <a:ext cx="7735824" cy="695823"/>
+            <a:off x="1155031" y="72511"/>
+            <a:ext cx="8568250" cy="1069848"/>
           </a:xfrm>
           <a:prstGeom prst="rect">
             <a:avLst/>
@@ -13341,60 +13308,14 @@
           <a:lstStyle/>
           <a:p>
             <a:r>
-              <a:t>Did more analysis on the top 3 models by changing different hyper-parameters for those models using GridSearch.</a:t>
-            </a:r>
-          </a:p>
-        </p:txBody>
-      </p:sp>
-      <p:sp>
-        <p:nvSpPr>
-          <p:cNvPr id="358" name="Next, run more metrics using Logistic Regression like classification reports, confusion matrix, prediction probabilities."/>
-          <p:cNvSpPr txBox="1"/>
-          <p:nvPr/>
-        </p:nvSpPr>
-        <p:spPr>
-          <a:xfrm>
-            <a:off x="2228088" y="3677269"/>
-            <a:ext cx="7735824" cy="695823"/>
-          </a:xfrm>
-          <a:prstGeom prst="rect">
-            <a:avLst/>
-          </a:prstGeom>
-          <a:ln w="12700">
-            <a:miter lim="400000"/>
-          </a:ln>
-          <a:extLst>
-            <a:ext uri="{C572A759-6A51-4108-AA02-DFA0A04FC94B}">
-              <ma14:wrappingTextBoxFlag xmlns:ma14="http://schemas.microsoft.com/office/mac/drawingml/2011/main" xmlns:a14="http://schemas.microsoft.com/office/drawing/2010/main" xmlns:m="http://schemas.openxmlformats.org/officeDocument/2006/math" xmlns="" val="1"/>
-            </a:ext>
-          </a:extLst>
-        </p:spPr>
-        <p:txBody>
-          <a:bodyPr lIns="45719" rIns="45719">
-            <a:normAutofit/>
-          </a:bodyPr>
-          <a:lstStyle>
-            <a:lvl1pPr algn="ctr">
-              <a:spcBef>
-                <a:spcPts val="1000"/>
-              </a:spcBef>
-              <a:defRPr>
-                <a:solidFill>
-                  <a:srgbClr val="FFFFFF"/>
-                </a:solidFill>
-              </a:defRPr>
-            </a:lvl1pPr>
-          </a:lstStyle>
-          <a:p>
-            <a:r>
-              <a:t>Next, run more metrics using Logistic Regression like classification reports, confusion matrix, prediction probabilities.  </a:t>
+              <a:t>ELO Probablity vs score</a:t>
             </a:r>
           </a:p>
         </p:txBody>
       </p:sp>
       <p:pic>
         <p:nvPicPr>
-          <p:cNvPr id="359" name="Screenshot 2024-03-03 at 9.11.13 PM.png" descr="Screenshot 2024-03-03 at 9.11.13 PM.png"/>
+          <p:cNvPr id="386" name="Picture 3" descr="Picture 3"/>
           <p:cNvPicPr>
             <a:picLocks noChangeAspect="1"/>
           </p:cNvPicPr>
@@ -13408,252 +13329,8 @@
         </p:blipFill>
         <p:spPr>
           <a:xfrm>
-            <a:off x="1296941" y="1758281"/>
-            <a:ext cx="4639485" cy="621109"/>
-          </a:xfrm>
-          <a:prstGeom prst="rect">
-            <a:avLst/>
-          </a:prstGeom>
-          <a:ln w="12700">
-            <a:miter lim="400000"/>
-          </a:ln>
-        </p:spPr>
-      </p:pic>
-      <p:pic>
-        <p:nvPicPr>
-          <p:cNvPr id="360" name="Screenshot 2024-03-03 at 9.11.23 PM.png" descr="Screenshot 2024-03-03 at 9.11.23 PM.png"/>
-          <p:cNvPicPr>
-            <a:picLocks noChangeAspect="1"/>
-          </p:cNvPicPr>
-          <p:nvPr/>
-        </p:nvPicPr>
-        <p:blipFill>
-          <a:blip r:embed="rId3"/>
-          <a:srcRect/>
-          <a:stretch>
-            <a:fillRect/>
-          </a:stretch>
-        </p:blipFill>
-        <p:spPr>
-          <a:xfrm>
-            <a:off x="2093200" y="2784530"/>
-            <a:ext cx="4302780" cy="644470"/>
-          </a:xfrm>
-          <a:prstGeom prst="rect">
-            <a:avLst/>
-          </a:prstGeom>
-          <a:ln w="12700">
-            <a:miter lim="400000"/>
-          </a:ln>
-        </p:spPr>
-      </p:pic>
-      <p:pic>
-        <p:nvPicPr>
-          <p:cNvPr id="361" name="Screenshot 2024-03-03 at 9.11.35 PM.png" descr="Screenshot 2024-03-03 at 9.11.35 PM.png"/>
-          <p:cNvPicPr>
-            <a:picLocks noChangeAspect="1"/>
-          </p:cNvPicPr>
-          <p:nvPr/>
-        </p:nvPicPr>
-        <p:blipFill>
-          <a:blip r:embed="rId4"/>
-          <a:stretch>
-            <a:fillRect/>
-          </a:stretch>
-        </p:blipFill>
-        <p:spPr>
-          <a:xfrm>
-            <a:off x="6036936" y="2129454"/>
-            <a:ext cx="4352070" cy="644070"/>
-          </a:xfrm>
-          <a:prstGeom prst="rect">
-            <a:avLst/>
-          </a:prstGeom>
-          <a:ln w="12700">
-            <a:miter lim="400000"/>
-          </a:ln>
-        </p:spPr>
-      </p:pic>
-      <p:sp>
-        <p:nvSpPr>
-          <p:cNvPr id="362" name="LR"/>
-          <p:cNvSpPr txBox="1"/>
-          <p:nvPr/>
-        </p:nvSpPr>
-        <p:spPr>
-          <a:xfrm>
-            <a:off x="5266195" y="1991961"/>
-            <a:ext cx="383718" cy="370841"/>
-          </a:xfrm>
-          <a:prstGeom prst="rect">
-            <a:avLst/>
-          </a:prstGeom>
-          <a:ln w="12700">
-            <a:miter lim="400000"/>
-          </a:ln>
-          <a:extLst>
-            <a:ext uri="{C572A759-6A51-4108-AA02-DFA0A04FC94B}">
-              <ma14:wrappingTextBoxFlag xmlns:ma14="http://schemas.microsoft.com/office/mac/drawingml/2011/main" xmlns:a14="http://schemas.microsoft.com/office/drawing/2010/main" xmlns:m="http://schemas.openxmlformats.org/officeDocument/2006/math" xmlns="" val="1"/>
-            </a:ext>
-          </a:extLst>
-        </p:spPr>
-        <p:txBody>
-          <a:bodyPr wrap="none" lIns="45719" rIns="45719">
-            <a:spAutoFit/>
-          </a:bodyPr>
-          <a:lstStyle>
-            <a:lvl1pPr>
-              <a:defRPr>
-                <a:solidFill>
-                  <a:schemeClr val="accent1">
-                    <a:lumOff val="12156"/>
-                  </a:schemeClr>
-                </a:solidFill>
-              </a:defRPr>
-            </a:lvl1pPr>
-          </a:lstStyle>
-          <a:p>
-            <a:r>
-              <a:t>LR</a:t>
-            </a:r>
-          </a:p>
-        </p:txBody>
-      </p:sp>
-      <p:sp>
-        <p:nvSpPr>
-          <p:cNvPr id="363" name="SVC"/>
-          <p:cNvSpPr txBox="1"/>
-          <p:nvPr/>
-        </p:nvSpPr>
-        <p:spPr>
-          <a:xfrm>
-            <a:off x="9685331" y="2372722"/>
-            <a:ext cx="548540" cy="370841"/>
-          </a:xfrm>
-          <a:prstGeom prst="rect">
-            <a:avLst/>
-          </a:prstGeom>
-          <a:ln w="12700">
-            <a:miter lim="400000"/>
-          </a:ln>
-          <a:extLst>
-            <a:ext uri="{C572A759-6A51-4108-AA02-DFA0A04FC94B}">
-              <ma14:wrappingTextBoxFlag xmlns:ma14="http://schemas.microsoft.com/office/mac/drawingml/2011/main" xmlns:a14="http://schemas.microsoft.com/office/drawing/2010/main" xmlns:m="http://schemas.openxmlformats.org/officeDocument/2006/math" xmlns="" val="1"/>
-            </a:ext>
-          </a:extLst>
-        </p:spPr>
-        <p:txBody>
-          <a:bodyPr wrap="none" lIns="45719" rIns="45719">
-            <a:spAutoFit/>
-          </a:bodyPr>
-          <a:lstStyle>
-            <a:lvl1pPr>
-              <a:defRPr>
-                <a:solidFill>
-                  <a:schemeClr val="accent1">
-                    <a:lumOff val="12156"/>
-                  </a:schemeClr>
-                </a:solidFill>
-              </a:defRPr>
-            </a:lvl1pPr>
-          </a:lstStyle>
-          <a:p>
-            <a:r>
-              <a:t>SVC</a:t>
-            </a:r>
-          </a:p>
-        </p:txBody>
-      </p:sp>
-      <p:sp>
-        <p:nvSpPr>
-          <p:cNvPr id="364" name="Ada"/>
-          <p:cNvSpPr txBox="1"/>
-          <p:nvPr/>
-        </p:nvSpPr>
-        <p:spPr>
-          <a:xfrm>
-            <a:off x="5608979" y="3040005"/>
-            <a:ext cx="523393" cy="370841"/>
-          </a:xfrm>
-          <a:prstGeom prst="rect">
-            <a:avLst/>
-          </a:prstGeom>
-          <a:ln w="12700">
-            <a:miter lim="400000"/>
-          </a:ln>
-          <a:extLst>
-            <a:ext uri="{C572A759-6A51-4108-AA02-DFA0A04FC94B}">
-              <ma14:wrappingTextBoxFlag xmlns:ma14="http://schemas.microsoft.com/office/mac/drawingml/2011/main" xmlns:a14="http://schemas.microsoft.com/office/drawing/2010/main" xmlns:m="http://schemas.openxmlformats.org/officeDocument/2006/math" xmlns="" val="1"/>
-            </a:ext>
-          </a:extLst>
-        </p:spPr>
-        <p:txBody>
-          <a:bodyPr wrap="none" lIns="45719" rIns="45719">
-            <a:spAutoFit/>
-          </a:bodyPr>
-          <a:lstStyle>
-            <a:lvl1pPr>
-              <a:defRPr>
-                <a:solidFill>
-                  <a:schemeClr val="accent1">
-                    <a:lumOff val="12156"/>
-                  </a:schemeClr>
-                </a:solidFill>
-              </a:defRPr>
-            </a:lvl1pPr>
-          </a:lstStyle>
-          <a:p>
-            <a:r>
-              <a:t>Ada</a:t>
-            </a:r>
-          </a:p>
-        </p:txBody>
-      </p:sp>
-      <p:pic>
-        <p:nvPicPr>
-          <p:cNvPr id="365" name="Screenshot 2024-03-03 at 9.16.16 PM.png" descr="Screenshot 2024-03-03 at 9.16.16 PM.png"/>
-          <p:cNvPicPr>
-            <a:picLocks noChangeAspect="1"/>
-          </p:cNvPicPr>
-          <p:nvPr/>
-        </p:nvPicPr>
-        <p:blipFill>
-          <a:blip r:embed="rId5"/>
-          <a:stretch>
-            <a:fillRect/>
-          </a:stretch>
-        </p:blipFill>
-        <p:spPr>
-          <a:xfrm>
-            <a:off x="1346223" y="4639514"/>
-            <a:ext cx="3699944" cy="1646431"/>
-          </a:xfrm>
-          <a:prstGeom prst="rect">
-            <a:avLst/>
-          </a:prstGeom>
-          <a:ln w="12700">
-            <a:miter lim="400000"/>
-          </a:ln>
-        </p:spPr>
-      </p:pic>
-      <p:pic>
-        <p:nvPicPr>
-          <p:cNvPr id="366" name="conf_matrix.png" descr="conf_matrix.png"/>
-          <p:cNvPicPr>
-            <a:picLocks noChangeAspect="1"/>
-          </p:cNvPicPr>
-          <p:nvPr/>
-        </p:nvPicPr>
-        <p:blipFill>
-          <a:blip r:embed="rId6"/>
-          <a:stretch>
-            <a:fillRect/>
-          </a:stretch>
-        </p:blipFill>
-        <p:spPr>
-          <a:xfrm>
-            <a:off x="6999449" y="4496540"/>
-            <a:ext cx="3141431" cy="2326325"/>
+            <a:off x="1523990" y="1216736"/>
+            <a:ext cx="9144019" cy="5486411"/>
           </a:xfrm>
           <a:prstGeom prst="rect">
             <a:avLst/>
@@ -13691,7 +13368,7 @@
       </p:grpSpPr>
       <p:sp>
         <p:nvSpPr>
-          <p:cNvPr id="368" name="Training by Teams"/>
+          <p:cNvPr id="388" name="Title 1"/>
           <p:cNvSpPr txBox="1">
             <a:spLocks noGrp="1"/>
           </p:cNvSpPr>
@@ -13701,8 +13378,8 @@
         </p:nvSpPr>
         <p:spPr>
           <a:xfrm>
-            <a:off x="2228088" y="175394"/>
-            <a:ext cx="7735824" cy="575251"/>
+            <a:off x="1155031" y="72511"/>
+            <a:ext cx="8568250" cy="1069848"/>
           </a:xfrm>
           <a:prstGeom prst="rect">
             <a:avLst/>
@@ -13710,67 +13387,17 @@
         </p:spPr>
         <p:txBody>
           <a:bodyPr/>
-          <a:lstStyle>
-            <a:lvl1pPr>
-              <a:defRPr sz="3300" spc="495"/>
-            </a:lvl1pPr>
-          </a:lstStyle>
-          <a:p>
-            <a:r>
-              <a:t>Training by Teams</a:t>
-            </a:r>
-          </a:p>
-        </p:txBody>
-      </p:sp>
-      <p:sp>
-        <p:nvSpPr>
-          <p:cNvPr id="369" name="Grouped teams with more than 500 games and ran the model to fit and predict individual Home teams and Visiting teams.…"/>
-          <p:cNvSpPr txBox="1">
-            <a:spLocks noGrp="1"/>
-          </p:cNvSpPr>
-          <p:nvPr>
-            <p:ph type="body" sz="quarter" idx="1"/>
-          </p:nvPr>
-        </p:nvSpPr>
-        <p:spPr>
-          <a:xfrm>
-            <a:off x="2119409" y="1082005"/>
-            <a:ext cx="7735825" cy="1133857"/>
-          </a:xfrm>
-          <a:prstGeom prst="rect">
-            <a:avLst/>
-          </a:prstGeom>
-        </p:spPr>
-        <p:txBody>
-          <a:bodyPr/>
-          <a:lstStyle/>
-          <a:p>
-            <a:pPr defTabSz="886968">
-              <a:spcBef>
-                <a:spcPts val="900"/>
-              </a:spcBef>
-              <a:defRPr sz="1746"/>
-            </a:pPr>
-            <a:r>
-              <a:t>Grouped teams with more than 500 games and ran the model to fit and predict individual Home teams and Visiting teams. </a:t>
-            </a:r>
-          </a:p>
-          <a:p>
-            <a:pPr defTabSz="886968">
-              <a:spcBef>
-                <a:spcPts val="900"/>
-              </a:spcBef>
-              <a:defRPr sz="1746"/>
-            </a:pPr>
-            <a:r>
-              <a:t>The accuracy is better when it is by team, considering the data and features.</a:t>
+          <a:lstStyle/>
+          <a:p>
+            <a:r>
+              <a:t>ELO rating vs winner</a:t>
             </a:r>
           </a:p>
         </p:txBody>
       </p:sp>
       <p:pic>
         <p:nvPicPr>
-          <p:cNvPr id="370" name="HomeTeamsAccuracy.png" descr="HomeTeamsAccuracy.png"/>
+          <p:cNvPr id="389" name="Picture 3" descr="Picture 3"/>
           <p:cNvPicPr>
             <a:picLocks noChangeAspect="1"/>
           </p:cNvPicPr>
@@ -13784,35 +13411,8 @@
         </p:blipFill>
         <p:spPr>
           <a:xfrm>
-            <a:off x="425497" y="2470371"/>
-            <a:ext cx="5096704" cy="3297868"/>
-          </a:xfrm>
-          <a:prstGeom prst="rect">
-            <a:avLst/>
-          </a:prstGeom>
-          <a:ln w="12700">
-            <a:miter lim="400000"/>
-          </a:ln>
-        </p:spPr>
-      </p:pic>
-      <p:pic>
-        <p:nvPicPr>
-          <p:cNvPr id="371" name="VisitingTeamsAccuracy.png" descr="VisitingTeamsAccuracy.png"/>
-          <p:cNvPicPr>
-            <a:picLocks noChangeAspect="1"/>
-          </p:cNvPicPr>
-          <p:nvPr/>
-        </p:nvPicPr>
-        <p:blipFill>
-          <a:blip r:embed="rId3"/>
-          <a:stretch>
-            <a:fillRect/>
-          </a:stretch>
-        </p:blipFill>
-        <p:spPr>
-          <a:xfrm>
-            <a:off x="6750842" y="2470371"/>
-            <a:ext cx="5096704" cy="3297868"/>
+            <a:off x="1680086" y="1145835"/>
+            <a:ext cx="8568250" cy="5712165"/>
           </a:xfrm>
           <a:prstGeom prst="rect">
             <a:avLst/>
@@ -13850,7 +13450,7 @@
       </p:grpSpPr>
       <p:sp>
         <p:nvSpPr>
-          <p:cNvPr id="373" name="Title 1"/>
+          <p:cNvPr id="391" name="Title 1"/>
           <p:cNvSpPr txBox="1">
             <a:spLocks noGrp="1"/>
           </p:cNvSpPr>
@@ -13872,122 +13472,38 @@
           <a:lstStyle/>
           <a:p>
             <a:r>
-              <a:t>Analysis and conclusion</a:t>
-            </a:r>
-          </a:p>
-        </p:txBody>
-      </p:sp>
-      <p:sp>
-        <p:nvSpPr>
-          <p:cNvPr id="374" name="Subtitle 2"/>
-          <p:cNvSpPr txBox="1">
-            <a:spLocks noGrp="1"/>
-          </p:cNvSpPr>
-          <p:nvPr>
-            <p:ph type="body" idx="1"/>
-          </p:nvPr>
-        </p:nvSpPr>
-        <p:spPr>
-          <a:xfrm>
-            <a:off x="505325" y="1259304"/>
-            <a:ext cx="11269579" cy="5430255"/>
-          </a:xfrm>
-          <a:prstGeom prst="rect">
-            <a:avLst/>
-          </a:prstGeom>
-        </p:spPr>
-        <p:txBody>
-          <a:bodyPr/>
-          <a:lstStyle/>
-          <a:p>
-            <a:pPr marL="342900" indent="-342900" algn="l">
-              <a:buClr>
-                <a:schemeClr val="accent6"/>
-              </a:buClr>
-              <a:buSzPct val="100000"/>
-              <a:buFont typeface="Arial"/>
-              <a:buChar char="•"/>
-              <a:defRPr sz="2400"/>
-            </a:pPr>
-            <a:r>
-              <a:rPr dirty="0"/>
-              <a:t>Analysis shows – Team or Quarterback with higher ELO had higher or better chance of victory.</a:t>
-            </a:r>
-          </a:p>
-          <a:p>
-            <a:pPr marL="342900" indent="-342900" algn="l">
-              <a:buClr>
-                <a:schemeClr val="accent6"/>
-              </a:buClr>
-              <a:buSzPct val="100000"/>
-              <a:buFont typeface="Arial"/>
-              <a:buChar char="•"/>
-              <a:defRPr sz="2400"/>
-            </a:pPr>
-            <a:r>
-              <a:rPr dirty="0"/>
-              <a:t>Definite shift right for Team 1 if the ELO is higher.</a:t>
-            </a:r>
-          </a:p>
-          <a:p>
-            <a:pPr marL="342900" indent="-342900" algn="l">
-              <a:buClr>
-                <a:schemeClr val="accent6"/>
-              </a:buClr>
-              <a:buSzPct val="100000"/>
-              <a:buFont typeface="Arial"/>
-              <a:buChar char="•"/>
-              <a:defRPr sz="2400"/>
-            </a:pPr>
-            <a:r>
-              <a:rPr dirty="0"/>
-              <a:t>Anyone could win the game regardless.</a:t>
-            </a:r>
-          </a:p>
-          <a:p>
-            <a:pPr marL="342900" indent="-342900" algn="l">
-              <a:buClr>
-                <a:schemeClr val="accent6"/>
-              </a:buClr>
-              <a:buSzPct val="100000"/>
-              <a:buFont typeface="Arial"/>
-              <a:buChar char="•"/>
-              <a:defRPr sz="2400"/>
-            </a:pPr>
-            <a:endParaRPr dirty="0"/>
-          </a:p>
-          <a:p>
-            <a:pPr marL="342900" indent="-342900" algn="l">
-              <a:buClr>
-                <a:schemeClr val="accent6"/>
-              </a:buClr>
-              <a:buSzPct val="100000"/>
-              <a:buFont typeface="Arial"/>
-              <a:buChar char="•"/>
-              <a:defRPr sz="2400"/>
-            </a:pPr>
-            <a:r>
-              <a:rPr dirty="0"/>
-              <a:t>Game location – Was an influential factor.  Team 1 won slightly more often than the away team.</a:t>
-            </a:r>
-          </a:p>
-          <a:p>
-            <a:pPr marL="342900" indent="-342900" algn="l">
-              <a:buClr>
-                <a:schemeClr val="accent6"/>
-              </a:buClr>
-              <a:buSzPct val="100000"/>
-              <a:buFont typeface="Arial"/>
-              <a:buChar char="•"/>
-              <a:defRPr sz="2400"/>
-            </a:pPr>
-            <a:r>
-              <a:rPr dirty="0"/>
-              <a:t>Referee involvement revealed – Joe?</a:t>
-            </a:r>
-          </a:p>
-        </p:txBody>
-      </p:sp>
+              <a:t>Elo pregame vs winner</a:t>
+            </a:r>
+          </a:p>
+        </p:txBody>
+      </p:sp>
+      <p:pic>
+        <p:nvPicPr>
+          <p:cNvPr id="392" name="Picture 3" descr="Picture 3"/>
+          <p:cNvPicPr>
+            <a:picLocks noChangeAspect="1"/>
+          </p:cNvPicPr>
+          <p:nvPr/>
+        </p:nvPicPr>
+        <p:blipFill>
+          <a:blip r:embed="rId2"/>
+          <a:stretch>
+            <a:fillRect/>
+          </a:stretch>
+        </p:blipFill>
+        <p:spPr>
+          <a:xfrm>
+            <a:off x="1523990" y="1391756"/>
+            <a:ext cx="8868707" cy="5321225"/>
+          </a:xfrm>
+          <a:prstGeom prst="rect">
+            <a:avLst/>
+          </a:prstGeom>
+          <a:ln w="12700">
+            <a:miter lim="400000"/>
+          </a:ln>
+        </p:spPr>
+      </p:pic>
     </p:spTree>
   </p:cSld>
   <p:clrMapOvr>
@@ -14016,7 +13532,7 @@
       </p:grpSpPr>
       <p:sp>
         <p:nvSpPr>
-          <p:cNvPr id="376" name="Title 1"/>
+          <p:cNvPr id="409" name="Title 1"/>
           <p:cNvSpPr txBox="1">
             <a:spLocks noGrp="1"/>
           </p:cNvSpPr>
@@ -14027,7 +13543,7 @@
         <p:spPr>
           <a:xfrm>
             <a:off x="1155031" y="72511"/>
-            <a:ext cx="8568250" cy="1069848"/>
+            <a:ext cx="9984918" cy="1069848"/>
           </a:xfrm>
           <a:prstGeom prst="rect">
             <a:avLst/>
@@ -14035,80 +13551,45 @@
         </p:spPr>
         <p:txBody>
           <a:bodyPr/>
-          <a:lstStyle/>
-          <a:p>
-            <a:r>
-              <a:t>Analysis and conclusion</a:t>
-            </a:r>
-          </a:p>
-        </p:txBody>
-      </p:sp>
-      <p:sp>
-        <p:nvSpPr>
-          <p:cNvPr id="377" name="Subtitle 2"/>
-          <p:cNvSpPr txBox="1">
-            <a:spLocks noGrp="1"/>
-          </p:cNvSpPr>
-          <p:nvPr>
-            <p:ph type="body" idx="1"/>
-          </p:nvPr>
-        </p:nvSpPr>
-        <p:spPr>
-          <a:xfrm>
-            <a:off x="505325" y="1259304"/>
-            <a:ext cx="11269579" cy="5430255"/>
-          </a:xfrm>
-          <a:prstGeom prst="rect">
-            <a:avLst/>
-          </a:prstGeom>
-        </p:spPr>
-        <p:txBody>
-          <a:bodyPr/>
-          <a:lstStyle/>
-          <a:p>
-            <a:pPr marL="342900" indent="-342900" algn="l">
-              <a:buClr>
-                <a:schemeClr val="accent6"/>
-              </a:buClr>
-              <a:buSzPct val="100000"/>
-              <a:buFont typeface="Arial"/>
-              <a:buChar char="•"/>
-              <a:defRPr sz="2400"/>
-            </a:pPr>
-            <a:r>
-              <a:t>Although the accuracy scores never achieved over 68.5 there is consistency in the predictive outcome of the head-to-head match based on teams and quarterback ELO scores, and home field advantage.  </a:t>
-            </a:r>
-          </a:p>
-          <a:p>
-            <a:pPr marL="342900" indent="-342900" algn="l">
-              <a:buClr>
-                <a:schemeClr val="accent6"/>
-              </a:buClr>
-              <a:buSzPct val="100000"/>
-              <a:buFont typeface="Arial"/>
-              <a:buChar char="•"/>
-              <a:defRPr sz="2400"/>
-            </a:pPr>
-            <a:r>
-              <a:t>Higher scores in each category resulted in a “win” for that team.  </a:t>
-            </a:r>
-          </a:p>
-          <a:p>
-            <a:pPr marL="342900" indent="-342900" algn="l">
-              <a:buClr>
-                <a:schemeClr val="accent6"/>
-              </a:buClr>
-              <a:buSzPct val="100000"/>
-              <a:buFont typeface="Arial"/>
-              <a:buChar char="•"/>
-              <a:defRPr sz="2400"/>
-            </a:pPr>
-            <a:r>
-              <a:t>Referee favorability resulted in X and should be an individual contributing factor. Joe?</a:t>
-            </a:r>
-          </a:p>
-        </p:txBody>
-      </p:sp>
+          <a:lstStyle>
+            <a:lvl1pPr>
+              <a:defRPr sz="3200"/>
+            </a:lvl1pPr>
+          </a:lstStyle>
+          <a:p>
+            <a:r>
+              <a:t>Qb adjusted for elo team 1 win probability vs actual winner</a:t>
+            </a:r>
+          </a:p>
+        </p:txBody>
+      </p:sp>
+      <p:pic>
+        <p:nvPicPr>
+          <p:cNvPr id="410" name="Picture 3" descr="Picture 3"/>
+          <p:cNvPicPr>
+            <a:picLocks noChangeAspect="1"/>
+          </p:cNvPicPr>
+          <p:nvPr/>
+        </p:nvPicPr>
+        <p:blipFill>
+          <a:blip r:embed="rId2"/>
+          <a:stretch>
+            <a:fillRect/>
+          </a:stretch>
+        </p:blipFill>
+        <p:spPr>
+          <a:xfrm>
+            <a:off x="1523990" y="1371588"/>
+            <a:ext cx="9144019" cy="5486412"/>
+          </a:xfrm>
+          <a:prstGeom prst="rect">
+            <a:avLst/>
+          </a:prstGeom>
+          <a:ln w="12700">
+            <a:miter lim="400000"/>
+          </a:ln>
+        </p:spPr>
+      </p:pic>
     </p:spTree>
   </p:cSld>
   <p:clrMapOvr>
@@ -14137,7 +13618,7 @@
       </p:grpSpPr>
       <p:sp>
         <p:nvSpPr>
-          <p:cNvPr id="379" name="Title 1"/>
+          <p:cNvPr id="403" name="Title 1"/>
           <p:cNvSpPr txBox="1">
             <a:spLocks noGrp="1"/>
           </p:cNvSpPr>
@@ -14147,26 +13628,32 @@
         </p:nvSpPr>
         <p:spPr>
           <a:xfrm>
-            <a:off x="441158" y="72511"/>
-            <a:ext cx="10844464" cy="1069848"/>
-          </a:xfrm>
-          <a:prstGeom prst="rect">
-            <a:avLst/>
-          </a:prstGeom>
-        </p:spPr>
-        <p:txBody>
-          <a:bodyPr/>
-          <a:lstStyle/>
-          <a:p>
-            <a:r>
-              <a:t>Best Accuracies</a:t>
+            <a:off x="1155031" y="72511"/>
+            <a:ext cx="8568250" cy="1069848"/>
+          </a:xfrm>
+          <a:prstGeom prst="rect">
+            <a:avLst/>
+          </a:prstGeom>
+        </p:spPr>
+        <p:txBody>
+          <a:bodyPr>
+            <a:normAutofit fontScale="90000"/>
+          </a:bodyPr>
+          <a:lstStyle>
+            <a:lvl1pPr defTabSz="841247">
+              <a:defRPr sz="3680" spc="552"/>
+            </a:lvl1pPr>
+          </a:lstStyle>
+          <a:p>
+            <a:r>
+              <a:t>Qb adjusted elo difference vs winner</a:t>
             </a:r>
           </a:p>
         </p:txBody>
       </p:sp>
       <p:pic>
         <p:nvPicPr>
-          <p:cNvPr id="380" name="Picture 3" descr="Picture 3"/>
+          <p:cNvPr id="404" name="Picture 3" descr="Picture 3"/>
           <p:cNvPicPr>
             <a:picLocks noChangeAspect="1"/>
           </p:cNvPicPr>
@@ -14180,8 +13667,8 @@
         </p:blipFill>
         <p:spPr>
           <a:xfrm>
-            <a:off x="2100260" y="1566519"/>
-            <a:ext cx="7735840" cy="4983491"/>
+            <a:off x="1523990" y="1299077"/>
+            <a:ext cx="9144019" cy="5486412"/>
           </a:xfrm>
           <a:prstGeom prst="rect">
             <a:avLst/>
@@ -14219,7 +13706,7 @@
       </p:grpSpPr>
       <p:sp>
         <p:nvSpPr>
-          <p:cNvPr id="382" name="Title 1"/>
+          <p:cNvPr id="394" name="Title 1"/>
           <p:cNvSpPr txBox="1">
             <a:spLocks noGrp="1"/>
           </p:cNvSpPr>
@@ -14241,14 +13728,14 @@
           <a:lstStyle/>
           <a:p>
             <a:r>
-              <a:t>Decision Boundary</a:t>
+              <a:t>Difference in qb elo</a:t>
             </a:r>
           </a:p>
         </p:txBody>
       </p:sp>
       <p:pic>
         <p:nvPicPr>
-          <p:cNvPr id="383" name="Picture 3" descr="Picture 3"/>
+          <p:cNvPr id="395" name="Picture 3" descr="Picture 3"/>
           <p:cNvPicPr>
             <a:picLocks noChangeAspect="1"/>
           </p:cNvPicPr>
@@ -14262,8 +13749,8 @@
         </p:blipFill>
         <p:spPr>
           <a:xfrm>
-            <a:off x="1523990" y="1299077"/>
-            <a:ext cx="9144019" cy="5486412"/>
+            <a:off x="1912368" y="1765131"/>
+            <a:ext cx="8367263" cy="5020359"/>
           </a:xfrm>
           <a:prstGeom prst="rect">
             <a:avLst/>
@@ -14301,7 +13788,7 @@
       </p:grpSpPr>
       <p:sp>
         <p:nvSpPr>
-          <p:cNvPr id="385" name="Title 1"/>
+          <p:cNvPr id="406" name="Title 1"/>
           <p:cNvSpPr txBox="1">
             <a:spLocks noGrp="1"/>
           </p:cNvSpPr>
@@ -14323,14 +13810,14 @@
           <a:lstStyle/>
           <a:p>
             <a:r>
-              <a:t>ELO Probablity vs score</a:t>
+              <a:t>Difference in qb elo</a:t>
             </a:r>
           </a:p>
         </p:txBody>
       </p:sp>
       <p:pic>
         <p:nvPicPr>
-          <p:cNvPr id="386" name="Picture 3" descr="Picture 3"/>
+          <p:cNvPr id="407" name="Picture 3" descr="Picture 3"/>
           <p:cNvPicPr>
             <a:picLocks noChangeAspect="1"/>
           </p:cNvPicPr>
@@ -14344,8 +13831,8 @@
         </p:blipFill>
         <p:spPr>
           <a:xfrm>
-            <a:off x="1523990" y="1216736"/>
-            <a:ext cx="9144019" cy="5486411"/>
+            <a:off x="1523990" y="1299077"/>
+            <a:ext cx="9144019" cy="5486412"/>
           </a:xfrm>
           <a:prstGeom prst="rect">
             <a:avLst/>
@@ -14383,7 +13870,7 @@
       </p:grpSpPr>
       <p:sp>
         <p:nvSpPr>
-          <p:cNvPr id="388" name="Title 1"/>
+          <p:cNvPr id="412" name="Title 1"/>
           <p:cNvSpPr txBox="1">
             <a:spLocks noGrp="1"/>
           </p:cNvSpPr>
@@ -14394,7 +13881,7 @@
         <p:spPr>
           <a:xfrm>
             <a:off x="1155031" y="72511"/>
-            <a:ext cx="8568250" cy="1069848"/>
+            <a:ext cx="10063576" cy="1069848"/>
           </a:xfrm>
           <a:prstGeom prst="rect">
             <a:avLst/>
@@ -14402,17 +13889,21 @@
         </p:spPr>
         <p:txBody>
           <a:bodyPr/>
-          <a:lstStyle/>
-          <a:p>
-            <a:r>
-              <a:t>ELO rating vs winner</a:t>
+          <a:lstStyle>
+            <a:lvl1pPr>
+              <a:defRPr sz="2800"/>
+            </a:lvl1pPr>
+          </a:lstStyle>
+          <a:p>
+            <a:r>
+              <a:t>Qb adjusted elo team 1 wins probability vs actual winner</a:t>
             </a:r>
           </a:p>
         </p:txBody>
       </p:sp>
       <p:pic>
         <p:nvPicPr>
-          <p:cNvPr id="389" name="Picture 3" descr="Picture 3"/>
+          <p:cNvPr id="413" name="Picture 3" descr="Picture 3"/>
           <p:cNvPicPr>
             <a:picLocks noChangeAspect="1"/>
           </p:cNvPicPr>
@@ -14426,8 +13917,8 @@
         </p:blipFill>
         <p:spPr>
           <a:xfrm>
-            <a:off x="1680086" y="1145835"/>
-            <a:ext cx="8568250" cy="5712165"/>
+            <a:off x="1523990" y="1299077"/>
+            <a:ext cx="9144019" cy="5486412"/>
           </a:xfrm>
           <a:prstGeom prst="rect">
             <a:avLst/>
@@ -14465,7 +13956,7 @@
       </p:grpSpPr>
       <p:sp>
         <p:nvSpPr>
-          <p:cNvPr id="391" name="Title 1"/>
+          <p:cNvPr id="415" name="Title 1"/>
           <p:cNvSpPr txBox="1">
             <a:spLocks noGrp="1"/>
           </p:cNvSpPr>
@@ -14476,7 +13967,7 @@
         <p:spPr>
           <a:xfrm>
             <a:off x="1155031" y="72511"/>
-            <a:ext cx="8568250" cy="1069848"/>
+            <a:ext cx="9837433" cy="1069848"/>
           </a:xfrm>
           <a:prstGeom prst="rect">
             <a:avLst/>
@@ -14484,17 +13975,21 @@
         </p:spPr>
         <p:txBody>
           <a:bodyPr/>
-          <a:lstStyle/>
-          <a:p>
-            <a:r>
-              <a:t>Elo pregame vs winner</a:t>
+          <a:lstStyle>
+            <a:lvl1pPr>
+              <a:defRPr sz="2800"/>
+            </a:lvl1pPr>
+          </a:lstStyle>
+          <a:p>
+            <a:r>
+              <a:t>Qb adjusted elo team 2 wins probability vs actual winner</a:t>
             </a:r>
           </a:p>
         </p:txBody>
       </p:sp>
       <p:pic>
         <p:nvPicPr>
-          <p:cNvPr id="392" name="Picture 3" descr="Picture 3"/>
+          <p:cNvPr id="416" name="Picture 3" descr="Picture 3"/>
           <p:cNvPicPr>
             <a:picLocks noChangeAspect="1"/>
           </p:cNvPicPr>
@@ -14508,8 +14003,35 @@
         </p:blipFill>
         <p:spPr>
           <a:xfrm>
-            <a:off x="1523990" y="1391756"/>
-            <a:ext cx="8868707" cy="5321225"/>
+            <a:off x="2005771" y="1826342"/>
+            <a:ext cx="7914979" cy="4748987"/>
+          </a:xfrm>
+          <a:prstGeom prst="rect">
+            <a:avLst/>
+          </a:prstGeom>
+          <a:ln w="12700">
+            <a:miter lim="400000"/>
+          </a:ln>
+        </p:spPr>
+      </p:pic>
+      <p:pic>
+        <p:nvPicPr>
+          <p:cNvPr id="417" name="Picture 5" descr="Picture 5"/>
+          <p:cNvPicPr>
+            <a:picLocks noChangeAspect="1"/>
+          </p:cNvPicPr>
+          <p:nvPr/>
+        </p:nvPicPr>
+        <p:blipFill>
+          <a:blip r:embed="rId3"/>
+          <a:stretch>
+            <a:fillRect/>
+          </a:stretch>
+        </p:blipFill>
+        <p:spPr>
+          <a:xfrm>
+            <a:off x="1523990" y="1299077"/>
+            <a:ext cx="9144019" cy="5486411"/>
           </a:xfrm>
           <a:prstGeom prst="rect">
             <a:avLst/>
@@ -14547,7 +14069,7 @@
       </p:grpSpPr>
       <p:sp>
         <p:nvSpPr>
-          <p:cNvPr id="394" name="Title 1"/>
+          <p:cNvPr id="350" name="Modeling Approach"/>
           <p:cNvSpPr txBox="1">
             <a:spLocks noGrp="1"/>
           </p:cNvSpPr>
@@ -14557,8 +14079,8 @@
         </p:nvSpPr>
         <p:spPr>
           <a:xfrm>
-            <a:off x="1155031" y="72511"/>
-            <a:ext cx="8568250" cy="1069848"/>
+            <a:off x="2228088" y="213929"/>
+            <a:ext cx="7735824" cy="583510"/>
           </a:xfrm>
           <a:prstGeom prst="rect">
             <a:avLst/>
@@ -14566,17 +14088,52 @@
         </p:spPr>
         <p:txBody>
           <a:bodyPr/>
-          <a:lstStyle/>
-          <a:p>
-            <a:r>
-              <a:t>Difference in qb elo</a:t>
+          <a:lstStyle>
+            <a:lvl1pPr>
+              <a:defRPr sz="3300" spc="495"/>
+            </a:lvl1pPr>
+          </a:lstStyle>
+          <a:p>
+            <a:r>
+              <a:t>Modeling Approach</a:t>
+            </a:r>
+          </a:p>
+        </p:txBody>
+      </p:sp>
+      <p:sp>
+        <p:nvSpPr>
+          <p:cNvPr id="351" name="Processed data with all classification models from sklearn to see which model has better fit for this data."/>
+          <p:cNvSpPr txBox="1">
+            <a:spLocks noGrp="1"/>
+          </p:cNvSpPr>
+          <p:nvPr>
+            <p:ph type="body" sz="quarter" idx="1"/>
+          </p:nvPr>
+        </p:nvSpPr>
+        <p:spPr>
+          <a:xfrm>
+            <a:off x="2119409" y="1082005"/>
+            <a:ext cx="7735825" cy="806629"/>
+          </a:xfrm>
+          <a:prstGeom prst="rect">
+            <a:avLst/>
+          </a:prstGeom>
+        </p:spPr>
+        <p:txBody>
+          <a:bodyPr/>
+          <a:lstStyle>
+            <a:lvl1pPr algn="l"/>
+          </a:lstStyle>
+          <a:p>
+            <a:r>
+              <a:t>Processed data with all classification models from sklearn to see which model has better fit for this data. </a:t>
             </a:r>
           </a:p>
         </p:txBody>
       </p:sp>
       <p:pic>
         <p:nvPicPr>
-          <p:cNvPr id="395" name="Picture 3" descr="Picture 3"/>
+          <p:cNvPr id="352" name="AllModels.png" descr="AllModels.png"/>
           <p:cNvPicPr>
             <a:picLocks noChangeAspect="1"/>
           </p:cNvPicPr>
@@ -14590,8 +14147,8 @@
         </p:blipFill>
         <p:spPr>
           <a:xfrm>
-            <a:off x="1912368" y="1765131"/>
-            <a:ext cx="8367263" cy="5020359"/>
+            <a:off x="3213675" y="1877806"/>
+            <a:ext cx="5547292" cy="3233448"/>
           </a:xfrm>
           <a:prstGeom prst="rect">
             <a:avLst/>
@@ -14601,6 +14158,81 @@
           </a:ln>
         </p:spPr>
       </p:pic>
+      <p:sp>
+        <p:nvSpPr>
+          <p:cNvPr id="353" name="All the models scored in the range of 60% - 65% score,  3 models highlighted in green scored almost same with train and test scores and others we overfit."/>
+          <p:cNvSpPr txBox="1"/>
+          <p:nvPr/>
+        </p:nvSpPr>
+        <p:spPr>
+          <a:xfrm>
+            <a:off x="2228088" y="5239035"/>
+            <a:ext cx="7735824" cy="806630"/>
+          </a:xfrm>
+          <a:prstGeom prst="rect">
+            <a:avLst/>
+          </a:prstGeom>
+          <a:ln w="12700">
+            <a:miter lim="400000"/>
+          </a:ln>
+          <a:extLst>
+            <a:ext uri="{C572A759-6A51-4108-AA02-DFA0A04FC94B}">
+              <ma14:wrappingTextBoxFlag xmlns="" xmlns:m="http://schemas.openxmlformats.org/officeDocument/2006/math" xmlns:a14="http://schemas.microsoft.com/office/drawing/2010/main" xmlns:ma14="http://schemas.microsoft.com/office/mac/drawingml/2011/main" val="1"/>
+            </a:ext>
+          </a:extLst>
+        </p:spPr>
+        <p:txBody>
+          <a:bodyPr lIns="45719" rIns="45719">
+            <a:normAutofit/>
+          </a:bodyPr>
+          <a:lstStyle>
+            <a:lvl1pPr defTabSz="877823">
+              <a:spcBef>
+                <a:spcPts val="900"/>
+              </a:spcBef>
+              <a:defRPr sz="1727">
+                <a:solidFill>
+                  <a:srgbClr val="FFFFFF"/>
+                </a:solidFill>
+              </a:defRPr>
+            </a:lvl1pPr>
+          </a:lstStyle>
+          <a:p>
+            <a:r>
+              <a:t>All the models scored in the range of 60% - 65% score,  3 models highlighted in green scored almost same with train and test scores and others we overfit. </a:t>
+            </a:r>
+          </a:p>
+        </p:txBody>
+      </p:sp>
+      <p:sp>
+        <p:nvSpPr>
+          <p:cNvPr id="354" name="Rectangle"/>
+          <p:cNvSpPr/>
+          <p:nvPr/>
+        </p:nvSpPr>
+        <p:spPr>
+          <a:xfrm>
+            <a:off x="3441352" y="2045208"/>
+            <a:ext cx="4361718" cy="1371511"/>
+          </a:xfrm>
+          <a:prstGeom prst="rect">
+            <a:avLst/>
+          </a:prstGeom>
+          <a:ln w="25400">
+            <a:solidFill>
+              <a:srgbClr val="1BEC20"/>
+            </a:solidFill>
+            <a:miter/>
+          </a:ln>
+        </p:spPr>
+        <p:txBody>
+          <a:bodyPr lIns="45719" rIns="45719" anchor="ctr"/>
+          <a:lstStyle/>
+          <a:p>
+            <a:endParaRPr/>
+          </a:p>
+        </p:txBody>
+      </p:sp>
     </p:spTree>
   </p:cSld>
   <p:clrMapOvr>
@@ -14676,7 +14308,7 @@
           </a:prstGeom>
           <a:extLst>
             <a:ext uri="{C572A759-6A51-4108-AA02-DFA0A04FC94B}">
-              <ma14:wrappingTextBoxFlag xmlns:ma14="http://schemas.microsoft.com/office/mac/drawingml/2011/main" xmlns:a14="http://schemas.microsoft.com/office/drawing/2010/main" xmlns:m="http://schemas.openxmlformats.org/officeDocument/2006/math" xmlns="" val="1"/>
+              <ma14:wrappingTextBoxFlag xmlns="" xmlns:m="http://schemas.openxmlformats.org/officeDocument/2006/math" xmlns:a14="http://schemas.microsoft.com/office/drawing/2010/main" xmlns:ma14="http://schemas.microsoft.com/office/mac/drawingml/2011/main" val="1"/>
             </a:ext>
           </a:extLst>
         </p:spPr>
@@ -14911,7 +14543,7 @@
       </p:grpSpPr>
       <p:sp>
         <p:nvSpPr>
-          <p:cNvPr id="397" name="Title 1"/>
+          <p:cNvPr id="356" name="Optimizing Model"/>
           <p:cNvSpPr txBox="1">
             <a:spLocks noGrp="1"/>
           </p:cNvSpPr>
@@ -14921,8 +14553,8 @@
         </p:nvSpPr>
         <p:spPr>
           <a:xfrm>
-            <a:off x="1155031" y="72511"/>
-            <a:ext cx="8568250" cy="1069848"/>
+            <a:off x="2228088" y="286567"/>
+            <a:ext cx="7735824" cy="517927"/>
           </a:xfrm>
           <a:prstGeom prst="rect">
             <a:avLst/>
@@ -14933,20 +14565,95 @@
             <a:normAutofit fontScale="90000"/>
           </a:bodyPr>
           <a:lstStyle>
-            <a:lvl1pPr defTabSz="841247">
-              <a:defRPr sz="3680" spc="552"/>
+            <a:lvl1pPr defTabSz="886968">
+              <a:defRPr sz="3201" spc="480"/>
             </a:lvl1pPr>
           </a:lstStyle>
           <a:p>
             <a:r>
-              <a:t>Difference in qb elo when team 1 wins</a:t>
+              <a:t>Optimizing Model</a:t>
+            </a:r>
+          </a:p>
+        </p:txBody>
+      </p:sp>
+      <p:sp>
+        <p:nvSpPr>
+          <p:cNvPr id="357" name="Did more analysis on the top 3 models by changing different hyper-parameters for those models using GridSearch."/>
+          <p:cNvSpPr txBox="1">
+            <a:spLocks noGrp="1"/>
+          </p:cNvSpPr>
+          <p:nvPr>
+            <p:ph type="body" sz="quarter" idx="1"/>
+          </p:nvPr>
+        </p:nvSpPr>
+        <p:spPr>
+          <a:xfrm>
+            <a:off x="2228088" y="1082005"/>
+            <a:ext cx="7735824" cy="695823"/>
+          </a:xfrm>
+          <a:prstGeom prst="rect">
+            <a:avLst/>
+          </a:prstGeom>
+        </p:spPr>
+        <p:txBody>
+          <a:bodyPr/>
+          <a:lstStyle/>
+          <a:p>
+            <a:r>
+              <a:t>Did more analysis on the top 3 models by changing different hyper-parameters for those models using GridSearch.</a:t>
+            </a:r>
+          </a:p>
+        </p:txBody>
+      </p:sp>
+      <p:sp>
+        <p:nvSpPr>
+          <p:cNvPr id="358" name="Next, run more metrics using Logistic Regression like classification reports, confusion matrix, prediction probabilities."/>
+          <p:cNvSpPr txBox="1"/>
+          <p:nvPr/>
+        </p:nvSpPr>
+        <p:spPr>
+          <a:xfrm>
+            <a:off x="2228088" y="3677269"/>
+            <a:ext cx="7735824" cy="695823"/>
+          </a:xfrm>
+          <a:prstGeom prst="rect">
+            <a:avLst/>
+          </a:prstGeom>
+          <a:ln w="12700">
+            <a:miter lim="400000"/>
+          </a:ln>
+          <a:extLst>
+            <a:ext uri="{C572A759-6A51-4108-AA02-DFA0A04FC94B}">
+              <ma14:wrappingTextBoxFlag xmlns="" xmlns:m="http://schemas.openxmlformats.org/officeDocument/2006/math" xmlns:a14="http://schemas.microsoft.com/office/drawing/2010/main" xmlns:ma14="http://schemas.microsoft.com/office/mac/drawingml/2011/main" val="1"/>
+            </a:ext>
+          </a:extLst>
+        </p:spPr>
+        <p:txBody>
+          <a:bodyPr lIns="45719" rIns="45719">
+            <a:normAutofit/>
+          </a:bodyPr>
+          <a:lstStyle>
+            <a:lvl1pPr algn="ctr">
+              <a:spcBef>
+                <a:spcPts val="1000"/>
+              </a:spcBef>
+              <a:defRPr>
+                <a:solidFill>
+                  <a:srgbClr val="FFFFFF"/>
+                </a:solidFill>
+              </a:defRPr>
+            </a:lvl1pPr>
+          </a:lstStyle>
+          <a:p>
+            <a:r>
+              <a:t>Next, run more metrics using Logistic Regression like classification reports, confusion matrix, prediction probabilities.  </a:t>
             </a:r>
           </a:p>
         </p:txBody>
       </p:sp>
       <p:pic>
         <p:nvPicPr>
-          <p:cNvPr id="398" name="Picture 3" descr="Picture 3"/>
+          <p:cNvPr id="359" name="Screenshot 2024-03-03 at 9.11.13 PM.png" descr="Screenshot 2024-03-03 at 9.11.13 PM.png"/>
           <p:cNvPicPr>
             <a:picLocks noChangeAspect="1"/>
           </p:cNvPicPr>
@@ -14960,8 +14667,252 @@
         </p:blipFill>
         <p:spPr>
           <a:xfrm>
-            <a:off x="1921623" y="1646896"/>
-            <a:ext cx="8357429" cy="5014459"/>
+            <a:off x="1296941" y="1758281"/>
+            <a:ext cx="4639485" cy="621109"/>
+          </a:xfrm>
+          <a:prstGeom prst="rect">
+            <a:avLst/>
+          </a:prstGeom>
+          <a:ln w="12700">
+            <a:miter lim="400000"/>
+          </a:ln>
+        </p:spPr>
+      </p:pic>
+      <p:pic>
+        <p:nvPicPr>
+          <p:cNvPr id="360" name="Screenshot 2024-03-03 at 9.11.23 PM.png" descr="Screenshot 2024-03-03 at 9.11.23 PM.png"/>
+          <p:cNvPicPr>
+            <a:picLocks noChangeAspect="1"/>
+          </p:cNvPicPr>
+          <p:nvPr/>
+        </p:nvPicPr>
+        <p:blipFill>
+          <a:blip r:embed="rId3"/>
+          <a:srcRect/>
+          <a:stretch>
+            <a:fillRect/>
+          </a:stretch>
+        </p:blipFill>
+        <p:spPr>
+          <a:xfrm>
+            <a:off x="2093200" y="2784530"/>
+            <a:ext cx="4302780" cy="644470"/>
+          </a:xfrm>
+          <a:prstGeom prst="rect">
+            <a:avLst/>
+          </a:prstGeom>
+          <a:ln w="12700">
+            <a:miter lim="400000"/>
+          </a:ln>
+        </p:spPr>
+      </p:pic>
+      <p:pic>
+        <p:nvPicPr>
+          <p:cNvPr id="361" name="Screenshot 2024-03-03 at 9.11.35 PM.png" descr="Screenshot 2024-03-03 at 9.11.35 PM.png"/>
+          <p:cNvPicPr>
+            <a:picLocks noChangeAspect="1"/>
+          </p:cNvPicPr>
+          <p:nvPr/>
+        </p:nvPicPr>
+        <p:blipFill>
+          <a:blip r:embed="rId4"/>
+          <a:stretch>
+            <a:fillRect/>
+          </a:stretch>
+        </p:blipFill>
+        <p:spPr>
+          <a:xfrm>
+            <a:off x="6036936" y="2129454"/>
+            <a:ext cx="4352070" cy="644070"/>
+          </a:xfrm>
+          <a:prstGeom prst="rect">
+            <a:avLst/>
+          </a:prstGeom>
+          <a:ln w="12700">
+            <a:miter lim="400000"/>
+          </a:ln>
+        </p:spPr>
+      </p:pic>
+      <p:sp>
+        <p:nvSpPr>
+          <p:cNvPr id="362" name="LR"/>
+          <p:cNvSpPr txBox="1"/>
+          <p:nvPr/>
+        </p:nvSpPr>
+        <p:spPr>
+          <a:xfrm>
+            <a:off x="5266195" y="1991961"/>
+            <a:ext cx="383718" cy="370841"/>
+          </a:xfrm>
+          <a:prstGeom prst="rect">
+            <a:avLst/>
+          </a:prstGeom>
+          <a:ln w="12700">
+            <a:miter lim="400000"/>
+          </a:ln>
+          <a:extLst>
+            <a:ext uri="{C572A759-6A51-4108-AA02-DFA0A04FC94B}">
+              <ma14:wrappingTextBoxFlag xmlns="" xmlns:m="http://schemas.openxmlformats.org/officeDocument/2006/math" xmlns:a14="http://schemas.microsoft.com/office/drawing/2010/main" xmlns:ma14="http://schemas.microsoft.com/office/mac/drawingml/2011/main" val="1"/>
+            </a:ext>
+          </a:extLst>
+        </p:spPr>
+        <p:txBody>
+          <a:bodyPr wrap="none" lIns="45719" rIns="45719">
+            <a:spAutoFit/>
+          </a:bodyPr>
+          <a:lstStyle>
+            <a:lvl1pPr>
+              <a:defRPr>
+                <a:solidFill>
+                  <a:schemeClr val="accent1">
+                    <a:lumOff val="12156"/>
+                  </a:schemeClr>
+                </a:solidFill>
+              </a:defRPr>
+            </a:lvl1pPr>
+          </a:lstStyle>
+          <a:p>
+            <a:r>
+              <a:t>LR</a:t>
+            </a:r>
+          </a:p>
+        </p:txBody>
+      </p:sp>
+      <p:sp>
+        <p:nvSpPr>
+          <p:cNvPr id="363" name="SVC"/>
+          <p:cNvSpPr txBox="1"/>
+          <p:nvPr/>
+        </p:nvSpPr>
+        <p:spPr>
+          <a:xfrm>
+            <a:off x="9685331" y="2372722"/>
+            <a:ext cx="548540" cy="370841"/>
+          </a:xfrm>
+          <a:prstGeom prst="rect">
+            <a:avLst/>
+          </a:prstGeom>
+          <a:ln w="12700">
+            <a:miter lim="400000"/>
+          </a:ln>
+          <a:extLst>
+            <a:ext uri="{C572A759-6A51-4108-AA02-DFA0A04FC94B}">
+              <ma14:wrappingTextBoxFlag xmlns="" xmlns:m="http://schemas.openxmlformats.org/officeDocument/2006/math" xmlns:a14="http://schemas.microsoft.com/office/drawing/2010/main" xmlns:ma14="http://schemas.microsoft.com/office/mac/drawingml/2011/main" val="1"/>
+            </a:ext>
+          </a:extLst>
+        </p:spPr>
+        <p:txBody>
+          <a:bodyPr wrap="none" lIns="45719" rIns="45719">
+            <a:spAutoFit/>
+          </a:bodyPr>
+          <a:lstStyle>
+            <a:lvl1pPr>
+              <a:defRPr>
+                <a:solidFill>
+                  <a:schemeClr val="accent1">
+                    <a:lumOff val="12156"/>
+                  </a:schemeClr>
+                </a:solidFill>
+              </a:defRPr>
+            </a:lvl1pPr>
+          </a:lstStyle>
+          <a:p>
+            <a:r>
+              <a:t>SVC</a:t>
+            </a:r>
+          </a:p>
+        </p:txBody>
+      </p:sp>
+      <p:sp>
+        <p:nvSpPr>
+          <p:cNvPr id="364" name="Ada"/>
+          <p:cNvSpPr txBox="1"/>
+          <p:nvPr/>
+        </p:nvSpPr>
+        <p:spPr>
+          <a:xfrm>
+            <a:off x="5608979" y="3040005"/>
+            <a:ext cx="523393" cy="370841"/>
+          </a:xfrm>
+          <a:prstGeom prst="rect">
+            <a:avLst/>
+          </a:prstGeom>
+          <a:ln w="12700">
+            <a:miter lim="400000"/>
+          </a:ln>
+          <a:extLst>
+            <a:ext uri="{C572A759-6A51-4108-AA02-DFA0A04FC94B}">
+              <ma14:wrappingTextBoxFlag xmlns="" xmlns:m="http://schemas.openxmlformats.org/officeDocument/2006/math" xmlns:a14="http://schemas.microsoft.com/office/drawing/2010/main" xmlns:ma14="http://schemas.microsoft.com/office/mac/drawingml/2011/main" val="1"/>
+            </a:ext>
+          </a:extLst>
+        </p:spPr>
+        <p:txBody>
+          <a:bodyPr wrap="none" lIns="45719" rIns="45719">
+            <a:spAutoFit/>
+          </a:bodyPr>
+          <a:lstStyle>
+            <a:lvl1pPr>
+              <a:defRPr>
+                <a:solidFill>
+                  <a:schemeClr val="accent1">
+                    <a:lumOff val="12156"/>
+                  </a:schemeClr>
+                </a:solidFill>
+              </a:defRPr>
+            </a:lvl1pPr>
+          </a:lstStyle>
+          <a:p>
+            <a:r>
+              <a:t>Ada</a:t>
+            </a:r>
+          </a:p>
+        </p:txBody>
+      </p:sp>
+      <p:pic>
+        <p:nvPicPr>
+          <p:cNvPr id="365" name="Screenshot 2024-03-03 at 9.16.16 PM.png" descr="Screenshot 2024-03-03 at 9.16.16 PM.png"/>
+          <p:cNvPicPr>
+            <a:picLocks noChangeAspect="1"/>
+          </p:cNvPicPr>
+          <p:nvPr/>
+        </p:nvPicPr>
+        <p:blipFill>
+          <a:blip r:embed="rId5"/>
+          <a:stretch>
+            <a:fillRect/>
+          </a:stretch>
+        </p:blipFill>
+        <p:spPr>
+          <a:xfrm>
+            <a:off x="1346223" y="4639514"/>
+            <a:ext cx="3699944" cy="1646431"/>
+          </a:xfrm>
+          <a:prstGeom prst="rect">
+            <a:avLst/>
+          </a:prstGeom>
+          <a:ln w="12700">
+            <a:miter lim="400000"/>
+          </a:ln>
+        </p:spPr>
+      </p:pic>
+      <p:pic>
+        <p:nvPicPr>
+          <p:cNvPr id="366" name="conf_matrix.png" descr="conf_matrix.png"/>
+          <p:cNvPicPr>
+            <a:picLocks noChangeAspect="1"/>
+          </p:cNvPicPr>
+          <p:nvPr/>
+        </p:nvPicPr>
+        <p:blipFill>
+          <a:blip r:embed="rId6"/>
+          <a:stretch>
+            <a:fillRect/>
+          </a:stretch>
+        </p:blipFill>
+        <p:spPr>
+          <a:xfrm>
+            <a:off x="6999449" y="4496540"/>
+            <a:ext cx="3141431" cy="2326325"/>
           </a:xfrm>
           <a:prstGeom prst="rect">
             <a:avLst/>
@@ -14999,7 +14950,7 @@
       </p:grpSpPr>
       <p:sp>
         <p:nvSpPr>
-          <p:cNvPr id="400" name="Title 1"/>
+          <p:cNvPr id="368" name="Training by Teams"/>
           <p:cNvSpPr txBox="1">
             <a:spLocks noGrp="1"/>
           </p:cNvSpPr>
@@ -15009,32 +14960,76 @@
         </p:nvSpPr>
         <p:spPr>
           <a:xfrm>
-            <a:off x="1155031" y="72511"/>
-            <a:ext cx="8568250" cy="1069848"/>
-          </a:xfrm>
-          <a:prstGeom prst="rect">
-            <a:avLst/>
-          </a:prstGeom>
-        </p:spPr>
-        <p:txBody>
-          <a:bodyPr>
-            <a:normAutofit fontScale="90000"/>
-          </a:bodyPr>
+            <a:off x="2228088" y="175394"/>
+            <a:ext cx="7735824" cy="575251"/>
+          </a:xfrm>
+          <a:prstGeom prst="rect">
+            <a:avLst/>
+          </a:prstGeom>
+        </p:spPr>
+        <p:txBody>
+          <a:bodyPr/>
           <a:lstStyle>
-            <a:lvl1pPr defTabSz="841247">
-              <a:defRPr sz="3680" spc="552"/>
+            <a:lvl1pPr>
+              <a:defRPr sz="3300" spc="495"/>
             </a:lvl1pPr>
           </a:lstStyle>
           <a:p>
             <a:r>
-              <a:t>Difference in qb elo when team 2 wins</a:t>
+              <a:t>Training by Teams</a:t>
+            </a:r>
+          </a:p>
+        </p:txBody>
+      </p:sp>
+      <p:sp>
+        <p:nvSpPr>
+          <p:cNvPr id="369" name="Grouped teams with more than 500 games and ran the model to fit and predict individual Home teams and Visiting teams.…"/>
+          <p:cNvSpPr txBox="1">
+            <a:spLocks noGrp="1"/>
+          </p:cNvSpPr>
+          <p:nvPr>
+            <p:ph type="body" sz="quarter" idx="1"/>
+          </p:nvPr>
+        </p:nvSpPr>
+        <p:spPr>
+          <a:xfrm>
+            <a:off x="2119409" y="1082005"/>
+            <a:ext cx="7735825" cy="1133857"/>
+          </a:xfrm>
+          <a:prstGeom prst="rect">
+            <a:avLst/>
+          </a:prstGeom>
+        </p:spPr>
+        <p:txBody>
+          <a:bodyPr/>
+          <a:lstStyle/>
+          <a:p>
+            <a:pPr defTabSz="886968">
+              <a:spcBef>
+                <a:spcPts val="900"/>
+              </a:spcBef>
+              <a:defRPr sz="1746"/>
+            </a:pPr>
+            <a:r>
+              <a:t>Grouped teams with more than 500 games and ran the model to fit and predict individual Home teams and Visiting teams. </a:t>
+            </a:r>
+          </a:p>
+          <a:p>
+            <a:pPr defTabSz="886968">
+              <a:spcBef>
+                <a:spcPts val="900"/>
+              </a:spcBef>
+              <a:defRPr sz="1746"/>
+            </a:pPr>
+            <a:r>
+              <a:t>The accuracy is better when it is by team, considering the data and features.</a:t>
             </a:r>
           </a:p>
         </p:txBody>
       </p:sp>
       <p:pic>
         <p:nvPicPr>
-          <p:cNvPr id="401" name="Picture 3" descr="Picture 3"/>
+          <p:cNvPr id="370" name="HomeTeamsAccuracy.png" descr="HomeTeamsAccuracy.png"/>
           <p:cNvPicPr>
             <a:picLocks noChangeAspect="1"/>
           </p:cNvPicPr>
@@ -15048,8 +15043,35 @@
         </p:blipFill>
         <p:spPr>
           <a:xfrm>
-            <a:off x="1641978" y="1564554"/>
-            <a:ext cx="8701558" cy="5220936"/>
+            <a:off x="425497" y="2470371"/>
+            <a:ext cx="5096704" cy="3297868"/>
+          </a:xfrm>
+          <a:prstGeom prst="rect">
+            <a:avLst/>
+          </a:prstGeom>
+          <a:ln w="12700">
+            <a:miter lim="400000"/>
+          </a:ln>
+        </p:spPr>
+      </p:pic>
+      <p:pic>
+        <p:nvPicPr>
+          <p:cNvPr id="371" name="VisitingTeamsAccuracy.png" descr="VisitingTeamsAccuracy.png"/>
+          <p:cNvPicPr>
+            <a:picLocks noChangeAspect="1"/>
+          </p:cNvPicPr>
+          <p:nvPr/>
+        </p:nvPicPr>
+        <p:blipFill>
+          <a:blip r:embed="rId3"/>
+          <a:stretch>
+            <a:fillRect/>
+          </a:stretch>
+        </p:blipFill>
+        <p:spPr>
+          <a:xfrm>
+            <a:off x="6750842" y="2470371"/>
+            <a:ext cx="5096704" cy="3297868"/>
           </a:xfrm>
           <a:prstGeom prst="rect">
             <a:avLst/>
@@ -15087,7 +15109,7 @@
       </p:grpSpPr>
       <p:sp>
         <p:nvSpPr>
-          <p:cNvPr id="403" name="Title 1"/>
+          <p:cNvPr id="373" name="Title 1"/>
           <p:cNvSpPr txBox="1">
             <a:spLocks noGrp="1"/>
           </p:cNvSpPr>
@@ -15105,48 +15127,126 @@
           </a:prstGeom>
         </p:spPr>
         <p:txBody>
-          <a:bodyPr>
-            <a:normAutofit fontScale="90000"/>
-          </a:bodyPr>
-          <a:lstStyle>
-            <a:lvl1pPr defTabSz="841247">
-              <a:defRPr sz="3680" spc="552"/>
-            </a:lvl1pPr>
-          </a:lstStyle>
-          <a:p>
-            <a:r>
-              <a:t>Qb adjusted elo difference vs winner</a:t>
-            </a:r>
-          </a:p>
-        </p:txBody>
-      </p:sp>
-      <p:pic>
-        <p:nvPicPr>
-          <p:cNvPr id="404" name="Picture 3" descr="Picture 3"/>
-          <p:cNvPicPr>
-            <a:picLocks noChangeAspect="1"/>
-          </p:cNvPicPr>
-          <p:nvPr/>
-        </p:nvPicPr>
-        <p:blipFill>
-          <a:blip r:embed="rId2"/>
-          <a:stretch>
-            <a:fillRect/>
-          </a:stretch>
-        </p:blipFill>
-        <p:spPr>
-          <a:xfrm>
-            <a:off x="1523990" y="1299077"/>
-            <a:ext cx="9144019" cy="5486412"/>
-          </a:xfrm>
-          <a:prstGeom prst="rect">
-            <a:avLst/>
-          </a:prstGeom>
-          <a:ln w="12700">
-            <a:miter lim="400000"/>
-          </a:ln>
-        </p:spPr>
-      </p:pic>
+          <a:bodyPr/>
+          <a:lstStyle/>
+          <a:p>
+            <a:r>
+              <a:t>Analysis and conclusion</a:t>
+            </a:r>
+          </a:p>
+        </p:txBody>
+      </p:sp>
+      <p:sp>
+        <p:nvSpPr>
+          <p:cNvPr id="374" name="Subtitle 2"/>
+          <p:cNvSpPr txBox="1">
+            <a:spLocks noGrp="1"/>
+          </p:cNvSpPr>
+          <p:nvPr>
+            <p:ph type="body" idx="1"/>
+          </p:nvPr>
+        </p:nvSpPr>
+        <p:spPr>
+          <a:xfrm>
+            <a:off x="505325" y="1259304"/>
+            <a:ext cx="11269579" cy="5430255"/>
+          </a:xfrm>
+          <a:prstGeom prst="rect">
+            <a:avLst/>
+          </a:prstGeom>
+        </p:spPr>
+        <p:txBody>
+          <a:bodyPr/>
+          <a:lstStyle/>
+          <a:p>
+            <a:pPr marL="342900" indent="-342900" algn="l">
+              <a:buClr>
+                <a:schemeClr val="accent6"/>
+              </a:buClr>
+              <a:buSzPct val="100000"/>
+              <a:buFont typeface="Arial"/>
+              <a:buChar char="•"/>
+              <a:defRPr sz="2400"/>
+            </a:pPr>
+            <a:r>
+              <a:rPr dirty="0"/>
+              <a:t>Analysis shows – Team or Quarterback with higher ELO had higher or better chance of victory.</a:t>
+            </a:r>
+          </a:p>
+          <a:p>
+            <a:pPr marL="342900" indent="-342900" algn="l">
+              <a:buClr>
+                <a:schemeClr val="accent6"/>
+              </a:buClr>
+              <a:buSzPct val="100000"/>
+              <a:buFont typeface="Arial"/>
+              <a:buChar char="•"/>
+              <a:defRPr sz="2400"/>
+            </a:pPr>
+            <a:r>
+              <a:rPr dirty="0"/>
+              <a:t>Definite shift right for Team 1 if the ELO is higher.</a:t>
+            </a:r>
+          </a:p>
+          <a:p>
+            <a:pPr marL="342900" indent="-342900" algn="l">
+              <a:buClr>
+                <a:schemeClr val="accent6"/>
+              </a:buClr>
+              <a:buSzPct val="100000"/>
+              <a:buFont typeface="Arial"/>
+              <a:buChar char="•"/>
+              <a:defRPr sz="2400"/>
+            </a:pPr>
+            <a:r>
+              <a:rPr dirty="0"/>
+              <a:t>Anyone could win the game regardless.</a:t>
+            </a:r>
+          </a:p>
+          <a:p>
+            <a:pPr marL="342900" indent="-342900" algn="l">
+              <a:buClr>
+                <a:schemeClr val="accent6"/>
+              </a:buClr>
+              <a:buSzPct val="100000"/>
+              <a:buFont typeface="Arial"/>
+              <a:buChar char="•"/>
+              <a:defRPr sz="2400"/>
+            </a:pPr>
+            <a:endParaRPr dirty="0"/>
+          </a:p>
+          <a:p>
+            <a:pPr marL="342900" indent="-342900" algn="l">
+              <a:buClr>
+                <a:schemeClr val="accent6"/>
+              </a:buClr>
+              <a:buSzPct val="100000"/>
+              <a:buFont typeface="Arial"/>
+              <a:buChar char="•"/>
+              <a:defRPr sz="2400"/>
+            </a:pPr>
+            <a:r>
+              <a:rPr dirty="0"/>
+              <a:t>Game location – Was an influential factor.  Team 1 won slightly more often than the away team.</a:t>
+            </a:r>
+          </a:p>
+          <a:p>
+            <a:pPr marL="342900" indent="-342900" algn="l">
+              <a:buClr>
+                <a:schemeClr val="accent6"/>
+              </a:buClr>
+              <a:buSzPct val="100000"/>
+              <a:buFont typeface="Arial"/>
+              <a:buChar char="•"/>
+              <a:defRPr sz="2400"/>
+            </a:pPr>
+            <a:r>
+              <a:rPr dirty="0"/>
+              <a:t>Referee involvement revealed – Joe?</a:t>
+            </a:r>
+          </a:p>
+        </p:txBody>
+      </p:sp>
     </p:spTree>
   </p:cSld>
   <p:clrMapOvr>
@@ -15175,7 +15275,7 @@
       </p:grpSpPr>
       <p:sp>
         <p:nvSpPr>
-          <p:cNvPr id="406" name="Title 1"/>
+          <p:cNvPr id="376" name="Title 1"/>
           <p:cNvSpPr txBox="1">
             <a:spLocks noGrp="1"/>
           </p:cNvSpPr>
@@ -15197,38 +15297,77 @@
           <a:lstStyle/>
           <a:p>
             <a:r>
-              <a:t>Difference in qb elo</a:t>
-            </a:r>
-          </a:p>
-        </p:txBody>
-      </p:sp>
-      <p:pic>
-        <p:nvPicPr>
-          <p:cNvPr id="407" name="Picture 3" descr="Picture 3"/>
-          <p:cNvPicPr>
-            <a:picLocks noChangeAspect="1"/>
-          </p:cNvPicPr>
-          <p:nvPr/>
-        </p:nvPicPr>
-        <p:blipFill>
-          <a:blip r:embed="rId2"/>
-          <a:stretch>
-            <a:fillRect/>
-          </a:stretch>
-        </p:blipFill>
-        <p:spPr>
-          <a:xfrm>
-            <a:off x="1523990" y="1299077"/>
-            <a:ext cx="9144019" cy="5486412"/>
-          </a:xfrm>
-          <a:prstGeom prst="rect">
-            <a:avLst/>
-          </a:prstGeom>
-          <a:ln w="12700">
-            <a:miter lim="400000"/>
-          </a:ln>
-        </p:spPr>
-      </p:pic>
+              <a:t>Analysis and conclusion</a:t>
+            </a:r>
+          </a:p>
+        </p:txBody>
+      </p:sp>
+      <p:sp>
+        <p:nvSpPr>
+          <p:cNvPr id="377" name="Subtitle 2"/>
+          <p:cNvSpPr txBox="1">
+            <a:spLocks noGrp="1"/>
+          </p:cNvSpPr>
+          <p:nvPr>
+            <p:ph type="body" idx="1"/>
+          </p:nvPr>
+        </p:nvSpPr>
+        <p:spPr>
+          <a:xfrm>
+            <a:off x="505325" y="1259304"/>
+            <a:ext cx="11269579" cy="5430255"/>
+          </a:xfrm>
+          <a:prstGeom prst="rect">
+            <a:avLst/>
+          </a:prstGeom>
+        </p:spPr>
+        <p:txBody>
+          <a:bodyPr/>
+          <a:lstStyle/>
+          <a:p>
+            <a:pPr marL="342900" indent="-342900" algn="l">
+              <a:buClr>
+                <a:schemeClr val="accent6"/>
+              </a:buClr>
+              <a:buSzPct val="100000"/>
+              <a:buFont typeface="Arial"/>
+              <a:buChar char="•"/>
+              <a:defRPr sz="2400"/>
+            </a:pPr>
+            <a:r>
+              <a:t>Although the accuracy scores never achieved over 68.5 there is consistency in the predictive outcome of the head-to-head match based on teams and quarterback ELO scores, and home field advantage.  </a:t>
+            </a:r>
+          </a:p>
+          <a:p>
+            <a:pPr marL="342900" indent="-342900" algn="l">
+              <a:buClr>
+                <a:schemeClr val="accent6"/>
+              </a:buClr>
+              <a:buSzPct val="100000"/>
+              <a:buFont typeface="Arial"/>
+              <a:buChar char="•"/>
+              <a:defRPr sz="2400"/>
+            </a:pPr>
+            <a:r>
+              <a:t>Higher scores in each category resulted in a “win” for that team.  </a:t>
+            </a:r>
+          </a:p>
+          <a:p>
+            <a:pPr marL="342900" indent="-342900" algn="l">
+              <a:buClr>
+                <a:schemeClr val="accent6"/>
+              </a:buClr>
+              <a:buSzPct val="100000"/>
+              <a:buFont typeface="Arial"/>
+              <a:buChar char="•"/>
+              <a:defRPr sz="2400"/>
+            </a:pPr>
+            <a:r>
+              <a:t>Referee favorability resulted in X and should be an individual contributing factor. Joe?</a:t>
+            </a:r>
+          </a:p>
+        </p:txBody>
+      </p:sp>
     </p:spTree>
   </p:cSld>
   <p:clrMapOvr>
@@ -15257,7 +15396,7 @@
       </p:grpSpPr>
       <p:sp>
         <p:nvSpPr>
-          <p:cNvPr id="409" name="Title 1"/>
+          <p:cNvPr id="419" name="Title 1"/>
           <p:cNvSpPr txBox="1">
             <a:spLocks noGrp="1"/>
           </p:cNvSpPr>
@@ -15268,7 +15407,7 @@
         <p:spPr>
           <a:xfrm>
             <a:off x="1155031" y="72511"/>
-            <a:ext cx="9984918" cy="1069848"/>
+            <a:ext cx="8568250" cy="1069848"/>
           </a:xfrm>
           <a:prstGeom prst="rect">
             <a:avLst/>
@@ -15276,45 +15415,14 @@
         </p:spPr>
         <p:txBody>
           <a:bodyPr/>
-          <a:lstStyle>
-            <a:lvl1pPr>
-              <a:defRPr sz="3200"/>
-            </a:lvl1pPr>
-          </a:lstStyle>
-          <a:p>
-            <a:r>
-              <a:t>Qb adjusted for elo team 1 win probability vs actual winner</a:t>
-            </a:r>
-          </a:p>
-        </p:txBody>
-      </p:sp>
-      <p:pic>
-        <p:nvPicPr>
-          <p:cNvPr id="410" name="Picture 3" descr="Picture 3"/>
-          <p:cNvPicPr>
-            <a:picLocks noChangeAspect="1"/>
-          </p:cNvPicPr>
-          <p:nvPr/>
-        </p:nvPicPr>
-        <p:blipFill>
-          <a:blip r:embed="rId2"/>
-          <a:stretch>
-            <a:fillRect/>
-          </a:stretch>
-        </p:blipFill>
-        <p:spPr>
-          <a:xfrm>
-            <a:off x="1523990" y="1371588"/>
-            <a:ext cx="9144019" cy="5486412"/>
-          </a:xfrm>
-          <a:prstGeom prst="rect">
-            <a:avLst/>
-          </a:prstGeom>
-          <a:ln w="12700">
-            <a:miter lim="400000"/>
-          </a:ln>
-        </p:spPr>
-      </p:pic>
+          <a:lstStyle/>
+          <a:p>
+            <a:r>
+              <a:t>Graph Placeholder</a:t>
+            </a:r>
+          </a:p>
+        </p:txBody>
+      </p:sp>
     </p:spTree>
   </p:cSld>
   <p:clrMapOvr>
@@ -15343,7 +15451,7 @@
       </p:grpSpPr>
       <p:sp>
         <p:nvSpPr>
-          <p:cNvPr id="412" name="Title 1"/>
+          <p:cNvPr id="421" name="Title 1"/>
           <p:cNvSpPr txBox="1">
             <a:spLocks noGrp="1"/>
           </p:cNvSpPr>
@@ -15354,7 +15462,7 @@
         <p:spPr>
           <a:xfrm>
             <a:off x="1155031" y="72511"/>
-            <a:ext cx="10063576" cy="1069848"/>
+            <a:ext cx="10152065" cy="1069848"/>
           </a:xfrm>
           <a:prstGeom prst="rect">
             <a:avLst/>
@@ -15362,45 +15470,14 @@
         </p:spPr>
         <p:txBody>
           <a:bodyPr/>
-          <a:lstStyle>
-            <a:lvl1pPr>
-              <a:defRPr sz="2800"/>
-            </a:lvl1pPr>
-          </a:lstStyle>
-          <a:p>
-            <a:r>
-              <a:t>Qb adjusted elo team 1 wins probability vs actual winner</a:t>
-            </a:r>
-          </a:p>
-        </p:txBody>
-      </p:sp>
-      <p:pic>
-        <p:nvPicPr>
-          <p:cNvPr id="413" name="Picture 3" descr="Picture 3"/>
-          <p:cNvPicPr>
-            <a:picLocks noChangeAspect="1"/>
-          </p:cNvPicPr>
-          <p:nvPr/>
-        </p:nvPicPr>
-        <p:blipFill>
-          <a:blip r:embed="rId2"/>
-          <a:stretch>
-            <a:fillRect/>
-          </a:stretch>
-        </p:blipFill>
-        <p:spPr>
-          <a:xfrm>
-            <a:off x="1523990" y="1299077"/>
-            <a:ext cx="9144019" cy="5486412"/>
-          </a:xfrm>
-          <a:prstGeom prst="rect">
-            <a:avLst/>
-          </a:prstGeom>
-          <a:ln w="12700">
-            <a:miter lim="400000"/>
-          </a:ln>
-        </p:spPr>
-      </p:pic>
+          <a:lstStyle/>
+          <a:p>
+            <a:r>
+              <a:t>Graph placeholder</a:t>
+            </a:r>
+          </a:p>
+        </p:txBody>
+      </p:sp>
     </p:spTree>
   </p:cSld>
   <p:clrMapOvr>
@@ -15429,7 +15506,7 @@
       </p:grpSpPr>
       <p:sp>
         <p:nvSpPr>
-          <p:cNvPr id="415" name="Title 1"/>
+          <p:cNvPr id="423" name="Title 1"/>
           <p:cNvSpPr txBox="1">
             <a:spLocks noGrp="1"/>
           </p:cNvSpPr>
@@ -15440,7 +15517,7 @@
         <p:spPr>
           <a:xfrm>
             <a:off x="1155031" y="72511"/>
-            <a:ext cx="9837433" cy="1069848"/>
+            <a:ext cx="10004581" cy="1069848"/>
           </a:xfrm>
           <a:prstGeom prst="rect">
             <a:avLst/>
@@ -15448,72 +15525,14 @@
         </p:spPr>
         <p:txBody>
           <a:bodyPr/>
-          <a:lstStyle>
-            <a:lvl1pPr>
-              <a:defRPr sz="2800"/>
-            </a:lvl1pPr>
-          </a:lstStyle>
-          <a:p>
-            <a:r>
-              <a:t>Qb adjusted elo team 2 wins probability vs actual winner</a:t>
-            </a:r>
-          </a:p>
-        </p:txBody>
-      </p:sp>
-      <p:pic>
-        <p:nvPicPr>
-          <p:cNvPr id="416" name="Picture 3" descr="Picture 3"/>
-          <p:cNvPicPr>
-            <a:picLocks noChangeAspect="1"/>
-          </p:cNvPicPr>
-          <p:nvPr/>
-        </p:nvPicPr>
-        <p:blipFill>
-          <a:blip r:embed="rId2"/>
-          <a:stretch>
-            <a:fillRect/>
-          </a:stretch>
-        </p:blipFill>
-        <p:spPr>
-          <a:xfrm>
-            <a:off x="2005771" y="1826342"/>
-            <a:ext cx="7914979" cy="4748987"/>
-          </a:xfrm>
-          <a:prstGeom prst="rect">
-            <a:avLst/>
-          </a:prstGeom>
-          <a:ln w="12700">
-            <a:miter lim="400000"/>
-          </a:ln>
-        </p:spPr>
-      </p:pic>
-      <p:pic>
-        <p:nvPicPr>
-          <p:cNvPr id="417" name="Picture 5" descr="Picture 5"/>
-          <p:cNvPicPr>
-            <a:picLocks noChangeAspect="1"/>
-          </p:cNvPicPr>
-          <p:nvPr/>
-        </p:nvPicPr>
-        <p:blipFill>
-          <a:blip r:embed="rId3"/>
-          <a:stretch>
-            <a:fillRect/>
-          </a:stretch>
-        </p:blipFill>
-        <p:spPr>
-          <a:xfrm>
-            <a:off x="1523990" y="1299077"/>
-            <a:ext cx="9144019" cy="5486411"/>
-          </a:xfrm>
-          <a:prstGeom prst="rect">
-            <a:avLst/>
-          </a:prstGeom>
-          <a:ln w="12700">
-            <a:miter lim="400000"/>
-          </a:ln>
-        </p:spPr>
-      </p:pic>
+          <a:lstStyle/>
+          <a:p>
+            <a:r>
+              <a:t>Graph placeholder</a:t>
+            </a:r>
+          </a:p>
+        </p:txBody>
+      </p:sp>
     </p:spTree>
   </p:cSld>
   <p:clrMapOvr>
@@ -15542,7 +15561,7 @@
       </p:grpSpPr>
       <p:sp>
         <p:nvSpPr>
-          <p:cNvPr id="419" name="Title 1"/>
+          <p:cNvPr id="425" name="Title 1"/>
           <p:cNvSpPr txBox="1">
             <a:spLocks noGrp="1"/>
           </p:cNvSpPr>
@@ -15564,7 +15583,7 @@
           <a:lstStyle/>
           <a:p>
             <a:r>
-              <a:t>Graph Placeholder</a:t>
+              <a:t>Graph - placeholder</a:t>
             </a:r>
           </a:p>
         </p:txBody>
@@ -15597,7 +15616,7 @@
       </p:grpSpPr>
       <p:sp>
         <p:nvSpPr>
-          <p:cNvPr id="421" name="Title 1"/>
+          <p:cNvPr id="427" name="Title 1"/>
           <p:cNvSpPr txBox="1">
             <a:spLocks noGrp="1"/>
           </p:cNvSpPr>
@@ -15607,8 +15626,8 @@
         </p:nvSpPr>
         <p:spPr>
           <a:xfrm>
-            <a:off x="1155031" y="72511"/>
-            <a:ext cx="10152065" cy="1069848"/>
+            <a:off x="1987455" y="72511"/>
+            <a:ext cx="8776797" cy="1069848"/>
           </a:xfrm>
           <a:prstGeom prst="rect">
             <a:avLst/>
@@ -15619,8 +15638,48 @@
           <a:lstStyle/>
           <a:p>
             <a:r>
-              <a:t>Graph placeholder</a:t>
-            </a:r>
+              <a:t>Findings and implications</a:t>
+            </a:r>
+          </a:p>
+        </p:txBody>
+      </p:sp>
+      <p:sp>
+        <p:nvSpPr>
+          <p:cNvPr id="428" name="Subtitle 2"/>
+          <p:cNvSpPr txBox="1">
+            <a:spLocks noGrp="1"/>
+          </p:cNvSpPr>
+          <p:nvPr>
+            <p:ph type="body" idx="1"/>
+          </p:nvPr>
+        </p:nvSpPr>
+        <p:spPr>
+          <a:xfrm>
+            <a:off x="505325" y="1259304"/>
+            <a:ext cx="11269579" cy="5430255"/>
+          </a:xfrm>
+          <a:prstGeom prst="rect">
+            <a:avLst/>
+          </a:prstGeom>
+        </p:spPr>
+        <p:txBody>
+          <a:bodyPr/>
+          <a:lstStyle>
+            <a:lvl1pPr>
+              <a:defRPr sz="2800">
+                <a:solidFill>
+                  <a:srgbClr val="CCCCCC"/>
+                </a:solidFill>
+                <a:latin typeface="Consolas"/>
+                <a:ea typeface="Consolas"/>
+                <a:cs typeface="Consolas"/>
+                <a:sym typeface="Consolas"/>
+              </a:defRPr>
+            </a:lvl1pPr>
+          </a:lstStyle>
+          <a:p>
+            <a:br/>
+            <a:endParaRPr/>
           </a:p>
         </p:txBody>
       </p:sp>
@@ -15652,7 +15711,7 @@
       </p:grpSpPr>
       <p:sp>
         <p:nvSpPr>
-          <p:cNvPr id="423" name="Title 1"/>
+          <p:cNvPr id="430" name="Title 1"/>
           <p:cNvSpPr txBox="1">
             <a:spLocks noGrp="1"/>
           </p:cNvSpPr>
@@ -15662,8 +15721,8 @@
         </p:nvSpPr>
         <p:spPr>
           <a:xfrm>
-            <a:off x="1155031" y="72511"/>
-            <a:ext cx="10004581" cy="1069848"/>
+            <a:off x="1987455" y="72511"/>
+            <a:ext cx="8937220" cy="1069848"/>
           </a:xfrm>
           <a:prstGeom prst="rect">
             <a:avLst/>
@@ -15674,7 +15733,109 @@
           <a:lstStyle/>
           <a:p>
             <a:r>
-              <a:t>Graph placeholder</a:t>
+              <a:t>Software version control</a:t>
+            </a:r>
+          </a:p>
+        </p:txBody>
+      </p:sp>
+      <p:sp>
+        <p:nvSpPr>
+          <p:cNvPr id="431" name="Subtitle 2"/>
+          <p:cNvSpPr txBox="1">
+            <a:spLocks noGrp="1"/>
+          </p:cNvSpPr>
+          <p:nvPr>
+            <p:ph type="body" idx="1"/>
+          </p:nvPr>
+        </p:nvSpPr>
+        <p:spPr>
+          <a:xfrm>
+            <a:off x="505325" y="1259304"/>
+            <a:ext cx="11269579" cy="5430255"/>
+          </a:xfrm>
+          <a:prstGeom prst="rect">
+            <a:avLst/>
+          </a:prstGeom>
+        </p:spPr>
+        <p:txBody>
+          <a:bodyPr/>
+          <a:lstStyle/>
+          <a:p>
+            <a:pPr marL="457200" indent="-457200" algn="l">
+              <a:buClr>
+                <a:schemeClr val="accent6"/>
+              </a:buClr>
+              <a:buSzPct val="100000"/>
+              <a:buFont typeface="Arial"/>
+              <a:buChar char="•"/>
+              <a:defRPr sz="2800">
+                <a:solidFill>
+                  <a:srgbClr val="CCCCCC"/>
+                </a:solidFill>
+                <a:latin typeface="Consolas"/>
+                <a:ea typeface="Consolas"/>
+                <a:cs typeface="Consolas"/>
+                <a:sym typeface="Consolas"/>
+              </a:defRPr>
+            </a:pPr>
+            <a:r>
+              <a:rPr dirty="0">
+                <a:latin typeface="Segoe UI Light" panose="020B0502040204020203" pitchFamily="34" charset="0"/>
+                <a:cs typeface="Segoe UI Light" panose="020B0502040204020203" pitchFamily="34" charset="0"/>
+              </a:rPr>
+              <a:t>Created a GitHub repository.</a:t>
+            </a:r>
+          </a:p>
+          <a:p>
+            <a:pPr marL="457200" indent="-457200" algn="l">
+              <a:buClr>
+                <a:schemeClr val="accent6"/>
+              </a:buClr>
+              <a:buSzPct val="100000"/>
+              <a:buFont typeface="Arial"/>
+              <a:buChar char="•"/>
+              <a:defRPr sz="2800">
+                <a:solidFill>
+                  <a:srgbClr val="CCCCCC"/>
+                </a:solidFill>
+                <a:latin typeface="Consolas"/>
+                <a:ea typeface="Consolas"/>
+                <a:cs typeface="Consolas"/>
+                <a:sym typeface="Consolas"/>
+              </a:defRPr>
+            </a:pPr>
+            <a:r>
+              <a:rPr dirty="0">
+                <a:latin typeface="Segoe UI Light" panose="020B0502040204020203" pitchFamily="34" charset="0"/>
+                <a:cs typeface="Segoe UI Light" panose="020B0502040204020203" pitchFamily="34" charset="0"/>
+              </a:rPr>
+              <a:t>Members of the group added/edited to repository.</a:t>
+            </a:r>
+          </a:p>
+          <a:p>
+            <a:pPr marL="457200" indent="-457200" algn="l">
+              <a:buClr>
+                <a:schemeClr val="accent6"/>
+              </a:buClr>
+              <a:buSzPct val="100000"/>
+              <a:buFont typeface="Arial"/>
+              <a:buChar char="•"/>
+              <a:defRPr sz="2800">
+                <a:solidFill>
+                  <a:srgbClr val="CCCCCC"/>
+                </a:solidFill>
+                <a:latin typeface="Consolas"/>
+                <a:ea typeface="Consolas"/>
+                <a:cs typeface="Consolas"/>
+                <a:sym typeface="Consolas"/>
+              </a:defRPr>
+            </a:pPr>
+            <a:r>
+              <a:rPr dirty="0">
+                <a:latin typeface="Segoe UI Light" panose="020B0502040204020203" pitchFamily="34" charset="0"/>
+                <a:cs typeface="Segoe UI Light" panose="020B0502040204020203" pitchFamily="34" charset="0"/>
+              </a:rPr>
+              <a:t>Multiple files uploaded to repository by group members in support of findings.</a:t>
             </a:r>
           </a:p>
         </p:txBody>
@@ -15802,313 +15963,6 @@
       </p:grpSpPr>
       <p:sp>
         <p:nvSpPr>
-          <p:cNvPr id="425" name="Title 1"/>
-          <p:cNvSpPr txBox="1">
-            <a:spLocks noGrp="1"/>
-          </p:cNvSpPr>
-          <p:nvPr>
-            <p:ph type="title"/>
-          </p:nvPr>
-        </p:nvSpPr>
-        <p:spPr>
-          <a:xfrm>
-            <a:off x="1155031" y="72511"/>
-            <a:ext cx="8568250" cy="1069848"/>
-          </a:xfrm>
-          <a:prstGeom prst="rect">
-            <a:avLst/>
-          </a:prstGeom>
-        </p:spPr>
-        <p:txBody>
-          <a:bodyPr/>
-          <a:lstStyle/>
-          <a:p>
-            <a:r>
-              <a:t>Graph - placeholder</a:t>
-            </a:r>
-          </a:p>
-        </p:txBody>
-      </p:sp>
-    </p:spTree>
-  </p:cSld>
-  <p:clrMapOvr>
-    <a:masterClrMapping/>
-  </p:clrMapOvr>
-  <p:transition spd="med"/>
-</p:sld>
-</file>
-
-<file path=ppt/slides/slide31.xml><?xml version="1.0" encoding="utf-8"?>
-<p:sld xmlns:a="http://schemas.openxmlformats.org/drawingml/2006/main" xmlns:r="http://schemas.openxmlformats.org/officeDocument/2006/relationships" xmlns:p="http://schemas.openxmlformats.org/presentationml/2006/main">
-  <p:cSld>
-    <p:spTree>
-      <p:nvGrpSpPr>
-        <p:cNvPr id="1" name=""/>
-        <p:cNvGrpSpPr/>
-        <p:nvPr/>
-      </p:nvGrpSpPr>
-      <p:grpSpPr>
-        <a:xfrm>
-          <a:off x="0" y="0"/>
-          <a:ext cx="0" cy="0"/>
-          <a:chOff x="0" y="0"/>
-          <a:chExt cx="0" cy="0"/>
-        </a:xfrm>
-      </p:grpSpPr>
-      <p:sp>
-        <p:nvSpPr>
-          <p:cNvPr id="427" name="Title 1"/>
-          <p:cNvSpPr txBox="1">
-            <a:spLocks noGrp="1"/>
-          </p:cNvSpPr>
-          <p:nvPr>
-            <p:ph type="title"/>
-          </p:nvPr>
-        </p:nvSpPr>
-        <p:spPr>
-          <a:xfrm>
-            <a:off x="1987455" y="72511"/>
-            <a:ext cx="8776797" cy="1069848"/>
-          </a:xfrm>
-          <a:prstGeom prst="rect">
-            <a:avLst/>
-          </a:prstGeom>
-        </p:spPr>
-        <p:txBody>
-          <a:bodyPr/>
-          <a:lstStyle/>
-          <a:p>
-            <a:r>
-              <a:t>Findings and implications</a:t>
-            </a:r>
-          </a:p>
-        </p:txBody>
-      </p:sp>
-      <p:sp>
-        <p:nvSpPr>
-          <p:cNvPr id="428" name="Subtitle 2"/>
-          <p:cNvSpPr txBox="1">
-            <a:spLocks noGrp="1"/>
-          </p:cNvSpPr>
-          <p:nvPr>
-            <p:ph type="body" idx="1"/>
-          </p:nvPr>
-        </p:nvSpPr>
-        <p:spPr>
-          <a:xfrm>
-            <a:off x="505325" y="1259304"/>
-            <a:ext cx="11269579" cy="5430255"/>
-          </a:xfrm>
-          <a:prstGeom prst="rect">
-            <a:avLst/>
-          </a:prstGeom>
-        </p:spPr>
-        <p:txBody>
-          <a:bodyPr/>
-          <a:lstStyle>
-            <a:lvl1pPr>
-              <a:defRPr sz="2800">
-                <a:solidFill>
-                  <a:srgbClr val="CCCCCC"/>
-                </a:solidFill>
-                <a:latin typeface="Consolas"/>
-                <a:ea typeface="Consolas"/>
-                <a:cs typeface="Consolas"/>
-                <a:sym typeface="Consolas"/>
-              </a:defRPr>
-            </a:lvl1pPr>
-          </a:lstStyle>
-          <a:p>
-            <a:br/>
-            <a:endParaRPr/>
-          </a:p>
-        </p:txBody>
-      </p:sp>
-    </p:spTree>
-  </p:cSld>
-  <p:clrMapOvr>
-    <a:masterClrMapping/>
-  </p:clrMapOvr>
-  <p:transition spd="med"/>
-</p:sld>
-</file>
-
-<file path=ppt/slides/slide32.xml><?xml version="1.0" encoding="utf-8"?>
-<p:sld xmlns:a="http://schemas.openxmlformats.org/drawingml/2006/main" xmlns:r="http://schemas.openxmlformats.org/officeDocument/2006/relationships" xmlns:p="http://schemas.openxmlformats.org/presentationml/2006/main">
-  <p:cSld>
-    <p:spTree>
-      <p:nvGrpSpPr>
-        <p:cNvPr id="1" name=""/>
-        <p:cNvGrpSpPr/>
-        <p:nvPr/>
-      </p:nvGrpSpPr>
-      <p:grpSpPr>
-        <a:xfrm>
-          <a:off x="0" y="0"/>
-          <a:ext cx="0" cy="0"/>
-          <a:chOff x="0" y="0"/>
-          <a:chExt cx="0" cy="0"/>
-        </a:xfrm>
-      </p:grpSpPr>
-      <p:sp>
-        <p:nvSpPr>
-          <p:cNvPr id="430" name="Title 1"/>
-          <p:cNvSpPr txBox="1">
-            <a:spLocks noGrp="1"/>
-          </p:cNvSpPr>
-          <p:nvPr>
-            <p:ph type="title"/>
-          </p:nvPr>
-        </p:nvSpPr>
-        <p:spPr>
-          <a:xfrm>
-            <a:off x="1987455" y="72511"/>
-            <a:ext cx="8937220" cy="1069848"/>
-          </a:xfrm>
-          <a:prstGeom prst="rect">
-            <a:avLst/>
-          </a:prstGeom>
-        </p:spPr>
-        <p:txBody>
-          <a:bodyPr/>
-          <a:lstStyle/>
-          <a:p>
-            <a:r>
-              <a:t>Software version control</a:t>
-            </a:r>
-          </a:p>
-        </p:txBody>
-      </p:sp>
-      <p:sp>
-        <p:nvSpPr>
-          <p:cNvPr id="431" name="Subtitle 2"/>
-          <p:cNvSpPr txBox="1">
-            <a:spLocks noGrp="1"/>
-          </p:cNvSpPr>
-          <p:nvPr>
-            <p:ph type="body" idx="1"/>
-          </p:nvPr>
-        </p:nvSpPr>
-        <p:spPr>
-          <a:xfrm>
-            <a:off x="505325" y="1259304"/>
-            <a:ext cx="11269579" cy="5430255"/>
-          </a:xfrm>
-          <a:prstGeom prst="rect">
-            <a:avLst/>
-          </a:prstGeom>
-        </p:spPr>
-        <p:txBody>
-          <a:bodyPr/>
-          <a:lstStyle/>
-          <a:p>
-            <a:pPr marL="457200" indent="-457200" algn="l">
-              <a:buClr>
-                <a:schemeClr val="accent6"/>
-              </a:buClr>
-              <a:buSzPct val="100000"/>
-              <a:buFont typeface="Arial"/>
-              <a:buChar char="•"/>
-              <a:defRPr sz="2800">
-                <a:solidFill>
-                  <a:srgbClr val="CCCCCC"/>
-                </a:solidFill>
-                <a:latin typeface="Consolas"/>
-                <a:ea typeface="Consolas"/>
-                <a:cs typeface="Consolas"/>
-                <a:sym typeface="Consolas"/>
-              </a:defRPr>
-            </a:pPr>
-            <a:r>
-              <a:rPr dirty="0">
-                <a:latin typeface="Segoe UI Light" panose="020B0502040204020203" pitchFamily="34" charset="0"/>
-                <a:cs typeface="Segoe UI Light" panose="020B0502040204020203" pitchFamily="34" charset="0"/>
-              </a:rPr>
-              <a:t>Created a GitHub repository.</a:t>
-            </a:r>
-          </a:p>
-          <a:p>
-            <a:pPr marL="457200" indent="-457200" algn="l">
-              <a:buClr>
-                <a:schemeClr val="accent6"/>
-              </a:buClr>
-              <a:buSzPct val="100000"/>
-              <a:buFont typeface="Arial"/>
-              <a:buChar char="•"/>
-              <a:defRPr sz="2800">
-                <a:solidFill>
-                  <a:srgbClr val="CCCCCC"/>
-                </a:solidFill>
-                <a:latin typeface="Consolas"/>
-                <a:ea typeface="Consolas"/>
-                <a:cs typeface="Consolas"/>
-                <a:sym typeface="Consolas"/>
-              </a:defRPr>
-            </a:pPr>
-            <a:r>
-              <a:rPr dirty="0">
-                <a:latin typeface="Segoe UI Light" panose="020B0502040204020203" pitchFamily="34" charset="0"/>
-                <a:cs typeface="Segoe UI Light" panose="020B0502040204020203" pitchFamily="34" charset="0"/>
-              </a:rPr>
-              <a:t>Members of the group added/edited to repository.</a:t>
-            </a:r>
-          </a:p>
-          <a:p>
-            <a:pPr marL="457200" indent="-457200" algn="l">
-              <a:buClr>
-                <a:schemeClr val="accent6"/>
-              </a:buClr>
-              <a:buSzPct val="100000"/>
-              <a:buFont typeface="Arial"/>
-              <a:buChar char="•"/>
-              <a:defRPr sz="2800">
-                <a:solidFill>
-                  <a:srgbClr val="CCCCCC"/>
-                </a:solidFill>
-                <a:latin typeface="Consolas"/>
-                <a:ea typeface="Consolas"/>
-                <a:cs typeface="Consolas"/>
-                <a:sym typeface="Consolas"/>
-              </a:defRPr>
-            </a:pPr>
-            <a:r>
-              <a:rPr dirty="0">
-                <a:latin typeface="Segoe UI Light" panose="020B0502040204020203" pitchFamily="34" charset="0"/>
-                <a:cs typeface="Segoe UI Light" panose="020B0502040204020203" pitchFamily="34" charset="0"/>
-              </a:rPr>
-              <a:t>Multiple files uploaded to repository by group members in support of findings.</a:t>
-            </a:r>
-          </a:p>
-        </p:txBody>
-      </p:sp>
-    </p:spTree>
-  </p:cSld>
-  <p:clrMapOvr>
-    <a:masterClrMapping/>
-  </p:clrMapOvr>
-  <p:transition spd="med"/>
-</p:sld>
-</file>
-
-<file path=ppt/slides/slide33.xml><?xml version="1.0" encoding="utf-8"?>
-<p:sld xmlns:a="http://schemas.openxmlformats.org/drawingml/2006/main" xmlns:r="http://schemas.openxmlformats.org/officeDocument/2006/relationships" xmlns:p="http://schemas.openxmlformats.org/presentationml/2006/main">
-  <p:cSld>
-    <p:spTree>
-      <p:nvGrpSpPr>
-        <p:cNvPr id="1" name=""/>
-        <p:cNvGrpSpPr/>
-        <p:nvPr/>
-      </p:nvGrpSpPr>
-      <p:grpSpPr>
-        <a:xfrm>
-          <a:off x="0" y="0"/>
-          <a:ext cx="0" cy="0"/>
-          <a:chOff x="0" y="0"/>
-          <a:chExt cx="0" cy="0"/>
-        </a:xfrm>
-      </p:grpSpPr>
-      <p:sp>
-        <p:nvSpPr>
           <p:cNvPr id="433" name="Title 1"/>
           <p:cNvSpPr txBox="1">
             <a:spLocks noGrp="1"/>
@@ -16297,7 +16151,7 @@
 </p:sld>
 </file>
 
-<file path=ppt/slides/slide34.xml><?xml version="1.0" encoding="utf-8"?>
+<file path=ppt/slides/slide31.xml><?xml version="1.0" encoding="utf-8"?>
 <p:sld xmlns:a="http://schemas.openxmlformats.org/drawingml/2006/main" xmlns:r="http://schemas.openxmlformats.org/officeDocument/2006/relationships" xmlns:p="http://schemas.openxmlformats.org/presentationml/2006/main">
   <p:cSld>
     <p:spTree>
@@ -16565,7 +16419,7 @@
 </p:sld>
 </file>
 
-<file path=ppt/slides/slide35.xml><?xml version="1.0" encoding="utf-8"?>
+<file path=ppt/slides/slide32.xml><?xml version="1.0" encoding="utf-8"?>
 <p:sld xmlns:a="http://schemas.openxmlformats.org/drawingml/2006/main" xmlns:r="http://schemas.openxmlformats.org/officeDocument/2006/relationships" xmlns:p="http://schemas.openxmlformats.org/presentationml/2006/main">
   <p:cSld>
     <p:spTree>
@@ -17650,6 +17504,7 @@
               <a:defRPr sz="3168"/>
             </a:pPr>
             <a:r>
+              <a:rPr dirty="0"/>
               <a:t>Dataset content was relatively clean but needed minor adjustment.</a:t>
             </a:r>
           </a:p>
@@ -17667,6 +17522,7 @@
               <a:defRPr sz="3168"/>
             </a:pPr>
             <a:r>
+              <a:rPr dirty="0"/>
               <a:t>Instances where Team and Quarterback ELO 1 or 2 were null, the row was dropped.</a:t>
             </a:r>
           </a:p>
@@ -17684,6 +17540,7 @@
               <a:defRPr sz="3168"/>
             </a:pPr>
             <a:r>
+              <a:rPr dirty="0"/>
               <a:t>Dates were converted to datetime.</a:t>
             </a:r>
           </a:p>
@@ -17701,6 +17558,7 @@
               <a:defRPr sz="3168"/>
             </a:pPr>
             <a:r>
+              <a:rPr dirty="0"/>
               <a:t>Team and Quarterback ELO numbers were changed to floats.</a:t>
             </a:r>
           </a:p>
@@ -17718,6 +17576,7 @@
               <a:defRPr sz="3168"/>
             </a:pPr>
             <a:r>
+              <a:rPr dirty="0"/>
               <a:t>If no clear winner the data was removed – tie or not recorded.</a:t>
             </a:r>
           </a:p>
@@ -17735,6 +17594,7 @@
               <a:defRPr sz="3168"/>
             </a:pPr>
             <a:r>
+              <a:rPr dirty="0"/>
               <a:t>Dropped unnecessary columns.</a:t>
             </a:r>
           </a:p>
@@ -17768,7 +17628,7 @@
       </p:grpSpPr>
       <p:sp>
         <p:nvSpPr>
-          <p:cNvPr id="350" name="Modeling Approach"/>
+          <p:cNvPr id="382" name="Title 1"/>
           <p:cNvSpPr txBox="1">
             <a:spLocks noGrp="1"/>
           </p:cNvSpPr>
@@ -17778,8 +17638,8 @@
         </p:nvSpPr>
         <p:spPr>
           <a:xfrm>
-            <a:off x="2228088" y="213929"/>
-            <a:ext cx="7735824" cy="583510"/>
+            <a:off x="1155031" y="72511"/>
+            <a:ext cx="8568250" cy="1069848"/>
           </a:xfrm>
           <a:prstGeom prst="rect">
             <a:avLst/>
@@ -17787,52 +17647,17 @@
         </p:spPr>
         <p:txBody>
           <a:bodyPr/>
-          <a:lstStyle>
-            <a:lvl1pPr>
-              <a:defRPr sz="3300" spc="495"/>
-            </a:lvl1pPr>
-          </a:lstStyle>
-          <a:p>
-            <a:r>
-              <a:t>Modeling Approach</a:t>
-            </a:r>
-          </a:p>
-        </p:txBody>
-      </p:sp>
-      <p:sp>
-        <p:nvSpPr>
-          <p:cNvPr id="351" name="Processed data with all classification models from sklearn to see which model has better fit for this data."/>
-          <p:cNvSpPr txBox="1">
-            <a:spLocks noGrp="1"/>
-          </p:cNvSpPr>
-          <p:nvPr>
-            <p:ph type="body" sz="quarter" idx="1"/>
-          </p:nvPr>
-        </p:nvSpPr>
-        <p:spPr>
-          <a:xfrm>
-            <a:off x="2119409" y="1082005"/>
-            <a:ext cx="7735825" cy="806629"/>
-          </a:xfrm>
-          <a:prstGeom prst="rect">
-            <a:avLst/>
-          </a:prstGeom>
-        </p:spPr>
-        <p:txBody>
-          <a:bodyPr/>
-          <a:lstStyle>
-            <a:lvl1pPr algn="l"/>
-          </a:lstStyle>
-          <a:p>
-            <a:r>
-              <a:t>Processed data with all classification models from sklearn to see which model has better fit for this data. </a:t>
+          <a:lstStyle/>
+          <a:p>
+            <a:r>
+              <a:t>Decision Boundary</a:t>
             </a:r>
           </a:p>
         </p:txBody>
       </p:sp>
       <p:pic>
         <p:nvPicPr>
-          <p:cNvPr id="352" name="AllModels.png" descr="AllModels.png"/>
+          <p:cNvPr id="383" name="Picture 3" descr="Picture 3"/>
           <p:cNvPicPr>
             <a:picLocks noChangeAspect="1"/>
           </p:cNvPicPr>
@@ -17846,8 +17671,8 @@
         </p:blipFill>
         <p:spPr>
           <a:xfrm>
-            <a:off x="3213675" y="1877806"/>
-            <a:ext cx="5547292" cy="3233448"/>
+            <a:off x="1523990" y="1299077"/>
+            <a:ext cx="9144019" cy="5486412"/>
           </a:xfrm>
           <a:prstGeom prst="rect">
             <a:avLst/>
@@ -17857,81 +17682,6 @@
           </a:ln>
         </p:spPr>
       </p:pic>
-      <p:sp>
-        <p:nvSpPr>
-          <p:cNvPr id="353" name="All the models scored in the range of 60% - 65% score,  3 models highlighted in green scored almost same with train and test scores and others we overfit."/>
-          <p:cNvSpPr txBox="1"/>
-          <p:nvPr/>
-        </p:nvSpPr>
-        <p:spPr>
-          <a:xfrm>
-            <a:off x="2228088" y="5239035"/>
-            <a:ext cx="7735824" cy="806630"/>
-          </a:xfrm>
-          <a:prstGeom prst="rect">
-            <a:avLst/>
-          </a:prstGeom>
-          <a:ln w="12700">
-            <a:miter lim="400000"/>
-          </a:ln>
-          <a:extLst>
-            <a:ext uri="{C572A759-6A51-4108-AA02-DFA0A04FC94B}">
-              <ma14:wrappingTextBoxFlag xmlns:ma14="http://schemas.microsoft.com/office/mac/drawingml/2011/main" xmlns:a14="http://schemas.microsoft.com/office/drawing/2010/main" xmlns:m="http://schemas.openxmlformats.org/officeDocument/2006/math" xmlns="" val="1"/>
-            </a:ext>
-          </a:extLst>
-        </p:spPr>
-        <p:txBody>
-          <a:bodyPr lIns="45719" rIns="45719">
-            <a:normAutofit/>
-          </a:bodyPr>
-          <a:lstStyle>
-            <a:lvl1pPr defTabSz="877823">
-              <a:spcBef>
-                <a:spcPts val="900"/>
-              </a:spcBef>
-              <a:defRPr sz="1727">
-                <a:solidFill>
-                  <a:srgbClr val="FFFFFF"/>
-                </a:solidFill>
-              </a:defRPr>
-            </a:lvl1pPr>
-          </a:lstStyle>
-          <a:p>
-            <a:r>
-              <a:t>All the models scored in the range of 60% - 65% score,  3 models highlighted in green scored almost same with train and test scores and others we overfit. </a:t>
-            </a:r>
-          </a:p>
-        </p:txBody>
-      </p:sp>
-      <p:sp>
-        <p:nvSpPr>
-          <p:cNvPr id="354" name="Rectangle"/>
-          <p:cNvSpPr/>
-          <p:nvPr/>
-        </p:nvSpPr>
-        <p:spPr>
-          <a:xfrm>
-            <a:off x="3441352" y="2045208"/>
-            <a:ext cx="4361718" cy="1371511"/>
-          </a:xfrm>
-          <a:prstGeom prst="rect">
-            <a:avLst/>
-          </a:prstGeom>
-          <a:ln w="25400">
-            <a:solidFill>
-              <a:srgbClr val="1BEC20"/>
-            </a:solidFill>
-            <a:miter/>
-          </a:ln>
-        </p:spPr>
-        <p:txBody>
-          <a:bodyPr lIns="45719" rIns="45719" anchor="ctr"/>
-          <a:lstStyle/>
-          <a:p>
-            <a:endParaRPr/>
-          </a:p>
-        </p:txBody>
-      </p:sp>
     </p:spTree>
   </p:cSld>
   <p:clrMapOvr>

--- a/Project_2_Presentation.pptx
+++ b/Project_2_Presentation.pptx
@@ -5,7 +5,7 @@
     <p:sldMasterId id="2147483648" r:id="rId1"/>
   </p:sldMasterIdLst>
   <p:notesMasterIdLst>
-    <p:notesMasterId r:id="rId34"/>
+    <p:notesMasterId r:id="rId32"/>
   </p:notesMasterIdLst>
   <p:sldIdLst>
     <p:sldId id="256" r:id="rId2"/>
@@ -34,12 +34,10 @@
     <p:sldId id="282" r:id="rId25"/>
     <p:sldId id="283" r:id="rId26"/>
     <p:sldId id="284" r:id="rId27"/>
-    <p:sldId id="285" r:id="rId28"/>
-    <p:sldId id="286" r:id="rId29"/>
-    <p:sldId id="287" r:id="rId30"/>
-    <p:sldId id="288" r:id="rId31"/>
-    <p:sldId id="290" r:id="rId32"/>
-    <p:sldId id="289" r:id="rId33"/>
+    <p:sldId id="287" r:id="rId28"/>
+    <p:sldId id="288" r:id="rId29"/>
+    <p:sldId id="290" r:id="rId30"/>
+    <p:sldId id="289" r:id="rId31"/>
   </p:sldIdLst>
   <p:sldSz cx="12192000" cy="6858000"/>
   <p:notesSz cx="6858000" cy="9144000"/>
@@ -12234,7 +12232,7 @@
           </a:ln>
           <a:extLst>
             <a:ext uri="{C572A759-6A51-4108-AA02-DFA0A04FC94B}">
-              <ma14:wrappingTextBoxFlag xmlns="" xmlns:m="http://schemas.openxmlformats.org/officeDocument/2006/math" xmlns:a14="http://schemas.microsoft.com/office/drawing/2010/main" xmlns:ma14="http://schemas.microsoft.com/office/mac/drawingml/2011/main" val="1"/>
+              <ma14:wrappingTextBoxFlag xmlns:ma14="http://schemas.microsoft.com/office/mac/drawingml/2011/main" xmlns:a14="http://schemas.microsoft.com/office/drawing/2010/main" xmlns:m="http://schemas.openxmlformats.org/officeDocument/2006/math" xmlns="" val="1"/>
             </a:ext>
           </a:extLst>
         </p:spPr>
@@ -12316,7 +12314,7 @@
           </a:ln>
           <a:extLst>
             <a:ext uri="{C572A759-6A51-4108-AA02-DFA0A04FC94B}">
-              <ma14:wrappingTextBoxFlag xmlns="" xmlns:m="http://schemas.openxmlformats.org/officeDocument/2006/math" xmlns:a14="http://schemas.microsoft.com/office/drawing/2010/main" xmlns:ma14="http://schemas.microsoft.com/office/mac/drawingml/2011/main" val="1"/>
+              <ma14:wrappingTextBoxFlag xmlns:ma14="http://schemas.microsoft.com/office/mac/drawingml/2011/main" xmlns:a14="http://schemas.microsoft.com/office/drawing/2010/main" xmlns:m="http://schemas.openxmlformats.org/officeDocument/2006/math" xmlns="" val="1"/>
             </a:ext>
           </a:extLst>
         </p:spPr>
@@ -14177,7 +14175,7 @@
           </a:ln>
           <a:extLst>
             <a:ext uri="{C572A759-6A51-4108-AA02-DFA0A04FC94B}">
-              <ma14:wrappingTextBoxFlag xmlns="" xmlns:m="http://schemas.openxmlformats.org/officeDocument/2006/math" xmlns:a14="http://schemas.microsoft.com/office/drawing/2010/main" xmlns:ma14="http://schemas.microsoft.com/office/mac/drawingml/2011/main" val="1"/>
+              <ma14:wrappingTextBoxFlag xmlns:ma14="http://schemas.microsoft.com/office/mac/drawingml/2011/main" xmlns:a14="http://schemas.microsoft.com/office/drawing/2010/main" xmlns:m="http://schemas.openxmlformats.org/officeDocument/2006/math" xmlns="" val="1"/>
             </a:ext>
           </a:extLst>
         </p:spPr>
@@ -14308,7 +14306,7 @@
           </a:prstGeom>
           <a:extLst>
             <a:ext uri="{C572A759-6A51-4108-AA02-DFA0A04FC94B}">
-              <ma14:wrappingTextBoxFlag xmlns="" xmlns:m="http://schemas.openxmlformats.org/officeDocument/2006/math" xmlns:a14="http://schemas.microsoft.com/office/drawing/2010/main" xmlns:ma14="http://schemas.microsoft.com/office/mac/drawingml/2011/main" val="1"/>
+              <ma14:wrappingTextBoxFlag xmlns:ma14="http://schemas.microsoft.com/office/mac/drawingml/2011/main" xmlns:a14="http://schemas.microsoft.com/office/drawing/2010/main" xmlns:m="http://schemas.openxmlformats.org/officeDocument/2006/math" xmlns="" val="1"/>
             </a:ext>
           </a:extLst>
         </p:spPr>
@@ -14624,7 +14622,7 @@
           </a:ln>
           <a:extLst>
             <a:ext uri="{C572A759-6A51-4108-AA02-DFA0A04FC94B}">
-              <ma14:wrappingTextBoxFlag xmlns="" xmlns:m="http://schemas.openxmlformats.org/officeDocument/2006/math" xmlns:a14="http://schemas.microsoft.com/office/drawing/2010/main" xmlns:ma14="http://schemas.microsoft.com/office/mac/drawingml/2011/main" val="1"/>
+              <ma14:wrappingTextBoxFlag xmlns:ma14="http://schemas.microsoft.com/office/mac/drawingml/2011/main" xmlns:a14="http://schemas.microsoft.com/office/drawing/2010/main" xmlns:m="http://schemas.openxmlformats.org/officeDocument/2006/math" xmlns="" val="1"/>
             </a:ext>
           </a:extLst>
         </p:spPr>
@@ -14752,7 +14750,7 @@
           </a:ln>
           <a:extLst>
             <a:ext uri="{C572A759-6A51-4108-AA02-DFA0A04FC94B}">
-              <ma14:wrappingTextBoxFlag xmlns="" xmlns:m="http://schemas.openxmlformats.org/officeDocument/2006/math" xmlns:a14="http://schemas.microsoft.com/office/drawing/2010/main" xmlns:ma14="http://schemas.microsoft.com/office/mac/drawingml/2011/main" val="1"/>
+              <ma14:wrappingTextBoxFlag xmlns:ma14="http://schemas.microsoft.com/office/mac/drawingml/2011/main" xmlns:a14="http://schemas.microsoft.com/office/drawing/2010/main" xmlns:m="http://schemas.openxmlformats.org/officeDocument/2006/math" xmlns="" val="1"/>
             </a:ext>
           </a:extLst>
         </p:spPr>
@@ -14797,7 +14795,7 @@
           </a:ln>
           <a:extLst>
             <a:ext uri="{C572A759-6A51-4108-AA02-DFA0A04FC94B}">
-              <ma14:wrappingTextBoxFlag xmlns="" xmlns:m="http://schemas.openxmlformats.org/officeDocument/2006/math" xmlns:a14="http://schemas.microsoft.com/office/drawing/2010/main" xmlns:ma14="http://schemas.microsoft.com/office/mac/drawingml/2011/main" val="1"/>
+              <ma14:wrappingTextBoxFlag xmlns:ma14="http://schemas.microsoft.com/office/mac/drawingml/2011/main" xmlns:a14="http://schemas.microsoft.com/office/drawing/2010/main" xmlns:m="http://schemas.openxmlformats.org/officeDocument/2006/math" xmlns="" val="1"/>
             </a:ext>
           </a:extLst>
         </p:spPr>
@@ -14842,7 +14840,7 @@
           </a:ln>
           <a:extLst>
             <a:ext uri="{C572A759-6A51-4108-AA02-DFA0A04FC94B}">
-              <ma14:wrappingTextBoxFlag xmlns="" xmlns:m="http://schemas.openxmlformats.org/officeDocument/2006/math" xmlns:a14="http://schemas.microsoft.com/office/drawing/2010/main" xmlns:ma14="http://schemas.microsoft.com/office/mac/drawingml/2011/main" val="1"/>
+              <ma14:wrappingTextBoxFlag xmlns:ma14="http://schemas.microsoft.com/office/mac/drawingml/2011/main" xmlns:a14="http://schemas.microsoft.com/office/drawing/2010/main" xmlns:m="http://schemas.openxmlformats.org/officeDocument/2006/math" xmlns="" val="1"/>
             </a:ext>
           </a:extLst>
         </p:spPr>
@@ -15242,7 +15240,11 @@
             </a:pPr>
             <a:r>
               <a:rPr dirty="0"/>
-              <a:t>Referee involvement revealed – Joe?</a:t>
+              <a:t>Referee involvement revealed –</a:t>
+            </a:r>
+            <a:r>
+              <a:rPr lang="en-US" dirty="0"/>
+              <a:t> Referee data so far seems to trend toward being a predictor of game winner based on team, but there is only a few seasons of referee data with a small number of matchups between refs and teams to be conclusive.</a:t>
             </a:r>
           </a:p>
         </p:txBody>
@@ -15335,6 +15337,7 @@
               <a:defRPr sz="2400"/>
             </a:pPr>
             <a:r>
+              <a:rPr dirty="0"/>
               <a:t>Although the accuracy scores never achieved over 68.5 there is consistency in the predictive outcome of the head-to-head match based on teams and quarterback ELO scores, and home field advantage.  </a:t>
             </a:r>
           </a:p>
@@ -15349,6 +15352,7 @@
               <a:defRPr sz="2400"/>
             </a:pPr>
             <a:r>
+              <a:rPr dirty="0"/>
               <a:t>Higher scores in each category resulted in a “win” for that team.  </a:t>
             </a:r>
           </a:p>
@@ -15363,8 +15367,14 @@
               <a:defRPr sz="2400"/>
             </a:pPr>
             <a:r>
-              <a:t>Referee favorability resulted in X and should be an individual contributing factor. Joe?</a:t>
-            </a:r>
+              <a:rPr dirty="0"/>
+              <a:t>Referee favorability resulted </a:t>
+            </a:r>
+            <a:r>
+              <a:rPr lang="en-US" dirty="0"/>
+              <a:t>showed no significant favorability based on home team</a:t>
+            </a:r>
+            <a:endParaRPr dirty="0"/>
           </a:p>
         </p:txBody>
       </p:sp>
@@ -15418,8 +15428,101 @@
           <a:lstStyle/>
           <a:p>
             <a:r>
-              <a:t>Graph Placeholder</a:t>
-            </a:r>
+              <a:rPr lang="en-US" dirty="0"/>
+              <a:t>Referee Analysis</a:t>
+            </a:r>
+            <a:endParaRPr dirty="0"/>
+          </a:p>
+        </p:txBody>
+      </p:sp>
+      <p:sp>
+        <p:nvSpPr>
+          <p:cNvPr id="2" name="Subtitle 2">
+            <a:extLst>
+              <a:ext uri="{FF2B5EF4-FFF2-40B4-BE49-F238E27FC236}">
+                <a16:creationId xmlns:a16="http://schemas.microsoft.com/office/drawing/2014/main" id="{85C5D74A-79F8-DB33-C8BE-BBC1C95BF20C}"/>
+              </a:ext>
+            </a:extLst>
+          </p:cNvPr>
+          <p:cNvSpPr txBox="1">
+            <a:spLocks noGrp="1"/>
+          </p:cNvSpPr>
+          <p:nvPr>
+            <p:ph type="body" idx="1"/>
+          </p:nvPr>
+        </p:nvSpPr>
+        <p:spPr>
+          <a:xfrm>
+            <a:off x="505325" y="1259304"/>
+            <a:ext cx="11269579" cy="5430255"/>
+          </a:xfrm>
+          <a:prstGeom prst="rect">
+            <a:avLst/>
+          </a:prstGeom>
+        </p:spPr>
+        <p:txBody>
+          <a:bodyPr/>
+          <a:lstStyle/>
+          <a:p>
+            <a:pPr marL="342900" indent="-342900" algn="l">
+              <a:buClr>
+                <a:schemeClr val="accent6"/>
+              </a:buClr>
+              <a:buSzPct val="100000"/>
+              <a:buFont typeface="Arial"/>
+              <a:buChar char="•"/>
+              <a:defRPr sz="2400"/>
+            </a:pPr>
+            <a:r>
+              <a:rPr lang="en-US" dirty="0"/>
+              <a:t>SportData.IO has API’s for data for all major sports.  A separate API key is required for each sport. A free 2-week trial is available.  </a:t>
+            </a:r>
+          </a:p>
+          <a:p>
+            <a:pPr marL="342900" indent="-342900" algn="l">
+              <a:buClr>
+                <a:schemeClr val="accent6"/>
+              </a:buClr>
+              <a:buSzPct val="100000"/>
+              <a:buFont typeface="Arial"/>
+              <a:buChar char="•"/>
+              <a:defRPr sz="2400"/>
+            </a:pPr>
+            <a:r>
+              <a:rPr lang="en-US" dirty="0"/>
+              <a:t>The data is more focused toward gambling.  However, the weekly scores data includes a Referee ID starting in 2020 and beyond.  The ID corresponds to a separate dataset containing NFL refs.</a:t>
+            </a:r>
+          </a:p>
+          <a:p>
+            <a:pPr marL="342900" indent="-342900" algn="l">
+              <a:buClr>
+                <a:schemeClr val="accent6"/>
+              </a:buClr>
+              <a:buSzPct val="100000"/>
+              <a:buFont typeface="Arial"/>
+              <a:buChar char="•"/>
+              <a:defRPr sz="2400"/>
+            </a:pPr>
+            <a:r>
+              <a:rPr lang="en-US" dirty="0"/>
+              <a:t>A script was developed to retrieve each week’s scores for each season, taking into consideration that the number of weeks in a season increased in 2021.</a:t>
+            </a:r>
+          </a:p>
+          <a:p>
+            <a:pPr marL="342900" indent="-342900" algn="l">
+              <a:buClr>
+                <a:schemeClr val="accent6"/>
+              </a:buClr>
+              <a:buSzPct val="100000"/>
+              <a:buFont typeface="Arial"/>
+              <a:buChar char="•"/>
+              <a:defRPr sz="2400"/>
+            </a:pPr>
+            <a:r>
+              <a:rPr lang="en-US" dirty="0"/>
+              <a:t>After clean up an analysis, Decision Tree and Random Forest classification both showed around 92% accuracy</a:t>
+            </a:r>
+            <a:endParaRPr dirty="0"/>
           </a:p>
         </p:txBody>
       </p:sp>
@@ -15473,11 +15576,43 @@
           <a:lstStyle/>
           <a:p>
             <a:r>
-              <a:t>Graph placeholder</a:t>
-            </a:r>
-          </a:p>
-        </p:txBody>
-      </p:sp>
+              <a:rPr lang="en-US" dirty="0"/>
+              <a:t>Referee Analysis</a:t>
+            </a:r>
+            <a:endParaRPr dirty="0"/>
+          </a:p>
+        </p:txBody>
+      </p:sp>
+      <p:pic>
+        <p:nvPicPr>
+          <p:cNvPr id="7" name="Picture 6">
+            <a:extLst>
+              <a:ext uri="{FF2B5EF4-FFF2-40B4-BE49-F238E27FC236}">
+                <a16:creationId xmlns:a16="http://schemas.microsoft.com/office/drawing/2014/main" id="{F2437B74-6266-F458-1F23-2B805B2B8FE5}"/>
+              </a:ext>
+            </a:extLst>
+          </p:cNvPr>
+          <p:cNvPicPr>
+            <a:picLocks noChangeAspect="1"/>
+          </p:cNvPicPr>
+          <p:nvPr/>
+        </p:nvPicPr>
+        <p:blipFill>
+          <a:blip r:embed="rId2"/>
+          <a:stretch>
+            <a:fillRect/>
+          </a:stretch>
+        </p:blipFill>
+        <p:spPr>
+          <a:xfrm>
+            <a:off x="1913649" y="1271781"/>
+            <a:ext cx="8905875" cy="5210175"/>
+          </a:xfrm>
+          <a:prstGeom prst="rect">
+            <a:avLst/>
+          </a:prstGeom>
+        </p:spPr>
+      </p:pic>
     </p:spTree>
   </p:cSld>
   <p:clrMapOvr>
@@ -15528,11 +15663,43 @@
           <a:lstStyle/>
           <a:p>
             <a:r>
-              <a:t>Graph placeholder</a:t>
-            </a:r>
-          </a:p>
-        </p:txBody>
-      </p:sp>
+              <a:rPr lang="en-US" dirty="0"/>
+              <a:t>Referee Analysis</a:t>
+            </a:r>
+            <a:endParaRPr dirty="0"/>
+          </a:p>
+        </p:txBody>
+      </p:sp>
+      <p:pic>
+        <p:nvPicPr>
+          <p:cNvPr id="5" name="Picture 4">
+            <a:extLst>
+              <a:ext uri="{FF2B5EF4-FFF2-40B4-BE49-F238E27FC236}">
+                <a16:creationId xmlns:a16="http://schemas.microsoft.com/office/drawing/2014/main" id="{517D531A-63D8-3379-9286-1260F68D74F8}"/>
+              </a:ext>
+            </a:extLst>
+          </p:cNvPr>
+          <p:cNvPicPr>
+            <a:picLocks noChangeAspect="1"/>
+          </p:cNvPicPr>
+          <p:nvPr/>
+        </p:nvPicPr>
+        <p:blipFill>
+          <a:blip r:embed="rId2"/>
+          <a:stretch>
+            <a:fillRect/>
+          </a:stretch>
+        </p:blipFill>
+        <p:spPr>
+          <a:xfrm>
+            <a:off x="2919412" y="1272512"/>
+            <a:ext cx="6353175" cy="4810125"/>
+          </a:xfrm>
+          <a:prstGeom prst="rect">
+            <a:avLst/>
+          </a:prstGeom>
+        </p:spPr>
+      </p:pic>
     </p:spTree>
   </p:cSld>
   <p:clrMapOvr>
@@ -15561,7 +15728,7 @@
       </p:grpSpPr>
       <p:sp>
         <p:nvSpPr>
-          <p:cNvPr id="425" name="Title 1"/>
+          <p:cNvPr id="430" name="Title 1"/>
           <p:cNvSpPr txBox="1">
             <a:spLocks noGrp="1"/>
           </p:cNvSpPr>
@@ -15571,8 +15738,8 @@
         </p:nvSpPr>
         <p:spPr>
           <a:xfrm>
-            <a:off x="1155031" y="72511"/>
-            <a:ext cx="8568250" cy="1069848"/>
+            <a:off x="1987455" y="72511"/>
+            <a:ext cx="8937220" cy="1069848"/>
           </a:xfrm>
           <a:prstGeom prst="rect">
             <a:avLst/>
@@ -15583,7 +15750,109 @@
           <a:lstStyle/>
           <a:p>
             <a:r>
-              <a:t>Graph - placeholder</a:t>
+              <a:t>Software version control</a:t>
+            </a:r>
+          </a:p>
+        </p:txBody>
+      </p:sp>
+      <p:sp>
+        <p:nvSpPr>
+          <p:cNvPr id="431" name="Subtitle 2"/>
+          <p:cNvSpPr txBox="1">
+            <a:spLocks noGrp="1"/>
+          </p:cNvSpPr>
+          <p:nvPr>
+            <p:ph type="body" idx="1"/>
+          </p:nvPr>
+        </p:nvSpPr>
+        <p:spPr>
+          <a:xfrm>
+            <a:off x="505325" y="1259304"/>
+            <a:ext cx="11269579" cy="5430255"/>
+          </a:xfrm>
+          <a:prstGeom prst="rect">
+            <a:avLst/>
+          </a:prstGeom>
+        </p:spPr>
+        <p:txBody>
+          <a:bodyPr/>
+          <a:lstStyle/>
+          <a:p>
+            <a:pPr marL="457200" indent="-457200" algn="l">
+              <a:buClr>
+                <a:schemeClr val="accent6"/>
+              </a:buClr>
+              <a:buSzPct val="100000"/>
+              <a:buFont typeface="Arial"/>
+              <a:buChar char="•"/>
+              <a:defRPr sz="2800">
+                <a:solidFill>
+                  <a:srgbClr val="CCCCCC"/>
+                </a:solidFill>
+                <a:latin typeface="Consolas"/>
+                <a:ea typeface="Consolas"/>
+                <a:cs typeface="Consolas"/>
+                <a:sym typeface="Consolas"/>
+              </a:defRPr>
+            </a:pPr>
+            <a:r>
+              <a:rPr dirty="0">
+                <a:latin typeface="Segoe UI Light" panose="020B0502040204020203" pitchFamily="34" charset="0"/>
+                <a:cs typeface="Segoe UI Light" panose="020B0502040204020203" pitchFamily="34" charset="0"/>
+              </a:rPr>
+              <a:t>Created a GitHub repository.</a:t>
+            </a:r>
+          </a:p>
+          <a:p>
+            <a:pPr marL="457200" indent="-457200" algn="l">
+              <a:buClr>
+                <a:schemeClr val="accent6"/>
+              </a:buClr>
+              <a:buSzPct val="100000"/>
+              <a:buFont typeface="Arial"/>
+              <a:buChar char="•"/>
+              <a:defRPr sz="2800">
+                <a:solidFill>
+                  <a:srgbClr val="CCCCCC"/>
+                </a:solidFill>
+                <a:latin typeface="Consolas"/>
+                <a:ea typeface="Consolas"/>
+                <a:cs typeface="Consolas"/>
+                <a:sym typeface="Consolas"/>
+              </a:defRPr>
+            </a:pPr>
+            <a:r>
+              <a:rPr dirty="0">
+                <a:latin typeface="Segoe UI Light" panose="020B0502040204020203" pitchFamily="34" charset="0"/>
+                <a:cs typeface="Segoe UI Light" panose="020B0502040204020203" pitchFamily="34" charset="0"/>
+              </a:rPr>
+              <a:t>Members of the group added/edited to repository.</a:t>
+            </a:r>
+          </a:p>
+          <a:p>
+            <a:pPr marL="457200" indent="-457200" algn="l">
+              <a:buClr>
+                <a:schemeClr val="accent6"/>
+              </a:buClr>
+              <a:buSzPct val="100000"/>
+              <a:buFont typeface="Arial"/>
+              <a:buChar char="•"/>
+              <a:defRPr sz="2800">
+                <a:solidFill>
+                  <a:srgbClr val="CCCCCC"/>
+                </a:solidFill>
+                <a:latin typeface="Consolas"/>
+                <a:ea typeface="Consolas"/>
+                <a:cs typeface="Consolas"/>
+                <a:sym typeface="Consolas"/>
+              </a:defRPr>
+            </a:pPr>
+            <a:r>
+              <a:rPr dirty="0">
+                <a:latin typeface="Segoe UI Light" panose="020B0502040204020203" pitchFamily="34" charset="0"/>
+                <a:cs typeface="Segoe UI Light" panose="020B0502040204020203" pitchFamily="34" charset="0"/>
+              </a:rPr>
+              <a:t>Multiple files uploaded to repository by group members in support of findings.</a:t>
             </a:r>
           </a:p>
         </p:txBody>
@@ -15616,7 +15885,7 @@
       </p:grpSpPr>
       <p:sp>
         <p:nvSpPr>
-          <p:cNvPr id="427" name="Title 1"/>
+          <p:cNvPr id="433" name="Title 1"/>
           <p:cNvSpPr txBox="1">
             <a:spLocks noGrp="1"/>
           </p:cNvSpPr>
@@ -15626,8 +15895,8 @@
         </p:nvSpPr>
         <p:spPr>
           <a:xfrm>
-            <a:off x="1987455" y="72511"/>
-            <a:ext cx="8776797" cy="1069848"/>
+            <a:off x="1987456" y="72511"/>
+            <a:ext cx="7735824" cy="1069848"/>
           </a:xfrm>
           <a:prstGeom prst="rect">
             <a:avLst/>
@@ -15638,109 +15907,14 @@
           <a:lstStyle/>
           <a:p>
             <a:r>
-              <a:t>Findings and implications</a:t>
-            </a:r>
-          </a:p>
-        </p:txBody>
-      </p:sp>
-      <p:sp>
-        <p:nvSpPr>
-          <p:cNvPr id="428" name="Subtitle 2"/>
-          <p:cNvSpPr txBox="1">
-            <a:spLocks noGrp="1"/>
-          </p:cNvSpPr>
-          <p:nvPr>
-            <p:ph type="body" idx="1"/>
-          </p:nvPr>
-        </p:nvSpPr>
-        <p:spPr>
-          <a:xfrm>
-            <a:off x="505325" y="1259304"/>
-            <a:ext cx="11269579" cy="5430255"/>
-          </a:xfrm>
-          <a:prstGeom prst="rect">
-            <a:avLst/>
-          </a:prstGeom>
-        </p:spPr>
-        <p:txBody>
-          <a:bodyPr/>
-          <a:lstStyle>
-            <a:lvl1pPr>
-              <a:defRPr sz="2800">
-                <a:solidFill>
-                  <a:srgbClr val="CCCCCC"/>
-                </a:solidFill>
-                <a:latin typeface="Consolas"/>
-                <a:ea typeface="Consolas"/>
-                <a:cs typeface="Consolas"/>
-                <a:sym typeface="Consolas"/>
-              </a:defRPr>
-            </a:lvl1pPr>
-          </a:lstStyle>
-          <a:p>
-            <a:br/>
-            <a:endParaRPr/>
-          </a:p>
-        </p:txBody>
-      </p:sp>
-    </p:spTree>
-  </p:cSld>
-  <p:clrMapOvr>
-    <a:masterClrMapping/>
-  </p:clrMapOvr>
-  <p:transition spd="med"/>
-</p:sld>
-</file>
-
-<file path=ppt/slides/slide29.xml><?xml version="1.0" encoding="utf-8"?>
-<p:sld xmlns:a="http://schemas.openxmlformats.org/drawingml/2006/main" xmlns:r="http://schemas.openxmlformats.org/officeDocument/2006/relationships" xmlns:p="http://schemas.openxmlformats.org/presentationml/2006/main">
-  <p:cSld>
-    <p:spTree>
-      <p:nvGrpSpPr>
-        <p:cNvPr id="1" name=""/>
-        <p:cNvGrpSpPr/>
-        <p:nvPr/>
-      </p:nvGrpSpPr>
-      <p:grpSpPr>
-        <a:xfrm>
-          <a:off x="0" y="0"/>
-          <a:ext cx="0" cy="0"/>
-          <a:chOff x="0" y="0"/>
-          <a:chExt cx="0" cy="0"/>
-        </a:xfrm>
-      </p:grpSpPr>
-      <p:sp>
-        <p:nvSpPr>
-          <p:cNvPr id="430" name="Title 1"/>
-          <p:cNvSpPr txBox="1">
-            <a:spLocks noGrp="1"/>
-          </p:cNvSpPr>
-          <p:nvPr>
-            <p:ph type="title"/>
-          </p:nvPr>
-        </p:nvSpPr>
-        <p:spPr>
-          <a:xfrm>
-            <a:off x="1987455" y="72511"/>
-            <a:ext cx="8937220" cy="1069848"/>
-          </a:xfrm>
-          <a:prstGeom prst="rect">
-            <a:avLst/>
-          </a:prstGeom>
-        </p:spPr>
-        <p:txBody>
-          <a:bodyPr/>
-          <a:lstStyle/>
-          <a:p>
-            <a:r>
-              <a:t>Software version control</a:t>
-            </a:r>
-          </a:p>
-        </p:txBody>
-      </p:sp>
-      <p:sp>
-        <p:nvSpPr>
-          <p:cNvPr id="431" name="Subtitle 2"/>
+              <a:t>Future development</a:t>
+            </a:r>
+          </a:p>
+        </p:txBody>
+      </p:sp>
+      <p:sp>
+        <p:nvSpPr>
+          <p:cNvPr id="434" name="Subtitle 2"/>
           <p:cNvSpPr txBox="1">
             <a:spLocks noGrp="1"/>
           </p:cNvSpPr>
@@ -15783,7 +15957,7 @@
                 <a:latin typeface="Segoe UI Light" panose="020B0502040204020203" pitchFamily="34" charset="0"/>
                 <a:cs typeface="Segoe UI Light" panose="020B0502040204020203" pitchFamily="34" charset="0"/>
               </a:rPr>
-              <a:t>Created a GitHub repository.</a:t>
+              <a:t>Methodology/ELO Rating and calculation can be applied to any head-to-head match.</a:t>
             </a:r>
           </a:p>
           <a:p>
@@ -15809,7 +15983,7 @@
                 <a:latin typeface="Segoe UI Light" panose="020B0502040204020203" pitchFamily="34" charset="0"/>
                 <a:cs typeface="Segoe UI Light" panose="020B0502040204020203" pitchFamily="34" charset="0"/>
               </a:rPr>
-              <a:t>Members of the group added/edited to repository.</a:t>
+              <a:t>This can provide predictive participants with a slight edge mathematically.</a:t>
             </a:r>
           </a:p>
           <a:p>
@@ -15835,12 +16009,365 @@
                 <a:latin typeface="Segoe UI Light" panose="020B0502040204020203" pitchFamily="34" charset="0"/>
                 <a:cs typeface="Segoe UI Light" panose="020B0502040204020203" pitchFamily="34" charset="0"/>
               </a:rPr>
-              <a:t>Multiple files uploaded to repository by group members in support of findings.</a:t>
-            </a:r>
+              <a:t>This edge can also be combined with standard observation factors along with momentum to provide a substantial indication of a predictive “win”.</a:t>
+            </a:r>
+          </a:p>
+          <a:p>
+            <a:pPr marL="457200" indent="-457200" algn="l">
+              <a:buClr>
+                <a:schemeClr val="accent6"/>
+              </a:buClr>
+              <a:buSzPct val="100000"/>
+              <a:buFont typeface="Arial"/>
+              <a:buChar char="•"/>
+              <a:defRPr sz="2800">
+                <a:solidFill>
+                  <a:srgbClr val="CCCCCC"/>
+                </a:solidFill>
+                <a:latin typeface="Consolas"/>
+                <a:ea typeface="Consolas"/>
+                <a:cs typeface="Consolas"/>
+                <a:sym typeface="Consolas"/>
+              </a:defRPr>
+            </a:pPr>
+            <a:r>
+              <a:rPr dirty="0">
+                <a:latin typeface="Segoe UI Light" panose="020B0502040204020203" pitchFamily="34" charset="0"/>
+                <a:cs typeface="Segoe UI Light" panose="020B0502040204020203" pitchFamily="34" charset="0"/>
+              </a:rPr>
+              <a:t>This can be applied not only to sports but to societal events such as an election.</a:t>
+            </a:r>
+            <a:endParaRPr lang="en-US" dirty="0">
+              <a:latin typeface="Segoe UI Light" panose="020B0502040204020203" pitchFamily="34" charset="0"/>
+              <a:cs typeface="Segoe UI Light" panose="020B0502040204020203" pitchFamily="34" charset="0"/>
+            </a:endParaRPr>
+          </a:p>
+          <a:p>
+            <a:pPr marL="457200" indent="-457200" algn="l">
+              <a:buClr>
+                <a:schemeClr val="accent6"/>
+              </a:buClr>
+              <a:buSzPct val="100000"/>
+              <a:buFont typeface="Arial"/>
+              <a:buChar char="•"/>
+              <a:defRPr sz="2800">
+                <a:solidFill>
+                  <a:srgbClr val="CCCCCC"/>
+                </a:solidFill>
+                <a:latin typeface="Consolas"/>
+                <a:ea typeface="Consolas"/>
+                <a:cs typeface="Consolas"/>
+                <a:sym typeface="Consolas"/>
+              </a:defRPr>
+            </a:pPr>
+            <a:endParaRPr dirty="0"/>
           </a:p>
         </p:txBody>
       </p:sp>
     </p:spTree>
+  </p:cSld>
+  <p:clrMapOvr>
+    <a:masterClrMapping/>
+  </p:clrMapOvr>
+  <p:transition spd="med"/>
+</p:sld>
+</file>
+
+<file path=ppt/slides/slide29.xml><?xml version="1.0" encoding="utf-8"?>
+<p:sld xmlns:a="http://schemas.openxmlformats.org/drawingml/2006/main" xmlns:r="http://schemas.openxmlformats.org/officeDocument/2006/relationships" xmlns:p="http://schemas.openxmlformats.org/presentationml/2006/main">
+  <p:cSld>
+    <p:spTree>
+      <p:nvGrpSpPr>
+        <p:cNvPr id="1" name="">
+          <a:extLst>
+            <a:ext uri="{FF2B5EF4-FFF2-40B4-BE49-F238E27FC236}">
+              <a16:creationId xmlns:a16="http://schemas.microsoft.com/office/drawing/2014/main" id="{314E3FAA-7A8E-FDBE-CD0B-50E3DB7789D6}"/>
+            </a:ext>
+          </a:extLst>
+        </p:cNvPr>
+        <p:cNvGrpSpPr/>
+        <p:nvPr/>
+      </p:nvGrpSpPr>
+      <p:grpSpPr>
+        <a:xfrm>
+          <a:off x="0" y="0"/>
+          <a:ext cx="0" cy="0"/>
+          <a:chOff x="0" y="0"/>
+          <a:chExt cx="0" cy="0"/>
+        </a:xfrm>
+      </p:grpSpPr>
+      <p:sp>
+        <p:nvSpPr>
+          <p:cNvPr id="433" name="Title 1">
+            <a:extLst>
+              <a:ext uri="{FF2B5EF4-FFF2-40B4-BE49-F238E27FC236}">
+                <a16:creationId xmlns:a16="http://schemas.microsoft.com/office/drawing/2014/main" id="{4608588F-9003-8C06-F517-1DC10BCF056C}"/>
+              </a:ext>
+            </a:extLst>
+          </p:cNvPr>
+          <p:cNvSpPr txBox="1">
+            <a:spLocks noGrp="1"/>
+          </p:cNvSpPr>
+          <p:nvPr>
+            <p:ph type="title"/>
+          </p:nvPr>
+        </p:nvSpPr>
+        <p:spPr>
+          <a:xfrm>
+            <a:off x="1987456" y="72511"/>
+            <a:ext cx="7735824" cy="1069848"/>
+          </a:xfrm>
+          <a:prstGeom prst="rect">
+            <a:avLst/>
+          </a:prstGeom>
+        </p:spPr>
+        <p:txBody>
+          <a:bodyPr/>
+          <a:lstStyle/>
+          <a:p>
+            <a:r>
+              <a:rPr lang="en-US" dirty="0"/>
+              <a:t>Additional Questions</a:t>
+            </a:r>
+            <a:endParaRPr dirty="0"/>
+          </a:p>
+        </p:txBody>
+      </p:sp>
+      <p:sp>
+        <p:nvSpPr>
+          <p:cNvPr id="434" name="Subtitle 2">
+            <a:extLst>
+              <a:ext uri="{FF2B5EF4-FFF2-40B4-BE49-F238E27FC236}">
+                <a16:creationId xmlns:a16="http://schemas.microsoft.com/office/drawing/2014/main" id="{24C543DB-19CF-E599-2EF3-3B49A66491C2}"/>
+              </a:ext>
+            </a:extLst>
+          </p:cNvPr>
+          <p:cNvSpPr txBox="1">
+            <a:spLocks noGrp="1"/>
+          </p:cNvSpPr>
+          <p:nvPr>
+            <p:ph type="body" idx="1"/>
+          </p:nvPr>
+        </p:nvSpPr>
+        <p:spPr>
+          <a:xfrm>
+            <a:off x="505325" y="1259304"/>
+            <a:ext cx="11269579" cy="5430255"/>
+          </a:xfrm>
+          <a:prstGeom prst="rect">
+            <a:avLst/>
+          </a:prstGeom>
+        </p:spPr>
+        <p:txBody>
+          <a:bodyPr/>
+          <a:lstStyle/>
+          <a:p>
+            <a:pPr marL="250179" indent="-250179" algn="l" defTabSz="658368">
+              <a:spcBef>
+                <a:spcPts val="700"/>
+              </a:spcBef>
+              <a:buFont typeface="Arial"/>
+              <a:buChar char="•"/>
+              <a:defRPr sz="1008">
+                <a:latin typeface="Roboto"/>
+                <a:ea typeface="Roboto"/>
+                <a:cs typeface="Roboto"/>
+                <a:sym typeface="Roboto"/>
+              </a:defRPr>
+            </a:pPr>
+            <a:r>
+              <a:rPr lang="en-US" sz="2800" dirty="0">
+                <a:latin typeface="Segoe UI Light" panose="020B0502040204020203" pitchFamily="34" charset="0"/>
+                <a:cs typeface="Segoe UI Light" panose="020B0502040204020203" pitchFamily="34" charset="0"/>
+              </a:rPr>
+              <a:t>What variables can be added to the ELO mathematical formula?</a:t>
+            </a:r>
+          </a:p>
+          <a:p>
+            <a:pPr marL="250179" indent="-250179" algn="l" defTabSz="658368">
+              <a:spcBef>
+                <a:spcPts val="700"/>
+              </a:spcBef>
+              <a:buFont typeface="Arial"/>
+              <a:buChar char="•"/>
+              <a:defRPr sz="1008">
+                <a:latin typeface="Roboto"/>
+                <a:ea typeface="Roboto"/>
+                <a:cs typeface="Roboto"/>
+                <a:sym typeface="Roboto"/>
+              </a:defRPr>
+            </a:pPr>
+            <a:r>
+              <a:rPr lang="en-US" sz="2800" dirty="0">
+                <a:latin typeface="Segoe UI Light" panose="020B0502040204020203" pitchFamily="34" charset="0"/>
+                <a:cs typeface="Segoe UI Light" panose="020B0502040204020203" pitchFamily="34" charset="0"/>
+              </a:rPr>
+              <a:t>More variables or contributing factors can be added to determine additional information.</a:t>
+            </a:r>
+          </a:p>
+          <a:p>
+            <a:pPr marL="493776" indent="-250179" algn="l" defTabSz="658368">
+              <a:lnSpc>
+                <a:spcPct val="90000"/>
+              </a:lnSpc>
+              <a:spcBef>
+                <a:spcPts val="300"/>
+              </a:spcBef>
+              <a:buFont typeface="Arial"/>
+              <a:buChar char="•"/>
+              <a:defRPr sz="720">
+                <a:latin typeface="Roboto"/>
+                <a:ea typeface="Roboto"/>
+                <a:cs typeface="Roboto"/>
+                <a:sym typeface="Roboto"/>
+              </a:defRPr>
+            </a:pPr>
+            <a:r>
+              <a:rPr lang="en-US" sz="2800" dirty="0">
+                <a:latin typeface="Segoe UI Light" panose="020B0502040204020203" pitchFamily="34" charset="0"/>
+                <a:cs typeface="Segoe UI Light" panose="020B0502040204020203" pitchFamily="34" charset="0"/>
+              </a:rPr>
+              <a:t>Playing Surface</a:t>
+            </a:r>
+          </a:p>
+          <a:p>
+            <a:pPr marL="493776" lvl="1" indent="-250179" algn="l" defTabSz="658368">
+              <a:lnSpc>
+                <a:spcPct val="90000"/>
+              </a:lnSpc>
+              <a:spcBef>
+                <a:spcPts val="300"/>
+              </a:spcBef>
+              <a:buFont typeface="Arial"/>
+              <a:buChar char="•"/>
+              <a:defRPr sz="720">
+                <a:latin typeface="Roboto"/>
+                <a:ea typeface="Roboto"/>
+                <a:cs typeface="Roboto"/>
+                <a:sym typeface="Roboto"/>
+              </a:defRPr>
+            </a:pPr>
+            <a:r>
+              <a:rPr lang="en-US" sz="2800" dirty="0">
+                <a:latin typeface="Segoe UI Light" panose="020B0502040204020203" pitchFamily="34" charset="0"/>
+                <a:cs typeface="Segoe UI Light" panose="020B0502040204020203" pitchFamily="34" charset="0"/>
+              </a:rPr>
+              <a:t>Weather</a:t>
+            </a:r>
+          </a:p>
+          <a:p>
+            <a:pPr marL="493776" lvl="1" indent="-250179" algn="l" defTabSz="658368">
+              <a:lnSpc>
+                <a:spcPct val="90000"/>
+              </a:lnSpc>
+              <a:spcBef>
+                <a:spcPts val="300"/>
+              </a:spcBef>
+              <a:buFont typeface="Arial"/>
+              <a:buChar char="•"/>
+              <a:defRPr sz="720">
+                <a:latin typeface="Roboto"/>
+                <a:ea typeface="Roboto"/>
+                <a:cs typeface="Roboto"/>
+                <a:sym typeface="Roboto"/>
+              </a:defRPr>
+            </a:pPr>
+            <a:r>
+              <a:rPr lang="en-US" sz="2800" dirty="0">
+                <a:latin typeface="Segoe UI Light" panose="020B0502040204020203" pitchFamily="34" charset="0"/>
+                <a:cs typeface="Segoe UI Light" panose="020B0502040204020203" pitchFamily="34" charset="0"/>
+              </a:rPr>
+              <a:t>Day of the Week</a:t>
+            </a:r>
+          </a:p>
+          <a:p>
+            <a:pPr marL="493776" lvl="1" indent="-250179" algn="l" defTabSz="658368">
+              <a:lnSpc>
+                <a:spcPct val="90000"/>
+              </a:lnSpc>
+              <a:spcBef>
+                <a:spcPts val="300"/>
+              </a:spcBef>
+              <a:buFont typeface="Arial"/>
+              <a:buChar char="•"/>
+              <a:defRPr sz="720">
+                <a:latin typeface="Roboto"/>
+                <a:ea typeface="Roboto"/>
+                <a:cs typeface="Roboto"/>
+                <a:sym typeface="Roboto"/>
+              </a:defRPr>
+            </a:pPr>
+            <a:r>
+              <a:rPr lang="en-US" sz="2800" dirty="0">
+                <a:latin typeface="Segoe UI Light" panose="020B0502040204020203" pitchFamily="34" charset="0"/>
+                <a:cs typeface="Segoe UI Light" panose="020B0502040204020203" pitchFamily="34" charset="0"/>
+              </a:rPr>
+              <a:t>Expanded to Other Sports Based on the Dataset</a:t>
+            </a:r>
+          </a:p>
+          <a:p>
+            <a:pPr marL="493776" lvl="1" indent="-250179" algn="l" defTabSz="658368">
+              <a:lnSpc>
+                <a:spcPct val="90000"/>
+              </a:lnSpc>
+              <a:spcBef>
+                <a:spcPts val="300"/>
+              </a:spcBef>
+              <a:buFont typeface="Arial"/>
+              <a:buChar char="•"/>
+              <a:defRPr sz="720">
+                <a:latin typeface="Roboto"/>
+                <a:ea typeface="Roboto"/>
+                <a:cs typeface="Roboto"/>
+                <a:sym typeface="Roboto"/>
+              </a:defRPr>
+            </a:pPr>
+            <a:r>
+              <a:rPr lang="en-US" sz="2800" dirty="0">
+                <a:latin typeface="Segoe UI Light" panose="020B0502040204020203" pitchFamily="34" charset="0"/>
+                <a:cs typeface="Segoe UI Light" panose="020B0502040204020203" pitchFamily="34" charset="0"/>
+              </a:rPr>
+              <a:t>Team focused analysis</a:t>
+            </a:r>
+          </a:p>
+          <a:p>
+            <a:pPr marL="457200" indent="-457200" algn="l">
+              <a:buClr>
+                <a:schemeClr val="accent6"/>
+              </a:buClr>
+              <a:buSzPct val="100000"/>
+              <a:buFont typeface="Arial"/>
+              <a:buChar char="•"/>
+              <a:defRPr sz="2800">
+                <a:solidFill>
+                  <a:srgbClr val="CCCCCC"/>
+                </a:solidFill>
+                <a:latin typeface="Consolas"/>
+                <a:ea typeface="Consolas"/>
+                <a:cs typeface="Consolas"/>
+                <a:sym typeface="Consolas"/>
+              </a:defRPr>
+            </a:pPr>
+            <a:r>
+              <a:rPr lang="en-US" dirty="0">
+                <a:latin typeface="Segoe UI Light" panose="020B0502040204020203" pitchFamily="34" charset="0"/>
+                <a:cs typeface="Segoe UI Light" panose="020B0502040204020203" pitchFamily="34" charset="0"/>
+              </a:rPr>
+              <a:t>Modify application for entry into NFL’s Big Data Bowl competition</a:t>
+            </a:r>
+            <a:endParaRPr dirty="0">
+              <a:latin typeface="Segoe UI Light" panose="020B0502040204020203" pitchFamily="34" charset="0"/>
+              <a:cs typeface="Segoe UI Light" panose="020B0502040204020203" pitchFamily="34" charset="0"/>
+            </a:endParaRPr>
+          </a:p>
+        </p:txBody>
+      </p:sp>
+    </p:spTree>
+    <p:extLst>
+      <p:ext uri="{BB962C8B-B14F-4D97-AF65-F5344CB8AC3E}">
+        <p14:creationId xmlns:p14="http://schemas.microsoft.com/office/powerpoint/2010/main" val="2346883842"/>
+      </p:ext>
+    </p:extLst>
   </p:cSld>
   <p:clrMapOvr>
     <a:masterClrMapping/>
@@ -15963,481 +16490,6 @@
       </p:grpSpPr>
       <p:sp>
         <p:nvSpPr>
-          <p:cNvPr id="433" name="Title 1"/>
-          <p:cNvSpPr txBox="1">
-            <a:spLocks noGrp="1"/>
-          </p:cNvSpPr>
-          <p:nvPr>
-            <p:ph type="title"/>
-          </p:nvPr>
-        </p:nvSpPr>
-        <p:spPr>
-          <a:xfrm>
-            <a:off x="1987456" y="72511"/>
-            <a:ext cx="7735824" cy="1069848"/>
-          </a:xfrm>
-          <a:prstGeom prst="rect">
-            <a:avLst/>
-          </a:prstGeom>
-        </p:spPr>
-        <p:txBody>
-          <a:bodyPr/>
-          <a:lstStyle/>
-          <a:p>
-            <a:r>
-              <a:t>Future development</a:t>
-            </a:r>
-          </a:p>
-        </p:txBody>
-      </p:sp>
-      <p:sp>
-        <p:nvSpPr>
-          <p:cNvPr id="434" name="Subtitle 2"/>
-          <p:cNvSpPr txBox="1">
-            <a:spLocks noGrp="1"/>
-          </p:cNvSpPr>
-          <p:nvPr>
-            <p:ph type="body" idx="1"/>
-          </p:nvPr>
-        </p:nvSpPr>
-        <p:spPr>
-          <a:xfrm>
-            <a:off x="505325" y="1259304"/>
-            <a:ext cx="11269579" cy="5430255"/>
-          </a:xfrm>
-          <a:prstGeom prst="rect">
-            <a:avLst/>
-          </a:prstGeom>
-        </p:spPr>
-        <p:txBody>
-          <a:bodyPr/>
-          <a:lstStyle/>
-          <a:p>
-            <a:pPr marL="457200" indent="-457200" algn="l">
-              <a:buClr>
-                <a:schemeClr val="accent6"/>
-              </a:buClr>
-              <a:buSzPct val="100000"/>
-              <a:buFont typeface="Arial"/>
-              <a:buChar char="•"/>
-              <a:defRPr sz="2800">
-                <a:solidFill>
-                  <a:srgbClr val="CCCCCC"/>
-                </a:solidFill>
-                <a:latin typeface="Consolas"/>
-                <a:ea typeface="Consolas"/>
-                <a:cs typeface="Consolas"/>
-                <a:sym typeface="Consolas"/>
-              </a:defRPr>
-            </a:pPr>
-            <a:r>
-              <a:rPr dirty="0">
-                <a:latin typeface="Segoe UI Light" panose="020B0502040204020203" pitchFamily="34" charset="0"/>
-                <a:cs typeface="Segoe UI Light" panose="020B0502040204020203" pitchFamily="34" charset="0"/>
-              </a:rPr>
-              <a:t>Methodology/ELO Rating and calculation can be applied to any head-to-head match.</a:t>
-            </a:r>
-          </a:p>
-          <a:p>
-            <a:pPr marL="457200" indent="-457200" algn="l">
-              <a:buClr>
-                <a:schemeClr val="accent6"/>
-              </a:buClr>
-              <a:buSzPct val="100000"/>
-              <a:buFont typeface="Arial"/>
-              <a:buChar char="•"/>
-              <a:defRPr sz="2800">
-                <a:solidFill>
-                  <a:srgbClr val="CCCCCC"/>
-                </a:solidFill>
-                <a:latin typeface="Consolas"/>
-                <a:ea typeface="Consolas"/>
-                <a:cs typeface="Consolas"/>
-                <a:sym typeface="Consolas"/>
-              </a:defRPr>
-            </a:pPr>
-            <a:r>
-              <a:rPr dirty="0">
-                <a:latin typeface="Segoe UI Light" panose="020B0502040204020203" pitchFamily="34" charset="0"/>
-                <a:cs typeface="Segoe UI Light" panose="020B0502040204020203" pitchFamily="34" charset="0"/>
-              </a:rPr>
-              <a:t>This can provide predictive participants with a slight edge mathematically.</a:t>
-            </a:r>
-          </a:p>
-          <a:p>
-            <a:pPr marL="457200" indent="-457200" algn="l">
-              <a:buClr>
-                <a:schemeClr val="accent6"/>
-              </a:buClr>
-              <a:buSzPct val="100000"/>
-              <a:buFont typeface="Arial"/>
-              <a:buChar char="•"/>
-              <a:defRPr sz="2800">
-                <a:solidFill>
-                  <a:srgbClr val="CCCCCC"/>
-                </a:solidFill>
-                <a:latin typeface="Consolas"/>
-                <a:ea typeface="Consolas"/>
-                <a:cs typeface="Consolas"/>
-                <a:sym typeface="Consolas"/>
-              </a:defRPr>
-            </a:pPr>
-            <a:r>
-              <a:rPr dirty="0">
-                <a:latin typeface="Segoe UI Light" panose="020B0502040204020203" pitchFamily="34" charset="0"/>
-                <a:cs typeface="Segoe UI Light" panose="020B0502040204020203" pitchFamily="34" charset="0"/>
-              </a:rPr>
-              <a:t>This edge can also be combined with standard observation factors along with momentum to provide a substantial indication of a predictive “win”.</a:t>
-            </a:r>
-          </a:p>
-          <a:p>
-            <a:pPr marL="457200" indent="-457200" algn="l">
-              <a:buClr>
-                <a:schemeClr val="accent6"/>
-              </a:buClr>
-              <a:buSzPct val="100000"/>
-              <a:buFont typeface="Arial"/>
-              <a:buChar char="•"/>
-              <a:defRPr sz="2800">
-                <a:solidFill>
-                  <a:srgbClr val="CCCCCC"/>
-                </a:solidFill>
-                <a:latin typeface="Consolas"/>
-                <a:ea typeface="Consolas"/>
-                <a:cs typeface="Consolas"/>
-                <a:sym typeface="Consolas"/>
-              </a:defRPr>
-            </a:pPr>
-            <a:r>
-              <a:rPr dirty="0">
-                <a:latin typeface="Segoe UI Light" panose="020B0502040204020203" pitchFamily="34" charset="0"/>
-                <a:cs typeface="Segoe UI Light" panose="020B0502040204020203" pitchFamily="34" charset="0"/>
-              </a:rPr>
-              <a:t>This can be applied not only to sports but to societal events such as an election.</a:t>
-            </a:r>
-            <a:endParaRPr lang="en-US" dirty="0">
-              <a:latin typeface="Segoe UI Light" panose="020B0502040204020203" pitchFamily="34" charset="0"/>
-              <a:cs typeface="Segoe UI Light" panose="020B0502040204020203" pitchFamily="34" charset="0"/>
-            </a:endParaRPr>
-          </a:p>
-          <a:p>
-            <a:pPr marL="457200" indent="-457200" algn="l">
-              <a:buClr>
-                <a:schemeClr val="accent6"/>
-              </a:buClr>
-              <a:buSzPct val="100000"/>
-              <a:buFont typeface="Arial"/>
-              <a:buChar char="•"/>
-              <a:defRPr sz="2800">
-                <a:solidFill>
-                  <a:srgbClr val="CCCCCC"/>
-                </a:solidFill>
-                <a:latin typeface="Consolas"/>
-                <a:ea typeface="Consolas"/>
-                <a:cs typeface="Consolas"/>
-                <a:sym typeface="Consolas"/>
-              </a:defRPr>
-            </a:pPr>
-            <a:endParaRPr dirty="0"/>
-          </a:p>
-        </p:txBody>
-      </p:sp>
-    </p:spTree>
-  </p:cSld>
-  <p:clrMapOvr>
-    <a:masterClrMapping/>
-  </p:clrMapOvr>
-  <p:transition spd="med"/>
-</p:sld>
-</file>
-
-<file path=ppt/slides/slide31.xml><?xml version="1.0" encoding="utf-8"?>
-<p:sld xmlns:a="http://schemas.openxmlformats.org/drawingml/2006/main" xmlns:r="http://schemas.openxmlformats.org/officeDocument/2006/relationships" xmlns:p="http://schemas.openxmlformats.org/presentationml/2006/main">
-  <p:cSld>
-    <p:spTree>
-      <p:nvGrpSpPr>
-        <p:cNvPr id="1" name="">
-          <a:extLst>
-            <a:ext uri="{FF2B5EF4-FFF2-40B4-BE49-F238E27FC236}">
-              <a16:creationId xmlns:a16="http://schemas.microsoft.com/office/drawing/2014/main" id="{314E3FAA-7A8E-FDBE-CD0B-50E3DB7789D6}"/>
-            </a:ext>
-          </a:extLst>
-        </p:cNvPr>
-        <p:cNvGrpSpPr/>
-        <p:nvPr/>
-      </p:nvGrpSpPr>
-      <p:grpSpPr>
-        <a:xfrm>
-          <a:off x="0" y="0"/>
-          <a:ext cx="0" cy="0"/>
-          <a:chOff x="0" y="0"/>
-          <a:chExt cx="0" cy="0"/>
-        </a:xfrm>
-      </p:grpSpPr>
-      <p:sp>
-        <p:nvSpPr>
-          <p:cNvPr id="433" name="Title 1">
-            <a:extLst>
-              <a:ext uri="{FF2B5EF4-FFF2-40B4-BE49-F238E27FC236}">
-                <a16:creationId xmlns:a16="http://schemas.microsoft.com/office/drawing/2014/main" id="{4608588F-9003-8C06-F517-1DC10BCF056C}"/>
-              </a:ext>
-            </a:extLst>
-          </p:cNvPr>
-          <p:cNvSpPr txBox="1">
-            <a:spLocks noGrp="1"/>
-          </p:cNvSpPr>
-          <p:nvPr>
-            <p:ph type="title"/>
-          </p:nvPr>
-        </p:nvSpPr>
-        <p:spPr>
-          <a:xfrm>
-            <a:off x="1987456" y="72511"/>
-            <a:ext cx="7735824" cy="1069848"/>
-          </a:xfrm>
-          <a:prstGeom prst="rect">
-            <a:avLst/>
-          </a:prstGeom>
-        </p:spPr>
-        <p:txBody>
-          <a:bodyPr/>
-          <a:lstStyle/>
-          <a:p>
-            <a:r>
-              <a:rPr lang="en-US" dirty="0"/>
-              <a:t>Additional Questions</a:t>
-            </a:r>
-            <a:endParaRPr dirty="0"/>
-          </a:p>
-        </p:txBody>
-      </p:sp>
-      <p:sp>
-        <p:nvSpPr>
-          <p:cNvPr id="434" name="Subtitle 2">
-            <a:extLst>
-              <a:ext uri="{FF2B5EF4-FFF2-40B4-BE49-F238E27FC236}">
-                <a16:creationId xmlns:a16="http://schemas.microsoft.com/office/drawing/2014/main" id="{24C543DB-19CF-E599-2EF3-3B49A66491C2}"/>
-              </a:ext>
-            </a:extLst>
-          </p:cNvPr>
-          <p:cNvSpPr txBox="1">
-            <a:spLocks noGrp="1"/>
-          </p:cNvSpPr>
-          <p:nvPr>
-            <p:ph type="body" idx="1"/>
-          </p:nvPr>
-        </p:nvSpPr>
-        <p:spPr>
-          <a:xfrm>
-            <a:off x="505325" y="1259304"/>
-            <a:ext cx="11269579" cy="5430255"/>
-          </a:xfrm>
-          <a:prstGeom prst="rect">
-            <a:avLst/>
-          </a:prstGeom>
-        </p:spPr>
-        <p:txBody>
-          <a:bodyPr/>
-          <a:lstStyle/>
-          <a:p>
-            <a:pPr marL="250179" indent="-250179" algn="l" defTabSz="658368">
-              <a:spcBef>
-                <a:spcPts val="700"/>
-              </a:spcBef>
-              <a:buFont typeface="Arial"/>
-              <a:buChar char="•"/>
-              <a:defRPr sz="1008">
-                <a:latin typeface="Roboto"/>
-                <a:ea typeface="Roboto"/>
-                <a:cs typeface="Roboto"/>
-                <a:sym typeface="Roboto"/>
-              </a:defRPr>
-            </a:pPr>
-            <a:r>
-              <a:rPr lang="en-US" sz="2800" dirty="0">
-                <a:latin typeface="Segoe UI Light" panose="020B0502040204020203" pitchFamily="34" charset="0"/>
-                <a:cs typeface="Segoe UI Light" panose="020B0502040204020203" pitchFamily="34" charset="0"/>
-              </a:rPr>
-              <a:t>What variables can be added to the ELO mathematical formula?</a:t>
-            </a:r>
-          </a:p>
-          <a:p>
-            <a:pPr marL="250179" indent="-250179" algn="l" defTabSz="658368">
-              <a:spcBef>
-                <a:spcPts val="700"/>
-              </a:spcBef>
-              <a:buFont typeface="Arial"/>
-              <a:buChar char="•"/>
-              <a:defRPr sz="1008">
-                <a:latin typeface="Roboto"/>
-                <a:ea typeface="Roboto"/>
-                <a:cs typeface="Roboto"/>
-                <a:sym typeface="Roboto"/>
-              </a:defRPr>
-            </a:pPr>
-            <a:r>
-              <a:rPr lang="en-US" sz="2800" dirty="0">
-                <a:latin typeface="Segoe UI Light" panose="020B0502040204020203" pitchFamily="34" charset="0"/>
-                <a:cs typeface="Segoe UI Light" panose="020B0502040204020203" pitchFamily="34" charset="0"/>
-              </a:rPr>
-              <a:t>More variables or contributing factors can be added to determine additional information.</a:t>
-            </a:r>
-          </a:p>
-          <a:p>
-            <a:pPr marL="493776" lvl="1" indent="-250179" algn="l" defTabSz="658368">
-              <a:lnSpc>
-                <a:spcPct val="90000"/>
-              </a:lnSpc>
-              <a:spcBef>
-                <a:spcPts val="300"/>
-              </a:spcBef>
-              <a:buFont typeface="Arial"/>
-              <a:buChar char="•"/>
-              <a:defRPr sz="720">
-                <a:latin typeface="Roboto"/>
-                <a:ea typeface="Roboto"/>
-                <a:cs typeface="Roboto"/>
-                <a:sym typeface="Roboto"/>
-              </a:defRPr>
-            </a:pPr>
-            <a:r>
-              <a:rPr lang="en-US" sz="2800" dirty="0">
-                <a:latin typeface="Segoe UI Light" panose="020B0502040204020203" pitchFamily="34" charset="0"/>
-                <a:cs typeface="Segoe UI Light" panose="020B0502040204020203" pitchFamily="34" charset="0"/>
-              </a:rPr>
-              <a:t>Playing Surface</a:t>
-            </a:r>
-          </a:p>
-          <a:p>
-            <a:pPr marL="493776" lvl="1" indent="-250179" algn="l" defTabSz="658368">
-              <a:lnSpc>
-                <a:spcPct val="90000"/>
-              </a:lnSpc>
-              <a:spcBef>
-                <a:spcPts val="300"/>
-              </a:spcBef>
-              <a:buFont typeface="Arial"/>
-              <a:buChar char="•"/>
-              <a:defRPr sz="720">
-                <a:latin typeface="Roboto"/>
-                <a:ea typeface="Roboto"/>
-                <a:cs typeface="Roboto"/>
-                <a:sym typeface="Roboto"/>
-              </a:defRPr>
-            </a:pPr>
-            <a:r>
-              <a:rPr lang="en-US" sz="2800" dirty="0">
-                <a:latin typeface="Segoe UI Light" panose="020B0502040204020203" pitchFamily="34" charset="0"/>
-                <a:cs typeface="Segoe UI Light" panose="020B0502040204020203" pitchFamily="34" charset="0"/>
-              </a:rPr>
-              <a:t>Weather</a:t>
-            </a:r>
-          </a:p>
-          <a:p>
-            <a:pPr marL="493776" lvl="1" indent="-250179" algn="l" defTabSz="658368">
-              <a:lnSpc>
-                <a:spcPct val="90000"/>
-              </a:lnSpc>
-              <a:spcBef>
-                <a:spcPts val="300"/>
-              </a:spcBef>
-              <a:buFont typeface="Arial"/>
-              <a:buChar char="•"/>
-              <a:defRPr sz="720">
-                <a:latin typeface="Roboto"/>
-                <a:ea typeface="Roboto"/>
-                <a:cs typeface="Roboto"/>
-                <a:sym typeface="Roboto"/>
-              </a:defRPr>
-            </a:pPr>
-            <a:r>
-              <a:rPr lang="en-US" sz="2800" dirty="0">
-                <a:latin typeface="Segoe UI Light" panose="020B0502040204020203" pitchFamily="34" charset="0"/>
-                <a:cs typeface="Segoe UI Light" panose="020B0502040204020203" pitchFamily="34" charset="0"/>
-              </a:rPr>
-              <a:t>Day of the Week</a:t>
-            </a:r>
-          </a:p>
-          <a:p>
-            <a:pPr marL="493776" lvl="1" indent="-250179" algn="l" defTabSz="658368">
-              <a:lnSpc>
-                <a:spcPct val="90000"/>
-              </a:lnSpc>
-              <a:spcBef>
-                <a:spcPts val="300"/>
-              </a:spcBef>
-              <a:buFont typeface="Arial"/>
-              <a:buChar char="•"/>
-              <a:defRPr sz="720">
-                <a:latin typeface="Roboto"/>
-                <a:ea typeface="Roboto"/>
-                <a:cs typeface="Roboto"/>
-                <a:sym typeface="Roboto"/>
-              </a:defRPr>
-            </a:pPr>
-            <a:r>
-              <a:rPr lang="en-US" sz="2800" dirty="0">
-                <a:latin typeface="Segoe UI Light" panose="020B0502040204020203" pitchFamily="34" charset="0"/>
-                <a:cs typeface="Segoe UI Light" panose="020B0502040204020203" pitchFamily="34" charset="0"/>
-              </a:rPr>
-              <a:t>Expanded to Other Sports Based on the Dataset</a:t>
-            </a:r>
-          </a:p>
-          <a:p>
-            <a:pPr marL="457200" indent="-457200" algn="l">
-              <a:buClr>
-                <a:schemeClr val="accent6"/>
-              </a:buClr>
-              <a:buSzPct val="100000"/>
-              <a:buFont typeface="Arial"/>
-              <a:buChar char="•"/>
-              <a:defRPr sz="2800">
-                <a:solidFill>
-                  <a:srgbClr val="CCCCCC"/>
-                </a:solidFill>
-                <a:latin typeface="Consolas"/>
-                <a:ea typeface="Consolas"/>
-                <a:cs typeface="Consolas"/>
-                <a:sym typeface="Consolas"/>
-              </a:defRPr>
-            </a:pPr>
-            <a:endParaRPr dirty="0"/>
-          </a:p>
-        </p:txBody>
-      </p:sp>
-    </p:spTree>
-    <p:extLst>
-      <p:ext uri="{BB962C8B-B14F-4D97-AF65-F5344CB8AC3E}">
-        <p14:creationId xmlns:p14="http://schemas.microsoft.com/office/powerpoint/2010/main" val="2346883842"/>
-      </p:ext>
-    </p:extLst>
-  </p:cSld>
-  <p:clrMapOvr>
-    <a:masterClrMapping/>
-  </p:clrMapOvr>
-  <p:transition spd="med"/>
-</p:sld>
-</file>
-
-<file path=ppt/slides/slide32.xml><?xml version="1.0" encoding="utf-8"?>
-<p:sld xmlns:a="http://schemas.openxmlformats.org/drawingml/2006/main" xmlns:r="http://schemas.openxmlformats.org/officeDocument/2006/relationships" xmlns:p="http://schemas.openxmlformats.org/presentationml/2006/main">
-  <p:cSld>
-    <p:spTree>
-      <p:nvGrpSpPr>
-        <p:cNvPr id="1" name=""/>
-        <p:cNvGrpSpPr/>
-        <p:nvPr/>
-      </p:nvGrpSpPr>
-      <p:grpSpPr>
-        <a:xfrm>
-          <a:off x="0" y="0"/>
-          <a:ext cx="0" cy="0"/>
-          <a:chOff x="0" y="0"/>
-          <a:chExt cx="0" cy="0"/>
-        </a:xfrm>
-      </p:grpSpPr>
-      <p:sp>
-        <p:nvSpPr>
           <p:cNvPr id="436" name="Title 1"/>
           <p:cNvSpPr txBox="1">
             <a:spLocks noGrp="1"/>
@@ -16900,8 +16952,8 @@
               <a:defRPr sz="2520"/>
             </a:pPr>
             <a:r>
-              <a:rPr dirty="0"/>
-              <a:t>Referee dataset location  -  Joe?</a:t>
+              <a:rPr lang="en-US" dirty="0"/>
+              <a:t>Referee dataset location  -  https://api.sportsdata.io/v3/nfl/</a:t>
             </a:r>
           </a:p>
           <a:p>

--- a/Project_2_Presentation.pptx
+++ b/Project_2_Presentation.pptx
@@ -29,11 +29,11 @@
     <p:sldId id="264" r:id="rId20"/>
     <p:sldId id="265" r:id="rId21"/>
     <p:sldId id="266" r:id="rId22"/>
-    <p:sldId id="267" r:id="rId23"/>
-    <p:sldId id="268" r:id="rId24"/>
-    <p:sldId id="282" r:id="rId25"/>
-    <p:sldId id="283" r:id="rId26"/>
-    <p:sldId id="284" r:id="rId27"/>
+    <p:sldId id="282" r:id="rId23"/>
+    <p:sldId id="283" r:id="rId24"/>
+    <p:sldId id="284" r:id="rId25"/>
+    <p:sldId id="267" r:id="rId26"/>
+    <p:sldId id="268" r:id="rId27"/>
     <p:sldId id="287" r:id="rId28"/>
     <p:sldId id="288" r:id="rId29"/>
     <p:sldId id="290" r:id="rId30"/>
@@ -12232,7 +12232,7 @@
           </a:ln>
           <a:extLst>
             <a:ext uri="{C572A759-6A51-4108-AA02-DFA0A04FC94B}">
-              <ma14:wrappingTextBoxFlag xmlns:ma14="http://schemas.microsoft.com/office/mac/drawingml/2011/main" xmlns:a14="http://schemas.microsoft.com/office/drawing/2010/main" xmlns:m="http://schemas.openxmlformats.org/officeDocument/2006/math" xmlns="" val="1"/>
+              <ma14:wrappingTextBoxFlag xmlns="" xmlns:m="http://schemas.openxmlformats.org/officeDocument/2006/math" xmlns:a14="http://schemas.microsoft.com/office/drawing/2010/main" xmlns:ma14="http://schemas.microsoft.com/office/mac/drawingml/2011/main" val="1"/>
             </a:ext>
           </a:extLst>
         </p:spPr>
@@ -12314,7 +12314,7 @@
           </a:ln>
           <a:extLst>
             <a:ext uri="{C572A759-6A51-4108-AA02-DFA0A04FC94B}">
-              <ma14:wrappingTextBoxFlag xmlns:ma14="http://schemas.microsoft.com/office/mac/drawingml/2011/main" xmlns:a14="http://schemas.microsoft.com/office/drawing/2010/main" xmlns:m="http://schemas.openxmlformats.org/officeDocument/2006/math" xmlns="" val="1"/>
+              <ma14:wrappingTextBoxFlag xmlns="" xmlns:m="http://schemas.openxmlformats.org/officeDocument/2006/math" xmlns:a14="http://schemas.microsoft.com/office/drawing/2010/main" xmlns:ma14="http://schemas.microsoft.com/office/mac/drawingml/2011/main" val="1"/>
             </a:ext>
           </a:extLst>
         </p:spPr>
@@ -14175,7 +14175,7 @@
           </a:ln>
           <a:extLst>
             <a:ext uri="{C572A759-6A51-4108-AA02-DFA0A04FC94B}">
-              <ma14:wrappingTextBoxFlag xmlns:ma14="http://schemas.microsoft.com/office/mac/drawingml/2011/main" xmlns:a14="http://schemas.microsoft.com/office/drawing/2010/main" xmlns:m="http://schemas.openxmlformats.org/officeDocument/2006/math" xmlns="" val="1"/>
+              <ma14:wrappingTextBoxFlag xmlns="" xmlns:m="http://schemas.openxmlformats.org/officeDocument/2006/math" xmlns:a14="http://schemas.microsoft.com/office/drawing/2010/main" xmlns:ma14="http://schemas.microsoft.com/office/mac/drawingml/2011/main" val="1"/>
             </a:ext>
           </a:extLst>
         </p:spPr>
@@ -14306,7 +14306,7 @@
           </a:prstGeom>
           <a:extLst>
             <a:ext uri="{C572A759-6A51-4108-AA02-DFA0A04FC94B}">
-              <ma14:wrappingTextBoxFlag xmlns:ma14="http://schemas.microsoft.com/office/mac/drawingml/2011/main" xmlns:a14="http://schemas.microsoft.com/office/drawing/2010/main" xmlns:m="http://schemas.openxmlformats.org/officeDocument/2006/math" xmlns="" val="1"/>
+              <ma14:wrappingTextBoxFlag xmlns="" xmlns:m="http://schemas.openxmlformats.org/officeDocument/2006/math" xmlns:a14="http://schemas.microsoft.com/office/drawing/2010/main" xmlns:ma14="http://schemas.microsoft.com/office/mac/drawingml/2011/main" val="1"/>
             </a:ext>
           </a:extLst>
         </p:spPr>
@@ -14622,7 +14622,7 @@
           </a:ln>
           <a:extLst>
             <a:ext uri="{C572A759-6A51-4108-AA02-DFA0A04FC94B}">
-              <ma14:wrappingTextBoxFlag xmlns:ma14="http://schemas.microsoft.com/office/mac/drawingml/2011/main" xmlns:a14="http://schemas.microsoft.com/office/drawing/2010/main" xmlns:m="http://schemas.openxmlformats.org/officeDocument/2006/math" xmlns="" val="1"/>
+              <ma14:wrappingTextBoxFlag xmlns="" xmlns:m="http://schemas.openxmlformats.org/officeDocument/2006/math" xmlns:a14="http://schemas.microsoft.com/office/drawing/2010/main" xmlns:ma14="http://schemas.microsoft.com/office/mac/drawingml/2011/main" val="1"/>
             </a:ext>
           </a:extLst>
         </p:spPr>
@@ -14750,7 +14750,7 @@
           </a:ln>
           <a:extLst>
             <a:ext uri="{C572A759-6A51-4108-AA02-DFA0A04FC94B}">
-              <ma14:wrappingTextBoxFlag xmlns:ma14="http://schemas.microsoft.com/office/mac/drawingml/2011/main" xmlns:a14="http://schemas.microsoft.com/office/drawing/2010/main" xmlns:m="http://schemas.openxmlformats.org/officeDocument/2006/math" xmlns="" val="1"/>
+              <ma14:wrappingTextBoxFlag xmlns="" xmlns:m="http://schemas.openxmlformats.org/officeDocument/2006/math" xmlns:a14="http://schemas.microsoft.com/office/drawing/2010/main" xmlns:ma14="http://schemas.microsoft.com/office/mac/drawingml/2011/main" val="1"/>
             </a:ext>
           </a:extLst>
         </p:spPr>
@@ -14795,7 +14795,7 @@
           </a:ln>
           <a:extLst>
             <a:ext uri="{C572A759-6A51-4108-AA02-DFA0A04FC94B}">
-              <ma14:wrappingTextBoxFlag xmlns:ma14="http://schemas.microsoft.com/office/mac/drawingml/2011/main" xmlns:a14="http://schemas.microsoft.com/office/drawing/2010/main" xmlns:m="http://schemas.openxmlformats.org/officeDocument/2006/math" xmlns="" val="1"/>
+              <ma14:wrappingTextBoxFlag xmlns="" xmlns:m="http://schemas.openxmlformats.org/officeDocument/2006/math" xmlns:a14="http://schemas.microsoft.com/office/drawing/2010/main" xmlns:ma14="http://schemas.microsoft.com/office/mac/drawingml/2011/main" val="1"/>
             </a:ext>
           </a:extLst>
         </p:spPr>
@@ -14840,7 +14840,7 @@
           </a:ln>
           <a:extLst>
             <a:ext uri="{C572A759-6A51-4108-AA02-DFA0A04FC94B}">
-              <ma14:wrappingTextBoxFlag xmlns:ma14="http://schemas.microsoft.com/office/mac/drawingml/2011/main" xmlns:a14="http://schemas.microsoft.com/office/drawing/2010/main" xmlns:m="http://schemas.openxmlformats.org/officeDocument/2006/math" xmlns="" val="1"/>
+              <ma14:wrappingTextBoxFlag xmlns="" xmlns:m="http://schemas.openxmlformats.org/officeDocument/2006/math" xmlns:a14="http://schemas.microsoft.com/office/drawing/2010/main" xmlns:ma14="http://schemas.microsoft.com/office/mac/drawingml/2011/main" val="1"/>
             </a:ext>
           </a:extLst>
         </p:spPr>
@@ -15107,7 +15107,7 @@
       </p:grpSpPr>
       <p:sp>
         <p:nvSpPr>
-          <p:cNvPr id="373" name="Title 1"/>
+          <p:cNvPr id="419" name="Title 1"/>
           <p:cNvSpPr txBox="1">
             <a:spLocks noGrp="1"/>
           </p:cNvSpPr>
@@ -15129,14 +15129,22 @@
           <a:lstStyle/>
           <a:p>
             <a:r>
-              <a:t>Analysis and conclusion</a:t>
-            </a:r>
-          </a:p>
-        </p:txBody>
-      </p:sp>
-      <p:sp>
-        <p:nvSpPr>
-          <p:cNvPr id="374" name="Subtitle 2"/>
+              <a:rPr lang="en-US" dirty="0"/>
+              <a:t>Referee Analysis</a:t>
+            </a:r>
+            <a:endParaRPr dirty="0"/>
+          </a:p>
+        </p:txBody>
+      </p:sp>
+      <p:sp>
+        <p:nvSpPr>
+          <p:cNvPr id="2" name="Subtitle 2">
+            <a:extLst>
+              <a:ext uri="{FF2B5EF4-FFF2-40B4-BE49-F238E27FC236}">
+                <a16:creationId xmlns:a16="http://schemas.microsoft.com/office/drawing/2014/main" id="{85C5D74A-79F8-DB33-C8BE-BBC1C95BF20C}"/>
+              </a:ext>
+            </a:extLst>
+          </p:cNvPr>
           <p:cNvSpPr txBox="1">
             <a:spLocks noGrp="1"/>
           </p:cNvSpPr>
@@ -15167,8 +15175,8 @@
               <a:defRPr sz="2400"/>
             </a:pPr>
             <a:r>
-              <a:rPr dirty="0"/>
-              <a:t>Analysis shows – Team or Quarterback with higher ELO had higher or better chance of victory.</a:t>
+              <a:rPr lang="en-US" dirty="0"/>
+              <a:t>SportData.IO has API’s for data for all major sports.  A separate API key is required for each sport. A free 2-week trial is available.  </a:t>
             </a:r>
           </a:p>
           <a:p>
@@ -15182,8 +15190,8 @@
               <a:defRPr sz="2400"/>
             </a:pPr>
             <a:r>
-              <a:rPr dirty="0"/>
-              <a:t>Definite shift right for Team 1 if the ELO is higher.</a:t>
+              <a:rPr lang="en-US" dirty="0"/>
+              <a:t>The data is more focused toward gambling.  However, the weekly scores data includes a Referee ID starting in 2020 and beyond.  The ID corresponds to a separate dataset containing NFL refs.</a:t>
             </a:r>
           </a:p>
           <a:p>
@@ -15197,8 +15205,8 @@
               <a:defRPr sz="2400"/>
             </a:pPr>
             <a:r>
-              <a:rPr dirty="0"/>
-              <a:t>Anyone could win the game regardless.</a:t>
+              <a:rPr lang="en-US" dirty="0"/>
+              <a:t>A script was developed to retrieve each week’s scores for each season, taking into consideration that the number of weeks in a season increased in 2021.</a:t>
             </a:r>
           </a:p>
           <a:p>
@@ -15211,41 +15219,11 @@
               <a:buChar char="•"/>
               <a:defRPr sz="2400"/>
             </a:pPr>
+            <a:r>
+              <a:rPr lang="en-US" dirty="0"/>
+              <a:t>After clean up an analysis, Decision Tree and Random Forest classification both showed around 92% accuracy</a:t>
+            </a:r>
             <a:endParaRPr dirty="0"/>
-          </a:p>
-          <a:p>
-            <a:pPr marL="342900" indent="-342900" algn="l">
-              <a:buClr>
-                <a:schemeClr val="accent6"/>
-              </a:buClr>
-              <a:buSzPct val="100000"/>
-              <a:buFont typeface="Arial"/>
-              <a:buChar char="•"/>
-              <a:defRPr sz="2400"/>
-            </a:pPr>
-            <a:r>
-              <a:rPr dirty="0"/>
-              <a:t>Game location – Was an influential factor.  Team 1 won slightly more often than the away team.</a:t>
-            </a:r>
-          </a:p>
-          <a:p>
-            <a:pPr marL="342900" indent="-342900" algn="l">
-              <a:buClr>
-                <a:schemeClr val="accent6"/>
-              </a:buClr>
-              <a:buSzPct val="100000"/>
-              <a:buFont typeface="Arial"/>
-              <a:buChar char="•"/>
-              <a:defRPr sz="2400"/>
-            </a:pPr>
-            <a:r>
-              <a:rPr dirty="0"/>
-              <a:t>Referee involvement revealed –</a:t>
-            </a:r>
-            <a:r>
-              <a:rPr lang="en-US" dirty="0"/>
-              <a:t> Referee data so far seems to trend toward being a predictor of game winner based on team, but there is only a few seasons of referee data with a small number of matchups between refs and teams to be conclusive.</a:t>
-            </a:r>
           </a:p>
         </p:txBody>
       </p:sp>
@@ -15277,7 +15255,7 @@
       </p:grpSpPr>
       <p:sp>
         <p:nvSpPr>
-          <p:cNvPr id="376" name="Title 1"/>
+          <p:cNvPr id="421" name="Title 1"/>
           <p:cNvSpPr txBox="1">
             <a:spLocks noGrp="1"/>
           </p:cNvSpPr>
@@ -15288,7 +15266,7 @@
         <p:spPr>
           <a:xfrm>
             <a:off x="1155031" y="72511"/>
-            <a:ext cx="8568250" cy="1069848"/>
+            <a:ext cx="10152065" cy="1069848"/>
           </a:xfrm>
           <a:prstGeom prst="rect">
             <a:avLst/>
@@ -15299,85 +15277,43 @@
           <a:lstStyle/>
           <a:p>
             <a:r>
-              <a:t>Analysis and conclusion</a:t>
-            </a:r>
-          </a:p>
-        </p:txBody>
-      </p:sp>
-      <p:sp>
-        <p:nvSpPr>
-          <p:cNvPr id="377" name="Subtitle 2"/>
-          <p:cNvSpPr txBox="1">
-            <a:spLocks noGrp="1"/>
-          </p:cNvSpPr>
-          <p:nvPr>
-            <p:ph type="body" idx="1"/>
-          </p:nvPr>
-        </p:nvSpPr>
-        <p:spPr>
-          <a:xfrm>
-            <a:off x="505325" y="1259304"/>
-            <a:ext cx="11269579" cy="5430255"/>
-          </a:xfrm>
-          <a:prstGeom prst="rect">
-            <a:avLst/>
-          </a:prstGeom>
-        </p:spPr>
-        <p:txBody>
-          <a:bodyPr/>
-          <a:lstStyle/>
-          <a:p>
-            <a:pPr marL="342900" indent="-342900" algn="l">
-              <a:buClr>
-                <a:schemeClr val="accent6"/>
-              </a:buClr>
-              <a:buSzPct val="100000"/>
-              <a:buFont typeface="Arial"/>
-              <a:buChar char="•"/>
-              <a:defRPr sz="2400"/>
-            </a:pPr>
-            <a:r>
-              <a:rPr dirty="0"/>
-              <a:t>Although the accuracy scores never achieved over 68.5 there is consistency in the predictive outcome of the head-to-head match based on teams and quarterback ELO scores, and home field advantage.  </a:t>
-            </a:r>
-          </a:p>
-          <a:p>
-            <a:pPr marL="342900" indent="-342900" algn="l">
-              <a:buClr>
-                <a:schemeClr val="accent6"/>
-              </a:buClr>
-              <a:buSzPct val="100000"/>
-              <a:buFont typeface="Arial"/>
-              <a:buChar char="•"/>
-              <a:defRPr sz="2400"/>
-            </a:pPr>
-            <a:r>
-              <a:rPr dirty="0"/>
-              <a:t>Higher scores in each category resulted in a “win” for that team.  </a:t>
-            </a:r>
-          </a:p>
-          <a:p>
-            <a:pPr marL="342900" indent="-342900" algn="l">
-              <a:buClr>
-                <a:schemeClr val="accent6"/>
-              </a:buClr>
-              <a:buSzPct val="100000"/>
-              <a:buFont typeface="Arial"/>
-              <a:buChar char="•"/>
-              <a:defRPr sz="2400"/>
-            </a:pPr>
-            <a:r>
-              <a:rPr dirty="0"/>
-              <a:t>Referee favorability resulted </a:t>
-            </a:r>
-            <a:r>
               <a:rPr lang="en-US" dirty="0"/>
-              <a:t>showed no significant favorability based on home team</a:t>
+              <a:t>Referee Analysis</a:t>
             </a:r>
             <a:endParaRPr dirty="0"/>
           </a:p>
         </p:txBody>
       </p:sp>
+      <p:pic>
+        <p:nvPicPr>
+          <p:cNvPr id="7" name="Picture 6">
+            <a:extLst>
+              <a:ext uri="{FF2B5EF4-FFF2-40B4-BE49-F238E27FC236}">
+                <a16:creationId xmlns:a16="http://schemas.microsoft.com/office/drawing/2014/main" id="{F2437B74-6266-F458-1F23-2B805B2B8FE5}"/>
+              </a:ext>
+            </a:extLst>
+          </p:cNvPr>
+          <p:cNvPicPr>
+            <a:picLocks noChangeAspect="1"/>
+          </p:cNvPicPr>
+          <p:nvPr/>
+        </p:nvPicPr>
+        <p:blipFill>
+          <a:blip r:embed="rId2"/>
+          <a:stretch>
+            <a:fillRect/>
+          </a:stretch>
+        </p:blipFill>
+        <p:spPr>
+          <a:xfrm>
+            <a:off x="1913649" y="1271781"/>
+            <a:ext cx="8905875" cy="5210175"/>
+          </a:xfrm>
+          <a:prstGeom prst="rect">
+            <a:avLst/>
+          </a:prstGeom>
+        </p:spPr>
+      </p:pic>
     </p:spTree>
   </p:cSld>
   <p:clrMapOvr>
@@ -15406,7 +15342,7 @@
       </p:grpSpPr>
       <p:sp>
         <p:nvSpPr>
-          <p:cNvPr id="419" name="Title 1"/>
+          <p:cNvPr id="423" name="Title 1"/>
           <p:cNvSpPr txBox="1">
             <a:spLocks noGrp="1"/>
           </p:cNvSpPr>
@@ -15417,7 +15353,7 @@
         <p:spPr>
           <a:xfrm>
             <a:off x="1155031" y="72511"/>
-            <a:ext cx="8568250" cy="1069848"/>
+            <a:ext cx="10004581" cy="1069848"/>
           </a:xfrm>
           <a:prstGeom prst="rect">
             <a:avLst/>
@@ -15435,97 +15371,36 @@
           </a:p>
         </p:txBody>
       </p:sp>
-      <p:sp>
-        <p:nvSpPr>
-          <p:cNvPr id="2" name="Subtitle 2">
+      <p:pic>
+        <p:nvPicPr>
+          <p:cNvPr id="5" name="Picture 4">
             <a:extLst>
               <a:ext uri="{FF2B5EF4-FFF2-40B4-BE49-F238E27FC236}">
-                <a16:creationId xmlns:a16="http://schemas.microsoft.com/office/drawing/2014/main" id="{85C5D74A-79F8-DB33-C8BE-BBC1C95BF20C}"/>
+                <a16:creationId xmlns:a16="http://schemas.microsoft.com/office/drawing/2014/main" id="{517D531A-63D8-3379-9286-1260F68D74F8}"/>
               </a:ext>
             </a:extLst>
           </p:cNvPr>
-          <p:cNvSpPr txBox="1">
-            <a:spLocks noGrp="1"/>
-          </p:cNvSpPr>
-          <p:nvPr>
-            <p:ph type="body" idx="1"/>
-          </p:nvPr>
-        </p:nvSpPr>
-        <p:spPr>
-          <a:xfrm>
-            <a:off x="505325" y="1259304"/>
-            <a:ext cx="11269579" cy="5430255"/>
-          </a:xfrm>
-          <a:prstGeom prst="rect">
-            <a:avLst/>
-          </a:prstGeom>
-        </p:spPr>
-        <p:txBody>
-          <a:bodyPr/>
-          <a:lstStyle/>
-          <a:p>
-            <a:pPr marL="342900" indent="-342900" algn="l">
-              <a:buClr>
-                <a:schemeClr val="accent6"/>
-              </a:buClr>
-              <a:buSzPct val="100000"/>
-              <a:buFont typeface="Arial"/>
-              <a:buChar char="•"/>
-              <a:defRPr sz="2400"/>
-            </a:pPr>
-            <a:r>
-              <a:rPr lang="en-US" dirty="0"/>
-              <a:t>SportData.IO has API’s for data for all major sports.  A separate API key is required for each sport. A free 2-week trial is available.  </a:t>
-            </a:r>
-          </a:p>
-          <a:p>
-            <a:pPr marL="342900" indent="-342900" algn="l">
-              <a:buClr>
-                <a:schemeClr val="accent6"/>
-              </a:buClr>
-              <a:buSzPct val="100000"/>
-              <a:buFont typeface="Arial"/>
-              <a:buChar char="•"/>
-              <a:defRPr sz="2400"/>
-            </a:pPr>
-            <a:r>
-              <a:rPr lang="en-US" dirty="0"/>
-              <a:t>The data is more focused toward gambling.  However, the weekly scores data includes a Referee ID starting in 2020 and beyond.  The ID corresponds to a separate dataset containing NFL refs.</a:t>
-            </a:r>
-          </a:p>
-          <a:p>
-            <a:pPr marL="342900" indent="-342900" algn="l">
-              <a:buClr>
-                <a:schemeClr val="accent6"/>
-              </a:buClr>
-              <a:buSzPct val="100000"/>
-              <a:buFont typeface="Arial"/>
-              <a:buChar char="•"/>
-              <a:defRPr sz="2400"/>
-            </a:pPr>
-            <a:r>
-              <a:rPr lang="en-US" dirty="0"/>
-              <a:t>A script was developed to retrieve each week’s scores for each season, taking into consideration that the number of weeks in a season increased in 2021.</a:t>
-            </a:r>
-          </a:p>
-          <a:p>
-            <a:pPr marL="342900" indent="-342900" algn="l">
-              <a:buClr>
-                <a:schemeClr val="accent6"/>
-              </a:buClr>
-              <a:buSzPct val="100000"/>
-              <a:buFont typeface="Arial"/>
-              <a:buChar char="•"/>
-              <a:defRPr sz="2400"/>
-            </a:pPr>
-            <a:r>
-              <a:rPr lang="en-US" dirty="0"/>
-              <a:t>After clean up an analysis, Decision Tree and Random Forest classification both showed around 92% accuracy</a:t>
-            </a:r>
-            <a:endParaRPr dirty="0"/>
-          </a:p>
-        </p:txBody>
-      </p:sp>
+          <p:cNvPicPr>
+            <a:picLocks noChangeAspect="1"/>
+          </p:cNvPicPr>
+          <p:nvPr/>
+        </p:nvPicPr>
+        <p:blipFill>
+          <a:blip r:embed="rId2"/>
+          <a:stretch>
+            <a:fillRect/>
+          </a:stretch>
+        </p:blipFill>
+        <p:spPr>
+          <a:xfrm>
+            <a:off x="2919412" y="1272512"/>
+            <a:ext cx="6353175" cy="4810125"/>
+          </a:xfrm>
+          <a:prstGeom prst="rect">
+            <a:avLst/>
+          </a:prstGeom>
+        </p:spPr>
+      </p:pic>
     </p:spTree>
   </p:cSld>
   <p:clrMapOvr>
@@ -15554,7 +15429,7 @@
       </p:grpSpPr>
       <p:sp>
         <p:nvSpPr>
-          <p:cNvPr id="421" name="Title 1"/>
+          <p:cNvPr id="373" name="Title 1"/>
           <p:cNvSpPr txBox="1">
             <a:spLocks noGrp="1"/>
           </p:cNvSpPr>
@@ -15565,7 +15440,7 @@
         <p:spPr>
           <a:xfrm>
             <a:off x="1155031" y="72511"/>
-            <a:ext cx="10152065" cy="1069848"/>
+            <a:ext cx="8568250" cy="1069848"/>
           </a:xfrm>
           <a:prstGeom prst="rect">
             <a:avLst/>
@@ -15576,43 +15451,126 @@
           <a:lstStyle/>
           <a:p>
             <a:r>
+              <a:t>Analysis and conclusion</a:t>
+            </a:r>
+          </a:p>
+        </p:txBody>
+      </p:sp>
+      <p:sp>
+        <p:nvSpPr>
+          <p:cNvPr id="374" name="Subtitle 2"/>
+          <p:cNvSpPr txBox="1">
+            <a:spLocks noGrp="1"/>
+          </p:cNvSpPr>
+          <p:nvPr>
+            <p:ph type="body" idx="1"/>
+          </p:nvPr>
+        </p:nvSpPr>
+        <p:spPr>
+          <a:xfrm>
+            <a:off x="505325" y="1259304"/>
+            <a:ext cx="11269579" cy="5430255"/>
+          </a:xfrm>
+          <a:prstGeom prst="rect">
+            <a:avLst/>
+          </a:prstGeom>
+        </p:spPr>
+        <p:txBody>
+          <a:bodyPr/>
+          <a:lstStyle/>
+          <a:p>
+            <a:pPr marL="342900" indent="-342900" algn="l">
+              <a:buClr>
+                <a:schemeClr val="accent6"/>
+              </a:buClr>
+              <a:buSzPct val="100000"/>
+              <a:buFont typeface="Arial"/>
+              <a:buChar char="•"/>
+              <a:defRPr sz="2400"/>
+            </a:pPr>
+            <a:r>
+              <a:rPr dirty="0"/>
+              <a:t>Analysis shows – Team or Quarterback with higher ELO had higher or better chance of victory.</a:t>
+            </a:r>
+          </a:p>
+          <a:p>
+            <a:pPr marL="342900" indent="-342900" algn="l">
+              <a:buClr>
+                <a:schemeClr val="accent6"/>
+              </a:buClr>
+              <a:buSzPct val="100000"/>
+              <a:buFont typeface="Arial"/>
+              <a:buChar char="•"/>
+              <a:defRPr sz="2400"/>
+            </a:pPr>
+            <a:r>
+              <a:rPr dirty="0"/>
+              <a:t>Definite shift right for Team 1 if the ELO is higher.</a:t>
+            </a:r>
+          </a:p>
+          <a:p>
+            <a:pPr marL="342900" indent="-342900" algn="l">
+              <a:buClr>
+                <a:schemeClr val="accent6"/>
+              </a:buClr>
+              <a:buSzPct val="100000"/>
+              <a:buFont typeface="Arial"/>
+              <a:buChar char="•"/>
+              <a:defRPr sz="2400"/>
+            </a:pPr>
+            <a:r>
+              <a:rPr dirty="0"/>
+              <a:t>Anyone could win the game regardless.</a:t>
+            </a:r>
+          </a:p>
+          <a:p>
+            <a:pPr marL="342900" indent="-342900" algn="l">
+              <a:buClr>
+                <a:schemeClr val="accent6"/>
+              </a:buClr>
+              <a:buSzPct val="100000"/>
+              <a:buFont typeface="Arial"/>
+              <a:buChar char="•"/>
+              <a:defRPr sz="2400"/>
+            </a:pPr>
+            <a:endParaRPr dirty="0"/>
+          </a:p>
+          <a:p>
+            <a:pPr marL="342900" indent="-342900" algn="l">
+              <a:buClr>
+                <a:schemeClr val="accent6"/>
+              </a:buClr>
+              <a:buSzPct val="100000"/>
+              <a:buFont typeface="Arial"/>
+              <a:buChar char="•"/>
+              <a:defRPr sz="2400"/>
+            </a:pPr>
+            <a:r>
+              <a:rPr dirty="0"/>
+              <a:t>Game location – Was an influential factor.  Team 1 won slightly more often than the away team.</a:t>
+            </a:r>
+          </a:p>
+          <a:p>
+            <a:pPr marL="342900" indent="-342900" algn="l">
+              <a:buClr>
+                <a:schemeClr val="accent6"/>
+              </a:buClr>
+              <a:buSzPct val="100000"/>
+              <a:buFont typeface="Arial"/>
+              <a:buChar char="•"/>
+              <a:defRPr sz="2400"/>
+            </a:pPr>
+            <a:r>
+              <a:rPr dirty="0"/>
+              <a:t>Referee involvement revealed –</a:t>
+            </a:r>
+            <a:r>
               <a:rPr lang="en-US" dirty="0"/>
-              <a:t>Referee Analysis</a:t>
-            </a:r>
-            <a:endParaRPr dirty="0"/>
-          </a:p>
-        </p:txBody>
-      </p:sp>
-      <p:pic>
-        <p:nvPicPr>
-          <p:cNvPr id="7" name="Picture 6">
-            <a:extLst>
-              <a:ext uri="{FF2B5EF4-FFF2-40B4-BE49-F238E27FC236}">
-                <a16:creationId xmlns:a16="http://schemas.microsoft.com/office/drawing/2014/main" id="{F2437B74-6266-F458-1F23-2B805B2B8FE5}"/>
-              </a:ext>
-            </a:extLst>
-          </p:cNvPr>
-          <p:cNvPicPr>
-            <a:picLocks noChangeAspect="1"/>
-          </p:cNvPicPr>
-          <p:nvPr/>
-        </p:nvPicPr>
-        <p:blipFill>
-          <a:blip r:embed="rId2"/>
-          <a:stretch>
-            <a:fillRect/>
-          </a:stretch>
-        </p:blipFill>
-        <p:spPr>
-          <a:xfrm>
-            <a:off x="1913649" y="1271781"/>
-            <a:ext cx="8905875" cy="5210175"/>
-          </a:xfrm>
-          <a:prstGeom prst="rect">
-            <a:avLst/>
-          </a:prstGeom>
-        </p:spPr>
-      </p:pic>
+              <a:t> Referee data so far seems to trend toward being a predictor of game winner based on team, but there is only a few seasons of referee data with a small number of matchups between refs and teams to be conclusive.</a:t>
+            </a:r>
+          </a:p>
+        </p:txBody>
+      </p:sp>
     </p:spTree>
   </p:cSld>
   <p:clrMapOvr>
@@ -15641,7 +15599,7 @@
       </p:grpSpPr>
       <p:sp>
         <p:nvSpPr>
-          <p:cNvPr id="423" name="Title 1"/>
+          <p:cNvPr id="376" name="Title 1"/>
           <p:cNvSpPr txBox="1">
             <a:spLocks noGrp="1"/>
           </p:cNvSpPr>
@@ -15652,7 +15610,7 @@
         <p:spPr>
           <a:xfrm>
             <a:off x="1155031" y="72511"/>
-            <a:ext cx="10004581" cy="1069848"/>
+            <a:ext cx="8568250" cy="1069848"/>
           </a:xfrm>
           <a:prstGeom prst="rect">
             <a:avLst/>
@@ -15663,43 +15621,85 @@
           <a:lstStyle/>
           <a:p>
             <a:r>
+              <a:t>Analysis and conclusion</a:t>
+            </a:r>
+          </a:p>
+        </p:txBody>
+      </p:sp>
+      <p:sp>
+        <p:nvSpPr>
+          <p:cNvPr id="377" name="Subtitle 2"/>
+          <p:cNvSpPr txBox="1">
+            <a:spLocks noGrp="1"/>
+          </p:cNvSpPr>
+          <p:nvPr>
+            <p:ph type="body" idx="1"/>
+          </p:nvPr>
+        </p:nvSpPr>
+        <p:spPr>
+          <a:xfrm>
+            <a:off x="505325" y="1259304"/>
+            <a:ext cx="11269579" cy="5430255"/>
+          </a:xfrm>
+          <a:prstGeom prst="rect">
+            <a:avLst/>
+          </a:prstGeom>
+        </p:spPr>
+        <p:txBody>
+          <a:bodyPr/>
+          <a:lstStyle/>
+          <a:p>
+            <a:pPr marL="342900" indent="-342900" algn="l">
+              <a:buClr>
+                <a:schemeClr val="accent6"/>
+              </a:buClr>
+              <a:buSzPct val="100000"/>
+              <a:buFont typeface="Arial"/>
+              <a:buChar char="•"/>
+              <a:defRPr sz="2400"/>
+            </a:pPr>
+            <a:r>
+              <a:rPr dirty="0"/>
+              <a:t>Although the accuracy scores never achieved over 68.5 there is consistency in the predictive outcome of the head-to-head match based on teams and quarterback ELO scores, and home field advantage.  </a:t>
+            </a:r>
+          </a:p>
+          <a:p>
+            <a:pPr marL="342900" indent="-342900" algn="l">
+              <a:buClr>
+                <a:schemeClr val="accent6"/>
+              </a:buClr>
+              <a:buSzPct val="100000"/>
+              <a:buFont typeface="Arial"/>
+              <a:buChar char="•"/>
+              <a:defRPr sz="2400"/>
+            </a:pPr>
+            <a:r>
+              <a:rPr dirty="0"/>
+              <a:t>Higher scores in each category resulted in a “win” for that team.  </a:t>
+            </a:r>
+          </a:p>
+          <a:p>
+            <a:pPr marL="342900" indent="-342900" algn="l">
+              <a:buClr>
+                <a:schemeClr val="accent6"/>
+              </a:buClr>
+              <a:buSzPct val="100000"/>
+              <a:buFont typeface="Arial"/>
+              <a:buChar char="•"/>
+              <a:defRPr sz="2400"/>
+            </a:pPr>
+            <a:r>
+              <a:rPr dirty="0"/>
+              <a:t>Referee favorability resulted </a:t>
+            </a:r>
+            <a:r>
               <a:rPr lang="en-US" dirty="0"/>
-              <a:t>Referee Analysis</a:t>
+              <a:t>showed no significant favorability based on home team</a:t>
             </a:r>
             <a:endParaRPr dirty="0"/>
           </a:p>
         </p:txBody>
       </p:sp>
-      <p:pic>
-        <p:nvPicPr>
-          <p:cNvPr id="5" name="Picture 4">
-            <a:extLst>
-              <a:ext uri="{FF2B5EF4-FFF2-40B4-BE49-F238E27FC236}">
-                <a16:creationId xmlns:a16="http://schemas.microsoft.com/office/drawing/2014/main" id="{517D531A-63D8-3379-9286-1260F68D74F8}"/>
-              </a:ext>
-            </a:extLst>
-          </p:cNvPr>
-          <p:cNvPicPr>
-            <a:picLocks noChangeAspect="1"/>
-          </p:cNvPicPr>
-          <p:nvPr/>
-        </p:nvPicPr>
-        <p:blipFill>
-          <a:blip r:embed="rId2"/>
-          <a:stretch>
-            <a:fillRect/>
-          </a:stretch>
-        </p:blipFill>
-        <p:spPr>
-          <a:xfrm>
-            <a:off x="2919412" y="1272512"/>
-            <a:ext cx="6353175" cy="4810125"/>
-          </a:xfrm>
-          <a:prstGeom prst="rect">
-            <a:avLst/>
-          </a:prstGeom>
-        </p:spPr>
-      </p:pic>
     </p:spTree>
   </p:cSld>
   <p:clrMapOvr>
